--- a/图像处理流程图.pptx
+++ b/图像处理流程图.pptx
@@ -6,6 +6,7 @@
   </p:sldMasterIdLst>
   <p:sldIdLst>
     <p:sldId id="256" r:id="rId2"/>
+    <p:sldId id="257" r:id="rId3"/>
   </p:sldIdLst>
   <p:sldSz cx="12192000" cy="6858000"/>
   <p:notesSz cx="6858000" cy="9144000"/>
@@ -104,6 +105,11 @@
       </a:defRPr>
     </a:lvl9pPr>
   </p:defaultTextStyle>
+  <p:extLst>
+    <p:ext uri="{EFAFB233-063F-42B5-8137-9DF3F51BA10A}">
+      <p15:sldGuideLst xmlns:p15="http://schemas.microsoft.com/office/powerpoint/2012/main"/>
+    </p:ext>
+  </p:extLst>
 </p:presentation>
 </file>
 
@@ -3321,12 +3327,1774 @@
           <a:chExt cx="0" cy="0"/>
         </a:xfrm>
       </p:grpSpPr>
+      <p:grpSp>
+        <p:nvGrpSpPr>
+          <p:cNvPr id="28" name="组合 27">
+            <a:extLst>
+              <a:ext uri="{FF2B5EF4-FFF2-40B4-BE49-F238E27FC236}">
+                <a16:creationId xmlns:a16="http://schemas.microsoft.com/office/drawing/2014/main" id="{27FF5B0B-9335-4D61-838C-DD2184CDD6E2}"/>
+              </a:ext>
+            </a:extLst>
+          </p:cNvPr>
+          <p:cNvGrpSpPr/>
+          <p:nvPr/>
+        </p:nvGrpSpPr>
+        <p:grpSpPr>
+          <a:xfrm>
+            <a:off x="1046372" y="108404"/>
+            <a:ext cx="3403437" cy="6641192"/>
+            <a:chOff x="3723584" y="197963"/>
+            <a:chExt cx="3403437" cy="6641192"/>
+          </a:xfrm>
+        </p:grpSpPr>
+        <p:sp>
+          <p:nvSpPr>
+            <p:cNvPr id="4" name="矩形: 圆角 3">
+              <a:extLst>
+                <a:ext uri="{FF2B5EF4-FFF2-40B4-BE49-F238E27FC236}">
+                  <a16:creationId xmlns:a16="http://schemas.microsoft.com/office/drawing/2014/main" id="{C879295F-A668-40FA-B6F8-0517CAF31597}"/>
+                </a:ext>
+              </a:extLst>
+            </p:cNvPr>
+            <p:cNvSpPr/>
+            <p:nvPr/>
+          </p:nvSpPr>
+          <p:spPr>
+            <a:xfrm>
+              <a:off x="4458878" y="197963"/>
+              <a:ext cx="1159497" cy="527901"/>
+            </a:xfrm>
+            <a:prstGeom prst="roundRect">
+              <a:avLst/>
+            </a:prstGeom>
+            <a:noFill/>
+            <a:ln w="28575">
+              <a:solidFill>
+                <a:schemeClr val="tx1"/>
+              </a:solidFill>
+            </a:ln>
+          </p:spPr>
+          <p:style>
+            <a:lnRef idx="2">
+              <a:schemeClr val="accent1">
+                <a:shade val="50000"/>
+              </a:schemeClr>
+            </a:lnRef>
+            <a:fillRef idx="1">
+              <a:schemeClr val="accent1"/>
+            </a:fillRef>
+            <a:effectRef idx="0">
+              <a:schemeClr val="accent1"/>
+            </a:effectRef>
+            <a:fontRef idx="minor">
+              <a:schemeClr val="lt1"/>
+            </a:fontRef>
+          </p:style>
+          <p:txBody>
+            <a:bodyPr rtlCol="0" anchor="ctr"/>
+            <a:lstStyle/>
+            <a:p>
+              <a:pPr algn="ctr"/>
+              <a:r>
+                <a:rPr lang="zh-CN" altLang="en-US" dirty="0">
+                  <a:ln w="3175">
+                    <a:solidFill>
+                      <a:schemeClr val="tx1"/>
+                    </a:solidFill>
+                  </a:ln>
+                  <a:solidFill>
+                    <a:schemeClr val="tx1"/>
+                  </a:solidFill>
+                  <a:latin typeface="宋体" panose="02010600030101010101" pitchFamily="2" charset="-122"/>
+                  <a:ea typeface="宋体" panose="02010600030101010101" pitchFamily="2" charset="-122"/>
+                </a:rPr>
+                <a:t>开始</a:t>
+              </a:r>
+            </a:p>
+          </p:txBody>
+        </p:sp>
+        <p:sp>
+          <p:nvSpPr>
+            <p:cNvPr id="5" name="矩形 4">
+              <a:extLst>
+                <a:ext uri="{FF2B5EF4-FFF2-40B4-BE49-F238E27FC236}">
+                  <a16:creationId xmlns:a16="http://schemas.microsoft.com/office/drawing/2014/main" id="{DBB7DF35-80A1-472D-9567-136E371870E9}"/>
+                </a:ext>
+              </a:extLst>
+            </p:cNvPr>
+            <p:cNvSpPr/>
+            <p:nvPr/>
+          </p:nvSpPr>
+          <p:spPr>
+            <a:xfrm>
+              <a:off x="4251486" y="1018095"/>
+              <a:ext cx="1583703" cy="650450"/>
+            </a:xfrm>
+            <a:prstGeom prst="rect">
+              <a:avLst/>
+            </a:prstGeom>
+            <a:noFill/>
+            <a:ln w="28575">
+              <a:solidFill>
+                <a:schemeClr val="tx1"/>
+              </a:solidFill>
+            </a:ln>
+          </p:spPr>
+          <p:style>
+            <a:lnRef idx="2">
+              <a:schemeClr val="accent1">
+                <a:shade val="50000"/>
+              </a:schemeClr>
+            </a:lnRef>
+            <a:fillRef idx="1">
+              <a:schemeClr val="accent1"/>
+            </a:fillRef>
+            <a:effectRef idx="0">
+              <a:schemeClr val="accent1"/>
+            </a:effectRef>
+            <a:fontRef idx="minor">
+              <a:schemeClr val="lt1"/>
+            </a:fontRef>
+          </p:style>
+          <p:txBody>
+            <a:bodyPr rtlCol="0" anchor="ctr"/>
+            <a:lstStyle/>
+            <a:p>
+              <a:pPr algn="ctr"/>
+              <a:r>
+                <a:rPr lang="zh-CN" altLang="en-US" dirty="0">
+                  <a:ln w="3175">
+                    <a:solidFill>
+                      <a:schemeClr val="tx1"/>
+                    </a:solidFill>
+                  </a:ln>
+                  <a:solidFill>
+                    <a:schemeClr val="tx1"/>
+                  </a:solidFill>
+                  <a:latin typeface="宋体" panose="02010600030101010101" pitchFamily="2" charset="-122"/>
+                  <a:ea typeface="宋体" panose="02010600030101010101" pitchFamily="2" charset="-122"/>
+                </a:rPr>
+                <a:t>计算当前图片宽、高</a:t>
+              </a:r>
+            </a:p>
+          </p:txBody>
+        </p:sp>
+        <p:sp>
+          <p:nvSpPr>
+            <p:cNvPr id="2" name="矩形 1">
+              <a:extLst>
+                <a:ext uri="{FF2B5EF4-FFF2-40B4-BE49-F238E27FC236}">
+                  <a16:creationId xmlns:a16="http://schemas.microsoft.com/office/drawing/2014/main" id="{2A9DE313-2289-4851-8E9C-7851D0829C65}"/>
+                </a:ext>
+              </a:extLst>
+            </p:cNvPr>
+            <p:cNvSpPr/>
+            <p:nvPr/>
+          </p:nvSpPr>
+          <p:spPr>
+            <a:xfrm>
+              <a:off x="3808426" y="1956063"/>
+              <a:ext cx="2479250" cy="857839"/>
+            </a:xfrm>
+            <a:prstGeom prst="rect">
+              <a:avLst/>
+            </a:prstGeom>
+            <a:noFill/>
+            <a:ln w="28575">
+              <a:solidFill>
+                <a:schemeClr val="tx1"/>
+              </a:solidFill>
+            </a:ln>
+          </p:spPr>
+          <p:style>
+            <a:lnRef idx="2">
+              <a:schemeClr val="accent1">
+                <a:shade val="50000"/>
+              </a:schemeClr>
+            </a:lnRef>
+            <a:fillRef idx="1">
+              <a:schemeClr val="accent1"/>
+            </a:fillRef>
+            <a:effectRef idx="0">
+              <a:schemeClr val="accent1"/>
+            </a:effectRef>
+            <a:fontRef idx="minor">
+              <a:schemeClr val="lt1"/>
+            </a:fontRef>
+          </p:style>
+          <p:txBody>
+            <a:bodyPr rtlCol="0" anchor="ctr"/>
+            <a:lstStyle/>
+            <a:p>
+              <a:pPr algn="ctr"/>
+              <a:r>
+                <a:rPr lang="zh-CN" altLang="en-US" dirty="0">
+                  <a:ln w="3175">
+                    <a:solidFill>
+                      <a:schemeClr val="tx1"/>
+                    </a:solidFill>
+                  </a:ln>
+                  <a:solidFill>
+                    <a:schemeClr val="tx1"/>
+                  </a:solidFill>
+                  <a:latin typeface="宋体" panose="02010600030101010101" pitchFamily="2" charset="-122"/>
+                  <a:ea typeface="宋体" panose="02010600030101010101" pitchFamily="2" charset="-122"/>
+                </a:rPr>
+                <a:t>打开一个对话框，读入相减的图片</a:t>
+              </a:r>
+            </a:p>
+          </p:txBody>
+        </p:sp>
+        <p:sp>
+          <p:nvSpPr>
+            <p:cNvPr id="6" name="菱形 5">
+              <a:extLst>
+                <a:ext uri="{FF2B5EF4-FFF2-40B4-BE49-F238E27FC236}">
+                  <a16:creationId xmlns:a16="http://schemas.microsoft.com/office/drawing/2014/main" id="{FA016163-AA96-486E-93FA-FEC7C673BC46}"/>
+                </a:ext>
+              </a:extLst>
+            </p:cNvPr>
+            <p:cNvSpPr/>
+            <p:nvPr/>
+          </p:nvSpPr>
+          <p:spPr>
+            <a:xfrm>
+              <a:off x="3723584" y="3101421"/>
+              <a:ext cx="2648932" cy="1159497"/>
+            </a:xfrm>
+            <a:prstGeom prst="diamond">
+              <a:avLst/>
+            </a:prstGeom>
+            <a:noFill/>
+            <a:ln w="28575">
+              <a:solidFill>
+                <a:schemeClr val="tx1"/>
+              </a:solidFill>
+            </a:ln>
+          </p:spPr>
+          <p:style>
+            <a:lnRef idx="2">
+              <a:schemeClr val="accent1">
+                <a:shade val="50000"/>
+              </a:schemeClr>
+            </a:lnRef>
+            <a:fillRef idx="1">
+              <a:schemeClr val="accent1"/>
+            </a:fillRef>
+            <a:effectRef idx="0">
+              <a:schemeClr val="accent1"/>
+            </a:effectRef>
+            <a:fontRef idx="minor">
+              <a:schemeClr val="lt1"/>
+            </a:fontRef>
+          </p:style>
+          <p:txBody>
+            <a:bodyPr rtlCol="0" anchor="ctr"/>
+            <a:lstStyle/>
+            <a:p>
+              <a:pPr algn="ctr"/>
+              <a:r>
+                <a:rPr lang="zh-CN" altLang="en-US" dirty="0">
+                  <a:ln w="3175">
+                    <a:solidFill>
+                      <a:schemeClr val="tx1"/>
+                    </a:solidFill>
+                  </a:ln>
+                  <a:solidFill>
+                    <a:schemeClr val="tx1"/>
+                  </a:solidFill>
+                </a:rPr>
+                <a:t>两张图片是否大小一致？</a:t>
+              </a:r>
+            </a:p>
+          </p:txBody>
+        </p:sp>
+        <p:sp>
+          <p:nvSpPr>
+            <p:cNvPr id="7" name="矩形 6">
+              <a:extLst>
+                <a:ext uri="{FF2B5EF4-FFF2-40B4-BE49-F238E27FC236}">
+                  <a16:creationId xmlns:a16="http://schemas.microsoft.com/office/drawing/2014/main" id="{A285F909-CD77-474B-95AD-5FBA2E23AE39}"/>
+                </a:ext>
+              </a:extLst>
+            </p:cNvPr>
+            <p:cNvSpPr/>
+            <p:nvPr/>
+          </p:nvSpPr>
+          <p:spPr>
+            <a:xfrm>
+              <a:off x="4044096" y="4548437"/>
+              <a:ext cx="2004769" cy="735291"/>
+            </a:xfrm>
+            <a:prstGeom prst="rect">
+              <a:avLst/>
+            </a:prstGeom>
+            <a:noFill/>
+            <a:ln w="28575">
+              <a:solidFill>
+                <a:schemeClr val="tx1"/>
+              </a:solidFill>
+            </a:ln>
+          </p:spPr>
+          <p:style>
+            <a:lnRef idx="2">
+              <a:schemeClr val="accent1">
+                <a:shade val="50000"/>
+              </a:schemeClr>
+            </a:lnRef>
+            <a:fillRef idx="1">
+              <a:schemeClr val="accent1"/>
+            </a:fillRef>
+            <a:effectRef idx="0">
+              <a:schemeClr val="accent1"/>
+            </a:effectRef>
+            <a:fontRef idx="minor">
+              <a:schemeClr val="lt1"/>
+            </a:fontRef>
+          </p:style>
+          <p:txBody>
+            <a:bodyPr rtlCol="0" anchor="ctr"/>
+            <a:lstStyle/>
+            <a:p>
+              <a:pPr algn="ctr"/>
+              <a:r>
+                <a:rPr lang="zh-CN" altLang="en-US" dirty="0">
+                  <a:ln w="3175">
+                    <a:solidFill>
+                      <a:schemeClr val="tx1"/>
+                    </a:solidFill>
+                  </a:ln>
+                  <a:solidFill>
+                    <a:schemeClr val="tx1"/>
+                  </a:solidFill>
+                  <a:latin typeface="宋体" panose="02010600030101010101" pitchFamily="2" charset="-122"/>
+                  <a:ea typeface="宋体" panose="02010600030101010101" pitchFamily="2" charset="-122"/>
+                </a:rPr>
+                <a:t>原图对读入图片，逐像素相减</a:t>
+              </a:r>
+            </a:p>
+          </p:txBody>
+        </p:sp>
+        <p:sp>
+          <p:nvSpPr>
+            <p:cNvPr id="8" name="矩形 7">
+              <a:extLst>
+                <a:ext uri="{FF2B5EF4-FFF2-40B4-BE49-F238E27FC236}">
+                  <a16:creationId xmlns:a16="http://schemas.microsoft.com/office/drawing/2014/main" id="{66B9F0CE-3E43-400E-8A16-77BD3E662A93}"/>
+                </a:ext>
+              </a:extLst>
+            </p:cNvPr>
+            <p:cNvSpPr/>
+            <p:nvPr/>
+          </p:nvSpPr>
+          <p:spPr>
+            <a:xfrm>
+              <a:off x="4363033" y="5571247"/>
+              <a:ext cx="1368459" cy="490195"/>
+            </a:xfrm>
+            <a:prstGeom prst="rect">
+              <a:avLst/>
+            </a:prstGeom>
+            <a:noFill/>
+            <a:ln w="28575">
+              <a:solidFill>
+                <a:schemeClr val="tx1"/>
+              </a:solidFill>
+            </a:ln>
+          </p:spPr>
+          <p:style>
+            <a:lnRef idx="2">
+              <a:schemeClr val="accent1">
+                <a:shade val="50000"/>
+              </a:schemeClr>
+            </a:lnRef>
+            <a:fillRef idx="1">
+              <a:schemeClr val="accent1"/>
+            </a:fillRef>
+            <a:effectRef idx="0">
+              <a:schemeClr val="accent1"/>
+            </a:effectRef>
+            <a:fontRef idx="minor">
+              <a:schemeClr val="lt1"/>
+            </a:fontRef>
+          </p:style>
+          <p:txBody>
+            <a:bodyPr rtlCol="0" anchor="ctr"/>
+            <a:lstStyle/>
+            <a:p>
+              <a:pPr algn="ctr"/>
+              <a:r>
+                <a:rPr lang="zh-CN" altLang="en-US" dirty="0">
+                  <a:ln w="3175">
+                    <a:solidFill>
+                      <a:schemeClr val="tx1"/>
+                    </a:solidFill>
+                  </a:ln>
+                  <a:solidFill>
+                    <a:schemeClr val="tx1"/>
+                  </a:solidFill>
+                  <a:latin typeface="宋体" panose="02010600030101010101" pitchFamily="2" charset="-122"/>
+                  <a:ea typeface="宋体" panose="02010600030101010101" pitchFamily="2" charset="-122"/>
+                </a:rPr>
+                <a:t>显示</a:t>
+              </a:r>
+            </a:p>
+          </p:txBody>
+        </p:sp>
+        <p:sp>
+          <p:nvSpPr>
+            <p:cNvPr id="9" name="矩形: 圆角 8">
+              <a:extLst>
+                <a:ext uri="{FF2B5EF4-FFF2-40B4-BE49-F238E27FC236}">
+                  <a16:creationId xmlns:a16="http://schemas.microsoft.com/office/drawing/2014/main" id="{194E63F7-498B-46ED-9492-36E3E3B8E8F5}"/>
+                </a:ext>
+              </a:extLst>
+            </p:cNvPr>
+            <p:cNvSpPr/>
+            <p:nvPr/>
+          </p:nvSpPr>
+          <p:spPr>
+            <a:xfrm>
+              <a:off x="4466731" y="6348961"/>
+              <a:ext cx="1159497" cy="490194"/>
+            </a:xfrm>
+            <a:prstGeom prst="roundRect">
+              <a:avLst/>
+            </a:prstGeom>
+            <a:noFill/>
+            <a:ln w="28575">
+              <a:solidFill>
+                <a:schemeClr val="tx1"/>
+              </a:solidFill>
+            </a:ln>
+          </p:spPr>
+          <p:style>
+            <a:lnRef idx="2">
+              <a:schemeClr val="accent1">
+                <a:shade val="50000"/>
+              </a:schemeClr>
+            </a:lnRef>
+            <a:fillRef idx="1">
+              <a:schemeClr val="accent1"/>
+            </a:fillRef>
+            <a:effectRef idx="0">
+              <a:schemeClr val="accent1"/>
+            </a:effectRef>
+            <a:fontRef idx="minor">
+              <a:schemeClr val="lt1"/>
+            </a:fontRef>
+          </p:style>
+          <p:txBody>
+            <a:bodyPr rtlCol="0" anchor="ctr"/>
+            <a:lstStyle/>
+            <a:p>
+              <a:pPr algn="ctr"/>
+              <a:r>
+                <a:rPr lang="zh-CN" altLang="en-US" dirty="0">
+                  <a:ln w="3175">
+                    <a:solidFill>
+                      <a:schemeClr val="tx1"/>
+                    </a:solidFill>
+                  </a:ln>
+                  <a:solidFill>
+                    <a:schemeClr val="tx1"/>
+                  </a:solidFill>
+                  <a:latin typeface="宋体" panose="02010600030101010101" pitchFamily="2" charset="-122"/>
+                  <a:ea typeface="宋体" panose="02010600030101010101" pitchFamily="2" charset="-122"/>
+                </a:rPr>
+                <a:t>结束</a:t>
+              </a:r>
+            </a:p>
+          </p:txBody>
+        </p:sp>
+        <p:cxnSp>
+          <p:nvCxnSpPr>
+            <p:cNvPr id="11" name="直接箭头连接符 10">
+              <a:extLst>
+                <a:ext uri="{FF2B5EF4-FFF2-40B4-BE49-F238E27FC236}">
+                  <a16:creationId xmlns:a16="http://schemas.microsoft.com/office/drawing/2014/main" id="{28BBE96A-0EC9-479D-8B6A-416F76D5C692}"/>
+                </a:ext>
+              </a:extLst>
+            </p:cNvPr>
+            <p:cNvCxnSpPr>
+              <a:stCxn id="4" idx="2"/>
+              <a:endCxn id="5" idx="0"/>
+            </p:cNvCxnSpPr>
+            <p:nvPr/>
+          </p:nvCxnSpPr>
+          <p:spPr>
+            <a:xfrm>
+              <a:off x="5038627" y="725864"/>
+              <a:ext cx="4711" cy="292231"/>
+            </a:xfrm>
+            <a:prstGeom prst="straightConnector1">
+              <a:avLst/>
+            </a:prstGeom>
+            <a:ln w="19050">
+              <a:tailEnd type="triangle"/>
+            </a:ln>
+          </p:spPr>
+          <p:style>
+            <a:lnRef idx="1">
+              <a:schemeClr val="dk1"/>
+            </a:lnRef>
+            <a:fillRef idx="0">
+              <a:schemeClr val="dk1"/>
+            </a:fillRef>
+            <a:effectRef idx="0">
+              <a:schemeClr val="dk1"/>
+            </a:effectRef>
+            <a:fontRef idx="minor">
+              <a:schemeClr val="tx1"/>
+            </a:fontRef>
+          </p:style>
+        </p:cxnSp>
+        <p:cxnSp>
+          <p:nvCxnSpPr>
+            <p:cNvPr id="13" name="直接箭头连接符 12">
+              <a:extLst>
+                <a:ext uri="{FF2B5EF4-FFF2-40B4-BE49-F238E27FC236}">
+                  <a16:creationId xmlns:a16="http://schemas.microsoft.com/office/drawing/2014/main" id="{5B01A0A2-BAFC-4E65-8FA5-D73506D3F6F1}"/>
+                </a:ext>
+              </a:extLst>
+            </p:cNvPr>
+            <p:cNvCxnSpPr>
+              <a:stCxn id="5" idx="2"/>
+              <a:endCxn id="2" idx="0"/>
+            </p:cNvCxnSpPr>
+            <p:nvPr/>
+          </p:nvCxnSpPr>
+          <p:spPr>
+            <a:xfrm>
+              <a:off x="5043338" y="1668545"/>
+              <a:ext cx="4713" cy="287518"/>
+            </a:xfrm>
+            <a:prstGeom prst="straightConnector1">
+              <a:avLst/>
+            </a:prstGeom>
+            <a:ln w="19050">
+              <a:tailEnd type="triangle"/>
+            </a:ln>
+          </p:spPr>
+          <p:style>
+            <a:lnRef idx="1">
+              <a:schemeClr val="dk1"/>
+            </a:lnRef>
+            <a:fillRef idx="0">
+              <a:schemeClr val="dk1"/>
+            </a:fillRef>
+            <a:effectRef idx="0">
+              <a:schemeClr val="dk1"/>
+            </a:effectRef>
+            <a:fontRef idx="minor">
+              <a:schemeClr val="tx1"/>
+            </a:fontRef>
+          </p:style>
+        </p:cxnSp>
+        <p:cxnSp>
+          <p:nvCxnSpPr>
+            <p:cNvPr id="15" name="直接箭头连接符 14">
+              <a:extLst>
+                <a:ext uri="{FF2B5EF4-FFF2-40B4-BE49-F238E27FC236}">
+                  <a16:creationId xmlns:a16="http://schemas.microsoft.com/office/drawing/2014/main" id="{054045C3-FCAE-46FE-882F-83B53FFD87D9}"/>
+                </a:ext>
+              </a:extLst>
+            </p:cNvPr>
+            <p:cNvCxnSpPr>
+              <a:stCxn id="2" idx="2"/>
+              <a:endCxn id="6" idx="0"/>
+            </p:cNvCxnSpPr>
+            <p:nvPr/>
+          </p:nvCxnSpPr>
+          <p:spPr>
+            <a:xfrm flipH="1">
+              <a:off x="5048050" y="2813902"/>
+              <a:ext cx="1" cy="287519"/>
+            </a:xfrm>
+            <a:prstGeom prst="straightConnector1">
+              <a:avLst/>
+            </a:prstGeom>
+            <a:ln w="19050">
+              <a:tailEnd type="triangle"/>
+            </a:ln>
+          </p:spPr>
+          <p:style>
+            <a:lnRef idx="1">
+              <a:schemeClr val="dk1"/>
+            </a:lnRef>
+            <a:fillRef idx="0">
+              <a:schemeClr val="dk1"/>
+            </a:fillRef>
+            <a:effectRef idx="0">
+              <a:schemeClr val="dk1"/>
+            </a:effectRef>
+            <a:fontRef idx="minor">
+              <a:schemeClr val="tx1"/>
+            </a:fontRef>
+          </p:style>
+        </p:cxnSp>
+        <p:cxnSp>
+          <p:nvCxnSpPr>
+            <p:cNvPr id="17" name="直接箭头连接符 16">
+              <a:extLst>
+                <a:ext uri="{FF2B5EF4-FFF2-40B4-BE49-F238E27FC236}">
+                  <a16:creationId xmlns:a16="http://schemas.microsoft.com/office/drawing/2014/main" id="{E1F3C082-B398-4C27-9008-7B53D78D9CB7}"/>
+                </a:ext>
+              </a:extLst>
+            </p:cNvPr>
+            <p:cNvCxnSpPr>
+              <a:stCxn id="6" idx="2"/>
+              <a:endCxn id="7" idx="0"/>
+            </p:cNvCxnSpPr>
+            <p:nvPr/>
+          </p:nvCxnSpPr>
+          <p:spPr>
+            <a:xfrm flipH="1">
+              <a:off x="5046481" y="4260918"/>
+              <a:ext cx="1569" cy="287519"/>
+            </a:xfrm>
+            <a:prstGeom prst="straightConnector1">
+              <a:avLst/>
+            </a:prstGeom>
+            <a:ln w="19050">
+              <a:tailEnd type="triangle"/>
+            </a:ln>
+          </p:spPr>
+          <p:style>
+            <a:lnRef idx="1">
+              <a:schemeClr val="dk1"/>
+            </a:lnRef>
+            <a:fillRef idx="0">
+              <a:schemeClr val="dk1"/>
+            </a:fillRef>
+            <a:effectRef idx="0">
+              <a:schemeClr val="dk1"/>
+            </a:effectRef>
+            <a:fontRef idx="minor">
+              <a:schemeClr val="tx1"/>
+            </a:fontRef>
+          </p:style>
+        </p:cxnSp>
+        <p:cxnSp>
+          <p:nvCxnSpPr>
+            <p:cNvPr id="19" name="直接箭头连接符 18">
+              <a:extLst>
+                <a:ext uri="{FF2B5EF4-FFF2-40B4-BE49-F238E27FC236}">
+                  <a16:creationId xmlns:a16="http://schemas.microsoft.com/office/drawing/2014/main" id="{5C915581-1D44-4839-9731-D12EA81974DE}"/>
+                </a:ext>
+              </a:extLst>
+            </p:cNvPr>
+            <p:cNvCxnSpPr>
+              <a:stCxn id="7" idx="2"/>
+              <a:endCxn id="8" idx="0"/>
+            </p:cNvCxnSpPr>
+            <p:nvPr/>
+          </p:nvCxnSpPr>
+          <p:spPr>
+            <a:xfrm>
+              <a:off x="5046481" y="5283728"/>
+              <a:ext cx="782" cy="287519"/>
+            </a:xfrm>
+            <a:prstGeom prst="straightConnector1">
+              <a:avLst/>
+            </a:prstGeom>
+            <a:ln w="19050">
+              <a:tailEnd type="triangle"/>
+            </a:ln>
+          </p:spPr>
+          <p:style>
+            <a:lnRef idx="1">
+              <a:schemeClr val="dk1"/>
+            </a:lnRef>
+            <a:fillRef idx="0">
+              <a:schemeClr val="dk1"/>
+            </a:fillRef>
+            <a:effectRef idx="0">
+              <a:schemeClr val="dk1"/>
+            </a:effectRef>
+            <a:fontRef idx="minor">
+              <a:schemeClr val="tx1"/>
+            </a:fontRef>
+          </p:style>
+        </p:cxnSp>
+        <p:cxnSp>
+          <p:nvCxnSpPr>
+            <p:cNvPr id="21" name="直接箭头连接符 20">
+              <a:extLst>
+                <a:ext uri="{FF2B5EF4-FFF2-40B4-BE49-F238E27FC236}">
+                  <a16:creationId xmlns:a16="http://schemas.microsoft.com/office/drawing/2014/main" id="{AFE1E455-BFCD-4882-8603-75264C28EEC9}"/>
+                </a:ext>
+              </a:extLst>
+            </p:cNvPr>
+            <p:cNvCxnSpPr>
+              <a:stCxn id="8" idx="2"/>
+              <a:endCxn id="9" idx="0"/>
+            </p:cNvCxnSpPr>
+            <p:nvPr/>
+          </p:nvCxnSpPr>
+          <p:spPr>
+            <a:xfrm flipH="1">
+              <a:off x="5046480" y="6061442"/>
+              <a:ext cx="783" cy="287519"/>
+            </a:xfrm>
+            <a:prstGeom prst="straightConnector1">
+              <a:avLst/>
+            </a:prstGeom>
+            <a:ln w="19050">
+              <a:tailEnd type="triangle"/>
+            </a:ln>
+          </p:spPr>
+          <p:style>
+            <a:lnRef idx="1">
+              <a:schemeClr val="dk1"/>
+            </a:lnRef>
+            <a:fillRef idx="0">
+              <a:schemeClr val="dk1"/>
+            </a:fillRef>
+            <a:effectRef idx="0">
+              <a:schemeClr val="dk1"/>
+            </a:effectRef>
+            <a:fontRef idx="minor">
+              <a:schemeClr val="tx1"/>
+            </a:fontRef>
+          </p:style>
+        </p:cxnSp>
+        <p:cxnSp>
+          <p:nvCxnSpPr>
+            <p:cNvPr id="25" name="连接符: 肘形 24">
+              <a:extLst>
+                <a:ext uri="{FF2B5EF4-FFF2-40B4-BE49-F238E27FC236}">
+                  <a16:creationId xmlns:a16="http://schemas.microsoft.com/office/drawing/2014/main" id="{1577096C-A9A1-4EBB-96E3-A8575A23CC59}"/>
+                </a:ext>
+              </a:extLst>
+            </p:cNvPr>
+            <p:cNvCxnSpPr>
+              <a:stCxn id="6" idx="3"/>
+              <a:endCxn id="9" idx="3"/>
+            </p:cNvCxnSpPr>
+            <p:nvPr/>
+          </p:nvCxnSpPr>
+          <p:spPr>
+            <a:xfrm flipH="1">
+              <a:off x="5626228" y="3681170"/>
+              <a:ext cx="746288" cy="2912888"/>
+            </a:xfrm>
+            <a:prstGeom prst="bentConnector3">
+              <a:avLst>
+                <a:gd name="adj1" fmla="val -30632"/>
+              </a:avLst>
+            </a:prstGeom>
+            <a:ln w="19050">
+              <a:tailEnd type="triangle"/>
+            </a:ln>
+          </p:spPr>
+          <p:style>
+            <a:lnRef idx="1">
+              <a:schemeClr val="dk1"/>
+            </a:lnRef>
+            <a:fillRef idx="0">
+              <a:schemeClr val="dk1"/>
+            </a:fillRef>
+            <a:effectRef idx="0">
+              <a:schemeClr val="dk1"/>
+            </a:effectRef>
+            <a:fontRef idx="minor">
+              <a:schemeClr val="tx1"/>
+            </a:fontRef>
+          </p:style>
+        </p:cxnSp>
+        <p:sp>
+          <p:nvSpPr>
+            <p:cNvPr id="26" name="文本框 25">
+              <a:extLst>
+                <a:ext uri="{FF2B5EF4-FFF2-40B4-BE49-F238E27FC236}">
+                  <a16:creationId xmlns:a16="http://schemas.microsoft.com/office/drawing/2014/main" id="{CF414193-CC98-4C1A-ACF4-7222A97AC343}"/>
+                </a:ext>
+              </a:extLst>
+            </p:cNvPr>
+            <p:cNvSpPr txBox="1"/>
+            <p:nvPr/>
+          </p:nvSpPr>
+          <p:spPr>
+            <a:xfrm>
+              <a:off x="5240579" y="4157894"/>
+              <a:ext cx="415498" cy="369332"/>
+            </a:xfrm>
+            <a:prstGeom prst="rect">
+              <a:avLst/>
+            </a:prstGeom>
+            <a:noFill/>
+          </p:spPr>
+          <p:txBody>
+            <a:bodyPr wrap="none" rtlCol="0">
+              <a:spAutoFit/>
+            </a:bodyPr>
+            <a:lstStyle/>
+            <a:p>
+              <a:pPr algn="ctr"/>
+              <a:r>
+                <a:rPr lang="zh-CN" altLang="en-US" dirty="0">
+                  <a:ln w="3175">
+                    <a:solidFill>
+                      <a:schemeClr val="tx1"/>
+                    </a:solidFill>
+                  </a:ln>
+                  <a:latin typeface="宋体" panose="02010600030101010101" pitchFamily="2" charset="-122"/>
+                  <a:ea typeface="宋体" panose="02010600030101010101" pitchFamily="2" charset="-122"/>
+                </a:rPr>
+                <a:t>是</a:t>
+              </a:r>
+            </a:p>
+          </p:txBody>
+        </p:sp>
+        <p:sp>
+          <p:nvSpPr>
+            <p:cNvPr id="27" name="文本框 26">
+              <a:extLst>
+                <a:ext uri="{FF2B5EF4-FFF2-40B4-BE49-F238E27FC236}">
+                  <a16:creationId xmlns:a16="http://schemas.microsoft.com/office/drawing/2014/main" id="{C840A726-C4DB-4C42-9645-0FA0F656F515}"/>
+                </a:ext>
+              </a:extLst>
+            </p:cNvPr>
+            <p:cNvSpPr txBox="1"/>
+            <p:nvPr/>
+          </p:nvSpPr>
+          <p:spPr>
+            <a:xfrm>
+              <a:off x="6711523" y="4157894"/>
+              <a:ext cx="415498" cy="369332"/>
+            </a:xfrm>
+            <a:prstGeom prst="rect">
+              <a:avLst/>
+            </a:prstGeom>
+            <a:noFill/>
+          </p:spPr>
+          <p:txBody>
+            <a:bodyPr wrap="none" rtlCol="0">
+              <a:spAutoFit/>
+            </a:bodyPr>
+            <a:lstStyle/>
+            <a:p>
+              <a:pPr algn="ctr"/>
+              <a:r>
+                <a:rPr lang="zh-CN" altLang="en-US" dirty="0">
+                  <a:ln w="3175">
+                    <a:solidFill>
+                      <a:schemeClr val="tx1"/>
+                    </a:solidFill>
+                  </a:ln>
+                  <a:latin typeface="宋体" panose="02010600030101010101" pitchFamily="2" charset="-122"/>
+                  <a:ea typeface="宋体" panose="02010600030101010101" pitchFamily="2" charset="-122"/>
+                </a:rPr>
+                <a:t>否</a:t>
+              </a:r>
+            </a:p>
+          </p:txBody>
+        </p:sp>
+      </p:grpSp>
+      <p:grpSp>
+        <p:nvGrpSpPr>
+          <p:cNvPr id="61" name="组合 60">
+            <a:extLst>
+              <a:ext uri="{FF2B5EF4-FFF2-40B4-BE49-F238E27FC236}">
+                <a16:creationId xmlns:a16="http://schemas.microsoft.com/office/drawing/2014/main" id="{EB05AAA8-DCE0-40B0-B762-4871AAD381DC}"/>
+              </a:ext>
+            </a:extLst>
+          </p:cNvPr>
+          <p:cNvGrpSpPr/>
+          <p:nvPr/>
+        </p:nvGrpSpPr>
+        <p:grpSpPr>
+          <a:xfrm>
+            <a:off x="7223719" y="108404"/>
+            <a:ext cx="3434859" cy="6722834"/>
+            <a:chOff x="7223719" y="108404"/>
+            <a:chExt cx="3434859" cy="6722834"/>
+          </a:xfrm>
+        </p:grpSpPr>
+        <p:sp>
+          <p:nvSpPr>
+            <p:cNvPr id="30" name="矩形: 圆角 29">
+              <a:extLst>
+                <a:ext uri="{FF2B5EF4-FFF2-40B4-BE49-F238E27FC236}">
+                  <a16:creationId xmlns:a16="http://schemas.microsoft.com/office/drawing/2014/main" id="{EC5F818F-9DCC-4A94-9EFC-52D40D017037}"/>
+                </a:ext>
+              </a:extLst>
+            </p:cNvPr>
+            <p:cNvSpPr/>
+            <p:nvPr/>
+          </p:nvSpPr>
+          <p:spPr>
+            <a:xfrm>
+              <a:off x="7949583" y="108404"/>
+              <a:ext cx="1159497" cy="527901"/>
+            </a:xfrm>
+            <a:prstGeom prst="roundRect">
+              <a:avLst/>
+            </a:prstGeom>
+            <a:noFill/>
+            <a:ln w="28575">
+              <a:solidFill>
+                <a:schemeClr val="tx1"/>
+              </a:solidFill>
+            </a:ln>
+          </p:spPr>
+          <p:style>
+            <a:lnRef idx="2">
+              <a:schemeClr val="accent1">
+                <a:shade val="50000"/>
+              </a:schemeClr>
+            </a:lnRef>
+            <a:fillRef idx="1">
+              <a:schemeClr val="accent1"/>
+            </a:fillRef>
+            <a:effectRef idx="0">
+              <a:schemeClr val="accent1"/>
+            </a:effectRef>
+            <a:fontRef idx="minor">
+              <a:schemeClr val="lt1"/>
+            </a:fontRef>
+          </p:style>
+          <p:txBody>
+            <a:bodyPr rtlCol="0" anchor="ctr"/>
+            <a:lstStyle/>
+            <a:p>
+              <a:pPr algn="ctr"/>
+              <a:r>
+                <a:rPr lang="zh-CN" altLang="en-US" dirty="0">
+                  <a:ln w="3175">
+                    <a:solidFill>
+                      <a:schemeClr val="tx1"/>
+                    </a:solidFill>
+                  </a:ln>
+                  <a:solidFill>
+                    <a:schemeClr val="tx1"/>
+                  </a:solidFill>
+                  <a:latin typeface="宋体" panose="02010600030101010101" pitchFamily="2" charset="-122"/>
+                  <a:ea typeface="宋体" panose="02010600030101010101" pitchFamily="2" charset="-122"/>
+                </a:rPr>
+                <a:t>开始</a:t>
+              </a:r>
+            </a:p>
+          </p:txBody>
+        </p:sp>
+        <p:sp>
+          <p:nvSpPr>
+            <p:cNvPr id="31" name="矩形 30">
+              <a:extLst>
+                <a:ext uri="{FF2B5EF4-FFF2-40B4-BE49-F238E27FC236}">
+                  <a16:creationId xmlns:a16="http://schemas.microsoft.com/office/drawing/2014/main" id="{CB7DCF44-75DC-4C57-9EBD-10D66370FF1D}"/>
+                </a:ext>
+              </a:extLst>
+            </p:cNvPr>
+            <p:cNvSpPr/>
+            <p:nvPr/>
+          </p:nvSpPr>
+          <p:spPr>
+            <a:xfrm>
+              <a:off x="7742191" y="928536"/>
+              <a:ext cx="1583703" cy="650450"/>
+            </a:xfrm>
+            <a:prstGeom prst="rect">
+              <a:avLst/>
+            </a:prstGeom>
+            <a:noFill/>
+            <a:ln w="28575">
+              <a:solidFill>
+                <a:schemeClr val="tx1"/>
+              </a:solidFill>
+            </a:ln>
+          </p:spPr>
+          <p:style>
+            <a:lnRef idx="2">
+              <a:schemeClr val="accent1">
+                <a:shade val="50000"/>
+              </a:schemeClr>
+            </a:lnRef>
+            <a:fillRef idx="1">
+              <a:schemeClr val="accent1"/>
+            </a:fillRef>
+            <a:effectRef idx="0">
+              <a:schemeClr val="accent1"/>
+            </a:effectRef>
+            <a:fontRef idx="minor">
+              <a:schemeClr val="lt1"/>
+            </a:fontRef>
+          </p:style>
+          <p:txBody>
+            <a:bodyPr rtlCol="0" anchor="ctr"/>
+            <a:lstStyle/>
+            <a:p>
+              <a:pPr algn="ctr"/>
+              <a:r>
+                <a:rPr lang="zh-CN" altLang="en-US" dirty="0">
+                  <a:ln w="3175">
+                    <a:solidFill>
+                      <a:schemeClr val="tx1"/>
+                    </a:solidFill>
+                  </a:ln>
+                  <a:solidFill>
+                    <a:schemeClr val="tx1"/>
+                  </a:solidFill>
+                  <a:latin typeface="宋体" panose="02010600030101010101" pitchFamily="2" charset="-122"/>
+                  <a:ea typeface="宋体" panose="02010600030101010101" pitchFamily="2" charset="-122"/>
+                </a:rPr>
+                <a:t>计算当前图片宽、高</a:t>
+              </a:r>
+            </a:p>
+          </p:txBody>
+        </p:sp>
+        <p:sp>
+          <p:nvSpPr>
+            <p:cNvPr id="32" name="矩形 31">
+              <a:extLst>
+                <a:ext uri="{FF2B5EF4-FFF2-40B4-BE49-F238E27FC236}">
+                  <a16:creationId xmlns:a16="http://schemas.microsoft.com/office/drawing/2014/main" id="{86B75CFF-2E5C-48F6-BDD6-94C12CD9ED62}"/>
+                </a:ext>
+              </a:extLst>
+            </p:cNvPr>
+            <p:cNvSpPr/>
+            <p:nvPr/>
+          </p:nvSpPr>
+          <p:spPr>
+            <a:xfrm>
+              <a:off x="7299131" y="1866504"/>
+              <a:ext cx="2479250" cy="857839"/>
+            </a:xfrm>
+            <a:prstGeom prst="rect">
+              <a:avLst/>
+            </a:prstGeom>
+            <a:noFill/>
+            <a:ln w="28575">
+              <a:solidFill>
+                <a:schemeClr val="tx1"/>
+              </a:solidFill>
+            </a:ln>
+          </p:spPr>
+          <p:style>
+            <a:lnRef idx="2">
+              <a:schemeClr val="accent1">
+                <a:shade val="50000"/>
+              </a:schemeClr>
+            </a:lnRef>
+            <a:fillRef idx="1">
+              <a:schemeClr val="accent1"/>
+            </a:fillRef>
+            <a:effectRef idx="0">
+              <a:schemeClr val="accent1"/>
+            </a:effectRef>
+            <a:fontRef idx="minor">
+              <a:schemeClr val="lt1"/>
+            </a:fontRef>
+          </p:style>
+          <p:txBody>
+            <a:bodyPr rtlCol="0" anchor="ctr"/>
+            <a:lstStyle/>
+            <a:p>
+              <a:pPr algn="ctr"/>
+              <a:r>
+                <a:rPr lang="zh-CN" altLang="en-US" dirty="0">
+                  <a:ln w="3175">
+                    <a:solidFill>
+                      <a:schemeClr val="tx1"/>
+                    </a:solidFill>
+                  </a:ln>
+                  <a:solidFill>
+                    <a:schemeClr val="tx1"/>
+                  </a:solidFill>
+                  <a:latin typeface="宋体" panose="02010600030101010101" pitchFamily="2" charset="-122"/>
+                  <a:ea typeface="宋体" panose="02010600030101010101" pitchFamily="2" charset="-122"/>
+                </a:rPr>
+                <a:t>打开一个对话框，记录所有需要叠加的图片名</a:t>
+              </a:r>
+            </a:p>
+          </p:txBody>
+        </p:sp>
+        <p:sp>
+          <p:nvSpPr>
+            <p:cNvPr id="33" name="菱形 32">
+              <a:extLst>
+                <a:ext uri="{FF2B5EF4-FFF2-40B4-BE49-F238E27FC236}">
+                  <a16:creationId xmlns:a16="http://schemas.microsoft.com/office/drawing/2014/main" id="{EC07245F-BEEF-4F8C-AD56-21D48B10D28F}"/>
+                </a:ext>
+              </a:extLst>
+            </p:cNvPr>
+            <p:cNvSpPr/>
+            <p:nvPr/>
+          </p:nvSpPr>
+          <p:spPr>
+            <a:xfrm>
+              <a:off x="7223719" y="3093504"/>
+              <a:ext cx="2648932" cy="1159497"/>
+            </a:xfrm>
+            <a:prstGeom prst="diamond">
+              <a:avLst/>
+            </a:prstGeom>
+            <a:noFill/>
+            <a:ln w="28575">
+              <a:solidFill>
+                <a:schemeClr val="tx1"/>
+              </a:solidFill>
+            </a:ln>
+          </p:spPr>
+          <p:style>
+            <a:lnRef idx="2">
+              <a:schemeClr val="accent1">
+                <a:shade val="50000"/>
+              </a:schemeClr>
+            </a:lnRef>
+            <a:fillRef idx="1">
+              <a:schemeClr val="accent1"/>
+            </a:fillRef>
+            <a:effectRef idx="0">
+              <a:schemeClr val="accent1"/>
+            </a:effectRef>
+            <a:fontRef idx="minor">
+              <a:schemeClr val="lt1"/>
+            </a:fontRef>
+          </p:style>
+          <p:txBody>
+            <a:bodyPr rtlCol="0" anchor="ctr"/>
+            <a:lstStyle/>
+            <a:p>
+              <a:pPr algn="ctr"/>
+              <a:r>
+                <a:rPr lang="zh-CN" altLang="en-US" dirty="0">
+                  <a:ln w="3175">
+                    <a:solidFill>
+                      <a:schemeClr val="tx1"/>
+                    </a:solidFill>
+                  </a:ln>
+                  <a:solidFill>
+                    <a:schemeClr val="tx1"/>
+                  </a:solidFill>
+                </a:rPr>
+                <a:t>两张图片是否大小一致？</a:t>
+              </a:r>
+            </a:p>
+          </p:txBody>
+        </p:sp>
+        <p:sp>
+          <p:nvSpPr>
+            <p:cNvPr id="34" name="矩形 33">
+              <a:extLst>
+                <a:ext uri="{FF2B5EF4-FFF2-40B4-BE49-F238E27FC236}">
+                  <a16:creationId xmlns:a16="http://schemas.microsoft.com/office/drawing/2014/main" id="{6736A665-9EE2-4CE8-B0FE-A0121A367496}"/>
+                </a:ext>
+              </a:extLst>
+            </p:cNvPr>
+            <p:cNvSpPr/>
+            <p:nvPr/>
+          </p:nvSpPr>
+          <p:spPr>
+            <a:xfrm>
+              <a:off x="7507917" y="4521492"/>
+              <a:ext cx="2080536" cy="735291"/>
+            </a:xfrm>
+            <a:prstGeom prst="rect">
+              <a:avLst/>
+            </a:prstGeom>
+            <a:noFill/>
+            <a:ln w="28575">
+              <a:solidFill>
+                <a:schemeClr val="tx1"/>
+              </a:solidFill>
+            </a:ln>
+          </p:spPr>
+          <p:style>
+            <a:lnRef idx="2">
+              <a:schemeClr val="accent1">
+                <a:shade val="50000"/>
+              </a:schemeClr>
+            </a:lnRef>
+            <a:fillRef idx="1">
+              <a:schemeClr val="accent1"/>
+            </a:fillRef>
+            <a:effectRef idx="0">
+              <a:schemeClr val="accent1"/>
+            </a:effectRef>
+            <a:fontRef idx="minor">
+              <a:schemeClr val="lt1"/>
+            </a:fontRef>
+          </p:style>
+          <p:txBody>
+            <a:bodyPr rtlCol="0" anchor="ctr"/>
+            <a:lstStyle/>
+            <a:p>
+              <a:pPr algn="ctr"/>
+              <a:r>
+                <a:rPr lang="zh-CN" altLang="en-US" dirty="0">
+                  <a:ln w="3175">
+                    <a:solidFill>
+                      <a:schemeClr val="tx1"/>
+                    </a:solidFill>
+                  </a:ln>
+                  <a:solidFill>
+                    <a:schemeClr val="tx1"/>
+                  </a:solidFill>
+                  <a:latin typeface="宋体" panose="02010600030101010101" pitchFamily="2" charset="-122"/>
+                  <a:ea typeface="宋体" panose="02010600030101010101" pitchFamily="2" charset="-122"/>
+                </a:rPr>
+                <a:t>原图对读入图片，逐像素叠加求均值</a:t>
+              </a:r>
+            </a:p>
+          </p:txBody>
+        </p:sp>
+        <p:sp>
+          <p:nvSpPr>
+            <p:cNvPr id="35" name="矩形 34">
+              <a:extLst>
+                <a:ext uri="{FF2B5EF4-FFF2-40B4-BE49-F238E27FC236}">
+                  <a16:creationId xmlns:a16="http://schemas.microsoft.com/office/drawing/2014/main" id="{9ED76189-AAF5-4287-BC28-B59DE6ABC534}"/>
+                </a:ext>
+              </a:extLst>
+            </p:cNvPr>
+            <p:cNvSpPr/>
+            <p:nvPr/>
+          </p:nvSpPr>
+          <p:spPr>
+            <a:xfrm>
+              <a:off x="7863168" y="5563330"/>
+              <a:ext cx="1368459" cy="490195"/>
+            </a:xfrm>
+            <a:prstGeom prst="rect">
+              <a:avLst/>
+            </a:prstGeom>
+            <a:noFill/>
+            <a:ln w="28575">
+              <a:solidFill>
+                <a:schemeClr val="tx1"/>
+              </a:solidFill>
+            </a:ln>
+          </p:spPr>
+          <p:style>
+            <a:lnRef idx="2">
+              <a:schemeClr val="accent1">
+                <a:shade val="50000"/>
+              </a:schemeClr>
+            </a:lnRef>
+            <a:fillRef idx="1">
+              <a:schemeClr val="accent1"/>
+            </a:fillRef>
+            <a:effectRef idx="0">
+              <a:schemeClr val="accent1"/>
+            </a:effectRef>
+            <a:fontRef idx="minor">
+              <a:schemeClr val="lt1"/>
+            </a:fontRef>
+          </p:style>
+          <p:txBody>
+            <a:bodyPr rtlCol="0" anchor="ctr"/>
+            <a:lstStyle/>
+            <a:p>
+              <a:pPr algn="ctr"/>
+              <a:r>
+                <a:rPr lang="zh-CN" altLang="en-US" dirty="0">
+                  <a:ln w="3175">
+                    <a:solidFill>
+                      <a:schemeClr val="tx1"/>
+                    </a:solidFill>
+                  </a:ln>
+                  <a:solidFill>
+                    <a:schemeClr val="tx1"/>
+                  </a:solidFill>
+                  <a:latin typeface="宋体" panose="02010600030101010101" pitchFamily="2" charset="-122"/>
+                  <a:ea typeface="宋体" panose="02010600030101010101" pitchFamily="2" charset="-122"/>
+                </a:rPr>
+                <a:t>显示</a:t>
+              </a:r>
+            </a:p>
+          </p:txBody>
+        </p:sp>
+        <p:sp>
+          <p:nvSpPr>
+            <p:cNvPr id="36" name="矩形: 圆角 35">
+              <a:extLst>
+                <a:ext uri="{FF2B5EF4-FFF2-40B4-BE49-F238E27FC236}">
+                  <a16:creationId xmlns:a16="http://schemas.microsoft.com/office/drawing/2014/main" id="{5937FA79-E53E-46A5-8460-4A9A483F330E}"/>
+                </a:ext>
+              </a:extLst>
+            </p:cNvPr>
+            <p:cNvSpPr/>
+            <p:nvPr/>
+          </p:nvSpPr>
+          <p:spPr>
+            <a:xfrm>
+              <a:off x="7966867" y="6341044"/>
+              <a:ext cx="1159497" cy="490194"/>
+            </a:xfrm>
+            <a:prstGeom prst="roundRect">
+              <a:avLst/>
+            </a:prstGeom>
+            <a:noFill/>
+            <a:ln w="28575">
+              <a:solidFill>
+                <a:schemeClr val="tx1"/>
+              </a:solidFill>
+            </a:ln>
+          </p:spPr>
+          <p:style>
+            <a:lnRef idx="2">
+              <a:schemeClr val="accent1">
+                <a:shade val="50000"/>
+              </a:schemeClr>
+            </a:lnRef>
+            <a:fillRef idx="1">
+              <a:schemeClr val="accent1"/>
+            </a:fillRef>
+            <a:effectRef idx="0">
+              <a:schemeClr val="accent1"/>
+            </a:effectRef>
+            <a:fontRef idx="minor">
+              <a:schemeClr val="lt1"/>
+            </a:fontRef>
+          </p:style>
+          <p:txBody>
+            <a:bodyPr rtlCol="0" anchor="ctr"/>
+            <a:lstStyle/>
+            <a:p>
+              <a:pPr algn="ctr"/>
+              <a:r>
+                <a:rPr lang="zh-CN" altLang="en-US" dirty="0">
+                  <a:ln w="3175">
+                    <a:solidFill>
+                      <a:schemeClr val="tx1"/>
+                    </a:solidFill>
+                  </a:ln>
+                  <a:solidFill>
+                    <a:schemeClr val="tx1"/>
+                  </a:solidFill>
+                  <a:latin typeface="宋体" panose="02010600030101010101" pitchFamily="2" charset="-122"/>
+                  <a:ea typeface="宋体" panose="02010600030101010101" pitchFamily="2" charset="-122"/>
+                </a:rPr>
+                <a:t>结束</a:t>
+              </a:r>
+            </a:p>
+          </p:txBody>
+        </p:sp>
+        <p:cxnSp>
+          <p:nvCxnSpPr>
+            <p:cNvPr id="37" name="直接箭头连接符 36">
+              <a:extLst>
+                <a:ext uri="{FF2B5EF4-FFF2-40B4-BE49-F238E27FC236}">
+                  <a16:creationId xmlns:a16="http://schemas.microsoft.com/office/drawing/2014/main" id="{D4ABF055-03A9-4E0E-A63C-DDBD315328F2}"/>
+                </a:ext>
+              </a:extLst>
+            </p:cNvPr>
+            <p:cNvCxnSpPr>
+              <a:stCxn id="30" idx="2"/>
+              <a:endCxn id="31" idx="0"/>
+            </p:cNvCxnSpPr>
+            <p:nvPr/>
+          </p:nvCxnSpPr>
+          <p:spPr>
+            <a:xfrm>
+              <a:off x="8529332" y="636305"/>
+              <a:ext cx="4711" cy="292231"/>
+            </a:xfrm>
+            <a:prstGeom prst="straightConnector1">
+              <a:avLst/>
+            </a:prstGeom>
+            <a:ln w="19050">
+              <a:tailEnd type="triangle"/>
+            </a:ln>
+          </p:spPr>
+          <p:style>
+            <a:lnRef idx="1">
+              <a:schemeClr val="dk1"/>
+            </a:lnRef>
+            <a:fillRef idx="0">
+              <a:schemeClr val="dk1"/>
+            </a:fillRef>
+            <a:effectRef idx="0">
+              <a:schemeClr val="dk1"/>
+            </a:effectRef>
+            <a:fontRef idx="minor">
+              <a:schemeClr val="tx1"/>
+            </a:fontRef>
+          </p:style>
+        </p:cxnSp>
+        <p:cxnSp>
+          <p:nvCxnSpPr>
+            <p:cNvPr id="38" name="直接箭头连接符 37">
+              <a:extLst>
+                <a:ext uri="{FF2B5EF4-FFF2-40B4-BE49-F238E27FC236}">
+                  <a16:creationId xmlns:a16="http://schemas.microsoft.com/office/drawing/2014/main" id="{22E3B06B-37ED-4378-B189-9698A79807F4}"/>
+                </a:ext>
+              </a:extLst>
+            </p:cNvPr>
+            <p:cNvCxnSpPr>
+              <a:stCxn id="31" idx="2"/>
+              <a:endCxn id="32" idx="0"/>
+            </p:cNvCxnSpPr>
+            <p:nvPr/>
+          </p:nvCxnSpPr>
+          <p:spPr>
+            <a:xfrm>
+              <a:off x="8534043" y="1578986"/>
+              <a:ext cx="4713" cy="287518"/>
+            </a:xfrm>
+            <a:prstGeom prst="straightConnector1">
+              <a:avLst/>
+            </a:prstGeom>
+            <a:ln w="19050">
+              <a:tailEnd type="triangle"/>
+            </a:ln>
+          </p:spPr>
+          <p:style>
+            <a:lnRef idx="1">
+              <a:schemeClr val="dk1"/>
+            </a:lnRef>
+            <a:fillRef idx="0">
+              <a:schemeClr val="dk1"/>
+            </a:fillRef>
+            <a:effectRef idx="0">
+              <a:schemeClr val="dk1"/>
+            </a:effectRef>
+            <a:fontRef idx="minor">
+              <a:schemeClr val="tx1"/>
+            </a:fontRef>
+          </p:style>
+        </p:cxnSp>
+        <p:cxnSp>
+          <p:nvCxnSpPr>
+            <p:cNvPr id="40" name="直接箭头连接符 39">
+              <a:extLst>
+                <a:ext uri="{FF2B5EF4-FFF2-40B4-BE49-F238E27FC236}">
+                  <a16:creationId xmlns:a16="http://schemas.microsoft.com/office/drawing/2014/main" id="{76689975-C44B-4F98-A80C-B6BE2A36156F}"/>
+                </a:ext>
+              </a:extLst>
+            </p:cNvPr>
+            <p:cNvCxnSpPr>
+              <a:cxnSpLocks/>
+              <a:stCxn id="33" idx="2"/>
+              <a:endCxn id="34" idx="0"/>
+            </p:cNvCxnSpPr>
+            <p:nvPr/>
+          </p:nvCxnSpPr>
+          <p:spPr>
+            <a:xfrm>
+              <a:off x="8548185" y="4253001"/>
+              <a:ext cx="0" cy="268491"/>
+            </a:xfrm>
+            <a:prstGeom prst="straightConnector1">
+              <a:avLst/>
+            </a:prstGeom>
+            <a:ln w="19050">
+              <a:tailEnd type="triangle"/>
+            </a:ln>
+          </p:spPr>
+          <p:style>
+            <a:lnRef idx="1">
+              <a:schemeClr val="dk1"/>
+            </a:lnRef>
+            <a:fillRef idx="0">
+              <a:schemeClr val="dk1"/>
+            </a:fillRef>
+            <a:effectRef idx="0">
+              <a:schemeClr val="dk1"/>
+            </a:effectRef>
+            <a:fontRef idx="minor">
+              <a:schemeClr val="tx1"/>
+            </a:fontRef>
+          </p:style>
+        </p:cxnSp>
+        <p:cxnSp>
+          <p:nvCxnSpPr>
+            <p:cNvPr id="41" name="直接箭头连接符 40">
+              <a:extLst>
+                <a:ext uri="{FF2B5EF4-FFF2-40B4-BE49-F238E27FC236}">
+                  <a16:creationId xmlns:a16="http://schemas.microsoft.com/office/drawing/2014/main" id="{25FBBD7E-8B39-4D66-9068-511D7CA95273}"/>
+                </a:ext>
+              </a:extLst>
+            </p:cNvPr>
+            <p:cNvCxnSpPr>
+              <a:cxnSpLocks/>
+              <a:stCxn id="34" idx="2"/>
+              <a:endCxn id="35" idx="0"/>
+            </p:cNvCxnSpPr>
+            <p:nvPr/>
+          </p:nvCxnSpPr>
+          <p:spPr>
+            <a:xfrm flipH="1">
+              <a:off x="8547398" y="5256783"/>
+              <a:ext cx="787" cy="306547"/>
+            </a:xfrm>
+            <a:prstGeom prst="straightConnector1">
+              <a:avLst/>
+            </a:prstGeom>
+            <a:ln w="19050">
+              <a:tailEnd type="triangle"/>
+            </a:ln>
+          </p:spPr>
+          <p:style>
+            <a:lnRef idx="1">
+              <a:schemeClr val="dk1"/>
+            </a:lnRef>
+            <a:fillRef idx="0">
+              <a:schemeClr val="dk1"/>
+            </a:fillRef>
+            <a:effectRef idx="0">
+              <a:schemeClr val="dk1"/>
+            </a:effectRef>
+            <a:fontRef idx="minor">
+              <a:schemeClr val="tx1"/>
+            </a:fontRef>
+          </p:style>
+        </p:cxnSp>
+        <p:cxnSp>
+          <p:nvCxnSpPr>
+            <p:cNvPr id="42" name="直接箭头连接符 41">
+              <a:extLst>
+                <a:ext uri="{FF2B5EF4-FFF2-40B4-BE49-F238E27FC236}">
+                  <a16:creationId xmlns:a16="http://schemas.microsoft.com/office/drawing/2014/main" id="{79CBEC84-A487-4EDE-B13E-E64CF3CCE0DD}"/>
+                </a:ext>
+              </a:extLst>
+            </p:cNvPr>
+            <p:cNvCxnSpPr>
+              <a:cxnSpLocks/>
+              <a:stCxn id="35" idx="2"/>
+            </p:cNvCxnSpPr>
+            <p:nvPr/>
+          </p:nvCxnSpPr>
+          <p:spPr>
+            <a:xfrm flipH="1">
+              <a:off x="8546616" y="6053525"/>
+              <a:ext cx="782" cy="287519"/>
+            </a:xfrm>
+            <a:prstGeom prst="straightConnector1">
+              <a:avLst/>
+            </a:prstGeom>
+            <a:ln w="19050">
+              <a:tailEnd type="triangle"/>
+            </a:ln>
+          </p:spPr>
+          <p:style>
+            <a:lnRef idx="1">
+              <a:schemeClr val="dk1"/>
+            </a:lnRef>
+            <a:fillRef idx="0">
+              <a:schemeClr val="dk1"/>
+            </a:fillRef>
+            <a:effectRef idx="0">
+              <a:schemeClr val="dk1"/>
+            </a:effectRef>
+            <a:fontRef idx="minor">
+              <a:schemeClr val="tx1"/>
+            </a:fontRef>
+          </p:style>
+        </p:cxnSp>
+        <p:cxnSp>
+          <p:nvCxnSpPr>
+            <p:cNvPr id="43" name="连接符: 肘形 42">
+              <a:extLst>
+                <a:ext uri="{FF2B5EF4-FFF2-40B4-BE49-F238E27FC236}">
+                  <a16:creationId xmlns:a16="http://schemas.microsoft.com/office/drawing/2014/main" id="{C49FD5D2-D527-42E8-B050-7256A148F03D}"/>
+                </a:ext>
+              </a:extLst>
+            </p:cNvPr>
+            <p:cNvCxnSpPr>
+              <a:cxnSpLocks/>
+              <a:stCxn id="33" idx="3"/>
+              <a:endCxn id="36" idx="3"/>
+            </p:cNvCxnSpPr>
+            <p:nvPr/>
+          </p:nvCxnSpPr>
+          <p:spPr>
+            <a:xfrm flipH="1">
+              <a:off x="9126364" y="3673253"/>
+              <a:ext cx="746287" cy="2912888"/>
+            </a:xfrm>
+            <a:prstGeom prst="bentConnector3">
+              <a:avLst>
+                <a:gd name="adj1" fmla="val -30632"/>
+              </a:avLst>
+            </a:prstGeom>
+            <a:ln w="19050">
+              <a:tailEnd type="triangle"/>
+            </a:ln>
+          </p:spPr>
+          <p:style>
+            <a:lnRef idx="1">
+              <a:schemeClr val="dk1"/>
+            </a:lnRef>
+            <a:fillRef idx="0">
+              <a:schemeClr val="dk1"/>
+            </a:fillRef>
+            <a:effectRef idx="0">
+              <a:schemeClr val="dk1"/>
+            </a:effectRef>
+            <a:fontRef idx="minor">
+              <a:schemeClr val="tx1"/>
+            </a:fontRef>
+          </p:style>
+        </p:cxnSp>
+        <p:sp>
+          <p:nvSpPr>
+            <p:cNvPr id="44" name="文本框 43">
+              <a:extLst>
+                <a:ext uri="{FF2B5EF4-FFF2-40B4-BE49-F238E27FC236}">
+                  <a16:creationId xmlns:a16="http://schemas.microsoft.com/office/drawing/2014/main" id="{67127D91-92C0-4245-905E-8683F90F9D30}"/>
+                </a:ext>
+              </a:extLst>
+            </p:cNvPr>
+            <p:cNvSpPr txBox="1"/>
+            <p:nvPr/>
+          </p:nvSpPr>
+          <p:spPr>
+            <a:xfrm>
+              <a:off x="8721860" y="4149977"/>
+              <a:ext cx="415498" cy="369332"/>
+            </a:xfrm>
+            <a:prstGeom prst="rect">
+              <a:avLst/>
+            </a:prstGeom>
+            <a:noFill/>
+          </p:spPr>
+          <p:txBody>
+            <a:bodyPr wrap="square" rtlCol="0">
+              <a:spAutoFit/>
+            </a:bodyPr>
+            <a:lstStyle/>
+            <a:p>
+              <a:pPr algn="ctr"/>
+              <a:r>
+                <a:rPr lang="zh-CN" altLang="en-US" dirty="0">
+                  <a:ln w="3175">
+                    <a:solidFill>
+                      <a:schemeClr val="tx1"/>
+                    </a:solidFill>
+                  </a:ln>
+                  <a:latin typeface="宋体" panose="02010600030101010101" pitchFamily="2" charset="-122"/>
+                  <a:ea typeface="宋体" panose="02010600030101010101" pitchFamily="2" charset="-122"/>
+                </a:rPr>
+                <a:t>是</a:t>
+              </a:r>
+            </a:p>
+          </p:txBody>
+        </p:sp>
+        <p:sp>
+          <p:nvSpPr>
+            <p:cNvPr id="45" name="文本框 44">
+              <a:extLst>
+                <a:ext uri="{FF2B5EF4-FFF2-40B4-BE49-F238E27FC236}">
+                  <a16:creationId xmlns:a16="http://schemas.microsoft.com/office/drawing/2014/main" id="{ED4CA6D4-CE80-478C-AF31-A3E003BC7EE8}"/>
+                </a:ext>
+              </a:extLst>
+            </p:cNvPr>
+            <p:cNvSpPr txBox="1"/>
+            <p:nvPr/>
+          </p:nvSpPr>
+          <p:spPr>
+            <a:xfrm>
+              <a:off x="10243080" y="4139756"/>
+              <a:ext cx="415498" cy="369332"/>
+            </a:xfrm>
+            <a:prstGeom prst="rect">
+              <a:avLst/>
+            </a:prstGeom>
+            <a:noFill/>
+          </p:spPr>
+          <p:txBody>
+            <a:bodyPr wrap="square" rtlCol="0">
+              <a:spAutoFit/>
+            </a:bodyPr>
+            <a:lstStyle/>
+            <a:p>
+              <a:pPr algn="ctr"/>
+              <a:r>
+                <a:rPr lang="zh-CN" altLang="en-US" dirty="0">
+                  <a:ln w="3175">
+                    <a:solidFill>
+                      <a:schemeClr val="tx1"/>
+                    </a:solidFill>
+                  </a:ln>
+                  <a:latin typeface="宋体" panose="02010600030101010101" pitchFamily="2" charset="-122"/>
+                  <a:ea typeface="宋体" panose="02010600030101010101" pitchFamily="2" charset="-122"/>
+                </a:rPr>
+                <a:t>否</a:t>
+              </a:r>
+            </a:p>
+          </p:txBody>
+        </p:sp>
+        <p:cxnSp>
+          <p:nvCxnSpPr>
+            <p:cNvPr id="51" name="直接箭头连接符 50">
+              <a:extLst>
+                <a:ext uri="{FF2B5EF4-FFF2-40B4-BE49-F238E27FC236}">
+                  <a16:creationId xmlns:a16="http://schemas.microsoft.com/office/drawing/2014/main" id="{027AB77D-CB03-4094-81D6-A8BC156EFAB2}"/>
+                </a:ext>
+              </a:extLst>
+            </p:cNvPr>
+            <p:cNvCxnSpPr>
+              <a:cxnSpLocks/>
+            </p:cNvCxnSpPr>
+            <p:nvPr/>
+          </p:nvCxnSpPr>
+          <p:spPr>
+            <a:xfrm flipH="1">
+              <a:off x="8548185" y="2724343"/>
+              <a:ext cx="9425" cy="369161"/>
+            </a:xfrm>
+            <a:prstGeom prst="straightConnector1">
+              <a:avLst/>
+            </a:prstGeom>
+            <a:ln w="19050">
+              <a:tailEnd type="triangle"/>
+            </a:ln>
+          </p:spPr>
+          <p:style>
+            <a:lnRef idx="1">
+              <a:schemeClr val="dk1"/>
+            </a:lnRef>
+            <a:fillRef idx="0">
+              <a:schemeClr val="dk1"/>
+            </a:fillRef>
+            <a:effectRef idx="0">
+              <a:schemeClr val="dk1"/>
+            </a:effectRef>
+            <a:fontRef idx="minor">
+              <a:schemeClr val="tx1"/>
+            </a:fontRef>
+          </p:style>
+        </p:cxnSp>
+      </p:grpSp>
+    </p:spTree>
+    <p:extLst>
+      <p:ext uri="{BB962C8B-B14F-4D97-AF65-F5344CB8AC3E}">
+        <p14:creationId xmlns:p14="http://schemas.microsoft.com/office/powerpoint/2010/main" val="2300805711"/>
+      </p:ext>
+    </p:extLst>
+  </p:cSld>
+  <p:clrMapOvr>
+    <a:masterClrMapping/>
+  </p:clrMapOvr>
+</p:sld>
+</file>
+
+<file path=ppt/slides/slide2.xml><?xml version="1.0" encoding="utf-8"?>
+<p:sld xmlns:a="http://schemas.openxmlformats.org/drawingml/2006/main" xmlns:r="http://schemas.openxmlformats.org/officeDocument/2006/relationships" xmlns:p="http://schemas.openxmlformats.org/presentationml/2006/main">
+  <p:cSld>
+    <p:spTree>
+      <p:nvGrpSpPr>
+        <p:cNvPr id="1" name=""/>
+        <p:cNvGrpSpPr/>
+        <p:nvPr/>
+      </p:nvGrpSpPr>
+      <p:grpSpPr>
+        <a:xfrm>
+          <a:off x="0" y="0"/>
+          <a:ext cx="0" cy="0"/>
+          <a:chOff x="0" y="0"/>
+          <a:chExt cx="0" cy="0"/>
+        </a:xfrm>
+      </p:grpSpPr>
       <p:sp>
         <p:nvSpPr>
-          <p:cNvPr id="4" name="矩形: 圆角 3">
-            <a:extLst>
-              <a:ext uri="{FF2B5EF4-FFF2-40B4-BE49-F238E27FC236}">
-                <a16:creationId xmlns:a16="http://schemas.microsoft.com/office/drawing/2014/main" id="{C879295F-A668-40FA-B6F8-0517CAF31597}"/>
+          <p:cNvPr id="7" name="矩形 6">
+            <a:extLst>
+              <a:ext uri="{FF2B5EF4-FFF2-40B4-BE49-F238E27FC236}">
+                <a16:creationId xmlns:a16="http://schemas.microsoft.com/office/drawing/2014/main" id="{EA4331C4-354E-4444-9C0C-7B138CB50027}"/>
               </a:ext>
             </a:extLst>
           </p:cNvPr>
@@ -3335,12 +5103,18 @@
         </p:nvSpPr>
         <p:spPr>
           <a:xfrm>
-            <a:off x="4458878" y="197963"/>
-            <a:ext cx="1159497" cy="527901"/>
+            <a:off x="6598764" y="1378672"/>
+            <a:ext cx="2479250" cy="857839"/>
           </a:xfrm>
-          <a:prstGeom prst="roundRect">
+          <a:prstGeom prst="rect">
             <a:avLst/>
           </a:prstGeom>
+          <a:noFill/>
+          <a:ln w="28575">
+            <a:solidFill>
+              <a:schemeClr val="tx1"/>
+            </a:solidFill>
+          </a:ln>
         </p:spPr>
         <p:style>
           <a:lnRef idx="2">
@@ -3363,19 +5137,27 @@
           <a:lstStyle/>
           <a:p>
             <a:pPr algn="ctr"/>
-            <a:r>
-              <a:rPr lang="zh-CN" altLang="en-US" dirty="0"/>
-              <a:t>开始</a:t>
-            </a:r>
+            <a:endParaRPr lang="zh-CN" altLang="en-US" dirty="0">
+              <a:ln w="3175">
+                <a:solidFill>
+                  <a:schemeClr val="tx1"/>
+                </a:solidFill>
+              </a:ln>
+              <a:solidFill>
+                <a:schemeClr val="tx1"/>
+              </a:solidFill>
+              <a:latin typeface="宋体" panose="02010600030101010101" pitchFamily="2" charset="-122"/>
+              <a:ea typeface="宋体" panose="02010600030101010101" pitchFamily="2" charset="-122"/>
+            </a:endParaRPr>
           </a:p>
         </p:txBody>
       </p:sp>
       <p:sp>
         <p:nvSpPr>
-          <p:cNvPr id="5" name="矩形 4">
-            <a:extLst>
-              <a:ext uri="{FF2B5EF4-FFF2-40B4-BE49-F238E27FC236}">
-                <a16:creationId xmlns:a16="http://schemas.microsoft.com/office/drawing/2014/main" id="{DBB7DF35-80A1-472D-9567-136E371870E9}"/>
+          <p:cNvPr id="8" name="菱形 7">
+            <a:extLst>
+              <a:ext uri="{FF2B5EF4-FFF2-40B4-BE49-F238E27FC236}">
+                <a16:creationId xmlns:a16="http://schemas.microsoft.com/office/drawing/2014/main" id="{5C9EF8D0-2995-4916-879C-B65649A08F0D}"/>
               </a:ext>
             </a:extLst>
           </p:cNvPr>
@@ -3384,12 +5166,18 @@
         </p:nvSpPr>
         <p:spPr>
           <a:xfrm>
-            <a:off x="4110087" y="1084082"/>
-            <a:ext cx="2234152" cy="725864"/>
+            <a:off x="7202075" y="3044852"/>
+            <a:ext cx="2648932" cy="1159497"/>
           </a:xfrm>
-          <a:prstGeom prst="rect">
+          <a:prstGeom prst="diamond">
             <a:avLst/>
           </a:prstGeom>
+          <a:noFill/>
+          <a:ln w="28575">
+            <a:solidFill>
+              <a:schemeClr val="tx1"/>
+            </a:solidFill>
+          </a:ln>
         </p:spPr>
         <p:style>
           <a:lnRef idx="2">
@@ -3412,14 +5200,1478 @@
           <a:lstStyle/>
           <a:p>
             <a:pPr algn="ctr"/>
-            <a:endParaRPr lang="zh-CN" altLang="en-US"/>
+            <a:r>
+              <a:rPr lang="zh-CN" altLang="en-US" dirty="0">
+                <a:ln w="3175">
+                  <a:solidFill>
+                    <a:schemeClr val="tx1"/>
+                  </a:solidFill>
+                </a:ln>
+                <a:solidFill>
+                  <a:schemeClr val="tx1"/>
+                </a:solidFill>
+              </a:rPr>
+              <a:t>两张图片是否大小一致？</a:t>
+            </a:r>
           </a:p>
         </p:txBody>
       </p:sp>
+      <p:sp>
+        <p:nvSpPr>
+          <p:cNvPr id="9" name="矩形 8">
+            <a:extLst>
+              <a:ext uri="{FF2B5EF4-FFF2-40B4-BE49-F238E27FC236}">
+                <a16:creationId xmlns:a16="http://schemas.microsoft.com/office/drawing/2014/main" id="{0D419256-1988-47B2-A097-7D988A36A647}"/>
+              </a:ext>
+            </a:extLst>
+          </p:cNvPr>
+          <p:cNvSpPr/>
+          <p:nvPr/>
+        </p:nvSpPr>
+        <p:spPr>
+          <a:xfrm>
+            <a:off x="7522587" y="4491868"/>
+            <a:ext cx="2004769" cy="735291"/>
+          </a:xfrm>
+          <a:prstGeom prst="rect">
+            <a:avLst/>
+          </a:prstGeom>
+          <a:noFill/>
+          <a:ln w="28575">
+            <a:solidFill>
+              <a:schemeClr val="tx1"/>
+            </a:solidFill>
+          </a:ln>
+        </p:spPr>
+        <p:style>
+          <a:lnRef idx="2">
+            <a:schemeClr val="accent1">
+              <a:shade val="50000"/>
+            </a:schemeClr>
+          </a:lnRef>
+          <a:fillRef idx="1">
+            <a:schemeClr val="accent1"/>
+          </a:fillRef>
+          <a:effectRef idx="0">
+            <a:schemeClr val="accent1"/>
+          </a:effectRef>
+          <a:fontRef idx="minor">
+            <a:schemeClr val="lt1"/>
+          </a:fontRef>
+        </p:style>
+        <p:txBody>
+          <a:bodyPr rtlCol="0" anchor="ctr"/>
+          <a:lstStyle/>
+          <a:p>
+            <a:pPr algn="ctr"/>
+            <a:r>
+              <a:rPr lang="zh-CN" altLang="en-US" dirty="0">
+                <a:ln w="3175">
+                  <a:solidFill>
+                    <a:schemeClr val="tx1"/>
+                  </a:solidFill>
+                </a:ln>
+                <a:solidFill>
+                  <a:schemeClr val="tx1"/>
+                </a:solidFill>
+                <a:latin typeface="宋体" panose="02010600030101010101" pitchFamily="2" charset="-122"/>
+                <a:ea typeface="宋体" panose="02010600030101010101" pitchFamily="2" charset="-122"/>
+              </a:rPr>
+              <a:t>原图对读入图片，逐像素相减</a:t>
+            </a:r>
+          </a:p>
+        </p:txBody>
+      </p:sp>
+      <p:cxnSp>
+        <p:nvCxnSpPr>
+          <p:cNvPr id="13" name="直接箭头连接符 12">
+            <a:extLst>
+              <a:ext uri="{FF2B5EF4-FFF2-40B4-BE49-F238E27FC236}">
+                <a16:creationId xmlns:a16="http://schemas.microsoft.com/office/drawing/2014/main" id="{6394CEC7-EE1E-4C37-9F2A-9565B8E45CA8}"/>
+              </a:ext>
+            </a:extLst>
+          </p:cNvPr>
+          <p:cNvCxnSpPr>
+            <a:cxnSpLocks/>
+            <a:endCxn id="7" idx="0"/>
+          </p:cNvCxnSpPr>
+          <p:nvPr/>
+        </p:nvCxnSpPr>
+        <p:spPr>
+          <a:xfrm>
+            <a:off x="7833676" y="1091154"/>
+            <a:ext cx="4713" cy="287518"/>
+          </a:xfrm>
+          <a:prstGeom prst="straightConnector1">
+            <a:avLst/>
+          </a:prstGeom>
+          <a:ln w="19050">
+            <a:tailEnd type="triangle"/>
+          </a:ln>
+        </p:spPr>
+        <p:style>
+          <a:lnRef idx="1">
+            <a:schemeClr val="dk1"/>
+          </a:lnRef>
+          <a:fillRef idx="0">
+            <a:schemeClr val="dk1"/>
+          </a:fillRef>
+          <a:effectRef idx="0">
+            <a:schemeClr val="dk1"/>
+          </a:effectRef>
+          <a:fontRef idx="minor">
+            <a:schemeClr val="tx1"/>
+          </a:fontRef>
+        </p:style>
+      </p:cxnSp>
+      <p:cxnSp>
+        <p:nvCxnSpPr>
+          <p:cNvPr id="14" name="直接箭头连接符 13">
+            <a:extLst>
+              <a:ext uri="{FF2B5EF4-FFF2-40B4-BE49-F238E27FC236}">
+                <a16:creationId xmlns:a16="http://schemas.microsoft.com/office/drawing/2014/main" id="{1216B951-70B8-4DFA-8A61-D60A2D1FB00E}"/>
+              </a:ext>
+            </a:extLst>
+          </p:cNvPr>
+          <p:cNvCxnSpPr>
+            <a:cxnSpLocks/>
+            <a:endCxn id="8" idx="0"/>
+          </p:cNvCxnSpPr>
+          <p:nvPr/>
+        </p:nvCxnSpPr>
+        <p:spPr>
+          <a:xfrm flipH="1">
+            <a:off x="8526541" y="2113963"/>
+            <a:ext cx="881410" cy="930889"/>
+          </a:xfrm>
+          <a:prstGeom prst="straightConnector1">
+            <a:avLst/>
+          </a:prstGeom>
+          <a:ln w="19050">
+            <a:tailEnd type="triangle"/>
+          </a:ln>
+        </p:spPr>
+        <p:style>
+          <a:lnRef idx="1">
+            <a:schemeClr val="dk1"/>
+          </a:lnRef>
+          <a:fillRef idx="0">
+            <a:schemeClr val="dk1"/>
+          </a:fillRef>
+          <a:effectRef idx="0">
+            <a:schemeClr val="dk1"/>
+          </a:effectRef>
+          <a:fontRef idx="minor">
+            <a:schemeClr val="tx1"/>
+          </a:fontRef>
+        </p:style>
+      </p:cxnSp>
+      <p:cxnSp>
+        <p:nvCxnSpPr>
+          <p:cNvPr id="15" name="直接箭头连接符 14">
+            <a:extLst>
+              <a:ext uri="{FF2B5EF4-FFF2-40B4-BE49-F238E27FC236}">
+                <a16:creationId xmlns:a16="http://schemas.microsoft.com/office/drawing/2014/main" id="{799B13BD-253E-4EA4-B5C5-67D05A1E4738}"/>
+              </a:ext>
+            </a:extLst>
+          </p:cNvPr>
+          <p:cNvCxnSpPr>
+            <a:stCxn id="8" idx="2"/>
+            <a:endCxn id="9" idx="0"/>
+          </p:cNvCxnSpPr>
+          <p:nvPr/>
+        </p:nvCxnSpPr>
+        <p:spPr>
+          <a:xfrm flipH="1">
+            <a:off x="8524972" y="4204349"/>
+            <a:ext cx="1569" cy="287519"/>
+          </a:xfrm>
+          <a:prstGeom prst="straightConnector1">
+            <a:avLst/>
+          </a:prstGeom>
+          <a:ln w="19050">
+            <a:tailEnd type="triangle"/>
+          </a:ln>
+        </p:spPr>
+        <p:style>
+          <a:lnRef idx="1">
+            <a:schemeClr val="dk1"/>
+          </a:lnRef>
+          <a:fillRef idx="0">
+            <a:schemeClr val="dk1"/>
+          </a:fillRef>
+          <a:effectRef idx="0">
+            <a:schemeClr val="dk1"/>
+          </a:effectRef>
+          <a:fontRef idx="minor">
+            <a:schemeClr val="tx1"/>
+          </a:fontRef>
+        </p:style>
+      </p:cxnSp>
+      <p:cxnSp>
+        <p:nvCxnSpPr>
+          <p:cNvPr id="16" name="直接箭头连接符 15">
+            <a:extLst>
+              <a:ext uri="{FF2B5EF4-FFF2-40B4-BE49-F238E27FC236}">
+                <a16:creationId xmlns:a16="http://schemas.microsoft.com/office/drawing/2014/main" id="{6838A5EC-8E3E-4B40-A488-2508DA1F90B3}"/>
+              </a:ext>
+            </a:extLst>
+          </p:cNvPr>
+          <p:cNvCxnSpPr>
+            <a:cxnSpLocks/>
+            <a:stCxn id="9" idx="2"/>
+          </p:cNvCxnSpPr>
+          <p:nvPr/>
+        </p:nvCxnSpPr>
+        <p:spPr>
+          <a:xfrm flipH="1">
+            <a:off x="7248002" y="5227159"/>
+            <a:ext cx="1276970" cy="252169"/>
+          </a:xfrm>
+          <a:prstGeom prst="straightConnector1">
+            <a:avLst/>
+          </a:prstGeom>
+          <a:ln w="19050">
+            <a:tailEnd type="triangle"/>
+          </a:ln>
+        </p:spPr>
+        <p:style>
+          <a:lnRef idx="1">
+            <a:schemeClr val="dk1"/>
+          </a:lnRef>
+          <a:fillRef idx="0">
+            <a:schemeClr val="dk1"/>
+          </a:fillRef>
+          <a:effectRef idx="0">
+            <a:schemeClr val="dk1"/>
+          </a:effectRef>
+          <a:fontRef idx="minor">
+            <a:schemeClr val="tx1"/>
+          </a:fontRef>
+        </p:style>
+      </p:cxnSp>
+      <p:cxnSp>
+        <p:nvCxnSpPr>
+          <p:cNvPr id="18" name="连接符: 肘形 17">
+            <a:extLst>
+              <a:ext uri="{FF2B5EF4-FFF2-40B4-BE49-F238E27FC236}">
+                <a16:creationId xmlns:a16="http://schemas.microsoft.com/office/drawing/2014/main" id="{EEED6D0F-87A0-4081-A8AF-F9E77B6B2B86}"/>
+              </a:ext>
+            </a:extLst>
+          </p:cNvPr>
+          <p:cNvCxnSpPr>
+            <a:cxnSpLocks/>
+            <a:stCxn id="8" idx="3"/>
+          </p:cNvCxnSpPr>
+          <p:nvPr/>
+        </p:nvCxnSpPr>
+        <p:spPr>
+          <a:xfrm>
+            <a:off x="9851007" y="3624601"/>
+            <a:ext cx="1668548" cy="2304863"/>
+          </a:xfrm>
+          <a:prstGeom prst="bentConnector2">
+            <a:avLst/>
+          </a:prstGeom>
+          <a:ln w="19050">
+            <a:tailEnd type="triangle"/>
+          </a:ln>
+        </p:spPr>
+        <p:style>
+          <a:lnRef idx="1">
+            <a:schemeClr val="dk1"/>
+          </a:lnRef>
+          <a:fillRef idx="0">
+            <a:schemeClr val="dk1"/>
+          </a:fillRef>
+          <a:effectRef idx="0">
+            <a:schemeClr val="dk1"/>
+          </a:effectRef>
+          <a:fontRef idx="minor">
+            <a:schemeClr val="tx1"/>
+          </a:fontRef>
+        </p:style>
+      </p:cxnSp>
+      <p:sp>
+        <p:nvSpPr>
+          <p:cNvPr id="19" name="文本框 18">
+            <a:extLst>
+              <a:ext uri="{FF2B5EF4-FFF2-40B4-BE49-F238E27FC236}">
+                <a16:creationId xmlns:a16="http://schemas.microsoft.com/office/drawing/2014/main" id="{A0FD7EF1-FF9B-4327-8E2C-5EA51DA83366}"/>
+              </a:ext>
+            </a:extLst>
+          </p:cNvPr>
+          <p:cNvSpPr txBox="1"/>
+          <p:nvPr/>
+        </p:nvSpPr>
+        <p:spPr>
+          <a:xfrm>
+            <a:off x="8719070" y="4101325"/>
+            <a:ext cx="415498" cy="369332"/>
+          </a:xfrm>
+          <a:prstGeom prst="rect">
+            <a:avLst/>
+          </a:prstGeom>
+          <a:noFill/>
+        </p:spPr>
+        <p:txBody>
+          <a:bodyPr wrap="none" rtlCol="0">
+            <a:spAutoFit/>
+          </a:bodyPr>
+          <a:lstStyle/>
+          <a:p>
+            <a:pPr algn="ctr"/>
+            <a:r>
+              <a:rPr lang="zh-CN" altLang="en-US" dirty="0">
+                <a:ln w="3175">
+                  <a:solidFill>
+                    <a:schemeClr val="tx1"/>
+                  </a:solidFill>
+                </a:ln>
+                <a:latin typeface="宋体" panose="02010600030101010101" pitchFamily="2" charset="-122"/>
+                <a:ea typeface="宋体" panose="02010600030101010101" pitchFamily="2" charset="-122"/>
+              </a:rPr>
+              <a:t>是</a:t>
+            </a:r>
+          </a:p>
+        </p:txBody>
+      </p:sp>
+      <p:sp>
+        <p:nvSpPr>
+          <p:cNvPr id="20" name="文本框 19">
+            <a:extLst>
+              <a:ext uri="{FF2B5EF4-FFF2-40B4-BE49-F238E27FC236}">
+                <a16:creationId xmlns:a16="http://schemas.microsoft.com/office/drawing/2014/main" id="{3FCF9C9D-1649-46B9-AA4A-2470A4276C1D}"/>
+              </a:ext>
+            </a:extLst>
+          </p:cNvPr>
+          <p:cNvSpPr txBox="1"/>
+          <p:nvPr/>
+        </p:nvSpPr>
+        <p:spPr>
+          <a:xfrm>
+            <a:off x="10190014" y="4101325"/>
+            <a:ext cx="415498" cy="369332"/>
+          </a:xfrm>
+          <a:prstGeom prst="rect">
+            <a:avLst/>
+          </a:prstGeom>
+          <a:noFill/>
+        </p:spPr>
+        <p:txBody>
+          <a:bodyPr wrap="none" rtlCol="0">
+            <a:spAutoFit/>
+          </a:bodyPr>
+          <a:lstStyle/>
+          <a:p>
+            <a:pPr algn="ctr"/>
+            <a:r>
+              <a:rPr lang="zh-CN" altLang="en-US" dirty="0">
+                <a:ln w="3175">
+                  <a:solidFill>
+                    <a:schemeClr val="tx1"/>
+                  </a:solidFill>
+                </a:ln>
+                <a:latin typeface="宋体" panose="02010600030101010101" pitchFamily="2" charset="-122"/>
+                <a:ea typeface="宋体" panose="02010600030101010101" pitchFamily="2" charset="-122"/>
+              </a:rPr>
+              <a:t>否</a:t>
+            </a:r>
+          </a:p>
+        </p:txBody>
+      </p:sp>
+      <p:grpSp>
+        <p:nvGrpSpPr>
+          <p:cNvPr id="63" name="组合 62">
+            <a:extLst>
+              <a:ext uri="{FF2B5EF4-FFF2-40B4-BE49-F238E27FC236}">
+                <a16:creationId xmlns:a16="http://schemas.microsoft.com/office/drawing/2014/main" id="{D3918C23-DD68-40B5-8FEC-A8AE063B5BEA}"/>
+              </a:ext>
+            </a:extLst>
+          </p:cNvPr>
+          <p:cNvGrpSpPr/>
+          <p:nvPr/>
+        </p:nvGrpSpPr>
+        <p:grpSpPr>
+          <a:xfrm>
+            <a:off x="1046375" y="108404"/>
+            <a:ext cx="4980135" cy="7732367"/>
+            <a:chOff x="1046375" y="108404"/>
+            <a:chExt cx="4980135" cy="7732367"/>
+          </a:xfrm>
+        </p:grpSpPr>
+        <p:sp>
+          <p:nvSpPr>
+            <p:cNvPr id="5" name="矩形: 圆角 4">
+              <a:extLst>
+                <a:ext uri="{FF2B5EF4-FFF2-40B4-BE49-F238E27FC236}">
+                  <a16:creationId xmlns:a16="http://schemas.microsoft.com/office/drawing/2014/main" id="{6FE5D01B-52A0-4E00-B7F2-6F2174725DDC}"/>
+                </a:ext>
+              </a:extLst>
+            </p:cNvPr>
+            <p:cNvSpPr/>
+            <p:nvPr/>
+          </p:nvSpPr>
+          <p:spPr>
+            <a:xfrm>
+              <a:off x="1781666" y="108404"/>
+              <a:ext cx="1159497" cy="527901"/>
+            </a:xfrm>
+            <a:prstGeom prst="roundRect">
+              <a:avLst/>
+            </a:prstGeom>
+            <a:noFill/>
+            <a:ln w="28575">
+              <a:solidFill>
+                <a:schemeClr val="tx1"/>
+              </a:solidFill>
+            </a:ln>
+          </p:spPr>
+          <p:style>
+            <a:lnRef idx="2">
+              <a:schemeClr val="accent1">
+                <a:shade val="50000"/>
+              </a:schemeClr>
+            </a:lnRef>
+            <a:fillRef idx="1">
+              <a:schemeClr val="accent1"/>
+            </a:fillRef>
+            <a:effectRef idx="0">
+              <a:schemeClr val="accent1"/>
+            </a:effectRef>
+            <a:fontRef idx="minor">
+              <a:schemeClr val="lt1"/>
+            </a:fontRef>
+          </p:style>
+          <p:txBody>
+            <a:bodyPr rtlCol="0" anchor="ctr"/>
+            <a:lstStyle/>
+            <a:p>
+              <a:pPr algn="ctr"/>
+              <a:r>
+                <a:rPr lang="zh-CN" altLang="en-US" dirty="0">
+                  <a:ln w="3175">
+                    <a:solidFill>
+                      <a:schemeClr val="tx1"/>
+                    </a:solidFill>
+                  </a:ln>
+                  <a:solidFill>
+                    <a:schemeClr val="tx1"/>
+                  </a:solidFill>
+                  <a:latin typeface="宋体" panose="02010600030101010101" pitchFamily="2" charset="-122"/>
+                  <a:ea typeface="宋体" panose="02010600030101010101" pitchFamily="2" charset="-122"/>
+                </a:rPr>
+                <a:t>开始</a:t>
+              </a:r>
+            </a:p>
+          </p:txBody>
+        </p:sp>
+        <p:sp>
+          <p:nvSpPr>
+            <p:cNvPr id="6" name="矩形 5">
+              <a:extLst>
+                <a:ext uri="{FF2B5EF4-FFF2-40B4-BE49-F238E27FC236}">
+                  <a16:creationId xmlns:a16="http://schemas.microsoft.com/office/drawing/2014/main" id="{543FA9FB-7BDB-4C70-99BA-1685D503E01D}"/>
+                </a:ext>
+              </a:extLst>
+            </p:cNvPr>
+            <p:cNvSpPr/>
+            <p:nvPr/>
+          </p:nvSpPr>
+          <p:spPr>
+            <a:xfrm>
+              <a:off x="1734534" y="928536"/>
+              <a:ext cx="1263194" cy="527901"/>
+            </a:xfrm>
+            <a:prstGeom prst="rect">
+              <a:avLst/>
+            </a:prstGeom>
+            <a:noFill/>
+            <a:ln w="28575">
+              <a:solidFill>
+                <a:schemeClr val="tx1"/>
+              </a:solidFill>
+            </a:ln>
+          </p:spPr>
+          <p:style>
+            <a:lnRef idx="2">
+              <a:schemeClr val="accent1">
+                <a:shade val="50000"/>
+              </a:schemeClr>
+            </a:lnRef>
+            <a:fillRef idx="1">
+              <a:schemeClr val="accent1"/>
+            </a:fillRef>
+            <a:effectRef idx="0">
+              <a:schemeClr val="accent1"/>
+            </a:effectRef>
+            <a:fontRef idx="minor">
+              <a:schemeClr val="lt1"/>
+            </a:fontRef>
+          </p:style>
+          <p:txBody>
+            <a:bodyPr rtlCol="0" anchor="ctr"/>
+            <a:lstStyle/>
+            <a:p>
+              <a:pPr algn="ctr"/>
+              <a:r>
+                <a:rPr lang="zh-CN" altLang="en-US" dirty="0">
+                  <a:ln w="3175">
+                    <a:solidFill>
+                      <a:schemeClr val="tx1"/>
+                    </a:solidFill>
+                  </a:ln>
+                  <a:solidFill>
+                    <a:schemeClr val="tx1"/>
+                  </a:solidFill>
+                  <a:latin typeface="宋体" panose="02010600030101010101" pitchFamily="2" charset="-122"/>
+                  <a:ea typeface="宋体" panose="02010600030101010101" pitchFamily="2" charset="-122"/>
+                </a:rPr>
+                <a:t>读入图片</a:t>
+              </a:r>
+            </a:p>
+          </p:txBody>
+        </p:sp>
+        <p:sp>
+          <p:nvSpPr>
+            <p:cNvPr id="10" name="矩形 9">
+              <a:extLst>
+                <a:ext uri="{FF2B5EF4-FFF2-40B4-BE49-F238E27FC236}">
+                  <a16:creationId xmlns:a16="http://schemas.microsoft.com/office/drawing/2014/main" id="{1CCDC28A-4A69-40B9-BE84-6A69482D306E}"/>
+                </a:ext>
+              </a:extLst>
+            </p:cNvPr>
+            <p:cNvSpPr/>
+            <p:nvPr/>
+          </p:nvSpPr>
+          <p:spPr>
+            <a:xfrm>
+              <a:off x="1553066" y="6486988"/>
+              <a:ext cx="1668548" cy="622166"/>
+            </a:xfrm>
+            <a:prstGeom prst="rect">
+              <a:avLst/>
+            </a:prstGeom>
+            <a:noFill/>
+            <a:ln w="28575">
+              <a:solidFill>
+                <a:schemeClr val="tx1"/>
+              </a:solidFill>
+            </a:ln>
+          </p:spPr>
+          <p:style>
+            <a:lnRef idx="2">
+              <a:schemeClr val="accent1">
+                <a:shade val="50000"/>
+              </a:schemeClr>
+            </a:lnRef>
+            <a:fillRef idx="1">
+              <a:schemeClr val="accent1"/>
+            </a:fillRef>
+            <a:effectRef idx="0">
+              <a:schemeClr val="accent1"/>
+            </a:effectRef>
+            <a:fontRef idx="minor">
+              <a:schemeClr val="lt1"/>
+            </a:fontRef>
+          </p:style>
+          <p:txBody>
+            <a:bodyPr rtlCol="0" anchor="ctr"/>
+            <a:lstStyle/>
+            <a:p>
+              <a:pPr algn="ctr"/>
+              <a:r>
+                <a:rPr lang="zh-CN" altLang="en-US" dirty="0">
+                  <a:ln w="3175">
+                    <a:solidFill>
+                      <a:schemeClr val="tx1"/>
+                    </a:solidFill>
+                  </a:ln>
+                  <a:solidFill>
+                    <a:schemeClr val="tx1"/>
+                  </a:solidFill>
+                  <a:latin typeface="宋体" panose="02010600030101010101" pitchFamily="2" charset="-122"/>
+                  <a:ea typeface="宋体" panose="02010600030101010101" pitchFamily="2" charset="-122"/>
+                </a:rPr>
+                <a:t>显示均衡后图片和直方图</a:t>
+              </a:r>
+            </a:p>
+          </p:txBody>
+        </p:sp>
+        <p:sp>
+          <p:nvSpPr>
+            <p:cNvPr id="11" name="矩形: 圆角 10">
+              <a:extLst>
+                <a:ext uri="{FF2B5EF4-FFF2-40B4-BE49-F238E27FC236}">
+                  <a16:creationId xmlns:a16="http://schemas.microsoft.com/office/drawing/2014/main" id="{C60D4B66-A2AB-4421-968C-C4C0DE32811D}"/>
+                </a:ext>
+              </a:extLst>
+            </p:cNvPr>
+            <p:cNvSpPr/>
+            <p:nvPr/>
+          </p:nvSpPr>
+          <p:spPr>
+            <a:xfrm>
+              <a:off x="1814629" y="7350577"/>
+              <a:ext cx="1159497" cy="490194"/>
+            </a:xfrm>
+            <a:prstGeom prst="roundRect">
+              <a:avLst/>
+            </a:prstGeom>
+            <a:noFill/>
+            <a:ln w="28575">
+              <a:solidFill>
+                <a:schemeClr val="tx1"/>
+              </a:solidFill>
+            </a:ln>
+          </p:spPr>
+          <p:style>
+            <a:lnRef idx="2">
+              <a:schemeClr val="accent1">
+                <a:shade val="50000"/>
+              </a:schemeClr>
+            </a:lnRef>
+            <a:fillRef idx="1">
+              <a:schemeClr val="accent1"/>
+            </a:fillRef>
+            <a:effectRef idx="0">
+              <a:schemeClr val="accent1"/>
+            </a:effectRef>
+            <a:fontRef idx="minor">
+              <a:schemeClr val="lt1"/>
+            </a:fontRef>
+          </p:style>
+          <p:txBody>
+            <a:bodyPr rtlCol="0" anchor="ctr"/>
+            <a:lstStyle/>
+            <a:p>
+              <a:pPr algn="ctr"/>
+              <a:r>
+                <a:rPr lang="zh-CN" altLang="en-US" dirty="0">
+                  <a:ln w="3175">
+                    <a:solidFill>
+                      <a:schemeClr val="tx1"/>
+                    </a:solidFill>
+                  </a:ln>
+                  <a:solidFill>
+                    <a:schemeClr val="tx1"/>
+                  </a:solidFill>
+                  <a:latin typeface="宋体" panose="02010600030101010101" pitchFamily="2" charset="-122"/>
+                  <a:ea typeface="宋体" panose="02010600030101010101" pitchFamily="2" charset="-122"/>
+                </a:rPr>
+                <a:t>结束</a:t>
+              </a:r>
+            </a:p>
+          </p:txBody>
+        </p:sp>
+        <p:cxnSp>
+          <p:nvCxnSpPr>
+            <p:cNvPr id="12" name="直接箭头连接符 11">
+              <a:extLst>
+                <a:ext uri="{FF2B5EF4-FFF2-40B4-BE49-F238E27FC236}">
+                  <a16:creationId xmlns:a16="http://schemas.microsoft.com/office/drawing/2014/main" id="{E1A97D14-148A-44A0-B02E-4C08CE08C512}"/>
+                </a:ext>
+              </a:extLst>
+            </p:cNvPr>
+            <p:cNvCxnSpPr>
+              <a:cxnSpLocks/>
+              <a:stCxn id="5" idx="2"/>
+              <a:endCxn id="6" idx="0"/>
+            </p:cNvCxnSpPr>
+            <p:nvPr/>
+          </p:nvCxnSpPr>
+          <p:spPr>
+            <a:xfrm>
+              <a:off x="2361415" y="636305"/>
+              <a:ext cx="4716" cy="292231"/>
+            </a:xfrm>
+            <a:prstGeom prst="straightConnector1">
+              <a:avLst/>
+            </a:prstGeom>
+            <a:ln w="19050">
+              <a:tailEnd type="triangle"/>
+            </a:ln>
+          </p:spPr>
+          <p:style>
+            <a:lnRef idx="1">
+              <a:schemeClr val="dk1"/>
+            </a:lnRef>
+            <a:fillRef idx="0">
+              <a:schemeClr val="dk1"/>
+            </a:fillRef>
+            <a:effectRef idx="0">
+              <a:schemeClr val="dk1"/>
+            </a:effectRef>
+            <a:fontRef idx="minor">
+              <a:schemeClr val="tx1"/>
+            </a:fontRef>
+          </p:style>
+        </p:cxnSp>
+        <p:cxnSp>
+          <p:nvCxnSpPr>
+            <p:cNvPr id="17" name="直接箭头连接符 16">
+              <a:extLst>
+                <a:ext uri="{FF2B5EF4-FFF2-40B4-BE49-F238E27FC236}">
+                  <a16:creationId xmlns:a16="http://schemas.microsoft.com/office/drawing/2014/main" id="{2EA5F74B-0878-4325-B9B4-FB9BE598B41A}"/>
+                </a:ext>
+              </a:extLst>
+            </p:cNvPr>
+            <p:cNvCxnSpPr>
+              <a:cxnSpLocks/>
+              <a:stCxn id="10" idx="2"/>
+              <a:endCxn id="11" idx="0"/>
+            </p:cNvCxnSpPr>
+            <p:nvPr/>
+          </p:nvCxnSpPr>
+          <p:spPr>
+            <a:xfrm>
+              <a:off x="2387340" y="7109154"/>
+              <a:ext cx="7038" cy="241423"/>
+            </a:xfrm>
+            <a:prstGeom prst="straightConnector1">
+              <a:avLst/>
+            </a:prstGeom>
+            <a:ln w="19050">
+              <a:tailEnd type="triangle"/>
+            </a:ln>
+          </p:spPr>
+          <p:style>
+            <a:lnRef idx="1">
+              <a:schemeClr val="dk1"/>
+            </a:lnRef>
+            <a:fillRef idx="0">
+              <a:schemeClr val="dk1"/>
+            </a:fillRef>
+            <a:effectRef idx="0">
+              <a:schemeClr val="dk1"/>
+            </a:effectRef>
+            <a:fontRef idx="minor">
+              <a:schemeClr val="tx1"/>
+            </a:fontRef>
+          </p:style>
+        </p:cxnSp>
+        <p:sp>
+          <p:nvSpPr>
+            <p:cNvPr id="24" name="菱形 23">
+              <a:extLst>
+                <a:ext uri="{FF2B5EF4-FFF2-40B4-BE49-F238E27FC236}">
+                  <a16:creationId xmlns:a16="http://schemas.microsoft.com/office/drawing/2014/main" id="{BBA99565-6DC0-467C-9919-640E34AAF202}"/>
+                </a:ext>
+              </a:extLst>
+            </p:cNvPr>
+            <p:cNvSpPr/>
+            <p:nvPr/>
+          </p:nvSpPr>
+          <p:spPr>
+            <a:xfrm>
+              <a:off x="1046375" y="1741595"/>
+              <a:ext cx="2648932" cy="1159497"/>
+            </a:xfrm>
+            <a:prstGeom prst="diamond">
+              <a:avLst/>
+            </a:prstGeom>
+            <a:noFill/>
+            <a:ln w="28575">
+              <a:solidFill>
+                <a:schemeClr val="tx1"/>
+              </a:solidFill>
+            </a:ln>
+          </p:spPr>
+          <p:style>
+            <a:lnRef idx="2">
+              <a:schemeClr val="accent1">
+                <a:shade val="50000"/>
+              </a:schemeClr>
+            </a:lnRef>
+            <a:fillRef idx="1">
+              <a:schemeClr val="accent1"/>
+            </a:fillRef>
+            <a:effectRef idx="0">
+              <a:schemeClr val="accent1"/>
+            </a:effectRef>
+            <a:fontRef idx="minor">
+              <a:schemeClr val="lt1"/>
+            </a:fontRef>
+          </p:style>
+          <p:txBody>
+            <a:bodyPr rtlCol="0" anchor="ctr"/>
+            <a:lstStyle/>
+            <a:p>
+              <a:pPr algn="ctr"/>
+              <a:r>
+                <a:rPr lang="zh-CN" altLang="en-US" dirty="0">
+                  <a:ln w="3175">
+                    <a:solidFill>
+                      <a:schemeClr val="tx1"/>
+                    </a:solidFill>
+                  </a:ln>
+                  <a:solidFill>
+                    <a:schemeClr val="tx1"/>
+                  </a:solidFill>
+                </a:rPr>
+                <a:t>是否为彩色图片？</a:t>
+              </a:r>
+            </a:p>
+          </p:txBody>
+        </p:sp>
+        <p:sp>
+          <p:nvSpPr>
+            <p:cNvPr id="28" name="文本框 27">
+              <a:extLst>
+                <a:ext uri="{FF2B5EF4-FFF2-40B4-BE49-F238E27FC236}">
+                  <a16:creationId xmlns:a16="http://schemas.microsoft.com/office/drawing/2014/main" id="{3289327D-1DA5-41F8-92B0-7BF70713CDA9}"/>
+                </a:ext>
+              </a:extLst>
+            </p:cNvPr>
+            <p:cNvSpPr txBox="1"/>
+            <p:nvPr/>
+          </p:nvSpPr>
+          <p:spPr>
+            <a:xfrm>
+              <a:off x="4820731" y="2361733"/>
+              <a:ext cx="415498" cy="369332"/>
+            </a:xfrm>
+            <a:prstGeom prst="rect">
+              <a:avLst/>
+            </a:prstGeom>
+            <a:noFill/>
+          </p:spPr>
+          <p:txBody>
+            <a:bodyPr wrap="square" rtlCol="0">
+              <a:spAutoFit/>
+            </a:bodyPr>
+            <a:lstStyle/>
+            <a:p>
+              <a:pPr algn="ctr"/>
+              <a:r>
+                <a:rPr lang="zh-CN" altLang="en-US" dirty="0">
+                  <a:ln w="3175">
+                    <a:solidFill>
+                      <a:schemeClr val="tx1"/>
+                    </a:solidFill>
+                  </a:ln>
+                  <a:latin typeface="宋体" panose="02010600030101010101" pitchFamily="2" charset="-122"/>
+                  <a:ea typeface="宋体" panose="02010600030101010101" pitchFamily="2" charset="-122"/>
+                </a:rPr>
+                <a:t>是</a:t>
+              </a:r>
+            </a:p>
+          </p:txBody>
+        </p:sp>
+        <p:sp>
+          <p:nvSpPr>
+            <p:cNvPr id="29" name="文本框 28">
+              <a:extLst>
+                <a:ext uri="{FF2B5EF4-FFF2-40B4-BE49-F238E27FC236}">
+                  <a16:creationId xmlns:a16="http://schemas.microsoft.com/office/drawing/2014/main" id="{C157F2CE-E904-4567-BD08-4BD98B854AB7}"/>
+                </a:ext>
+              </a:extLst>
+            </p:cNvPr>
+            <p:cNvSpPr txBox="1"/>
+            <p:nvPr/>
+          </p:nvSpPr>
+          <p:spPr>
+            <a:xfrm>
+              <a:off x="2375194" y="2832567"/>
+              <a:ext cx="415498" cy="369332"/>
+            </a:xfrm>
+            <a:prstGeom prst="rect">
+              <a:avLst/>
+            </a:prstGeom>
+            <a:noFill/>
+          </p:spPr>
+          <p:txBody>
+            <a:bodyPr wrap="none" rtlCol="0">
+              <a:spAutoFit/>
+            </a:bodyPr>
+            <a:lstStyle/>
+            <a:p>
+              <a:pPr algn="ctr"/>
+              <a:r>
+                <a:rPr lang="zh-CN" altLang="en-US" dirty="0">
+                  <a:ln w="3175">
+                    <a:solidFill>
+                      <a:schemeClr val="tx1"/>
+                    </a:solidFill>
+                  </a:ln>
+                  <a:latin typeface="宋体" panose="02010600030101010101" pitchFamily="2" charset="-122"/>
+                  <a:ea typeface="宋体" panose="02010600030101010101" pitchFamily="2" charset="-122"/>
+                </a:rPr>
+                <a:t>否</a:t>
+              </a:r>
+            </a:p>
+          </p:txBody>
+        </p:sp>
+        <p:sp>
+          <p:nvSpPr>
+            <p:cNvPr id="31" name="矩形 30">
+              <a:extLst>
+                <a:ext uri="{FF2B5EF4-FFF2-40B4-BE49-F238E27FC236}">
+                  <a16:creationId xmlns:a16="http://schemas.microsoft.com/office/drawing/2014/main" id="{7528A45D-C735-4720-AB64-DB2FB5B8CB37}"/>
+                </a:ext>
+              </a:extLst>
+            </p:cNvPr>
+            <p:cNvSpPr/>
+            <p:nvPr/>
+          </p:nvSpPr>
+          <p:spPr>
+            <a:xfrm>
+              <a:off x="1372809" y="3256773"/>
+              <a:ext cx="2004769" cy="735291"/>
+            </a:xfrm>
+            <a:prstGeom prst="rect">
+              <a:avLst/>
+            </a:prstGeom>
+            <a:noFill/>
+            <a:ln w="28575">
+              <a:solidFill>
+                <a:schemeClr val="tx1"/>
+              </a:solidFill>
+            </a:ln>
+          </p:spPr>
+          <p:style>
+            <a:lnRef idx="2">
+              <a:schemeClr val="accent1">
+                <a:shade val="50000"/>
+              </a:schemeClr>
+            </a:lnRef>
+            <a:fillRef idx="1">
+              <a:schemeClr val="accent1"/>
+            </a:fillRef>
+            <a:effectRef idx="0">
+              <a:schemeClr val="accent1"/>
+            </a:effectRef>
+            <a:fontRef idx="minor">
+              <a:schemeClr val="lt1"/>
+            </a:fontRef>
+          </p:style>
+          <p:txBody>
+            <a:bodyPr rtlCol="0" anchor="ctr"/>
+            <a:lstStyle/>
+            <a:p>
+              <a:pPr algn="ctr"/>
+              <a:r>
+                <a:rPr lang="zh-CN" altLang="en-US" dirty="0">
+                  <a:ln w="3175">
+                    <a:solidFill>
+                      <a:schemeClr val="tx1"/>
+                    </a:solidFill>
+                  </a:ln>
+                  <a:solidFill>
+                    <a:schemeClr val="tx1"/>
+                  </a:solidFill>
+                  <a:latin typeface="宋体" panose="02010600030101010101" pitchFamily="2" charset="-122"/>
+                  <a:ea typeface="宋体" panose="02010600030101010101" pitchFamily="2" charset="-122"/>
+                </a:rPr>
+                <a:t>对图片计算归一化直方图</a:t>
+              </a:r>
+            </a:p>
+          </p:txBody>
+        </p:sp>
+        <p:sp>
+          <p:nvSpPr>
+            <p:cNvPr id="32" name="矩形 31">
+              <a:extLst>
+                <a:ext uri="{FF2B5EF4-FFF2-40B4-BE49-F238E27FC236}">
+                  <a16:creationId xmlns:a16="http://schemas.microsoft.com/office/drawing/2014/main" id="{8108BEA9-14CB-4D69-8DB9-4C31E84FA073}"/>
+                </a:ext>
+              </a:extLst>
+            </p:cNvPr>
+            <p:cNvSpPr/>
+            <p:nvPr/>
+          </p:nvSpPr>
+          <p:spPr>
+            <a:xfrm>
+              <a:off x="1372809" y="4345754"/>
+              <a:ext cx="2004769" cy="735291"/>
+            </a:xfrm>
+            <a:prstGeom prst="rect">
+              <a:avLst/>
+            </a:prstGeom>
+            <a:noFill/>
+            <a:ln w="28575">
+              <a:solidFill>
+                <a:schemeClr val="tx1"/>
+              </a:solidFill>
+            </a:ln>
+          </p:spPr>
+          <p:style>
+            <a:lnRef idx="2">
+              <a:schemeClr val="accent1">
+                <a:shade val="50000"/>
+              </a:schemeClr>
+            </a:lnRef>
+            <a:fillRef idx="1">
+              <a:schemeClr val="accent1"/>
+            </a:fillRef>
+            <a:effectRef idx="0">
+              <a:schemeClr val="accent1"/>
+            </a:effectRef>
+            <a:fontRef idx="minor">
+              <a:schemeClr val="lt1"/>
+            </a:fontRef>
+          </p:style>
+          <p:txBody>
+            <a:bodyPr rtlCol="0" anchor="ctr"/>
+            <a:lstStyle/>
+            <a:p>
+              <a:pPr algn="ctr"/>
+              <a:r>
+                <a:rPr lang="zh-CN" altLang="en-US" dirty="0">
+                  <a:ln w="3175">
+                    <a:solidFill>
+                      <a:schemeClr val="tx1"/>
+                    </a:solidFill>
+                  </a:ln>
+                  <a:solidFill>
+                    <a:schemeClr val="tx1"/>
+                  </a:solidFill>
+                  <a:latin typeface="宋体" panose="02010600030101010101" pitchFamily="2" charset="-122"/>
+                  <a:ea typeface="宋体" panose="02010600030101010101" pitchFamily="2" charset="-122"/>
+                </a:rPr>
+                <a:t>计算直方图到均衡化的映射</a:t>
+              </a:r>
+            </a:p>
+          </p:txBody>
+        </p:sp>
+        <p:sp>
+          <p:nvSpPr>
+            <p:cNvPr id="37" name="矩形 36">
+              <a:extLst>
+                <a:ext uri="{FF2B5EF4-FFF2-40B4-BE49-F238E27FC236}">
+                  <a16:creationId xmlns:a16="http://schemas.microsoft.com/office/drawing/2014/main" id="{49DFFED1-7E37-474D-8AB0-7AC989758EAF}"/>
+                </a:ext>
+              </a:extLst>
+            </p:cNvPr>
+            <p:cNvSpPr/>
+            <p:nvPr/>
+          </p:nvSpPr>
+          <p:spPr>
+            <a:xfrm>
+              <a:off x="4400198" y="3303908"/>
+              <a:ext cx="1626312" cy="625383"/>
+            </a:xfrm>
+            <a:prstGeom prst="rect">
+              <a:avLst/>
+            </a:prstGeom>
+            <a:noFill/>
+            <a:ln w="28575">
+              <a:solidFill>
+                <a:schemeClr val="tx1"/>
+              </a:solidFill>
+            </a:ln>
+          </p:spPr>
+          <p:style>
+            <a:lnRef idx="2">
+              <a:schemeClr val="accent1">
+                <a:shade val="50000"/>
+              </a:schemeClr>
+            </a:lnRef>
+            <a:fillRef idx="1">
+              <a:schemeClr val="accent1"/>
+            </a:fillRef>
+            <a:effectRef idx="0">
+              <a:schemeClr val="accent1"/>
+            </a:effectRef>
+            <a:fontRef idx="minor">
+              <a:schemeClr val="lt1"/>
+            </a:fontRef>
+          </p:style>
+          <p:txBody>
+            <a:bodyPr rtlCol="0" anchor="ctr"/>
+            <a:lstStyle/>
+            <a:p>
+              <a:pPr algn="ctr"/>
+              <a:r>
+                <a:rPr lang="zh-CN" altLang="en-US" dirty="0">
+                  <a:ln w="3175">
+                    <a:solidFill>
+                      <a:schemeClr val="tx1"/>
+                    </a:solidFill>
+                  </a:ln>
+                  <a:solidFill>
+                    <a:schemeClr val="tx1"/>
+                  </a:solidFill>
+                  <a:latin typeface="宋体" panose="02010600030101010101" pitchFamily="2" charset="-122"/>
+                  <a:ea typeface="宋体" panose="02010600030101010101" pitchFamily="2" charset="-122"/>
+                </a:rPr>
+                <a:t>将彩色图片转换为灰度图</a:t>
+              </a:r>
+            </a:p>
+          </p:txBody>
+        </p:sp>
+        <p:sp>
+          <p:nvSpPr>
+            <p:cNvPr id="38" name="矩形 37">
+              <a:extLst>
+                <a:ext uri="{FF2B5EF4-FFF2-40B4-BE49-F238E27FC236}">
+                  <a16:creationId xmlns:a16="http://schemas.microsoft.com/office/drawing/2014/main" id="{83C46695-BDC0-4E40-BE3F-3AD64D59EAD9}"/>
+                </a:ext>
+              </a:extLst>
+            </p:cNvPr>
+            <p:cNvSpPr/>
+            <p:nvPr/>
+          </p:nvSpPr>
+          <p:spPr>
+            <a:xfrm>
+              <a:off x="1380422" y="5416371"/>
+              <a:ext cx="2004769" cy="735291"/>
+            </a:xfrm>
+            <a:prstGeom prst="rect">
+              <a:avLst/>
+            </a:prstGeom>
+            <a:noFill/>
+            <a:ln w="28575">
+              <a:solidFill>
+                <a:schemeClr val="tx1"/>
+              </a:solidFill>
+            </a:ln>
+          </p:spPr>
+          <p:style>
+            <a:lnRef idx="2">
+              <a:schemeClr val="accent1">
+                <a:shade val="50000"/>
+              </a:schemeClr>
+            </a:lnRef>
+            <a:fillRef idx="1">
+              <a:schemeClr val="accent1"/>
+            </a:fillRef>
+            <a:effectRef idx="0">
+              <a:schemeClr val="accent1"/>
+            </a:effectRef>
+            <a:fontRef idx="minor">
+              <a:schemeClr val="lt1"/>
+            </a:fontRef>
+          </p:style>
+          <p:txBody>
+            <a:bodyPr rtlCol="0" anchor="ctr"/>
+            <a:lstStyle/>
+            <a:p>
+              <a:pPr algn="ctr"/>
+              <a:r>
+                <a:rPr lang="zh-CN" altLang="en-US" dirty="0">
+                  <a:ln w="3175">
+                    <a:solidFill>
+                      <a:schemeClr val="tx1"/>
+                    </a:solidFill>
+                  </a:ln>
+                  <a:solidFill>
+                    <a:schemeClr val="tx1"/>
+                  </a:solidFill>
+                  <a:latin typeface="宋体" panose="02010600030101010101" pitchFamily="2" charset="-122"/>
+                  <a:ea typeface="宋体" panose="02010600030101010101" pitchFamily="2" charset="-122"/>
+                </a:rPr>
+                <a:t>将原图片根据映射进行变换</a:t>
+              </a:r>
+            </a:p>
+          </p:txBody>
+        </p:sp>
+        <p:cxnSp>
+          <p:nvCxnSpPr>
+            <p:cNvPr id="41" name="直接箭头连接符 40">
+              <a:extLst>
+                <a:ext uri="{FF2B5EF4-FFF2-40B4-BE49-F238E27FC236}">
+                  <a16:creationId xmlns:a16="http://schemas.microsoft.com/office/drawing/2014/main" id="{FC71767C-838E-4152-A5A0-B24A59278498}"/>
+                </a:ext>
+              </a:extLst>
+            </p:cNvPr>
+            <p:cNvCxnSpPr>
+              <a:cxnSpLocks/>
+              <a:stCxn id="6" idx="2"/>
+              <a:endCxn id="24" idx="0"/>
+            </p:cNvCxnSpPr>
+            <p:nvPr/>
+          </p:nvCxnSpPr>
+          <p:spPr>
+            <a:xfrm>
+              <a:off x="2366131" y="1456437"/>
+              <a:ext cx="4710" cy="285158"/>
+            </a:xfrm>
+            <a:prstGeom prst="straightConnector1">
+              <a:avLst/>
+            </a:prstGeom>
+            <a:ln w="19050">
+              <a:tailEnd type="triangle"/>
+            </a:ln>
+          </p:spPr>
+          <p:style>
+            <a:lnRef idx="1">
+              <a:schemeClr val="dk1"/>
+            </a:lnRef>
+            <a:fillRef idx="0">
+              <a:schemeClr val="dk1"/>
+            </a:fillRef>
+            <a:effectRef idx="0">
+              <a:schemeClr val="dk1"/>
+            </a:effectRef>
+            <a:fontRef idx="minor">
+              <a:schemeClr val="tx1"/>
+            </a:fontRef>
+          </p:style>
+        </p:cxnSp>
+        <p:cxnSp>
+          <p:nvCxnSpPr>
+            <p:cNvPr id="44" name="连接符: 肘形 43">
+              <a:extLst>
+                <a:ext uri="{FF2B5EF4-FFF2-40B4-BE49-F238E27FC236}">
+                  <a16:creationId xmlns:a16="http://schemas.microsoft.com/office/drawing/2014/main" id="{9BE73A27-E5C5-4D2D-AFA2-0601E3D9EE87}"/>
+                </a:ext>
+              </a:extLst>
+            </p:cNvPr>
+            <p:cNvCxnSpPr>
+              <a:cxnSpLocks/>
+              <a:stCxn id="24" idx="3"/>
+              <a:endCxn id="37" idx="0"/>
+            </p:cNvCxnSpPr>
+            <p:nvPr/>
+          </p:nvCxnSpPr>
+          <p:spPr>
+            <a:xfrm>
+              <a:off x="3695307" y="2321344"/>
+              <a:ext cx="1518047" cy="982564"/>
+            </a:xfrm>
+            <a:prstGeom prst="bentConnector2">
+              <a:avLst/>
+            </a:prstGeom>
+            <a:ln w="19050">
+              <a:tailEnd type="triangle"/>
+            </a:ln>
+          </p:spPr>
+          <p:style>
+            <a:lnRef idx="1">
+              <a:schemeClr val="dk1"/>
+            </a:lnRef>
+            <a:fillRef idx="0">
+              <a:schemeClr val="dk1"/>
+            </a:fillRef>
+            <a:effectRef idx="0">
+              <a:schemeClr val="dk1"/>
+            </a:effectRef>
+            <a:fontRef idx="minor">
+              <a:schemeClr val="tx1"/>
+            </a:fontRef>
+          </p:style>
+        </p:cxnSp>
+        <p:cxnSp>
+          <p:nvCxnSpPr>
+            <p:cNvPr id="47" name="直接箭头连接符 46">
+              <a:extLst>
+                <a:ext uri="{FF2B5EF4-FFF2-40B4-BE49-F238E27FC236}">
+                  <a16:creationId xmlns:a16="http://schemas.microsoft.com/office/drawing/2014/main" id="{AC72E525-AE6E-4FAD-8C5E-DEA7AF9D4523}"/>
+                </a:ext>
+              </a:extLst>
+            </p:cNvPr>
+            <p:cNvCxnSpPr>
+              <a:cxnSpLocks/>
+              <a:stCxn id="24" idx="2"/>
+              <a:endCxn id="31" idx="0"/>
+            </p:cNvCxnSpPr>
+            <p:nvPr/>
+          </p:nvCxnSpPr>
+          <p:spPr>
+            <a:xfrm>
+              <a:off x="2370841" y="2901092"/>
+              <a:ext cx="4353" cy="355681"/>
+            </a:xfrm>
+            <a:prstGeom prst="straightConnector1">
+              <a:avLst/>
+            </a:prstGeom>
+            <a:ln w="19050">
+              <a:tailEnd type="triangle"/>
+            </a:ln>
+          </p:spPr>
+          <p:style>
+            <a:lnRef idx="1">
+              <a:schemeClr val="dk1"/>
+            </a:lnRef>
+            <a:fillRef idx="0">
+              <a:schemeClr val="dk1"/>
+            </a:fillRef>
+            <a:effectRef idx="0">
+              <a:schemeClr val="dk1"/>
+            </a:effectRef>
+            <a:fontRef idx="minor">
+              <a:schemeClr val="tx1"/>
+            </a:fontRef>
+          </p:style>
+        </p:cxnSp>
+        <p:cxnSp>
+          <p:nvCxnSpPr>
+            <p:cNvPr id="50" name="直接箭头连接符 49">
+              <a:extLst>
+                <a:ext uri="{FF2B5EF4-FFF2-40B4-BE49-F238E27FC236}">
+                  <a16:creationId xmlns:a16="http://schemas.microsoft.com/office/drawing/2014/main" id="{3F5E2F40-90C1-4FC4-81DB-2A46E83CC325}"/>
+                </a:ext>
+              </a:extLst>
+            </p:cNvPr>
+            <p:cNvCxnSpPr>
+              <a:cxnSpLocks/>
+              <a:stCxn id="37" idx="1"/>
+              <a:endCxn id="31" idx="3"/>
+            </p:cNvCxnSpPr>
+            <p:nvPr/>
+          </p:nvCxnSpPr>
+          <p:spPr>
+            <a:xfrm flipH="1">
+              <a:off x="3377578" y="3616600"/>
+              <a:ext cx="1022620" cy="7819"/>
+            </a:xfrm>
+            <a:prstGeom prst="straightConnector1">
+              <a:avLst/>
+            </a:prstGeom>
+            <a:ln w="19050">
+              <a:tailEnd type="triangle"/>
+            </a:ln>
+          </p:spPr>
+          <p:style>
+            <a:lnRef idx="1">
+              <a:schemeClr val="dk1"/>
+            </a:lnRef>
+            <a:fillRef idx="0">
+              <a:schemeClr val="dk1"/>
+            </a:fillRef>
+            <a:effectRef idx="0">
+              <a:schemeClr val="dk1"/>
+            </a:effectRef>
+            <a:fontRef idx="minor">
+              <a:schemeClr val="tx1"/>
+            </a:fontRef>
+          </p:style>
+        </p:cxnSp>
+        <p:cxnSp>
+          <p:nvCxnSpPr>
+            <p:cNvPr id="53" name="直接箭头连接符 52">
+              <a:extLst>
+                <a:ext uri="{FF2B5EF4-FFF2-40B4-BE49-F238E27FC236}">
+                  <a16:creationId xmlns:a16="http://schemas.microsoft.com/office/drawing/2014/main" id="{A125E2AE-F99A-458C-88FF-67C1F8910CF6}"/>
+                </a:ext>
+              </a:extLst>
+            </p:cNvPr>
+            <p:cNvCxnSpPr>
+              <a:cxnSpLocks/>
+              <a:stCxn id="31" idx="2"/>
+              <a:endCxn id="32" idx="0"/>
+            </p:cNvCxnSpPr>
+            <p:nvPr/>
+          </p:nvCxnSpPr>
+          <p:spPr>
+            <a:xfrm>
+              <a:off x="2375194" y="3992064"/>
+              <a:ext cx="0" cy="353690"/>
+            </a:xfrm>
+            <a:prstGeom prst="straightConnector1">
+              <a:avLst/>
+            </a:prstGeom>
+            <a:ln w="19050">
+              <a:tailEnd type="triangle"/>
+            </a:ln>
+          </p:spPr>
+          <p:style>
+            <a:lnRef idx="1">
+              <a:schemeClr val="dk1"/>
+            </a:lnRef>
+            <a:fillRef idx="0">
+              <a:schemeClr val="dk1"/>
+            </a:fillRef>
+            <a:effectRef idx="0">
+              <a:schemeClr val="dk1"/>
+            </a:effectRef>
+            <a:fontRef idx="minor">
+              <a:schemeClr val="tx1"/>
+            </a:fontRef>
+          </p:style>
+        </p:cxnSp>
+        <p:cxnSp>
+          <p:nvCxnSpPr>
+            <p:cNvPr id="56" name="直接箭头连接符 55">
+              <a:extLst>
+                <a:ext uri="{FF2B5EF4-FFF2-40B4-BE49-F238E27FC236}">
+                  <a16:creationId xmlns:a16="http://schemas.microsoft.com/office/drawing/2014/main" id="{4949E014-B3B8-4CBD-8A8B-1420D7357DCE}"/>
+                </a:ext>
+              </a:extLst>
+            </p:cNvPr>
+            <p:cNvCxnSpPr>
+              <a:cxnSpLocks/>
+              <a:stCxn id="32" idx="2"/>
+              <a:endCxn id="38" idx="0"/>
+            </p:cNvCxnSpPr>
+            <p:nvPr/>
+          </p:nvCxnSpPr>
+          <p:spPr>
+            <a:xfrm>
+              <a:off x="2375194" y="5081045"/>
+              <a:ext cx="7613" cy="335326"/>
+            </a:xfrm>
+            <a:prstGeom prst="straightConnector1">
+              <a:avLst/>
+            </a:prstGeom>
+            <a:ln w="19050">
+              <a:tailEnd type="triangle"/>
+            </a:ln>
+          </p:spPr>
+          <p:style>
+            <a:lnRef idx="1">
+              <a:schemeClr val="dk1"/>
+            </a:lnRef>
+            <a:fillRef idx="0">
+              <a:schemeClr val="dk1"/>
+            </a:fillRef>
+            <a:effectRef idx="0">
+              <a:schemeClr val="dk1"/>
+            </a:effectRef>
+            <a:fontRef idx="minor">
+              <a:schemeClr val="tx1"/>
+            </a:fontRef>
+          </p:style>
+        </p:cxnSp>
+        <p:cxnSp>
+          <p:nvCxnSpPr>
+            <p:cNvPr id="60" name="直接箭头连接符 59">
+              <a:extLst>
+                <a:ext uri="{FF2B5EF4-FFF2-40B4-BE49-F238E27FC236}">
+                  <a16:creationId xmlns:a16="http://schemas.microsoft.com/office/drawing/2014/main" id="{DADFFE1E-3AA6-401D-8C34-B5174CBB3114}"/>
+                </a:ext>
+              </a:extLst>
+            </p:cNvPr>
+            <p:cNvCxnSpPr>
+              <a:cxnSpLocks/>
+              <a:stCxn id="38" idx="2"/>
+              <a:endCxn id="10" idx="0"/>
+            </p:cNvCxnSpPr>
+            <p:nvPr/>
+          </p:nvCxnSpPr>
+          <p:spPr>
+            <a:xfrm>
+              <a:off x="2382807" y="6151662"/>
+              <a:ext cx="4533" cy="335326"/>
+            </a:xfrm>
+            <a:prstGeom prst="straightConnector1">
+              <a:avLst/>
+            </a:prstGeom>
+            <a:ln w="19050">
+              <a:tailEnd type="triangle"/>
+            </a:ln>
+          </p:spPr>
+          <p:style>
+            <a:lnRef idx="1">
+              <a:schemeClr val="dk1"/>
+            </a:lnRef>
+            <a:fillRef idx="0">
+              <a:schemeClr val="dk1"/>
+            </a:fillRef>
+            <a:effectRef idx="0">
+              <a:schemeClr val="dk1"/>
+            </a:effectRef>
+            <a:fontRef idx="minor">
+              <a:schemeClr val="tx1"/>
+            </a:fontRef>
+          </p:style>
+        </p:cxnSp>
+      </p:grpSp>
     </p:spTree>
     <p:extLst>
       <p:ext uri="{BB962C8B-B14F-4D97-AF65-F5344CB8AC3E}">
-        <p14:creationId xmlns:p14="http://schemas.microsoft.com/office/powerpoint/2010/main" val="2300805711"/>
+        <p14:creationId xmlns:p14="http://schemas.microsoft.com/office/powerpoint/2010/main" val="736774838"/>
       </p:ext>
     </p:extLst>
   </p:cSld>

--- a/图像处理流程图.pptx
+++ b/图像处理流程图.pptx
@@ -260,7 +260,7 @@
           <a:p>
             <a:fld id="{648AE971-6591-4C67-8226-CECCFE0F746A}" type="datetimeFigureOut">
               <a:rPr lang="zh-CN" altLang="en-US" smtClean="0"/>
-              <a:t>2018/11/25</a:t>
+              <a:t>2018/12/6</a:t>
             </a:fld>
             <a:endParaRPr lang="zh-CN" altLang="en-US"/>
           </a:p>
@@ -458,7 +458,7 @@
           <a:p>
             <a:fld id="{648AE971-6591-4C67-8226-CECCFE0F746A}" type="datetimeFigureOut">
               <a:rPr lang="zh-CN" altLang="en-US" smtClean="0"/>
-              <a:t>2018/11/25</a:t>
+              <a:t>2018/12/6</a:t>
             </a:fld>
             <a:endParaRPr lang="zh-CN" altLang="en-US"/>
           </a:p>
@@ -666,7 +666,7 @@
           <a:p>
             <a:fld id="{648AE971-6591-4C67-8226-CECCFE0F746A}" type="datetimeFigureOut">
               <a:rPr lang="zh-CN" altLang="en-US" smtClean="0"/>
-              <a:t>2018/11/25</a:t>
+              <a:t>2018/12/6</a:t>
             </a:fld>
             <a:endParaRPr lang="zh-CN" altLang="en-US"/>
           </a:p>
@@ -864,7 +864,7 @@
           <a:p>
             <a:fld id="{648AE971-6591-4C67-8226-CECCFE0F746A}" type="datetimeFigureOut">
               <a:rPr lang="zh-CN" altLang="en-US" smtClean="0"/>
-              <a:t>2018/11/25</a:t>
+              <a:t>2018/12/6</a:t>
             </a:fld>
             <a:endParaRPr lang="zh-CN" altLang="en-US"/>
           </a:p>
@@ -1139,7 +1139,7 @@
           <a:p>
             <a:fld id="{648AE971-6591-4C67-8226-CECCFE0F746A}" type="datetimeFigureOut">
               <a:rPr lang="zh-CN" altLang="en-US" smtClean="0"/>
-              <a:t>2018/11/25</a:t>
+              <a:t>2018/12/6</a:t>
             </a:fld>
             <a:endParaRPr lang="zh-CN" altLang="en-US"/>
           </a:p>
@@ -1404,7 +1404,7 @@
           <a:p>
             <a:fld id="{648AE971-6591-4C67-8226-CECCFE0F746A}" type="datetimeFigureOut">
               <a:rPr lang="zh-CN" altLang="en-US" smtClean="0"/>
-              <a:t>2018/11/25</a:t>
+              <a:t>2018/12/6</a:t>
             </a:fld>
             <a:endParaRPr lang="zh-CN" altLang="en-US"/>
           </a:p>
@@ -1816,7 +1816,7 @@
           <a:p>
             <a:fld id="{648AE971-6591-4C67-8226-CECCFE0F746A}" type="datetimeFigureOut">
               <a:rPr lang="zh-CN" altLang="en-US" smtClean="0"/>
-              <a:t>2018/11/25</a:t>
+              <a:t>2018/12/6</a:t>
             </a:fld>
             <a:endParaRPr lang="zh-CN" altLang="en-US"/>
           </a:p>
@@ -1957,7 +1957,7 @@
           <a:p>
             <a:fld id="{648AE971-6591-4C67-8226-CECCFE0F746A}" type="datetimeFigureOut">
               <a:rPr lang="zh-CN" altLang="en-US" smtClean="0"/>
-              <a:t>2018/11/25</a:t>
+              <a:t>2018/12/6</a:t>
             </a:fld>
             <a:endParaRPr lang="zh-CN" altLang="en-US"/>
           </a:p>
@@ -2070,7 +2070,7 @@
           <a:p>
             <a:fld id="{648AE971-6591-4C67-8226-CECCFE0F746A}" type="datetimeFigureOut">
               <a:rPr lang="zh-CN" altLang="en-US" smtClean="0"/>
-              <a:t>2018/11/25</a:t>
+              <a:t>2018/12/6</a:t>
             </a:fld>
             <a:endParaRPr lang="zh-CN" altLang="en-US"/>
           </a:p>
@@ -2381,7 +2381,7 @@
           <a:p>
             <a:fld id="{648AE971-6591-4C67-8226-CECCFE0F746A}" type="datetimeFigureOut">
               <a:rPr lang="zh-CN" altLang="en-US" smtClean="0"/>
-              <a:t>2018/11/25</a:t>
+              <a:t>2018/12/6</a:t>
             </a:fld>
             <a:endParaRPr lang="zh-CN" altLang="en-US"/>
           </a:p>
@@ -2669,7 +2669,7 @@
           <a:p>
             <a:fld id="{648AE971-6591-4C67-8226-CECCFE0F746A}" type="datetimeFigureOut">
               <a:rPr lang="zh-CN" altLang="en-US" smtClean="0"/>
-              <a:t>2018/11/25</a:t>
+              <a:t>2018/12/6</a:t>
             </a:fld>
             <a:endParaRPr lang="zh-CN" altLang="en-US"/>
           </a:p>
@@ -2910,7 +2910,7 @@
           <a:p>
             <a:fld id="{648AE971-6591-4C67-8226-CECCFE0F746A}" type="datetimeFigureOut">
               <a:rPr lang="zh-CN" altLang="en-US" smtClean="0"/>
-              <a:t>2018/11/25</a:t>
+              <a:t>2018/12/6</a:t>
             </a:fld>
             <a:endParaRPr lang="zh-CN" altLang="en-US"/>
           </a:p>
@@ -5089,497 +5089,6 @@
           <a:chExt cx="0" cy="0"/>
         </a:xfrm>
       </p:grpSpPr>
-      <p:sp>
-        <p:nvSpPr>
-          <p:cNvPr id="7" name="矩形 6">
-            <a:extLst>
-              <a:ext uri="{FF2B5EF4-FFF2-40B4-BE49-F238E27FC236}">
-                <a16:creationId xmlns:a16="http://schemas.microsoft.com/office/drawing/2014/main" id="{EA4331C4-354E-4444-9C0C-7B138CB50027}"/>
-              </a:ext>
-            </a:extLst>
-          </p:cNvPr>
-          <p:cNvSpPr/>
-          <p:nvPr/>
-        </p:nvSpPr>
-        <p:spPr>
-          <a:xfrm>
-            <a:off x="6598764" y="1378672"/>
-            <a:ext cx="2479250" cy="857839"/>
-          </a:xfrm>
-          <a:prstGeom prst="rect">
-            <a:avLst/>
-          </a:prstGeom>
-          <a:noFill/>
-          <a:ln w="28575">
-            <a:solidFill>
-              <a:schemeClr val="tx1"/>
-            </a:solidFill>
-          </a:ln>
-        </p:spPr>
-        <p:style>
-          <a:lnRef idx="2">
-            <a:schemeClr val="accent1">
-              <a:shade val="50000"/>
-            </a:schemeClr>
-          </a:lnRef>
-          <a:fillRef idx="1">
-            <a:schemeClr val="accent1"/>
-          </a:fillRef>
-          <a:effectRef idx="0">
-            <a:schemeClr val="accent1"/>
-          </a:effectRef>
-          <a:fontRef idx="minor">
-            <a:schemeClr val="lt1"/>
-          </a:fontRef>
-        </p:style>
-        <p:txBody>
-          <a:bodyPr rtlCol="0" anchor="ctr"/>
-          <a:lstStyle/>
-          <a:p>
-            <a:pPr algn="ctr"/>
-            <a:endParaRPr lang="zh-CN" altLang="en-US" dirty="0">
-              <a:ln w="3175">
-                <a:solidFill>
-                  <a:schemeClr val="tx1"/>
-                </a:solidFill>
-              </a:ln>
-              <a:solidFill>
-                <a:schemeClr val="tx1"/>
-              </a:solidFill>
-              <a:latin typeface="宋体" panose="02010600030101010101" pitchFamily="2" charset="-122"/>
-              <a:ea typeface="宋体" panose="02010600030101010101" pitchFamily="2" charset="-122"/>
-            </a:endParaRPr>
-          </a:p>
-        </p:txBody>
-      </p:sp>
-      <p:sp>
-        <p:nvSpPr>
-          <p:cNvPr id="8" name="菱形 7">
-            <a:extLst>
-              <a:ext uri="{FF2B5EF4-FFF2-40B4-BE49-F238E27FC236}">
-                <a16:creationId xmlns:a16="http://schemas.microsoft.com/office/drawing/2014/main" id="{5C9EF8D0-2995-4916-879C-B65649A08F0D}"/>
-              </a:ext>
-            </a:extLst>
-          </p:cNvPr>
-          <p:cNvSpPr/>
-          <p:nvPr/>
-        </p:nvSpPr>
-        <p:spPr>
-          <a:xfrm>
-            <a:off x="7202075" y="3044852"/>
-            <a:ext cx="2648932" cy="1159497"/>
-          </a:xfrm>
-          <a:prstGeom prst="diamond">
-            <a:avLst/>
-          </a:prstGeom>
-          <a:noFill/>
-          <a:ln w="28575">
-            <a:solidFill>
-              <a:schemeClr val="tx1"/>
-            </a:solidFill>
-          </a:ln>
-        </p:spPr>
-        <p:style>
-          <a:lnRef idx="2">
-            <a:schemeClr val="accent1">
-              <a:shade val="50000"/>
-            </a:schemeClr>
-          </a:lnRef>
-          <a:fillRef idx="1">
-            <a:schemeClr val="accent1"/>
-          </a:fillRef>
-          <a:effectRef idx="0">
-            <a:schemeClr val="accent1"/>
-          </a:effectRef>
-          <a:fontRef idx="minor">
-            <a:schemeClr val="lt1"/>
-          </a:fontRef>
-        </p:style>
-        <p:txBody>
-          <a:bodyPr rtlCol="0" anchor="ctr"/>
-          <a:lstStyle/>
-          <a:p>
-            <a:pPr algn="ctr"/>
-            <a:r>
-              <a:rPr lang="zh-CN" altLang="en-US" dirty="0">
-                <a:ln w="3175">
-                  <a:solidFill>
-                    <a:schemeClr val="tx1"/>
-                  </a:solidFill>
-                </a:ln>
-                <a:solidFill>
-                  <a:schemeClr val="tx1"/>
-                </a:solidFill>
-              </a:rPr>
-              <a:t>两张图片是否大小一致？</a:t>
-            </a:r>
-          </a:p>
-        </p:txBody>
-      </p:sp>
-      <p:sp>
-        <p:nvSpPr>
-          <p:cNvPr id="9" name="矩形 8">
-            <a:extLst>
-              <a:ext uri="{FF2B5EF4-FFF2-40B4-BE49-F238E27FC236}">
-                <a16:creationId xmlns:a16="http://schemas.microsoft.com/office/drawing/2014/main" id="{0D419256-1988-47B2-A097-7D988A36A647}"/>
-              </a:ext>
-            </a:extLst>
-          </p:cNvPr>
-          <p:cNvSpPr/>
-          <p:nvPr/>
-        </p:nvSpPr>
-        <p:spPr>
-          <a:xfrm>
-            <a:off x="7522587" y="4491868"/>
-            <a:ext cx="2004769" cy="735291"/>
-          </a:xfrm>
-          <a:prstGeom prst="rect">
-            <a:avLst/>
-          </a:prstGeom>
-          <a:noFill/>
-          <a:ln w="28575">
-            <a:solidFill>
-              <a:schemeClr val="tx1"/>
-            </a:solidFill>
-          </a:ln>
-        </p:spPr>
-        <p:style>
-          <a:lnRef idx="2">
-            <a:schemeClr val="accent1">
-              <a:shade val="50000"/>
-            </a:schemeClr>
-          </a:lnRef>
-          <a:fillRef idx="1">
-            <a:schemeClr val="accent1"/>
-          </a:fillRef>
-          <a:effectRef idx="0">
-            <a:schemeClr val="accent1"/>
-          </a:effectRef>
-          <a:fontRef idx="minor">
-            <a:schemeClr val="lt1"/>
-          </a:fontRef>
-        </p:style>
-        <p:txBody>
-          <a:bodyPr rtlCol="0" anchor="ctr"/>
-          <a:lstStyle/>
-          <a:p>
-            <a:pPr algn="ctr"/>
-            <a:r>
-              <a:rPr lang="zh-CN" altLang="en-US" dirty="0">
-                <a:ln w="3175">
-                  <a:solidFill>
-                    <a:schemeClr val="tx1"/>
-                  </a:solidFill>
-                </a:ln>
-                <a:solidFill>
-                  <a:schemeClr val="tx1"/>
-                </a:solidFill>
-                <a:latin typeface="宋体" panose="02010600030101010101" pitchFamily="2" charset="-122"/>
-                <a:ea typeface="宋体" panose="02010600030101010101" pitchFamily="2" charset="-122"/>
-              </a:rPr>
-              <a:t>原图对读入图片，逐像素相减</a:t>
-            </a:r>
-          </a:p>
-        </p:txBody>
-      </p:sp>
-      <p:cxnSp>
-        <p:nvCxnSpPr>
-          <p:cNvPr id="13" name="直接箭头连接符 12">
-            <a:extLst>
-              <a:ext uri="{FF2B5EF4-FFF2-40B4-BE49-F238E27FC236}">
-                <a16:creationId xmlns:a16="http://schemas.microsoft.com/office/drawing/2014/main" id="{6394CEC7-EE1E-4C37-9F2A-9565B8E45CA8}"/>
-              </a:ext>
-            </a:extLst>
-          </p:cNvPr>
-          <p:cNvCxnSpPr>
-            <a:cxnSpLocks/>
-            <a:endCxn id="7" idx="0"/>
-          </p:cNvCxnSpPr>
-          <p:nvPr/>
-        </p:nvCxnSpPr>
-        <p:spPr>
-          <a:xfrm>
-            <a:off x="7833676" y="1091154"/>
-            <a:ext cx="4713" cy="287518"/>
-          </a:xfrm>
-          <a:prstGeom prst="straightConnector1">
-            <a:avLst/>
-          </a:prstGeom>
-          <a:ln w="19050">
-            <a:tailEnd type="triangle"/>
-          </a:ln>
-        </p:spPr>
-        <p:style>
-          <a:lnRef idx="1">
-            <a:schemeClr val="dk1"/>
-          </a:lnRef>
-          <a:fillRef idx="0">
-            <a:schemeClr val="dk1"/>
-          </a:fillRef>
-          <a:effectRef idx="0">
-            <a:schemeClr val="dk1"/>
-          </a:effectRef>
-          <a:fontRef idx="minor">
-            <a:schemeClr val="tx1"/>
-          </a:fontRef>
-        </p:style>
-      </p:cxnSp>
-      <p:cxnSp>
-        <p:nvCxnSpPr>
-          <p:cNvPr id="14" name="直接箭头连接符 13">
-            <a:extLst>
-              <a:ext uri="{FF2B5EF4-FFF2-40B4-BE49-F238E27FC236}">
-                <a16:creationId xmlns:a16="http://schemas.microsoft.com/office/drawing/2014/main" id="{1216B951-70B8-4DFA-8A61-D60A2D1FB00E}"/>
-              </a:ext>
-            </a:extLst>
-          </p:cNvPr>
-          <p:cNvCxnSpPr>
-            <a:cxnSpLocks/>
-            <a:endCxn id="8" idx="0"/>
-          </p:cNvCxnSpPr>
-          <p:nvPr/>
-        </p:nvCxnSpPr>
-        <p:spPr>
-          <a:xfrm flipH="1">
-            <a:off x="8526541" y="2113963"/>
-            <a:ext cx="881410" cy="930889"/>
-          </a:xfrm>
-          <a:prstGeom prst="straightConnector1">
-            <a:avLst/>
-          </a:prstGeom>
-          <a:ln w="19050">
-            <a:tailEnd type="triangle"/>
-          </a:ln>
-        </p:spPr>
-        <p:style>
-          <a:lnRef idx="1">
-            <a:schemeClr val="dk1"/>
-          </a:lnRef>
-          <a:fillRef idx="0">
-            <a:schemeClr val="dk1"/>
-          </a:fillRef>
-          <a:effectRef idx="0">
-            <a:schemeClr val="dk1"/>
-          </a:effectRef>
-          <a:fontRef idx="minor">
-            <a:schemeClr val="tx1"/>
-          </a:fontRef>
-        </p:style>
-      </p:cxnSp>
-      <p:cxnSp>
-        <p:nvCxnSpPr>
-          <p:cNvPr id="15" name="直接箭头连接符 14">
-            <a:extLst>
-              <a:ext uri="{FF2B5EF4-FFF2-40B4-BE49-F238E27FC236}">
-                <a16:creationId xmlns:a16="http://schemas.microsoft.com/office/drawing/2014/main" id="{799B13BD-253E-4EA4-B5C5-67D05A1E4738}"/>
-              </a:ext>
-            </a:extLst>
-          </p:cNvPr>
-          <p:cNvCxnSpPr>
-            <a:stCxn id="8" idx="2"/>
-            <a:endCxn id="9" idx="0"/>
-          </p:cNvCxnSpPr>
-          <p:nvPr/>
-        </p:nvCxnSpPr>
-        <p:spPr>
-          <a:xfrm flipH="1">
-            <a:off x="8524972" y="4204349"/>
-            <a:ext cx="1569" cy="287519"/>
-          </a:xfrm>
-          <a:prstGeom prst="straightConnector1">
-            <a:avLst/>
-          </a:prstGeom>
-          <a:ln w="19050">
-            <a:tailEnd type="triangle"/>
-          </a:ln>
-        </p:spPr>
-        <p:style>
-          <a:lnRef idx="1">
-            <a:schemeClr val="dk1"/>
-          </a:lnRef>
-          <a:fillRef idx="0">
-            <a:schemeClr val="dk1"/>
-          </a:fillRef>
-          <a:effectRef idx="0">
-            <a:schemeClr val="dk1"/>
-          </a:effectRef>
-          <a:fontRef idx="minor">
-            <a:schemeClr val="tx1"/>
-          </a:fontRef>
-        </p:style>
-      </p:cxnSp>
-      <p:cxnSp>
-        <p:nvCxnSpPr>
-          <p:cNvPr id="16" name="直接箭头连接符 15">
-            <a:extLst>
-              <a:ext uri="{FF2B5EF4-FFF2-40B4-BE49-F238E27FC236}">
-                <a16:creationId xmlns:a16="http://schemas.microsoft.com/office/drawing/2014/main" id="{6838A5EC-8E3E-4B40-A488-2508DA1F90B3}"/>
-              </a:ext>
-            </a:extLst>
-          </p:cNvPr>
-          <p:cNvCxnSpPr>
-            <a:cxnSpLocks/>
-            <a:stCxn id="9" idx="2"/>
-          </p:cNvCxnSpPr>
-          <p:nvPr/>
-        </p:nvCxnSpPr>
-        <p:spPr>
-          <a:xfrm flipH="1">
-            <a:off x="7248002" y="5227159"/>
-            <a:ext cx="1276970" cy="252169"/>
-          </a:xfrm>
-          <a:prstGeom prst="straightConnector1">
-            <a:avLst/>
-          </a:prstGeom>
-          <a:ln w="19050">
-            <a:tailEnd type="triangle"/>
-          </a:ln>
-        </p:spPr>
-        <p:style>
-          <a:lnRef idx="1">
-            <a:schemeClr val="dk1"/>
-          </a:lnRef>
-          <a:fillRef idx="0">
-            <a:schemeClr val="dk1"/>
-          </a:fillRef>
-          <a:effectRef idx="0">
-            <a:schemeClr val="dk1"/>
-          </a:effectRef>
-          <a:fontRef idx="minor">
-            <a:schemeClr val="tx1"/>
-          </a:fontRef>
-        </p:style>
-      </p:cxnSp>
-      <p:cxnSp>
-        <p:nvCxnSpPr>
-          <p:cNvPr id="18" name="连接符: 肘形 17">
-            <a:extLst>
-              <a:ext uri="{FF2B5EF4-FFF2-40B4-BE49-F238E27FC236}">
-                <a16:creationId xmlns:a16="http://schemas.microsoft.com/office/drawing/2014/main" id="{EEED6D0F-87A0-4081-A8AF-F9E77B6B2B86}"/>
-              </a:ext>
-            </a:extLst>
-          </p:cNvPr>
-          <p:cNvCxnSpPr>
-            <a:cxnSpLocks/>
-            <a:stCxn id="8" idx="3"/>
-          </p:cNvCxnSpPr>
-          <p:nvPr/>
-        </p:nvCxnSpPr>
-        <p:spPr>
-          <a:xfrm>
-            <a:off x="9851007" y="3624601"/>
-            <a:ext cx="1668548" cy="2304863"/>
-          </a:xfrm>
-          <a:prstGeom prst="bentConnector2">
-            <a:avLst/>
-          </a:prstGeom>
-          <a:ln w="19050">
-            <a:tailEnd type="triangle"/>
-          </a:ln>
-        </p:spPr>
-        <p:style>
-          <a:lnRef idx="1">
-            <a:schemeClr val="dk1"/>
-          </a:lnRef>
-          <a:fillRef idx="0">
-            <a:schemeClr val="dk1"/>
-          </a:fillRef>
-          <a:effectRef idx="0">
-            <a:schemeClr val="dk1"/>
-          </a:effectRef>
-          <a:fontRef idx="minor">
-            <a:schemeClr val="tx1"/>
-          </a:fontRef>
-        </p:style>
-      </p:cxnSp>
-      <p:sp>
-        <p:nvSpPr>
-          <p:cNvPr id="19" name="文本框 18">
-            <a:extLst>
-              <a:ext uri="{FF2B5EF4-FFF2-40B4-BE49-F238E27FC236}">
-                <a16:creationId xmlns:a16="http://schemas.microsoft.com/office/drawing/2014/main" id="{A0FD7EF1-FF9B-4327-8E2C-5EA51DA83366}"/>
-              </a:ext>
-            </a:extLst>
-          </p:cNvPr>
-          <p:cNvSpPr txBox="1"/>
-          <p:nvPr/>
-        </p:nvSpPr>
-        <p:spPr>
-          <a:xfrm>
-            <a:off x="8719070" y="4101325"/>
-            <a:ext cx="415498" cy="369332"/>
-          </a:xfrm>
-          <a:prstGeom prst="rect">
-            <a:avLst/>
-          </a:prstGeom>
-          <a:noFill/>
-        </p:spPr>
-        <p:txBody>
-          <a:bodyPr wrap="none" rtlCol="0">
-            <a:spAutoFit/>
-          </a:bodyPr>
-          <a:lstStyle/>
-          <a:p>
-            <a:pPr algn="ctr"/>
-            <a:r>
-              <a:rPr lang="zh-CN" altLang="en-US" dirty="0">
-                <a:ln w="3175">
-                  <a:solidFill>
-                    <a:schemeClr val="tx1"/>
-                  </a:solidFill>
-                </a:ln>
-                <a:latin typeface="宋体" panose="02010600030101010101" pitchFamily="2" charset="-122"/>
-                <a:ea typeface="宋体" panose="02010600030101010101" pitchFamily="2" charset="-122"/>
-              </a:rPr>
-              <a:t>是</a:t>
-            </a:r>
-          </a:p>
-        </p:txBody>
-      </p:sp>
-      <p:sp>
-        <p:nvSpPr>
-          <p:cNvPr id="20" name="文本框 19">
-            <a:extLst>
-              <a:ext uri="{FF2B5EF4-FFF2-40B4-BE49-F238E27FC236}">
-                <a16:creationId xmlns:a16="http://schemas.microsoft.com/office/drawing/2014/main" id="{3FCF9C9D-1649-46B9-AA4A-2470A4276C1D}"/>
-              </a:ext>
-            </a:extLst>
-          </p:cNvPr>
-          <p:cNvSpPr txBox="1"/>
-          <p:nvPr/>
-        </p:nvSpPr>
-        <p:spPr>
-          <a:xfrm>
-            <a:off x="10190014" y="4101325"/>
-            <a:ext cx="415498" cy="369332"/>
-          </a:xfrm>
-          <a:prstGeom prst="rect">
-            <a:avLst/>
-          </a:prstGeom>
-          <a:noFill/>
-        </p:spPr>
-        <p:txBody>
-          <a:bodyPr wrap="none" rtlCol="0">
-            <a:spAutoFit/>
-          </a:bodyPr>
-          <a:lstStyle/>
-          <a:p>
-            <a:pPr algn="ctr"/>
-            <a:r>
-              <a:rPr lang="zh-CN" altLang="en-US" dirty="0">
-                <a:ln w="3175">
-                  <a:solidFill>
-                    <a:schemeClr val="tx1"/>
-                  </a:solidFill>
-                </a:ln>
-                <a:latin typeface="宋体" panose="02010600030101010101" pitchFamily="2" charset="-122"/>
-                <a:ea typeface="宋体" panose="02010600030101010101" pitchFamily="2" charset="-122"/>
-              </a:rPr>
-              <a:t>否</a:t>
-            </a:r>
-          </a:p>
-        </p:txBody>
-      </p:sp>
       <p:grpSp>
         <p:nvGrpSpPr>
           <p:cNvPr id="63" name="组合 62">
@@ -6668,6 +6177,1232 @@
           </p:style>
         </p:cxnSp>
       </p:grpSp>
+      <p:grpSp>
+        <p:nvGrpSpPr>
+          <p:cNvPr id="77" name="组合 76">
+            <a:extLst>
+              <a:ext uri="{FF2B5EF4-FFF2-40B4-BE49-F238E27FC236}">
+                <a16:creationId xmlns:a16="http://schemas.microsoft.com/office/drawing/2014/main" id="{EBB923FD-DC17-402B-B7C4-3093D210A9FE}"/>
+              </a:ext>
+            </a:extLst>
+          </p:cNvPr>
+          <p:cNvGrpSpPr/>
+          <p:nvPr/>
+        </p:nvGrpSpPr>
+        <p:grpSpPr>
+          <a:xfrm>
+            <a:off x="6731401" y="0"/>
+            <a:ext cx="4980135" cy="8665616"/>
+            <a:chOff x="6731401" y="0"/>
+            <a:chExt cx="4980135" cy="8665616"/>
+          </a:xfrm>
+        </p:grpSpPr>
+        <p:sp>
+          <p:nvSpPr>
+            <p:cNvPr id="34" name="矩形: 圆角 33">
+              <a:extLst>
+                <a:ext uri="{FF2B5EF4-FFF2-40B4-BE49-F238E27FC236}">
+                  <a16:creationId xmlns:a16="http://schemas.microsoft.com/office/drawing/2014/main" id="{76E3C628-8EA4-44AC-BDB8-A18DAB4CD654}"/>
+                </a:ext>
+              </a:extLst>
+            </p:cNvPr>
+            <p:cNvSpPr/>
+            <p:nvPr/>
+          </p:nvSpPr>
+          <p:spPr>
+            <a:xfrm>
+              <a:off x="7476217" y="0"/>
+              <a:ext cx="1159497" cy="527901"/>
+            </a:xfrm>
+            <a:prstGeom prst="roundRect">
+              <a:avLst/>
+            </a:prstGeom>
+            <a:noFill/>
+            <a:ln w="28575">
+              <a:solidFill>
+                <a:schemeClr val="tx1"/>
+              </a:solidFill>
+            </a:ln>
+          </p:spPr>
+          <p:style>
+            <a:lnRef idx="2">
+              <a:schemeClr val="accent1">
+                <a:shade val="50000"/>
+              </a:schemeClr>
+            </a:lnRef>
+            <a:fillRef idx="1">
+              <a:schemeClr val="accent1"/>
+            </a:fillRef>
+            <a:effectRef idx="0">
+              <a:schemeClr val="accent1"/>
+            </a:effectRef>
+            <a:fontRef idx="minor">
+              <a:schemeClr val="lt1"/>
+            </a:fontRef>
+          </p:style>
+          <p:txBody>
+            <a:bodyPr rtlCol="0" anchor="ctr"/>
+            <a:lstStyle/>
+            <a:p>
+              <a:pPr algn="ctr"/>
+              <a:r>
+                <a:rPr lang="zh-CN" altLang="en-US" dirty="0">
+                  <a:ln w="3175">
+                    <a:solidFill>
+                      <a:schemeClr val="tx1"/>
+                    </a:solidFill>
+                  </a:ln>
+                  <a:solidFill>
+                    <a:schemeClr val="tx1"/>
+                  </a:solidFill>
+                  <a:latin typeface="宋体" panose="02010600030101010101" pitchFamily="2" charset="-122"/>
+                  <a:ea typeface="宋体" panose="02010600030101010101" pitchFamily="2" charset="-122"/>
+                </a:rPr>
+                <a:t>开始</a:t>
+              </a:r>
+            </a:p>
+          </p:txBody>
+        </p:sp>
+        <p:sp>
+          <p:nvSpPr>
+            <p:cNvPr id="35" name="矩形 34">
+              <a:extLst>
+                <a:ext uri="{FF2B5EF4-FFF2-40B4-BE49-F238E27FC236}">
+                  <a16:creationId xmlns:a16="http://schemas.microsoft.com/office/drawing/2014/main" id="{F8E41AEA-7CCB-49E7-BD71-EB2187D1B9B4}"/>
+                </a:ext>
+              </a:extLst>
+            </p:cNvPr>
+            <p:cNvSpPr/>
+            <p:nvPr/>
+          </p:nvSpPr>
+          <p:spPr>
+            <a:xfrm>
+              <a:off x="7191282" y="820132"/>
+              <a:ext cx="1729692" cy="527901"/>
+            </a:xfrm>
+            <a:prstGeom prst="rect">
+              <a:avLst/>
+            </a:prstGeom>
+            <a:noFill/>
+            <a:ln w="28575">
+              <a:solidFill>
+                <a:schemeClr val="tx1"/>
+              </a:solidFill>
+            </a:ln>
+          </p:spPr>
+          <p:style>
+            <a:lnRef idx="2">
+              <a:schemeClr val="accent1">
+                <a:shade val="50000"/>
+              </a:schemeClr>
+            </a:lnRef>
+            <a:fillRef idx="1">
+              <a:schemeClr val="accent1"/>
+            </a:fillRef>
+            <a:effectRef idx="0">
+              <a:schemeClr val="accent1"/>
+            </a:effectRef>
+            <a:fontRef idx="minor">
+              <a:schemeClr val="lt1"/>
+            </a:fontRef>
+          </p:style>
+          <p:txBody>
+            <a:bodyPr rtlCol="0" anchor="ctr"/>
+            <a:lstStyle/>
+            <a:p>
+              <a:pPr algn="ctr"/>
+              <a:r>
+                <a:rPr lang="zh-CN" altLang="en-US" dirty="0">
+                  <a:ln w="3175">
+                    <a:solidFill>
+                      <a:schemeClr val="tx1"/>
+                    </a:solidFill>
+                  </a:ln>
+                  <a:solidFill>
+                    <a:schemeClr val="tx1"/>
+                  </a:solidFill>
+                  <a:latin typeface="宋体" panose="02010600030101010101" pitchFamily="2" charset="-122"/>
+                  <a:ea typeface="宋体" panose="02010600030101010101" pitchFamily="2" charset="-122"/>
+                </a:rPr>
+                <a:t>读入图片和</a:t>
+              </a:r>
+              <a:endParaRPr lang="en-US" altLang="zh-CN" dirty="0">
+                <a:ln w="3175">
+                  <a:solidFill>
+                    <a:schemeClr val="tx1"/>
+                  </a:solidFill>
+                </a:ln>
+                <a:solidFill>
+                  <a:schemeClr val="tx1"/>
+                </a:solidFill>
+                <a:latin typeface="宋体" panose="02010600030101010101" pitchFamily="2" charset="-122"/>
+                <a:ea typeface="宋体" panose="02010600030101010101" pitchFamily="2" charset="-122"/>
+              </a:endParaRPr>
+            </a:p>
+            <a:p>
+              <a:pPr algn="ctr"/>
+              <a:r>
+                <a:rPr lang="zh-CN" altLang="en-US" dirty="0">
+                  <a:ln w="3175">
+                    <a:solidFill>
+                      <a:schemeClr val="tx1"/>
+                    </a:solidFill>
+                  </a:ln>
+                  <a:solidFill>
+                    <a:schemeClr val="tx1"/>
+                  </a:solidFill>
+                  <a:latin typeface="宋体" panose="02010600030101010101" pitchFamily="2" charset="-122"/>
+                  <a:ea typeface="宋体" panose="02010600030101010101" pitchFamily="2" charset="-122"/>
+                </a:rPr>
+                <a:t>待匹配图片</a:t>
+              </a:r>
+            </a:p>
+          </p:txBody>
+        </p:sp>
+        <p:sp>
+          <p:nvSpPr>
+            <p:cNvPr id="36" name="矩形 35">
+              <a:extLst>
+                <a:ext uri="{FF2B5EF4-FFF2-40B4-BE49-F238E27FC236}">
+                  <a16:creationId xmlns:a16="http://schemas.microsoft.com/office/drawing/2014/main" id="{090A7862-B921-4617-B8D1-E3CEEAB083E7}"/>
+                </a:ext>
+              </a:extLst>
+            </p:cNvPr>
+            <p:cNvSpPr/>
+            <p:nvPr/>
+          </p:nvSpPr>
+          <p:spPr>
+            <a:xfrm>
+              <a:off x="7038974" y="6378584"/>
+              <a:ext cx="2045713" cy="622166"/>
+            </a:xfrm>
+            <a:prstGeom prst="rect">
+              <a:avLst/>
+            </a:prstGeom>
+            <a:noFill/>
+            <a:ln w="28575">
+              <a:solidFill>
+                <a:schemeClr val="tx1"/>
+              </a:solidFill>
+            </a:ln>
+          </p:spPr>
+          <p:style>
+            <a:lnRef idx="2">
+              <a:schemeClr val="accent1">
+                <a:shade val="50000"/>
+              </a:schemeClr>
+            </a:lnRef>
+            <a:fillRef idx="1">
+              <a:schemeClr val="accent1"/>
+            </a:fillRef>
+            <a:effectRef idx="0">
+              <a:schemeClr val="accent1"/>
+            </a:effectRef>
+            <a:fontRef idx="minor">
+              <a:schemeClr val="lt1"/>
+            </a:fontRef>
+          </p:style>
+          <p:txBody>
+            <a:bodyPr rtlCol="0" anchor="ctr"/>
+            <a:lstStyle/>
+            <a:p>
+              <a:pPr algn="ctr"/>
+              <a:r>
+                <a:rPr lang="zh-CN" altLang="en-US" dirty="0">
+                  <a:ln w="3175">
+                    <a:solidFill>
+                      <a:schemeClr val="tx1"/>
+                    </a:solidFill>
+                  </a:ln>
+                  <a:solidFill>
+                    <a:schemeClr val="tx1"/>
+                  </a:solidFill>
+                  <a:latin typeface="宋体" panose="02010600030101010101" pitchFamily="2" charset="-122"/>
+                  <a:ea typeface="宋体" panose="02010600030101010101" pitchFamily="2" charset="-122"/>
+                </a:rPr>
+                <a:t>根据映射关系得到匹配后的图片</a:t>
+              </a:r>
+            </a:p>
+          </p:txBody>
+        </p:sp>
+        <p:sp>
+          <p:nvSpPr>
+            <p:cNvPr id="39" name="矩形: 圆角 38">
+              <a:extLst>
+                <a:ext uri="{FF2B5EF4-FFF2-40B4-BE49-F238E27FC236}">
+                  <a16:creationId xmlns:a16="http://schemas.microsoft.com/office/drawing/2014/main" id="{DED3CE19-4871-4443-8472-C9EA5344B6E4}"/>
+                </a:ext>
+              </a:extLst>
+            </p:cNvPr>
+            <p:cNvSpPr/>
+            <p:nvPr/>
+          </p:nvSpPr>
+          <p:spPr>
+            <a:xfrm>
+              <a:off x="7476217" y="8175422"/>
+              <a:ext cx="1159497" cy="490194"/>
+            </a:xfrm>
+            <a:prstGeom prst="roundRect">
+              <a:avLst/>
+            </a:prstGeom>
+            <a:noFill/>
+            <a:ln w="28575">
+              <a:solidFill>
+                <a:schemeClr val="tx1"/>
+              </a:solidFill>
+            </a:ln>
+          </p:spPr>
+          <p:style>
+            <a:lnRef idx="2">
+              <a:schemeClr val="accent1">
+                <a:shade val="50000"/>
+              </a:schemeClr>
+            </a:lnRef>
+            <a:fillRef idx="1">
+              <a:schemeClr val="accent1"/>
+            </a:fillRef>
+            <a:effectRef idx="0">
+              <a:schemeClr val="accent1"/>
+            </a:effectRef>
+            <a:fontRef idx="minor">
+              <a:schemeClr val="lt1"/>
+            </a:fontRef>
+          </p:style>
+          <p:txBody>
+            <a:bodyPr rtlCol="0" anchor="ctr"/>
+            <a:lstStyle/>
+            <a:p>
+              <a:pPr algn="ctr"/>
+              <a:r>
+                <a:rPr lang="zh-CN" altLang="en-US" dirty="0">
+                  <a:ln w="3175">
+                    <a:solidFill>
+                      <a:schemeClr val="tx1"/>
+                    </a:solidFill>
+                  </a:ln>
+                  <a:solidFill>
+                    <a:schemeClr val="tx1"/>
+                  </a:solidFill>
+                  <a:latin typeface="宋体" panose="02010600030101010101" pitchFamily="2" charset="-122"/>
+                  <a:ea typeface="宋体" panose="02010600030101010101" pitchFamily="2" charset="-122"/>
+                </a:rPr>
+                <a:t>结束</a:t>
+              </a:r>
+            </a:p>
+          </p:txBody>
+        </p:sp>
+        <p:cxnSp>
+          <p:nvCxnSpPr>
+            <p:cNvPr id="40" name="直接箭头连接符 39">
+              <a:extLst>
+                <a:ext uri="{FF2B5EF4-FFF2-40B4-BE49-F238E27FC236}">
+                  <a16:creationId xmlns:a16="http://schemas.microsoft.com/office/drawing/2014/main" id="{1AF9A1E7-DA00-48F3-858A-FC9E23ACD19F}"/>
+                </a:ext>
+              </a:extLst>
+            </p:cNvPr>
+            <p:cNvCxnSpPr>
+              <a:cxnSpLocks/>
+              <a:stCxn id="34" idx="2"/>
+              <a:endCxn id="35" idx="0"/>
+            </p:cNvCxnSpPr>
+            <p:nvPr/>
+          </p:nvCxnSpPr>
+          <p:spPr>
+            <a:xfrm>
+              <a:off x="8055966" y="527901"/>
+              <a:ext cx="162" cy="292231"/>
+            </a:xfrm>
+            <a:prstGeom prst="straightConnector1">
+              <a:avLst/>
+            </a:prstGeom>
+            <a:ln w="19050">
+              <a:tailEnd type="triangle"/>
+            </a:ln>
+          </p:spPr>
+          <p:style>
+            <a:lnRef idx="1">
+              <a:schemeClr val="dk1"/>
+            </a:lnRef>
+            <a:fillRef idx="0">
+              <a:schemeClr val="dk1"/>
+            </a:fillRef>
+            <a:effectRef idx="0">
+              <a:schemeClr val="dk1"/>
+            </a:effectRef>
+            <a:fontRef idx="minor">
+              <a:schemeClr val="tx1"/>
+            </a:fontRef>
+          </p:style>
+        </p:cxnSp>
+        <p:cxnSp>
+          <p:nvCxnSpPr>
+            <p:cNvPr id="42" name="直接箭头连接符 41">
+              <a:extLst>
+                <a:ext uri="{FF2B5EF4-FFF2-40B4-BE49-F238E27FC236}">
+                  <a16:creationId xmlns:a16="http://schemas.microsoft.com/office/drawing/2014/main" id="{274456E4-5D48-44A0-BE98-4DD942A306DD}"/>
+                </a:ext>
+              </a:extLst>
+            </p:cNvPr>
+            <p:cNvCxnSpPr>
+              <a:cxnSpLocks/>
+              <a:stCxn id="36" idx="2"/>
+              <a:endCxn id="70" idx="0"/>
+            </p:cNvCxnSpPr>
+            <p:nvPr/>
+          </p:nvCxnSpPr>
+          <p:spPr>
+            <a:xfrm>
+              <a:off x="8061831" y="7000750"/>
+              <a:ext cx="1651" cy="311083"/>
+            </a:xfrm>
+            <a:prstGeom prst="straightConnector1">
+              <a:avLst/>
+            </a:prstGeom>
+            <a:ln w="19050">
+              <a:tailEnd type="triangle"/>
+            </a:ln>
+          </p:spPr>
+          <p:style>
+            <a:lnRef idx="1">
+              <a:schemeClr val="dk1"/>
+            </a:lnRef>
+            <a:fillRef idx="0">
+              <a:schemeClr val="dk1"/>
+            </a:fillRef>
+            <a:effectRef idx="0">
+              <a:schemeClr val="dk1"/>
+            </a:effectRef>
+            <a:fontRef idx="minor">
+              <a:schemeClr val="tx1"/>
+            </a:fontRef>
+          </p:style>
+        </p:cxnSp>
+        <p:sp>
+          <p:nvSpPr>
+            <p:cNvPr id="43" name="菱形 42">
+              <a:extLst>
+                <a:ext uri="{FF2B5EF4-FFF2-40B4-BE49-F238E27FC236}">
+                  <a16:creationId xmlns:a16="http://schemas.microsoft.com/office/drawing/2014/main" id="{3CB809C5-BBA8-42B7-8F3B-FB082886DC11}"/>
+                </a:ext>
+              </a:extLst>
+            </p:cNvPr>
+            <p:cNvSpPr/>
+            <p:nvPr/>
+          </p:nvSpPr>
+          <p:spPr>
+            <a:xfrm>
+              <a:off x="6731401" y="1633191"/>
+              <a:ext cx="2648932" cy="1159497"/>
+            </a:xfrm>
+            <a:prstGeom prst="diamond">
+              <a:avLst/>
+            </a:prstGeom>
+            <a:noFill/>
+            <a:ln w="28575">
+              <a:solidFill>
+                <a:schemeClr val="tx1"/>
+              </a:solidFill>
+            </a:ln>
+          </p:spPr>
+          <p:style>
+            <a:lnRef idx="2">
+              <a:schemeClr val="accent1">
+                <a:shade val="50000"/>
+              </a:schemeClr>
+            </a:lnRef>
+            <a:fillRef idx="1">
+              <a:schemeClr val="accent1"/>
+            </a:fillRef>
+            <a:effectRef idx="0">
+              <a:schemeClr val="accent1"/>
+            </a:effectRef>
+            <a:fontRef idx="minor">
+              <a:schemeClr val="lt1"/>
+            </a:fontRef>
+          </p:style>
+          <p:txBody>
+            <a:bodyPr rtlCol="0" anchor="ctr"/>
+            <a:lstStyle/>
+            <a:p>
+              <a:pPr algn="ctr"/>
+              <a:r>
+                <a:rPr lang="zh-CN" altLang="en-US" dirty="0">
+                  <a:ln w="3175">
+                    <a:solidFill>
+                      <a:schemeClr val="tx1"/>
+                    </a:solidFill>
+                  </a:ln>
+                  <a:solidFill>
+                    <a:schemeClr val="tx1"/>
+                  </a:solidFill>
+                </a:rPr>
+                <a:t>是否为彩色图片？</a:t>
+              </a:r>
+            </a:p>
+          </p:txBody>
+        </p:sp>
+        <p:sp>
+          <p:nvSpPr>
+            <p:cNvPr id="45" name="文本框 44">
+              <a:extLst>
+                <a:ext uri="{FF2B5EF4-FFF2-40B4-BE49-F238E27FC236}">
+                  <a16:creationId xmlns:a16="http://schemas.microsoft.com/office/drawing/2014/main" id="{A47C7E9F-0E89-4AFF-B733-F8CF72632F17}"/>
+                </a:ext>
+              </a:extLst>
+            </p:cNvPr>
+            <p:cNvSpPr txBox="1"/>
+            <p:nvPr/>
+          </p:nvSpPr>
+          <p:spPr>
+            <a:xfrm>
+              <a:off x="10505757" y="2253329"/>
+              <a:ext cx="415498" cy="369332"/>
+            </a:xfrm>
+            <a:prstGeom prst="rect">
+              <a:avLst/>
+            </a:prstGeom>
+            <a:noFill/>
+          </p:spPr>
+          <p:txBody>
+            <a:bodyPr wrap="square" rtlCol="0">
+              <a:spAutoFit/>
+            </a:bodyPr>
+            <a:lstStyle/>
+            <a:p>
+              <a:pPr algn="ctr"/>
+              <a:r>
+                <a:rPr lang="zh-CN" altLang="en-US" dirty="0">
+                  <a:ln w="3175">
+                    <a:solidFill>
+                      <a:schemeClr val="tx1"/>
+                    </a:solidFill>
+                  </a:ln>
+                  <a:latin typeface="宋体" panose="02010600030101010101" pitchFamily="2" charset="-122"/>
+                  <a:ea typeface="宋体" panose="02010600030101010101" pitchFamily="2" charset="-122"/>
+                </a:rPr>
+                <a:t>是</a:t>
+              </a:r>
+            </a:p>
+          </p:txBody>
+        </p:sp>
+        <p:sp>
+          <p:nvSpPr>
+            <p:cNvPr id="46" name="文本框 45">
+              <a:extLst>
+                <a:ext uri="{FF2B5EF4-FFF2-40B4-BE49-F238E27FC236}">
+                  <a16:creationId xmlns:a16="http://schemas.microsoft.com/office/drawing/2014/main" id="{48AA0913-50FA-4122-AEB9-C8619E7E2D1A}"/>
+                </a:ext>
+              </a:extLst>
+            </p:cNvPr>
+            <p:cNvSpPr txBox="1"/>
+            <p:nvPr/>
+          </p:nvSpPr>
+          <p:spPr>
+            <a:xfrm>
+              <a:off x="8060220" y="2724163"/>
+              <a:ext cx="415498" cy="369332"/>
+            </a:xfrm>
+            <a:prstGeom prst="rect">
+              <a:avLst/>
+            </a:prstGeom>
+            <a:noFill/>
+          </p:spPr>
+          <p:txBody>
+            <a:bodyPr wrap="none" rtlCol="0">
+              <a:spAutoFit/>
+            </a:bodyPr>
+            <a:lstStyle/>
+            <a:p>
+              <a:pPr algn="ctr"/>
+              <a:r>
+                <a:rPr lang="zh-CN" altLang="en-US" dirty="0">
+                  <a:ln w="3175">
+                    <a:solidFill>
+                      <a:schemeClr val="tx1"/>
+                    </a:solidFill>
+                  </a:ln>
+                  <a:latin typeface="宋体" panose="02010600030101010101" pitchFamily="2" charset="-122"/>
+                  <a:ea typeface="宋体" panose="02010600030101010101" pitchFamily="2" charset="-122"/>
+                </a:rPr>
+                <a:t>否</a:t>
+              </a:r>
+            </a:p>
+          </p:txBody>
+        </p:sp>
+        <p:sp>
+          <p:nvSpPr>
+            <p:cNvPr id="48" name="矩形 47">
+              <a:extLst>
+                <a:ext uri="{FF2B5EF4-FFF2-40B4-BE49-F238E27FC236}">
+                  <a16:creationId xmlns:a16="http://schemas.microsoft.com/office/drawing/2014/main" id="{D891376B-BF4F-4C43-9797-187338DECB71}"/>
+                </a:ext>
+              </a:extLst>
+            </p:cNvPr>
+            <p:cNvSpPr/>
+            <p:nvPr/>
+          </p:nvSpPr>
+          <p:spPr>
+            <a:xfrm>
+              <a:off x="7057835" y="3148369"/>
+              <a:ext cx="2004769" cy="735291"/>
+            </a:xfrm>
+            <a:prstGeom prst="rect">
+              <a:avLst/>
+            </a:prstGeom>
+            <a:noFill/>
+            <a:ln w="28575">
+              <a:solidFill>
+                <a:schemeClr val="tx1"/>
+              </a:solidFill>
+            </a:ln>
+          </p:spPr>
+          <p:style>
+            <a:lnRef idx="2">
+              <a:schemeClr val="accent1">
+                <a:shade val="50000"/>
+              </a:schemeClr>
+            </a:lnRef>
+            <a:fillRef idx="1">
+              <a:schemeClr val="accent1"/>
+            </a:fillRef>
+            <a:effectRef idx="0">
+              <a:schemeClr val="accent1"/>
+            </a:effectRef>
+            <a:fontRef idx="minor">
+              <a:schemeClr val="lt1"/>
+            </a:fontRef>
+          </p:style>
+          <p:txBody>
+            <a:bodyPr rtlCol="0" anchor="ctr"/>
+            <a:lstStyle/>
+            <a:p>
+              <a:pPr algn="ctr"/>
+              <a:r>
+                <a:rPr lang="zh-CN" altLang="en-US" dirty="0">
+                  <a:ln w="3175">
+                    <a:solidFill>
+                      <a:schemeClr val="tx1"/>
+                    </a:solidFill>
+                  </a:ln>
+                  <a:solidFill>
+                    <a:schemeClr val="tx1"/>
+                  </a:solidFill>
+                  <a:latin typeface="宋体" panose="02010600030101010101" pitchFamily="2" charset="-122"/>
+                  <a:ea typeface="宋体" panose="02010600030101010101" pitchFamily="2" charset="-122"/>
+                </a:rPr>
+                <a:t>对原图片计算统计直方图</a:t>
+              </a:r>
+            </a:p>
+          </p:txBody>
+        </p:sp>
+        <p:sp>
+          <p:nvSpPr>
+            <p:cNvPr id="49" name="矩形 48">
+              <a:extLst>
+                <a:ext uri="{FF2B5EF4-FFF2-40B4-BE49-F238E27FC236}">
+                  <a16:creationId xmlns:a16="http://schemas.microsoft.com/office/drawing/2014/main" id="{8C939503-74C4-4CB7-A299-DBEB241DFDC9}"/>
+                </a:ext>
+              </a:extLst>
+            </p:cNvPr>
+            <p:cNvSpPr/>
+            <p:nvPr/>
+          </p:nvSpPr>
+          <p:spPr>
+            <a:xfrm>
+              <a:off x="7057835" y="4237350"/>
+              <a:ext cx="2004769" cy="735291"/>
+            </a:xfrm>
+            <a:prstGeom prst="rect">
+              <a:avLst/>
+            </a:prstGeom>
+            <a:noFill/>
+            <a:ln w="28575">
+              <a:solidFill>
+                <a:schemeClr val="tx1"/>
+              </a:solidFill>
+            </a:ln>
+          </p:spPr>
+          <p:style>
+            <a:lnRef idx="2">
+              <a:schemeClr val="accent1">
+                <a:shade val="50000"/>
+              </a:schemeClr>
+            </a:lnRef>
+            <a:fillRef idx="1">
+              <a:schemeClr val="accent1"/>
+            </a:fillRef>
+            <a:effectRef idx="0">
+              <a:schemeClr val="accent1"/>
+            </a:effectRef>
+            <a:fontRef idx="minor">
+              <a:schemeClr val="lt1"/>
+            </a:fontRef>
+          </p:style>
+          <p:txBody>
+            <a:bodyPr rtlCol="0" anchor="ctr"/>
+            <a:lstStyle/>
+            <a:p>
+              <a:pPr algn="ctr"/>
+              <a:r>
+                <a:rPr lang="zh-CN" altLang="en-US" dirty="0">
+                  <a:ln w="3175">
+                    <a:solidFill>
+                      <a:schemeClr val="tx1"/>
+                    </a:solidFill>
+                  </a:ln>
+                  <a:solidFill>
+                    <a:schemeClr val="tx1"/>
+                  </a:solidFill>
+                  <a:latin typeface="宋体" panose="02010600030101010101" pitchFamily="2" charset="-122"/>
+                  <a:ea typeface="宋体" panose="02010600030101010101" pitchFamily="2" charset="-122"/>
+                </a:rPr>
+                <a:t>计算待匹配图片各像素值统计量</a:t>
+              </a:r>
+            </a:p>
+          </p:txBody>
+        </p:sp>
+        <p:sp>
+          <p:nvSpPr>
+            <p:cNvPr id="51" name="矩形 50">
+              <a:extLst>
+                <a:ext uri="{FF2B5EF4-FFF2-40B4-BE49-F238E27FC236}">
+                  <a16:creationId xmlns:a16="http://schemas.microsoft.com/office/drawing/2014/main" id="{29097094-9EEC-4E2A-9D76-B2B5E8E16E2C}"/>
+                </a:ext>
+              </a:extLst>
+            </p:cNvPr>
+            <p:cNvSpPr/>
+            <p:nvPr/>
+          </p:nvSpPr>
+          <p:spPr>
+            <a:xfrm>
+              <a:off x="10085224" y="3195504"/>
+              <a:ext cx="1626312" cy="625383"/>
+            </a:xfrm>
+            <a:prstGeom prst="rect">
+              <a:avLst/>
+            </a:prstGeom>
+            <a:noFill/>
+            <a:ln w="28575">
+              <a:solidFill>
+                <a:schemeClr val="tx1"/>
+              </a:solidFill>
+            </a:ln>
+          </p:spPr>
+          <p:style>
+            <a:lnRef idx="2">
+              <a:schemeClr val="accent1">
+                <a:shade val="50000"/>
+              </a:schemeClr>
+            </a:lnRef>
+            <a:fillRef idx="1">
+              <a:schemeClr val="accent1"/>
+            </a:fillRef>
+            <a:effectRef idx="0">
+              <a:schemeClr val="accent1"/>
+            </a:effectRef>
+            <a:fontRef idx="minor">
+              <a:schemeClr val="lt1"/>
+            </a:fontRef>
+          </p:style>
+          <p:txBody>
+            <a:bodyPr rtlCol="0" anchor="ctr"/>
+            <a:lstStyle/>
+            <a:p>
+              <a:pPr algn="ctr"/>
+              <a:r>
+                <a:rPr lang="zh-CN" altLang="en-US" dirty="0">
+                  <a:ln w="3175">
+                    <a:solidFill>
+                      <a:schemeClr val="tx1"/>
+                    </a:solidFill>
+                  </a:ln>
+                  <a:solidFill>
+                    <a:schemeClr val="tx1"/>
+                  </a:solidFill>
+                  <a:latin typeface="宋体" panose="02010600030101010101" pitchFamily="2" charset="-122"/>
+                  <a:ea typeface="宋体" panose="02010600030101010101" pitchFamily="2" charset="-122"/>
+                </a:rPr>
+                <a:t>将彩色图片转换为灰度图</a:t>
+              </a:r>
+            </a:p>
+          </p:txBody>
+        </p:sp>
+        <p:sp>
+          <p:nvSpPr>
+            <p:cNvPr id="52" name="矩形 51">
+              <a:extLst>
+                <a:ext uri="{FF2B5EF4-FFF2-40B4-BE49-F238E27FC236}">
+                  <a16:creationId xmlns:a16="http://schemas.microsoft.com/office/drawing/2014/main" id="{73633547-1B94-43CC-BCDC-EF09D84A7E8A}"/>
+                </a:ext>
+              </a:extLst>
+            </p:cNvPr>
+            <p:cNvSpPr/>
+            <p:nvPr/>
+          </p:nvSpPr>
+          <p:spPr>
+            <a:xfrm>
+              <a:off x="6746630" y="5307967"/>
+              <a:ext cx="2633704" cy="735291"/>
+            </a:xfrm>
+            <a:prstGeom prst="rect">
+              <a:avLst/>
+            </a:prstGeom>
+            <a:noFill/>
+            <a:ln w="28575">
+              <a:solidFill>
+                <a:schemeClr val="tx1"/>
+              </a:solidFill>
+            </a:ln>
+          </p:spPr>
+          <p:style>
+            <a:lnRef idx="2">
+              <a:schemeClr val="accent1">
+                <a:shade val="50000"/>
+              </a:schemeClr>
+            </a:lnRef>
+            <a:fillRef idx="1">
+              <a:schemeClr val="accent1"/>
+            </a:fillRef>
+            <a:effectRef idx="0">
+              <a:schemeClr val="accent1"/>
+            </a:effectRef>
+            <a:fontRef idx="minor">
+              <a:schemeClr val="lt1"/>
+            </a:fontRef>
+          </p:style>
+          <p:txBody>
+            <a:bodyPr rtlCol="0" anchor="ctr"/>
+            <a:lstStyle/>
+            <a:p>
+              <a:pPr algn="ctr"/>
+              <a:r>
+                <a:rPr lang="zh-CN" altLang="en-US" dirty="0">
+                  <a:ln w="3175">
+                    <a:solidFill>
+                      <a:schemeClr val="tx1"/>
+                    </a:solidFill>
+                  </a:ln>
+                  <a:solidFill>
+                    <a:schemeClr val="tx1"/>
+                  </a:solidFill>
+                  <a:latin typeface="宋体" panose="02010600030101010101" pitchFamily="2" charset="-122"/>
+                  <a:ea typeface="宋体" panose="02010600030101010101" pitchFamily="2" charset="-122"/>
+                </a:rPr>
+                <a:t>根据统计量和源直方图建立像素点映射关系</a:t>
+              </a:r>
+            </a:p>
+          </p:txBody>
+        </p:sp>
+        <p:cxnSp>
+          <p:nvCxnSpPr>
+            <p:cNvPr id="54" name="直接箭头连接符 53">
+              <a:extLst>
+                <a:ext uri="{FF2B5EF4-FFF2-40B4-BE49-F238E27FC236}">
+                  <a16:creationId xmlns:a16="http://schemas.microsoft.com/office/drawing/2014/main" id="{02EC3C45-0A37-49E9-B9A0-31AE00E37E8D}"/>
+                </a:ext>
+              </a:extLst>
+            </p:cNvPr>
+            <p:cNvCxnSpPr>
+              <a:cxnSpLocks/>
+              <a:stCxn id="35" idx="2"/>
+              <a:endCxn id="43" idx="0"/>
+            </p:cNvCxnSpPr>
+            <p:nvPr/>
+          </p:nvCxnSpPr>
+          <p:spPr>
+            <a:xfrm flipH="1">
+              <a:off x="8055867" y="1348033"/>
+              <a:ext cx="261" cy="285158"/>
+            </a:xfrm>
+            <a:prstGeom prst="straightConnector1">
+              <a:avLst/>
+            </a:prstGeom>
+            <a:ln w="19050">
+              <a:tailEnd type="triangle"/>
+            </a:ln>
+          </p:spPr>
+          <p:style>
+            <a:lnRef idx="1">
+              <a:schemeClr val="dk1"/>
+            </a:lnRef>
+            <a:fillRef idx="0">
+              <a:schemeClr val="dk1"/>
+            </a:fillRef>
+            <a:effectRef idx="0">
+              <a:schemeClr val="dk1"/>
+            </a:effectRef>
+            <a:fontRef idx="minor">
+              <a:schemeClr val="tx1"/>
+            </a:fontRef>
+          </p:style>
+        </p:cxnSp>
+        <p:cxnSp>
+          <p:nvCxnSpPr>
+            <p:cNvPr id="55" name="连接符: 肘形 54">
+              <a:extLst>
+                <a:ext uri="{FF2B5EF4-FFF2-40B4-BE49-F238E27FC236}">
+                  <a16:creationId xmlns:a16="http://schemas.microsoft.com/office/drawing/2014/main" id="{6402BC3A-828A-4667-83B0-0A0DE3C5F492}"/>
+                </a:ext>
+              </a:extLst>
+            </p:cNvPr>
+            <p:cNvCxnSpPr>
+              <a:cxnSpLocks/>
+              <a:stCxn id="43" idx="3"/>
+              <a:endCxn id="51" idx="0"/>
+            </p:cNvCxnSpPr>
+            <p:nvPr/>
+          </p:nvCxnSpPr>
+          <p:spPr>
+            <a:xfrm>
+              <a:off x="9380333" y="2212940"/>
+              <a:ext cx="1518047" cy="982564"/>
+            </a:xfrm>
+            <a:prstGeom prst="bentConnector2">
+              <a:avLst/>
+            </a:prstGeom>
+            <a:ln w="19050">
+              <a:tailEnd type="triangle"/>
+            </a:ln>
+          </p:spPr>
+          <p:style>
+            <a:lnRef idx="1">
+              <a:schemeClr val="dk1"/>
+            </a:lnRef>
+            <a:fillRef idx="0">
+              <a:schemeClr val="dk1"/>
+            </a:fillRef>
+            <a:effectRef idx="0">
+              <a:schemeClr val="dk1"/>
+            </a:effectRef>
+            <a:fontRef idx="minor">
+              <a:schemeClr val="tx1"/>
+            </a:fontRef>
+          </p:style>
+        </p:cxnSp>
+        <p:cxnSp>
+          <p:nvCxnSpPr>
+            <p:cNvPr id="57" name="直接箭头连接符 56">
+              <a:extLst>
+                <a:ext uri="{FF2B5EF4-FFF2-40B4-BE49-F238E27FC236}">
+                  <a16:creationId xmlns:a16="http://schemas.microsoft.com/office/drawing/2014/main" id="{F614F5B8-BFDF-4B7F-AEC1-F9AC56722A91}"/>
+                </a:ext>
+              </a:extLst>
+            </p:cNvPr>
+            <p:cNvCxnSpPr>
+              <a:cxnSpLocks/>
+              <a:stCxn id="43" idx="2"/>
+              <a:endCxn id="48" idx="0"/>
+            </p:cNvCxnSpPr>
+            <p:nvPr/>
+          </p:nvCxnSpPr>
+          <p:spPr>
+            <a:xfrm>
+              <a:off x="8055867" y="2792688"/>
+              <a:ext cx="4353" cy="355681"/>
+            </a:xfrm>
+            <a:prstGeom prst="straightConnector1">
+              <a:avLst/>
+            </a:prstGeom>
+            <a:ln w="19050">
+              <a:tailEnd type="triangle"/>
+            </a:ln>
+          </p:spPr>
+          <p:style>
+            <a:lnRef idx="1">
+              <a:schemeClr val="dk1"/>
+            </a:lnRef>
+            <a:fillRef idx="0">
+              <a:schemeClr val="dk1"/>
+            </a:fillRef>
+            <a:effectRef idx="0">
+              <a:schemeClr val="dk1"/>
+            </a:effectRef>
+            <a:fontRef idx="minor">
+              <a:schemeClr val="tx1"/>
+            </a:fontRef>
+          </p:style>
+        </p:cxnSp>
+        <p:cxnSp>
+          <p:nvCxnSpPr>
+            <p:cNvPr id="58" name="直接箭头连接符 57">
+              <a:extLst>
+                <a:ext uri="{FF2B5EF4-FFF2-40B4-BE49-F238E27FC236}">
+                  <a16:creationId xmlns:a16="http://schemas.microsoft.com/office/drawing/2014/main" id="{816C731A-0FD8-4EDE-99D3-FD27AE38B818}"/>
+                </a:ext>
+              </a:extLst>
+            </p:cNvPr>
+            <p:cNvCxnSpPr>
+              <a:cxnSpLocks/>
+              <a:stCxn id="51" idx="1"/>
+              <a:endCxn id="48" idx="3"/>
+            </p:cNvCxnSpPr>
+            <p:nvPr/>
+          </p:nvCxnSpPr>
+          <p:spPr>
+            <a:xfrm flipH="1">
+              <a:off x="9062604" y="3508196"/>
+              <a:ext cx="1022620" cy="7819"/>
+            </a:xfrm>
+            <a:prstGeom prst="straightConnector1">
+              <a:avLst/>
+            </a:prstGeom>
+            <a:ln w="19050">
+              <a:tailEnd type="triangle"/>
+            </a:ln>
+          </p:spPr>
+          <p:style>
+            <a:lnRef idx="1">
+              <a:schemeClr val="dk1"/>
+            </a:lnRef>
+            <a:fillRef idx="0">
+              <a:schemeClr val="dk1"/>
+            </a:fillRef>
+            <a:effectRef idx="0">
+              <a:schemeClr val="dk1"/>
+            </a:effectRef>
+            <a:fontRef idx="minor">
+              <a:schemeClr val="tx1"/>
+            </a:fontRef>
+          </p:style>
+        </p:cxnSp>
+        <p:cxnSp>
+          <p:nvCxnSpPr>
+            <p:cNvPr id="59" name="直接箭头连接符 58">
+              <a:extLst>
+                <a:ext uri="{FF2B5EF4-FFF2-40B4-BE49-F238E27FC236}">
+                  <a16:creationId xmlns:a16="http://schemas.microsoft.com/office/drawing/2014/main" id="{E2991A42-451A-4979-8485-E74053D6CCE8}"/>
+                </a:ext>
+              </a:extLst>
+            </p:cNvPr>
+            <p:cNvCxnSpPr>
+              <a:cxnSpLocks/>
+              <a:stCxn id="48" idx="2"/>
+              <a:endCxn id="49" idx="0"/>
+            </p:cNvCxnSpPr>
+            <p:nvPr/>
+          </p:nvCxnSpPr>
+          <p:spPr>
+            <a:xfrm>
+              <a:off x="8060220" y="3883660"/>
+              <a:ext cx="0" cy="353690"/>
+            </a:xfrm>
+            <a:prstGeom prst="straightConnector1">
+              <a:avLst/>
+            </a:prstGeom>
+            <a:ln w="19050">
+              <a:tailEnd type="triangle"/>
+            </a:ln>
+          </p:spPr>
+          <p:style>
+            <a:lnRef idx="1">
+              <a:schemeClr val="dk1"/>
+            </a:lnRef>
+            <a:fillRef idx="0">
+              <a:schemeClr val="dk1"/>
+            </a:fillRef>
+            <a:effectRef idx="0">
+              <a:schemeClr val="dk1"/>
+            </a:effectRef>
+            <a:fontRef idx="minor">
+              <a:schemeClr val="tx1"/>
+            </a:fontRef>
+          </p:style>
+        </p:cxnSp>
+        <p:cxnSp>
+          <p:nvCxnSpPr>
+            <p:cNvPr id="61" name="直接箭头连接符 60">
+              <a:extLst>
+                <a:ext uri="{FF2B5EF4-FFF2-40B4-BE49-F238E27FC236}">
+                  <a16:creationId xmlns:a16="http://schemas.microsoft.com/office/drawing/2014/main" id="{6EBA6BBF-554F-4DE0-A8E5-9047A14B6EAA}"/>
+                </a:ext>
+              </a:extLst>
+            </p:cNvPr>
+            <p:cNvCxnSpPr>
+              <a:cxnSpLocks/>
+              <a:stCxn id="49" idx="2"/>
+              <a:endCxn id="52" idx="0"/>
+            </p:cNvCxnSpPr>
+            <p:nvPr/>
+          </p:nvCxnSpPr>
+          <p:spPr>
+            <a:xfrm>
+              <a:off x="8060220" y="4972641"/>
+              <a:ext cx="3262" cy="335326"/>
+            </a:xfrm>
+            <a:prstGeom prst="straightConnector1">
+              <a:avLst/>
+            </a:prstGeom>
+            <a:ln w="19050">
+              <a:tailEnd type="triangle"/>
+            </a:ln>
+          </p:spPr>
+          <p:style>
+            <a:lnRef idx="1">
+              <a:schemeClr val="dk1"/>
+            </a:lnRef>
+            <a:fillRef idx="0">
+              <a:schemeClr val="dk1"/>
+            </a:fillRef>
+            <a:effectRef idx="0">
+              <a:schemeClr val="dk1"/>
+            </a:effectRef>
+            <a:fontRef idx="minor">
+              <a:schemeClr val="tx1"/>
+            </a:fontRef>
+          </p:style>
+        </p:cxnSp>
+        <p:cxnSp>
+          <p:nvCxnSpPr>
+            <p:cNvPr id="62" name="直接箭头连接符 61">
+              <a:extLst>
+                <a:ext uri="{FF2B5EF4-FFF2-40B4-BE49-F238E27FC236}">
+                  <a16:creationId xmlns:a16="http://schemas.microsoft.com/office/drawing/2014/main" id="{8CC05322-8368-44D2-9090-40401C687800}"/>
+                </a:ext>
+              </a:extLst>
+            </p:cNvPr>
+            <p:cNvCxnSpPr>
+              <a:cxnSpLocks/>
+              <a:stCxn id="52" idx="2"/>
+              <a:endCxn id="36" idx="0"/>
+            </p:cNvCxnSpPr>
+            <p:nvPr/>
+          </p:nvCxnSpPr>
+          <p:spPr>
+            <a:xfrm flipH="1">
+              <a:off x="8061831" y="6043258"/>
+              <a:ext cx="1651" cy="335326"/>
+            </a:xfrm>
+            <a:prstGeom prst="straightConnector1">
+              <a:avLst/>
+            </a:prstGeom>
+            <a:ln w="19050">
+              <a:tailEnd type="triangle"/>
+            </a:ln>
+          </p:spPr>
+          <p:style>
+            <a:lnRef idx="1">
+              <a:schemeClr val="dk1"/>
+            </a:lnRef>
+            <a:fillRef idx="0">
+              <a:schemeClr val="dk1"/>
+            </a:fillRef>
+            <a:effectRef idx="0">
+              <a:schemeClr val="dk1"/>
+            </a:effectRef>
+            <a:fontRef idx="minor">
+              <a:schemeClr val="tx1"/>
+            </a:fontRef>
+          </p:style>
+        </p:cxnSp>
+        <p:sp>
+          <p:nvSpPr>
+            <p:cNvPr id="70" name="矩形 69">
+              <a:extLst>
+                <a:ext uri="{FF2B5EF4-FFF2-40B4-BE49-F238E27FC236}">
+                  <a16:creationId xmlns:a16="http://schemas.microsoft.com/office/drawing/2014/main" id="{74F09F2D-F9D5-4CD8-9123-254ACF8E98EB}"/>
+                </a:ext>
+              </a:extLst>
+            </p:cNvPr>
+            <p:cNvSpPr/>
+            <p:nvPr/>
+          </p:nvSpPr>
+          <p:spPr>
+            <a:xfrm>
+              <a:off x="7040625" y="7311833"/>
+              <a:ext cx="2045713" cy="622166"/>
+            </a:xfrm>
+            <a:prstGeom prst="rect">
+              <a:avLst/>
+            </a:prstGeom>
+            <a:noFill/>
+            <a:ln w="28575">
+              <a:solidFill>
+                <a:schemeClr val="tx1"/>
+              </a:solidFill>
+            </a:ln>
+          </p:spPr>
+          <p:style>
+            <a:lnRef idx="2">
+              <a:schemeClr val="accent1">
+                <a:shade val="50000"/>
+              </a:schemeClr>
+            </a:lnRef>
+            <a:fillRef idx="1">
+              <a:schemeClr val="accent1"/>
+            </a:fillRef>
+            <a:effectRef idx="0">
+              <a:schemeClr val="accent1"/>
+            </a:effectRef>
+            <a:fontRef idx="minor">
+              <a:schemeClr val="lt1"/>
+            </a:fontRef>
+          </p:style>
+          <p:txBody>
+            <a:bodyPr rtlCol="0" anchor="ctr"/>
+            <a:lstStyle/>
+            <a:p>
+              <a:pPr algn="ctr"/>
+              <a:r>
+                <a:rPr lang="zh-CN" altLang="en-US" dirty="0">
+                  <a:ln w="3175">
+                    <a:solidFill>
+                      <a:schemeClr val="tx1"/>
+                    </a:solidFill>
+                  </a:ln>
+                  <a:solidFill>
+                    <a:schemeClr val="tx1"/>
+                  </a:solidFill>
+                  <a:latin typeface="宋体" panose="02010600030101010101" pitchFamily="2" charset="-122"/>
+                  <a:ea typeface="宋体" panose="02010600030101010101" pitchFamily="2" charset="-122"/>
+                </a:rPr>
+                <a:t>显示匹配后的直方图和匹配后的图像</a:t>
+              </a:r>
+            </a:p>
+          </p:txBody>
+        </p:sp>
+        <p:cxnSp>
+          <p:nvCxnSpPr>
+            <p:cNvPr id="72" name="直接箭头连接符 71">
+              <a:extLst>
+                <a:ext uri="{FF2B5EF4-FFF2-40B4-BE49-F238E27FC236}">
+                  <a16:creationId xmlns:a16="http://schemas.microsoft.com/office/drawing/2014/main" id="{ECD92E2D-A656-4229-A9EE-F49E6D8D0DA6}"/>
+                </a:ext>
+              </a:extLst>
+            </p:cNvPr>
+            <p:cNvCxnSpPr>
+              <a:cxnSpLocks/>
+              <a:stCxn id="70" idx="2"/>
+            </p:cNvCxnSpPr>
+            <p:nvPr/>
+          </p:nvCxnSpPr>
+          <p:spPr>
+            <a:xfrm flipH="1">
+              <a:off x="8062005" y="7933999"/>
+              <a:ext cx="1477" cy="241423"/>
+            </a:xfrm>
+            <a:prstGeom prst="straightConnector1">
+              <a:avLst/>
+            </a:prstGeom>
+            <a:ln w="19050">
+              <a:tailEnd type="triangle"/>
+            </a:ln>
+          </p:spPr>
+          <p:style>
+            <a:lnRef idx="1">
+              <a:schemeClr val="dk1"/>
+            </a:lnRef>
+            <a:fillRef idx="0">
+              <a:schemeClr val="dk1"/>
+            </a:fillRef>
+            <a:effectRef idx="0">
+              <a:schemeClr val="dk1"/>
+            </a:effectRef>
+            <a:fontRef idx="minor">
+              <a:schemeClr val="tx1"/>
+            </a:fontRef>
+          </p:style>
+        </p:cxnSp>
+      </p:grpSp>
     </p:spTree>
     <p:extLst>
       <p:ext uri="{BB962C8B-B14F-4D97-AF65-F5344CB8AC3E}">

--- a/图像处理流程图.pptx
+++ b/图像处理流程图.pptx
@@ -7,6 +7,7 @@
   <p:sldIdLst>
     <p:sldId id="256" r:id="rId2"/>
     <p:sldId id="257" r:id="rId3"/>
+    <p:sldId id="258" r:id="rId4"/>
   </p:sldIdLst>
   <p:sldSz cx="12192000" cy="6858000"/>
   <p:notesSz cx="6858000" cy="9144000"/>
@@ -260,7 +261,7 @@
           <a:p>
             <a:fld id="{648AE971-6591-4C67-8226-CECCFE0F746A}" type="datetimeFigureOut">
               <a:rPr lang="zh-CN" altLang="en-US" smtClean="0"/>
-              <a:t>2018/12/6</a:t>
+              <a:t>2018/12/8</a:t>
             </a:fld>
             <a:endParaRPr lang="zh-CN" altLang="en-US"/>
           </a:p>
@@ -458,7 +459,7 @@
           <a:p>
             <a:fld id="{648AE971-6591-4C67-8226-CECCFE0F746A}" type="datetimeFigureOut">
               <a:rPr lang="zh-CN" altLang="en-US" smtClean="0"/>
-              <a:t>2018/12/6</a:t>
+              <a:t>2018/12/8</a:t>
             </a:fld>
             <a:endParaRPr lang="zh-CN" altLang="en-US"/>
           </a:p>
@@ -666,7 +667,7 @@
           <a:p>
             <a:fld id="{648AE971-6591-4C67-8226-CECCFE0F746A}" type="datetimeFigureOut">
               <a:rPr lang="zh-CN" altLang="en-US" smtClean="0"/>
-              <a:t>2018/12/6</a:t>
+              <a:t>2018/12/8</a:t>
             </a:fld>
             <a:endParaRPr lang="zh-CN" altLang="en-US"/>
           </a:p>
@@ -864,7 +865,7 @@
           <a:p>
             <a:fld id="{648AE971-6591-4C67-8226-CECCFE0F746A}" type="datetimeFigureOut">
               <a:rPr lang="zh-CN" altLang="en-US" smtClean="0"/>
-              <a:t>2018/12/6</a:t>
+              <a:t>2018/12/8</a:t>
             </a:fld>
             <a:endParaRPr lang="zh-CN" altLang="en-US"/>
           </a:p>
@@ -1139,7 +1140,7 @@
           <a:p>
             <a:fld id="{648AE971-6591-4C67-8226-CECCFE0F746A}" type="datetimeFigureOut">
               <a:rPr lang="zh-CN" altLang="en-US" smtClean="0"/>
-              <a:t>2018/12/6</a:t>
+              <a:t>2018/12/8</a:t>
             </a:fld>
             <a:endParaRPr lang="zh-CN" altLang="en-US"/>
           </a:p>
@@ -1404,7 +1405,7 @@
           <a:p>
             <a:fld id="{648AE971-6591-4C67-8226-CECCFE0F746A}" type="datetimeFigureOut">
               <a:rPr lang="zh-CN" altLang="en-US" smtClean="0"/>
-              <a:t>2018/12/6</a:t>
+              <a:t>2018/12/8</a:t>
             </a:fld>
             <a:endParaRPr lang="zh-CN" altLang="en-US"/>
           </a:p>
@@ -1816,7 +1817,7 @@
           <a:p>
             <a:fld id="{648AE971-6591-4C67-8226-CECCFE0F746A}" type="datetimeFigureOut">
               <a:rPr lang="zh-CN" altLang="en-US" smtClean="0"/>
-              <a:t>2018/12/6</a:t>
+              <a:t>2018/12/8</a:t>
             </a:fld>
             <a:endParaRPr lang="zh-CN" altLang="en-US"/>
           </a:p>
@@ -1957,7 +1958,7 @@
           <a:p>
             <a:fld id="{648AE971-6591-4C67-8226-CECCFE0F746A}" type="datetimeFigureOut">
               <a:rPr lang="zh-CN" altLang="en-US" smtClean="0"/>
-              <a:t>2018/12/6</a:t>
+              <a:t>2018/12/8</a:t>
             </a:fld>
             <a:endParaRPr lang="zh-CN" altLang="en-US"/>
           </a:p>
@@ -2070,7 +2071,7 @@
           <a:p>
             <a:fld id="{648AE971-6591-4C67-8226-CECCFE0F746A}" type="datetimeFigureOut">
               <a:rPr lang="zh-CN" altLang="en-US" smtClean="0"/>
-              <a:t>2018/12/6</a:t>
+              <a:t>2018/12/8</a:t>
             </a:fld>
             <a:endParaRPr lang="zh-CN" altLang="en-US"/>
           </a:p>
@@ -2381,7 +2382,7 @@
           <a:p>
             <a:fld id="{648AE971-6591-4C67-8226-CECCFE0F746A}" type="datetimeFigureOut">
               <a:rPr lang="zh-CN" altLang="en-US" smtClean="0"/>
-              <a:t>2018/12/6</a:t>
+              <a:t>2018/12/8</a:t>
             </a:fld>
             <a:endParaRPr lang="zh-CN" altLang="en-US"/>
           </a:p>
@@ -2669,7 +2670,7 @@
           <a:p>
             <a:fld id="{648AE971-6591-4C67-8226-CECCFE0F746A}" type="datetimeFigureOut">
               <a:rPr lang="zh-CN" altLang="en-US" smtClean="0"/>
-              <a:t>2018/12/6</a:t>
+              <a:t>2018/12/8</a:t>
             </a:fld>
             <a:endParaRPr lang="zh-CN" altLang="en-US"/>
           </a:p>
@@ -2910,7 +2911,7 @@
           <a:p>
             <a:fld id="{648AE971-6591-4C67-8226-CECCFE0F746A}" type="datetimeFigureOut">
               <a:rPr lang="zh-CN" altLang="en-US" smtClean="0"/>
-              <a:t>2018/12/6</a:t>
+              <a:t>2018/12/8</a:t>
             </a:fld>
             <a:endParaRPr lang="zh-CN" altLang="en-US"/>
           </a:p>
@@ -7416,6 +7417,1127 @@
 </p:sld>
 </file>
 
+<file path=ppt/slides/slide3.xml><?xml version="1.0" encoding="utf-8"?>
+<p:sld xmlns:a="http://schemas.openxmlformats.org/drawingml/2006/main" xmlns:r="http://schemas.openxmlformats.org/officeDocument/2006/relationships" xmlns:p="http://schemas.openxmlformats.org/presentationml/2006/main">
+  <p:cSld>
+    <p:spTree>
+      <p:nvGrpSpPr>
+        <p:cNvPr id="1" name=""/>
+        <p:cNvGrpSpPr/>
+        <p:nvPr/>
+      </p:nvGrpSpPr>
+      <p:grpSpPr>
+        <a:xfrm>
+          <a:off x="0" y="0"/>
+          <a:ext cx="0" cy="0"/>
+          <a:chOff x="0" y="0"/>
+          <a:chExt cx="0" cy="0"/>
+        </a:xfrm>
+      </p:grpSpPr>
+      <p:grpSp>
+        <p:nvGrpSpPr>
+          <p:cNvPr id="30" name="组合 29">
+            <a:extLst>
+              <a:ext uri="{FF2B5EF4-FFF2-40B4-BE49-F238E27FC236}">
+                <a16:creationId xmlns:a16="http://schemas.microsoft.com/office/drawing/2014/main" id="{80D83D8F-809C-47D1-B681-AADD54D54850}"/>
+              </a:ext>
+            </a:extLst>
+          </p:cNvPr>
+          <p:cNvGrpSpPr/>
+          <p:nvPr/>
+        </p:nvGrpSpPr>
+        <p:grpSpPr>
+          <a:xfrm>
+            <a:off x="1046375" y="108404"/>
+            <a:ext cx="3319313" cy="7732367"/>
+            <a:chOff x="1046375" y="108404"/>
+            <a:chExt cx="3319313" cy="7732367"/>
+          </a:xfrm>
+        </p:grpSpPr>
+        <p:sp>
+          <p:nvSpPr>
+            <p:cNvPr id="5" name="矩形: 圆角 4">
+              <a:extLst>
+                <a:ext uri="{FF2B5EF4-FFF2-40B4-BE49-F238E27FC236}">
+                  <a16:creationId xmlns:a16="http://schemas.microsoft.com/office/drawing/2014/main" id="{FAA52115-97AD-47F6-8A39-3D4E43E3C22F}"/>
+                </a:ext>
+              </a:extLst>
+            </p:cNvPr>
+            <p:cNvSpPr/>
+            <p:nvPr/>
+          </p:nvSpPr>
+          <p:spPr>
+            <a:xfrm>
+              <a:off x="1781666" y="108404"/>
+              <a:ext cx="1159497" cy="527901"/>
+            </a:xfrm>
+            <a:prstGeom prst="roundRect">
+              <a:avLst/>
+            </a:prstGeom>
+            <a:noFill/>
+            <a:ln w="28575">
+              <a:solidFill>
+                <a:schemeClr val="tx1"/>
+              </a:solidFill>
+            </a:ln>
+          </p:spPr>
+          <p:style>
+            <a:lnRef idx="2">
+              <a:schemeClr val="accent1">
+                <a:shade val="50000"/>
+              </a:schemeClr>
+            </a:lnRef>
+            <a:fillRef idx="1">
+              <a:schemeClr val="accent1"/>
+            </a:fillRef>
+            <a:effectRef idx="0">
+              <a:schemeClr val="accent1"/>
+            </a:effectRef>
+            <a:fontRef idx="minor">
+              <a:schemeClr val="lt1"/>
+            </a:fontRef>
+          </p:style>
+          <p:txBody>
+            <a:bodyPr rtlCol="0" anchor="ctr"/>
+            <a:lstStyle/>
+            <a:p>
+              <a:pPr algn="ctr"/>
+              <a:r>
+                <a:rPr lang="zh-CN" altLang="en-US" dirty="0">
+                  <a:ln w="3175">
+                    <a:solidFill>
+                      <a:schemeClr val="tx1"/>
+                    </a:solidFill>
+                  </a:ln>
+                  <a:solidFill>
+                    <a:schemeClr val="tx1"/>
+                  </a:solidFill>
+                  <a:latin typeface="宋体" panose="02010600030101010101" pitchFamily="2" charset="-122"/>
+                  <a:ea typeface="宋体" panose="02010600030101010101" pitchFamily="2" charset="-122"/>
+                </a:rPr>
+                <a:t>开始</a:t>
+              </a:r>
+            </a:p>
+          </p:txBody>
+        </p:sp>
+        <p:sp>
+          <p:nvSpPr>
+            <p:cNvPr id="6" name="矩形 5">
+              <a:extLst>
+                <a:ext uri="{FF2B5EF4-FFF2-40B4-BE49-F238E27FC236}">
+                  <a16:creationId xmlns:a16="http://schemas.microsoft.com/office/drawing/2014/main" id="{6F5C93C6-56E6-4A52-9E0D-14CEA442426F}"/>
+                </a:ext>
+              </a:extLst>
+            </p:cNvPr>
+            <p:cNvSpPr/>
+            <p:nvPr/>
+          </p:nvSpPr>
+          <p:spPr>
+            <a:xfrm>
+              <a:off x="1734534" y="928536"/>
+              <a:ext cx="1263194" cy="527901"/>
+            </a:xfrm>
+            <a:prstGeom prst="rect">
+              <a:avLst/>
+            </a:prstGeom>
+            <a:noFill/>
+            <a:ln w="28575">
+              <a:solidFill>
+                <a:schemeClr val="tx1"/>
+              </a:solidFill>
+            </a:ln>
+          </p:spPr>
+          <p:style>
+            <a:lnRef idx="2">
+              <a:schemeClr val="accent1">
+                <a:shade val="50000"/>
+              </a:schemeClr>
+            </a:lnRef>
+            <a:fillRef idx="1">
+              <a:schemeClr val="accent1"/>
+            </a:fillRef>
+            <a:effectRef idx="0">
+              <a:schemeClr val="accent1"/>
+            </a:effectRef>
+            <a:fontRef idx="minor">
+              <a:schemeClr val="lt1"/>
+            </a:fontRef>
+          </p:style>
+          <p:txBody>
+            <a:bodyPr rtlCol="0" anchor="ctr"/>
+            <a:lstStyle/>
+            <a:p>
+              <a:pPr algn="ctr"/>
+              <a:r>
+                <a:rPr lang="zh-CN" altLang="en-US" dirty="0">
+                  <a:ln w="3175">
+                    <a:solidFill>
+                      <a:schemeClr val="tx1"/>
+                    </a:solidFill>
+                  </a:ln>
+                  <a:solidFill>
+                    <a:schemeClr val="tx1"/>
+                  </a:solidFill>
+                  <a:latin typeface="宋体" panose="02010600030101010101" pitchFamily="2" charset="-122"/>
+                  <a:ea typeface="宋体" panose="02010600030101010101" pitchFamily="2" charset="-122"/>
+                </a:rPr>
+                <a:t>读入图片</a:t>
+              </a:r>
+            </a:p>
+          </p:txBody>
+        </p:sp>
+        <p:sp>
+          <p:nvSpPr>
+            <p:cNvPr id="7" name="矩形 6">
+              <a:extLst>
+                <a:ext uri="{FF2B5EF4-FFF2-40B4-BE49-F238E27FC236}">
+                  <a16:creationId xmlns:a16="http://schemas.microsoft.com/office/drawing/2014/main" id="{80669E7C-902F-44E7-B8E8-7F062D0182C2}"/>
+                </a:ext>
+              </a:extLst>
+            </p:cNvPr>
+            <p:cNvSpPr/>
+            <p:nvPr/>
+          </p:nvSpPr>
+          <p:spPr>
+            <a:xfrm>
+              <a:off x="1553066" y="6486988"/>
+              <a:ext cx="1668548" cy="622166"/>
+            </a:xfrm>
+            <a:prstGeom prst="rect">
+              <a:avLst/>
+            </a:prstGeom>
+            <a:noFill/>
+            <a:ln w="28575">
+              <a:solidFill>
+                <a:schemeClr val="tx1"/>
+              </a:solidFill>
+            </a:ln>
+          </p:spPr>
+          <p:style>
+            <a:lnRef idx="2">
+              <a:schemeClr val="accent1">
+                <a:shade val="50000"/>
+              </a:schemeClr>
+            </a:lnRef>
+            <a:fillRef idx="1">
+              <a:schemeClr val="accent1"/>
+            </a:fillRef>
+            <a:effectRef idx="0">
+              <a:schemeClr val="accent1"/>
+            </a:effectRef>
+            <a:fontRef idx="minor">
+              <a:schemeClr val="lt1"/>
+            </a:fontRef>
+          </p:style>
+          <p:txBody>
+            <a:bodyPr rtlCol="0" anchor="ctr"/>
+            <a:lstStyle/>
+            <a:p>
+              <a:pPr algn="ctr"/>
+              <a:r>
+                <a:rPr lang="zh-CN" altLang="en-US" dirty="0">
+                  <a:ln w="3175">
+                    <a:solidFill>
+                      <a:schemeClr val="tx1"/>
+                    </a:solidFill>
+                  </a:ln>
+                  <a:solidFill>
+                    <a:schemeClr val="tx1"/>
+                  </a:solidFill>
+                  <a:latin typeface="宋体" panose="02010600030101010101" pitchFamily="2" charset="-122"/>
+                  <a:ea typeface="宋体" panose="02010600030101010101" pitchFamily="2" charset="-122"/>
+                </a:rPr>
+                <a:t>结果归一化并显示</a:t>
+              </a:r>
+            </a:p>
+          </p:txBody>
+        </p:sp>
+        <p:sp>
+          <p:nvSpPr>
+            <p:cNvPr id="8" name="矩形: 圆角 7">
+              <a:extLst>
+                <a:ext uri="{FF2B5EF4-FFF2-40B4-BE49-F238E27FC236}">
+                  <a16:creationId xmlns:a16="http://schemas.microsoft.com/office/drawing/2014/main" id="{C3075F0D-C588-4824-8FA7-A70C611F073F}"/>
+                </a:ext>
+              </a:extLst>
+            </p:cNvPr>
+            <p:cNvSpPr/>
+            <p:nvPr/>
+          </p:nvSpPr>
+          <p:spPr>
+            <a:xfrm>
+              <a:off x="1814629" y="7350577"/>
+              <a:ext cx="1159497" cy="490194"/>
+            </a:xfrm>
+            <a:prstGeom prst="roundRect">
+              <a:avLst/>
+            </a:prstGeom>
+            <a:noFill/>
+            <a:ln w="28575">
+              <a:solidFill>
+                <a:schemeClr val="tx1"/>
+              </a:solidFill>
+            </a:ln>
+          </p:spPr>
+          <p:style>
+            <a:lnRef idx="2">
+              <a:schemeClr val="accent1">
+                <a:shade val="50000"/>
+              </a:schemeClr>
+            </a:lnRef>
+            <a:fillRef idx="1">
+              <a:schemeClr val="accent1"/>
+            </a:fillRef>
+            <a:effectRef idx="0">
+              <a:schemeClr val="accent1"/>
+            </a:effectRef>
+            <a:fontRef idx="minor">
+              <a:schemeClr val="lt1"/>
+            </a:fontRef>
+          </p:style>
+          <p:txBody>
+            <a:bodyPr rtlCol="0" anchor="ctr"/>
+            <a:lstStyle/>
+            <a:p>
+              <a:pPr algn="ctr"/>
+              <a:r>
+                <a:rPr lang="zh-CN" altLang="en-US" dirty="0">
+                  <a:ln w="3175">
+                    <a:solidFill>
+                      <a:schemeClr val="tx1"/>
+                    </a:solidFill>
+                  </a:ln>
+                  <a:solidFill>
+                    <a:schemeClr val="tx1"/>
+                  </a:solidFill>
+                  <a:latin typeface="宋体" panose="02010600030101010101" pitchFamily="2" charset="-122"/>
+                  <a:ea typeface="宋体" panose="02010600030101010101" pitchFamily="2" charset="-122"/>
+                </a:rPr>
+                <a:t>结束</a:t>
+              </a:r>
+            </a:p>
+          </p:txBody>
+        </p:sp>
+        <p:cxnSp>
+          <p:nvCxnSpPr>
+            <p:cNvPr id="9" name="直接箭头连接符 8">
+              <a:extLst>
+                <a:ext uri="{FF2B5EF4-FFF2-40B4-BE49-F238E27FC236}">
+                  <a16:creationId xmlns:a16="http://schemas.microsoft.com/office/drawing/2014/main" id="{F0768A2E-D765-4459-879D-C566C014B3DD}"/>
+                </a:ext>
+              </a:extLst>
+            </p:cNvPr>
+            <p:cNvCxnSpPr>
+              <a:cxnSpLocks/>
+              <a:stCxn id="5" idx="2"/>
+              <a:endCxn id="6" idx="0"/>
+            </p:cNvCxnSpPr>
+            <p:nvPr/>
+          </p:nvCxnSpPr>
+          <p:spPr>
+            <a:xfrm>
+              <a:off x="2361415" y="636305"/>
+              <a:ext cx="4716" cy="292231"/>
+            </a:xfrm>
+            <a:prstGeom prst="straightConnector1">
+              <a:avLst/>
+            </a:prstGeom>
+            <a:ln w="19050">
+              <a:tailEnd type="triangle"/>
+            </a:ln>
+          </p:spPr>
+          <p:style>
+            <a:lnRef idx="1">
+              <a:schemeClr val="dk1"/>
+            </a:lnRef>
+            <a:fillRef idx="0">
+              <a:schemeClr val="dk1"/>
+            </a:fillRef>
+            <a:effectRef idx="0">
+              <a:schemeClr val="dk1"/>
+            </a:effectRef>
+            <a:fontRef idx="minor">
+              <a:schemeClr val="tx1"/>
+            </a:fontRef>
+          </p:style>
+        </p:cxnSp>
+        <p:cxnSp>
+          <p:nvCxnSpPr>
+            <p:cNvPr id="10" name="直接箭头连接符 9">
+              <a:extLst>
+                <a:ext uri="{FF2B5EF4-FFF2-40B4-BE49-F238E27FC236}">
+                  <a16:creationId xmlns:a16="http://schemas.microsoft.com/office/drawing/2014/main" id="{5138D696-8849-4DDC-A14A-1DBBA9707711}"/>
+                </a:ext>
+              </a:extLst>
+            </p:cNvPr>
+            <p:cNvCxnSpPr>
+              <a:cxnSpLocks/>
+              <a:stCxn id="7" idx="2"/>
+              <a:endCxn id="8" idx="0"/>
+            </p:cNvCxnSpPr>
+            <p:nvPr/>
+          </p:nvCxnSpPr>
+          <p:spPr>
+            <a:xfrm>
+              <a:off x="2387340" y="7109154"/>
+              <a:ext cx="7038" cy="241423"/>
+            </a:xfrm>
+            <a:prstGeom prst="straightConnector1">
+              <a:avLst/>
+            </a:prstGeom>
+            <a:ln w="19050">
+              <a:tailEnd type="triangle"/>
+            </a:ln>
+          </p:spPr>
+          <p:style>
+            <a:lnRef idx="1">
+              <a:schemeClr val="dk1"/>
+            </a:lnRef>
+            <a:fillRef idx="0">
+              <a:schemeClr val="dk1"/>
+            </a:fillRef>
+            <a:effectRef idx="0">
+              <a:schemeClr val="dk1"/>
+            </a:effectRef>
+            <a:fontRef idx="minor">
+              <a:schemeClr val="tx1"/>
+            </a:fontRef>
+          </p:style>
+        </p:cxnSp>
+        <p:sp>
+          <p:nvSpPr>
+            <p:cNvPr id="11" name="菱形 10">
+              <a:extLst>
+                <a:ext uri="{FF2B5EF4-FFF2-40B4-BE49-F238E27FC236}">
+                  <a16:creationId xmlns:a16="http://schemas.microsoft.com/office/drawing/2014/main" id="{43E5E087-2513-4882-A449-7DEDCE99389B}"/>
+                </a:ext>
+              </a:extLst>
+            </p:cNvPr>
+            <p:cNvSpPr/>
+            <p:nvPr/>
+          </p:nvSpPr>
+          <p:spPr>
+            <a:xfrm>
+              <a:off x="1046375" y="1741595"/>
+              <a:ext cx="2648932" cy="1159497"/>
+            </a:xfrm>
+            <a:prstGeom prst="diamond">
+              <a:avLst/>
+            </a:prstGeom>
+            <a:noFill/>
+            <a:ln w="28575">
+              <a:solidFill>
+                <a:schemeClr val="tx1"/>
+              </a:solidFill>
+            </a:ln>
+          </p:spPr>
+          <p:style>
+            <a:lnRef idx="2">
+              <a:schemeClr val="accent1">
+                <a:shade val="50000"/>
+              </a:schemeClr>
+            </a:lnRef>
+            <a:fillRef idx="1">
+              <a:schemeClr val="accent1"/>
+            </a:fillRef>
+            <a:effectRef idx="0">
+              <a:schemeClr val="accent1"/>
+            </a:effectRef>
+            <a:fontRef idx="minor">
+              <a:schemeClr val="lt1"/>
+            </a:fontRef>
+          </p:style>
+          <p:txBody>
+            <a:bodyPr rtlCol="0" anchor="ctr"/>
+            <a:lstStyle/>
+            <a:p>
+              <a:pPr algn="ctr"/>
+              <a:r>
+                <a:rPr lang="zh-CN" altLang="en-US" dirty="0">
+                  <a:ln w="3175">
+                    <a:solidFill>
+                      <a:schemeClr val="tx1"/>
+                    </a:solidFill>
+                  </a:ln>
+                  <a:solidFill>
+                    <a:schemeClr val="tx1"/>
+                  </a:solidFill>
+                </a:rPr>
+                <a:t>判断长宽是否为</a:t>
+              </a:r>
+              <a:r>
+                <a:rPr lang="en-US" altLang="zh-CN" dirty="0">
+                  <a:ln w="3175">
+                    <a:solidFill>
+                      <a:schemeClr val="tx1"/>
+                    </a:solidFill>
+                  </a:ln>
+                  <a:solidFill>
+                    <a:schemeClr val="tx1"/>
+                  </a:solidFill>
+                </a:rPr>
+                <a:t>2n</a:t>
+              </a:r>
+              <a:endParaRPr lang="zh-CN" altLang="en-US" dirty="0">
+                <a:ln w="3175">
+                  <a:solidFill>
+                    <a:schemeClr val="tx1"/>
+                  </a:solidFill>
+                </a:ln>
+                <a:solidFill>
+                  <a:schemeClr val="tx1"/>
+                </a:solidFill>
+              </a:endParaRPr>
+            </a:p>
+          </p:txBody>
+        </p:sp>
+        <p:sp>
+          <p:nvSpPr>
+            <p:cNvPr id="12" name="文本框 11">
+              <a:extLst>
+                <a:ext uri="{FF2B5EF4-FFF2-40B4-BE49-F238E27FC236}">
+                  <a16:creationId xmlns:a16="http://schemas.microsoft.com/office/drawing/2014/main" id="{A960B6DB-6A9C-44D8-B89B-0A5F64BBE061}"/>
+                </a:ext>
+              </a:extLst>
+            </p:cNvPr>
+            <p:cNvSpPr txBox="1"/>
+            <p:nvPr/>
+          </p:nvSpPr>
+          <p:spPr>
+            <a:xfrm>
+              <a:off x="3950190" y="2829811"/>
+              <a:ext cx="415498" cy="369332"/>
+            </a:xfrm>
+            <a:prstGeom prst="rect">
+              <a:avLst/>
+            </a:prstGeom>
+            <a:noFill/>
+          </p:spPr>
+          <p:txBody>
+            <a:bodyPr wrap="square" rtlCol="0">
+              <a:spAutoFit/>
+            </a:bodyPr>
+            <a:lstStyle/>
+            <a:p>
+              <a:pPr algn="ctr"/>
+              <a:r>
+                <a:rPr lang="zh-CN" altLang="en-US" dirty="0">
+                  <a:ln w="3175">
+                    <a:solidFill>
+                      <a:schemeClr val="tx1"/>
+                    </a:solidFill>
+                  </a:ln>
+                  <a:latin typeface="宋体" panose="02010600030101010101" pitchFamily="2" charset="-122"/>
+                  <a:ea typeface="宋体" panose="02010600030101010101" pitchFamily="2" charset="-122"/>
+                </a:rPr>
+                <a:t>否</a:t>
+              </a:r>
+            </a:p>
+          </p:txBody>
+        </p:sp>
+        <p:sp>
+          <p:nvSpPr>
+            <p:cNvPr id="13" name="文本框 12">
+              <a:extLst>
+                <a:ext uri="{FF2B5EF4-FFF2-40B4-BE49-F238E27FC236}">
+                  <a16:creationId xmlns:a16="http://schemas.microsoft.com/office/drawing/2014/main" id="{AD166CB1-94F4-43D7-9A05-FA12B36A5A06}"/>
+                </a:ext>
+              </a:extLst>
+            </p:cNvPr>
+            <p:cNvSpPr txBox="1"/>
+            <p:nvPr/>
+          </p:nvSpPr>
+          <p:spPr>
+            <a:xfrm>
+              <a:off x="2375194" y="2832567"/>
+              <a:ext cx="415499" cy="369332"/>
+            </a:xfrm>
+            <a:prstGeom prst="rect">
+              <a:avLst/>
+            </a:prstGeom>
+            <a:noFill/>
+          </p:spPr>
+          <p:txBody>
+            <a:bodyPr wrap="none" rtlCol="0">
+              <a:spAutoFit/>
+            </a:bodyPr>
+            <a:lstStyle/>
+            <a:p>
+              <a:pPr algn="ctr"/>
+              <a:r>
+                <a:rPr lang="zh-CN" altLang="en-US" dirty="0">
+                  <a:ln w="3175">
+                    <a:solidFill>
+                      <a:schemeClr val="tx1"/>
+                    </a:solidFill>
+                  </a:ln>
+                  <a:latin typeface="宋体" panose="02010600030101010101" pitchFamily="2" charset="-122"/>
+                  <a:ea typeface="宋体" panose="02010600030101010101" pitchFamily="2" charset="-122"/>
+                </a:rPr>
+                <a:t>是</a:t>
+              </a:r>
+            </a:p>
+          </p:txBody>
+        </p:sp>
+        <p:sp>
+          <p:nvSpPr>
+            <p:cNvPr id="14" name="矩形 13">
+              <a:extLst>
+                <a:ext uri="{FF2B5EF4-FFF2-40B4-BE49-F238E27FC236}">
+                  <a16:creationId xmlns:a16="http://schemas.microsoft.com/office/drawing/2014/main" id="{8E686D41-390A-44B5-865B-B476A907D130}"/>
+                </a:ext>
+              </a:extLst>
+            </p:cNvPr>
+            <p:cNvSpPr/>
+            <p:nvPr/>
+          </p:nvSpPr>
+          <p:spPr>
+            <a:xfrm>
+              <a:off x="1209675" y="3256773"/>
+              <a:ext cx="2343150" cy="735291"/>
+            </a:xfrm>
+            <a:prstGeom prst="rect">
+              <a:avLst/>
+            </a:prstGeom>
+            <a:noFill/>
+            <a:ln w="28575">
+              <a:solidFill>
+                <a:schemeClr val="tx1"/>
+              </a:solidFill>
+            </a:ln>
+          </p:spPr>
+          <p:style>
+            <a:lnRef idx="2">
+              <a:schemeClr val="accent1">
+                <a:shade val="50000"/>
+              </a:schemeClr>
+            </a:lnRef>
+            <a:fillRef idx="1">
+              <a:schemeClr val="accent1"/>
+            </a:fillRef>
+            <a:effectRef idx="0">
+              <a:schemeClr val="accent1"/>
+            </a:effectRef>
+            <a:fontRef idx="minor">
+              <a:schemeClr val="lt1"/>
+            </a:fontRef>
+          </p:style>
+          <p:txBody>
+            <a:bodyPr rtlCol="0" anchor="ctr"/>
+            <a:lstStyle/>
+            <a:p>
+              <a:pPr algn="ctr"/>
+              <a:r>
+                <a:rPr lang="zh-CN" altLang="en-US" dirty="0">
+                  <a:ln w="3175">
+                    <a:solidFill>
+                      <a:schemeClr val="tx1"/>
+                    </a:solidFill>
+                  </a:ln>
+                  <a:solidFill>
+                    <a:schemeClr val="tx1"/>
+                  </a:solidFill>
+                  <a:latin typeface="宋体" panose="02010600030101010101" pitchFamily="2" charset="-122"/>
+                  <a:ea typeface="宋体" panose="02010600030101010101" pitchFamily="2" charset="-122"/>
+                </a:rPr>
+                <a:t>通过迭代方法分别对长和宽求一维</a:t>
+              </a:r>
+              <a:r>
+                <a:rPr lang="en-US" altLang="zh-CN" dirty="0" err="1">
+                  <a:ln w="3175">
+                    <a:solidFill>
+                      <a:schemeClr val="tx1"/>
+                    </a:solidFill>
+                  </a:ln>
+                  <a:solidFill>
+                    <a:schemeClr val="tx1"/>
+                  </a:solidFill>
+                  <a:latin typeface="宋体" panose="02010600030101010101" pitchFamily="2" charset="-122"/>
+                  <a:ea typeface="宋体" panose="02010600030101010101" pitchFamily="2" charset="-122"/>
+                </a:rPr>
+                <a:t>fft</a:t>
+              </a:r>
+              <a:endParaRPr lang="zh-CN" altLang="en-US" dirty="0">
+                <a:ln w="3175">
+                  <a:solidFill>
+                    <a:schemeClr val="tx1"/>
+                  </a:solidFill>
+                </a:ln>
+                <a:solidFill>
+                  <a:schemeClr val="tx1"/>
+                </a:solidFill>
+                <a:latin typeface="宋体" panose="02010600030101010101" pitchFamily="2" charset="-122"/>
+                <a:ea typeface="宋体" panose="02010600030101010101" pitchFamily="2" charset="-122"/>
+              </a:endParaRPr>
+            </a:p>
+          </p:txBody>
+        </p:sp>
+        <p:sp>
+          <p:nvSpPr>
+            <p:cNvPr id="15" name="矩形 14">
+              <a:extLst>
+                <a:ext uri="{FF2B5EF4-FFF2-40B4-BE49-F238E27FC236}">
+                  <a16:creationId xmlns:a16="http://schemas.microsoft.com/office/drawing/2014/main" id="{6A2CD13D-18C5-4278-BEAE-F45113EAED77}"/>
+                </a:ext>
+              </a:extLst>
+            </p:cNvPr>
+            <p:cNvSpPr/>
+            <p:nvPr/>
+          </p:nvSpPr>
+          <p:spPr>
+            <a:xfrm>
+              <a:off x="1372809" y="4345754"/>
+              <a:ext cx="2004769" cy="735291"/>
+            </a:xfrm>
+            <a:prstGeom prst="rect">
+              <a:avLst/>
+            </a:prstGeom>
+            <a:noFill/>
+            <a:ln w="28575">
+              <a:solidFill>
+                <a:schemeClr val="tx1"/>
+              </a:solidFill>
+            </a:ln>
+          </p:spPr>
+          <p:style>
+            <a:lnRef idx="2">
+              <a:schemeClr val="accent1">
+                <a:shade val="50000"/>
+              </a:schemeClr>
+            </a:lnRef>
+            <a:fillRef idx="1">
+              <a:schemeClr val="accent1"/>
+            </a:fillRef>
+            <a:effectRef idx="0">
+              <a:schemeClr val="accent1"/>
+            </a:effectRef>
+            <a:fontRef idx="minor">
+              <a:schemeClr val="lt1"/>
+            </a:fontRef>
+          </p:style>
+          <p:txBody>
+            <a:bodyPr rtlCol="0" anchor="ctr"/>
+            <a:lstStyle/>
+            <a:p>
+              <a:pPr algn="ctr"/>
+              <a:r>
+                <a:rPr lang="zh-CN" altLang="en-US" dirty="0">
+                  <a:ln w="3175">
+                    <a:solidFill>
+                      <a:schemeClr val="tx1"/>
+                    </a:solidFill>
+                  </a:ln>
+                  <a:solidFill>
+                    <a:schemeClr val="tx1"/>
+                  </a:solidFill>
+                  <a:latin typeface="宋体" panose="02010600030101010101" pitchFamily="2" charset="-122"/>
+                  <a:ea typeface="宋体" panose="02010600030101010101" pitchFamily="2" charset="-122"/>
+                </a:rPr>
+                <a:t>做</a:t>
+              </a:r>
+              <a:r>
+                <a:rPr lang="en-US" altLang="zh-CN" dirty="0" err="1">
+                  <a:ln w="3175">
+                    <a:solidFill>
+                      <a:schemeClr val="tx1"/>
+                    </a:solidFill>
+                  </a:ln>
+                  <a:solidFill>
+                    <a:schemeClr val="tx1"/>
+                  </a:solidFill>
+                  <a:latin typeface="宋体" panose="02010600030101010101" pitchFamily="2" charset="-122"/>
+                  <a:ea typeface="宋体" panose="02010600030101010101" pitchFamily="2" charset="-122"/>
+                </a:rPr>
+                <a:t>fftshift</a:t>
+              </a:r>
+              <a:r>
+                <a:rPr lang="zh-CN" altLang="en-US" dirty="0">
+                  <a:ln w="3175">
+                    <a:solidFill>
+                      <a:schemeClr val="tx1"/>
+                    </a:solidFill>
+                  </a:ln>
+                  <a:solidFill>
+                    <a:schemeClr val="tx1"/>
+                  </a:solidFill>
+                  <a:latin typeface="宋体" panose="02010600030101010101" pitchFamily="2" charset="-122"/>
+                  <a:ea typeface="宋体" panose="02010600030101010101" pitchFamily="2" charset="-122"/>
+                </a:rPr>
+                <a:t>把中心移到图中</a:t>
+              </a:r>
+            </a:p>
+          </p:txBody>
+        </p:sp>
+        <p:sp>
+          <p:nvSpPr>
+            <p:cNvPr id="17" name="矩形 16">
+              <a:extLst>
+                <a:ext uri="{FF2B5EF4-FFF2-40B4-BE49-F238E27FC236}">
+                  <a16:creationId xmlns:a16="http://schemas.microsoft.com/office/drawing/2014/main" id="{33BF22A3-CBE2-4285-AD6F-A9004AECD385}"/>
+                </a:ext>
+              </a:extLst>
+            </p:cNvPr>
+            <p:cNvSpPr/>
+            <p:nvPr/>
+          </p:nvSpPr>
+          <p:spPr>
+            <a:xfrm>
+              <a:off x="1380422" y="5416371"/>
+              <a:ext cx="2004769" cy="735291"/>
+            </a:xfrm>
+            <a:prstGeom prst="rect">
+              <a:avLst/>
+            </a:prstGeom>
+            <a:noFill/>
+            <a:ln w="28575">
+              <a:solidFill>
+                <a:schemeClr val="tx1"/>
+              </a:solidFill>
+            </a:ln>
+          </p:spPr>
+          <p:style>
+            <a:lnRef idx="2">
+              <a:schemeClr val="accent1">
+                <a:shade val="50000"/>
+              </a:schemeClr>
+            </a:lnRef>
+            <a:fillRef idx="1">
+              <a:schemeClr val="accent1"/>
+            </a:fillRef>
+            <a:effectRef idx="0">
+              <a:schemeClr val="accent1"/>
+            </a:effectRef>
+            <a:fontRef idx="minor">
+              <a:schemeClr val="lt1"/>
+            </a:fontRef>
+          </p:style>
+          <p:txBody>
+            <a:bodyPr rtlCol="0" anchor="ctr"/>
+            <a:lstStyle/>
+            <a:p>
+              <a:pPr algn="ctr"/>
+              <a:r>
+                <a:rPr lang="zh-CN" altLang="en-US" dirty="0">
+                  <a:ln w="3175">
+                    <a:solidFill>
+                      <a:schemeClr val="tx1"/>
+                    </a:solidFill>
+                  </a:ln>
+                  <a:solidFill>
+                    <a:schemeClr val="tx1"/>
+                  </a:solidFill>
+                  <a:latin typeface="宋体" panose="02010600030101010101" pitchFamily="2" charset="-122"/>
+                  <a:ea typeface="宋体" panose="02010600030101010101" pitchFamily="2" charset="-122"/>
+                </a:rPr>
+                <a:t>对结果做</a:t>
+              </a:r>
+              <a:r>
+                <a:rPr lang="en-US" altLang="zh-CN" dirty="0">
+                  <a:ln w="3175">
+                    <a:solidFill>
+                      <a:schemeClr val="tx1"/>
+                    </a:solidFill>
+                  </a:ln>
+                  <a:solidFill>
+                    <a:schemeClr val="tx1"/>
+                  </a:solidFill>
+                  <a:latin typeface="宋体" panose="02010600030101010101" pitchFamily="2" charset="-122"/>
+                  <a:ea typeface="宋体" panose="02010600030101010101" pitchFamily="2" charset="-122"/>
+                </a:rPr>
+                <a:t>log</a:t>
+              </a:r>
+              <a:r>
+                <a:rPr lang="zh-CN" altLang="en-US" dirty="0">
+                  <a:ln w="3175">
+                    <a:solidFill>
+                      <a:schemeClr val="tx1"/>
+                    </a:solidFill>
+                  </a:ln>
+                  <a:solidFill>
+                    <a:schemeClr val="tx1"/>
+                  </a:solidFill>
+                  <a:latin typeface="宋体" panose="02010600030101010101" pitchFamily="2" charset="-122"/>
+                  <a:ea typeface="宋体" panose="02010600030101010101" pitchFamily="2" charset="-122"/>
+                </a:rPr>
+                <a:t>增强图片对比度</a:t>
+              </a:r>
+            </a:p>
+          </p:txBody>
+        </p:sp>
+        <p:cxnSp>
+          <p:nvCxnSpPr>
+            <p:cNvPr id="18" name="直接箭头连接符 17">
+              <a:extLst>
+                <a:ext uri="{FF2B5EF4-FFF2-40B4-BE49-F238E27FC236}">
+                  <a16:creationId xmlns:a16="http://schemas.microsoft.com/office/drawing/2014/main" id="{4B1066E8-AAFF-47DF-B1DA-FED358426AFF}"/>
+                </a:ext>
+              </a:extLst>
+            </p:cNvPr>
+            <p:cNvCxnSpPr>
+              <a:cxnSpLocks/>
+              <a:stCxn id="6" idx="2"/>
+              <a:endCxn id="11" idx="0"/>
+            </p:cNvCxnSpPr>
+            <p:nvPr/>
+          </p:nvCxnSpPr>
+          <p:spPr>
+            <a:xfrm>
+              <a:off x="2366131" y="1456437"/>
+              <a:ext cx="4710" cy="285158"/>
+            </a:xfrm>
+            <a:prstGeom prst="straightConnector1">
+              <a:avLst/>
+            </a:prstGeom>
+            <a:ln w="19050">
+              <a:tailEnd type="triangle"/>
+            </a:ln>
+          </p:spPr>
+          <p:style>
+            <a:lnRef idx="1">
+              <a:schemeClr val="dk1"/>
+            </a:lnRef>
+            <a:fillRef idx="0">
+              <a:schemeClr val="dk1"/>
+            </a:fillRef>
+            <a:effectRef idx="0">
+              <a:schemeClr val="dk1"/>
+            </a:effectRef>
+            <a:fontRef idx="minor">
+              <a:schemeClr val="tx1"/>
+            </a:fontRef>
+          </p:style>
+        </p:cxnSp>
+        <p:cxnSp>
+          <p:nvCxnSpPr>
+            <p:cNvPr id="19" name="连接符: 肘形 18">
+              <a:extLst>
+                <a:ext uri="{FF2B5EF4-FFF2-40B4-BE49-F238E27FC236}">
+                  <a16:creationId xmlns:a16="http://schemas.microsoft.com/office/drawing/2014/main" id="{8AD80537-DFB6-4182-89D5-DE1D0F64ABDF}"/>
+                </a:ext>
+              </a:extLst>
+            </p:cNvPr>
+            <p:cNvCxnSpPr>
+              <a:cxnSpLocks/>
+              <a:stCxn id="11" idx="3"/>
+              <a:endCxn id="8" idx="3"/>
+            </p:cNvCxnSpPr>
+            <p:nvPr/>
+          </p:nvCxnSpPr>
+          <p:spPr>
+            <a:xfrm flipH="1">
+              <a:off x="2974126" y="2321344"/>
+              <a:ext cx="721181" cy="5274330"/>
+            </a:xfrm>
+            <a:prstGeom prst="bentConnector3">
+              <a:avLst>
+                <a:gd name="adj1" fmla="val -31698"/>
+              </a:avLst>
+            </a:prstGeom>
+            <a:ln w="19050">
+              <a:tailEnd type="triangle"/>
+            </a:ln>
+          </p:spPr>
+          <p:style>
+            <a:lnRef idx="1">
+              <a:schemeClr val="dk1"/>
+            </a:lnRef>
+            <a:fillRef idx="0">
+              <a:schemeClr val="dk1"/>
+            </a:fillRef>
+            <a:effectRef idx="0">
+              <a:schemeClr val="dk1"/>
+            </a:effectRef>
+            <a:fontRef idx="minor">
+              <a:schemeClr val="tx1"/>
+            </a:fontRef>
+          </p:style>
+        </p:cxnSp>
+        <p:cxnSp>
+          <p:nvCxnSpPr>
+            <p:cNvPr id="20" name="直接箭头连接符 19">
+              <a:extLst>
+                <a:ext uri="{FF2B5EF4-FFF2-40B4-BE49-F238E27FC236}">
+                  <a16:creationId xmlns:a16="http://schemas.microsoft.com/office/drawing/2014/main" id="{BDA44514-D855-43C1-B399-458A6B9456D9}"/>
+                </a:ext>
+              </a:extLst>
+            </p:cNvPr>
+            <p:cNvCxnSpPr>
+              <a:cxnSpLocks/>
+              <a:stCxn id="11" idx="2"/>
+              <a:endCxn id="14" idx="0"/>
+            </p:cNvCxnSpPr>
+            <p:nvPr/>
+          </p:nvCxnSpPr>
+          <p:spPr>
+            <a:xfrm>
+              <a:off x="2370841" y="2901092"/>
+              <a:ext cx="10409" cy="355681"/>
+            </a:xfrm>
+            <a:prstGeom prst="straightConnector1">
+              <a:avLst/>
+            </a:prstGeom>
+            <a:ln w="19050">
+              <a:tailEnd type="triangle"/>
+            </a:ln>
+          </p:spPr>
+          <p:style>
+            <a:lnRef idx="1">
+              <a:schemeClr val="dk1"/>
+            </a:lnRef>
+            <a:fillRef idx="0">
+              <a:schemeClr val="dk1"/>
+            </a:fillRef>
+            <a:effectRef idx="0">
+              <a:schemeClr val="dk1"/>
+            </a:effectRef>
+            <a:fontRef idx="minor">
+              <a:schemeClr val="tx1"/>
+            </a:fontRef>
+          </p:style>
+        </p:cxnSp>
+        <p:cxnSp>
+          <p:nvCxnSpPr>
+            <p:cNvPr id="22" name="直接箭头连接符 21">
+              <a:extLst>
+                <a:ext uri="{FF2B5EF4-FFF2-40B4-BE49-F238E27FC236}">
+                  <a16:creationId xmlns:a16="http://schemas.microsoft.com/office/drawing/2014/main" id="{9C09AEB5-41D2-4EE1-BAF4-A47DAFBF6D8A}"/>
+                </a:ext>
+              </a:extLst>
+            </p:cNvPr>
+            <p:cNvCxnSpPr>
+              <a:cxnSpLocks/>
+              <a:stCxn id="14" idx="2"/>
+              <a:endCxn id="15" idx="0"/>
+            </p:cNvCxnSpPr>
+            <p:nvPr/>
+          </p:nvCxnSpPr>
+          <p:spPr>
+            <a:xfrm flipH="1">
+              <a:off x="2375194" y="3992064"/>
+              <a:ext cx="6056" cy="353690"/>
+            </a:xfrm>
+            <a:prstGeom prst="straightConnector1">
+              <a:avLst/>
+            </a:prstGeom>
+            <a:ln w="19050">
+              <a:tailEnd type="triangle"/>
+            </a:ln>
+          </p:spPr>
+          <p:style>
+            <a:lnRef idx="1">
+              <a:schemeClr val="dk1"/>
+            </a:lnRef>
+            <a:fillRef idx="0">
+              <a:schemeClr val="dk1"/>
+            </a:fillRef>
+            <a:effectRef idx="0">
+              <a:schemeClr val="dk1"/>
+            </a:effectRef>
+            <a:fontRef idx="minor">
+              <a:schemeClr val="tx1"/>
+            </a:fontRef>
+          </p:style>
+        </p:cxnSp>
+        <p:cxnSp>
+          <p:nvCxnSpPr>
+            <p:cNvPr id="23" name="直接箭头连接符 22">
+              <a:extLst>
+                <a:ext uri="{FF2B5EF4-FFF2-40B4-BE49-F238E27FC236}">
+                  <a16:creationId xmlns:a16="http://schemas.microsoft.com/office/drawing/2014/main" id="{2C1A72F6-15DA-4E81-ABF4-221FEE45689B}"/>
+                </a:ext>
+              </a:extLst>
+            </p:cNvPr>
+            <p:cNvCxnSpPr>
+              <a:cxnSpLocks/>
+              <a:stCxn id="15" idx="2"/>
+              <a:endCxn id="17" idx="0"/>
+            </p:cNvCxnSpPr>
+            <p:nvPr/>
+          </p:nvCxnSpPr>
+          <p:spPr>
+            <a:xfrm>
+              <a:off x="2375194" y="5081045"/>
+              <a:ext cx="7613" cy="335326"/>
+            </a:xfrm>
+            <a:prstGeom prst="straightConnector1">
+              <a:avLst/>
+            </a:prstGeom>
+            <a:ln w="19050">
+              <a:tailEnd type="triangle"/>
+            </a:ln>
+          </p:spPr>
+          <p:style>
+            <a:lnRef idx="1">
+              <a:schemeClr val="dk1"/>
+            </a:lnRef>
+            <a:fillRef idx="0">
+              <a:schemeClr val="dk1"/>
+            </a:fillRef>
+            <a:effectRef idx="0">
+              <a:schemeClr val="dk1"/>
+            </a:effectRef>
+            <a:fontRef idx="minor">
+              <a:schemeClr val="tx1"/>
+            </a:fontRef>
+          </p:style>
+        </p:cxnSp>
+        <p:cxnSp>
+          <p:nvCxnSpPr>
+            <p:cNvPr id="24" name="直接箭头连接符 23">
+              <a:extLst>
+                <a:ext uri="{FF2B5EF4-FFF2-40B4-BE49-F238E27FC236}">
+                  <a16:creationId xmlns:a16="http://schemas.microsoft.com/office/drawing/2014/main" id="{154E1B90-606E-4C18-ACF4-FFA1949AF89B}"/>
+                </a:ext>
+              </a:extLst>
+            </p:cNvPr>
+            <p:cNvCxnSpPr>
+              <a:cxnSpLocks/>
+              <a:stCxn id="17" idx="2"/>
+              <a:endCxn id="7" idx="0"/>
+            </p:cNvCxnSpPr>
+            <p:nvPr/>
+          </p:nvCxnSpPr>
+          <p:spPr>
+            <a:xfrm>
+              <a:off x="2382807" y="6151662"/>
+              <a:ext cx="4533" cy="335326"/>
+            </a:xfrm>
+            <a:prstGeom prst="straightConnector1">
+              <a:avLst/>
+            </a:prstGeom>
+            <a:ln w="19050">
+              <a:tailEnd type="triangle"/>
+            </a:ln>
+          </p:spPr>
+          <p:style>
+            <a:lnRef idx="1">
+              <a:schemeClr val="dk1"/>
+            </a:lnRef>
+            <a:fillRef idx="0">
+              <a:schemeClr val="dk1"/>
+            </a:fillRef>
+            <a:effectRef idx="0">
+              <a:schemeClr val="dk1"/>
+            </a:effectRef>
+            <a:fontRef idx="minor">
+              <a:schemeClr val="tx1"/>
+            </a:fontRef>
+          </p:style>
+        </p:cxnSp>
+      </p:grpSp>
+    </p:spTree>
+    <p:extLst>
+      <p:ext uri="{BB962C8B-B14F-4D97-AF65-F5344CB8AC3E}">
+        <p14:creationId xmlns:p14="http://schemas.microsoft.com/office/powerpoint/2010/main" val="3715504749"/>
+      </p:ext>
+    </p:extLst>
+  </p:cSld>
+  <p:clrMapOvr>
+    <a:masterClrMapping/>
+  </p:clrMapOvr>
+</p:sld>
+</file>
+
 <file path=ppt/theme/theme1.xml><?xml version="1.0" encoding="utf-8"?>
 <a:theme xmlns:a="http://schemas.openxmlformats.org/drawingml/2006/main" name="Office 主题​​">
   <a:themeElements>

--- a/图像处理流程图.pptx
+++ b/图像处理流程图.pptx
@@ -8,6 +8,7 @@
     <p:sldId id="256" r:id="rId2"/>
     <p:sldId id="257" r:id="rId3"/>
     <p:sldId id="258" r:id="rId4"/>
+    <p:sldId id="259" r:id="rId5"/>
   </p:sldIdLst>
   <p:sldSz cx="12192000" cy="6858000"/>
   <p:notesSz cx="6858000" cy="9144000"/>
@@ -261,7 +262,7 @@
           <a:p>
             <a:fld id="{648AE971-6591-4C67-8226-CECCFE0F746A}" type="datetimeFigureOut">
               <a:rPr lang="zh-CN" altLang="en-US" smtClean="0"/>
-              <a:t>2018/12/8</a:t>
+              <a:t>2018/12/12</a:t>
             </a:fld>
             <a:endParaRPr lang="zh-CN" altLang="en-US"/>
           </a:p>
@@ -459,7 +460,7 @@
           <a:p>
             <a:fld id="{648AE971-6591-4C67-8226-CECCFE0F746A}" type="datetimeFigureOut">
               <a:rPr lang="zh-CN" altLang="en-US" smtClean="0"/>
-              <a:t>2018/12/8</a:t>
+              <a:t>2018/12/12</a:t>
             </a:fld>
             <a:endParaRPr lang="zh-CN" altLang="en-US"/>
           </a:p>
@@ -667,7 +668,7 @@
           <a:p>
             <a:fld id="{648AE971-6591-4C67-8226-CECCFE0F746A}" type="datetimeFigureOut">
               <a:rPr lang="zh-CN" altLang="en-US" smtClean="0"/>
-              <a:t>2018/12/8</a:t>
+              <a:t>2018/12/12</a:t>
             </a:fld>
             <a:endParaRPr lang="zh-CN" altLang="en-US"/>
           </a:p>
@@ -865,7 +866,7 @@
           <a:p>
             <a:fld id="{648AE971-6591-4C67-8226-CECCFE0F746A}" type="datetimeFigureOut">
               <a:rPr lang="zh-CN" altLang="en-US" smtClean="0"/>
-              <a:t>2018/12/8</a:t>
+              <a:t>2018/12/12</a:t>
             </a:fld>
             <a:endParaRPr lang="zh-CN" altLang="en-US"/>
           </a:p>
@@ -1140,7 +1141,7 @@
           <a:p>
             <a:fld id="{648AE971-6591-4C67-8226-CECCFE0F746A}" type="datetimeFigureOut">
               <a:rPr lang="zh-CN" altLang="en-US" smtClean="0"/>
-              <a:t>2018/12/8</a:t>
+              <a:t>2018/12/12</a:t>
             </a:fld>
             <a:endParaRPr lang="zh-CN" altLang="en-US"/>
           </a:p>
@@ -1405,7 +1406,7 @@
           <a:p>
             <a:fld id="{648AE971-6591-4C67-8226-CECCFE0F746A}" type="datetimeFigureOut">
               <a:rPr lang="zh-CN" altLang="en-US" smtClean="0"/>
-              <a:t>2018/12/8</a:t>
+              <a:t>2018/12/12</a:t>
             </a:fld>
             <a:endParaRPr lang="zh-CN" altLang="en-US"/>
           </a:p>
@@ -1817,7 +1818,7 @@
           <a:p>
             <a:fld id="{648AE971-6591-4C67-8226-CECCFE0F746A}" type="datetimeFigureOut">
               <a:rPr lang="zh-CN" altLang="en-US" smtClean="0"/>
-              <a:t>2018/12/8</a:t>
+              <a:t>2018/12/12</a:t>
             </a:fld>
             <a:endParaRPr lang="zh-CN" altLang="en-US"/>
           </a:p>
@@ -1958,7 +1959,7 @@
           <a:p>
             <a:fld id="{648AE971-6591-4C67-8226-CECCFE0F746A}" type="datetimeFigureOut">
               <a:rPr lang="zh-CN" altLang="en-US" smtClean="0"/>
-              <a:t>2018/12/8</a:t>
+              <a:t>2018/12/12</a:t>
             </a:fld>
             <a:endParaRPr lang="zh-CN" altLang="en-US"/>
           </a:p>
@@ -2071,7 +2072,7 @@
           <a:p>
             <a:fld id="{648AE971-6591-4C67-8226-CECCFE0F746A}" type="datetimeFigureOut">
               <a:rPr lang="zh-CN" altLang="en-US" smtClean="0"/>
-              <a:t>2018/12/8</a:t>
+              <a:t>2018/12/12</a:t>
             </a:fld>
             <a:endParaRPr lang="zh-CN" altLang="en-US"/>
           </a:p>
@@ -2382,7 +2383,7 @@
           <a:p>
             <a:fld id="{648AE971-6591-4C67-8226-CECCFE0F746A}" type="datetimeFigureOut">
               <a:rPr lang="zh-CN" altLang="en-US" smtClean="0"/>
-              <a:t>2018/12/8</a:t>
+              <a:t>2018/12/12</a:t>
             </a:fld>
             <a:endParaRPr lang="zh-CN" altLang="en-US"/>
           </a:p>
@@ -2670,7 +2671,7 @@
           <a:p>
             <a:fld id="{648AE971-6591-4C67-8226-CECCFE0F746A}" type="datetimeFigureOut">
               <a:rPr lang="zh-CN" altLang="en-US" smtClean="0"/>
-              <a:t>2018/12/8</a:t>
+              <a:t>2018/12/12</a:t>
             </a:fld>
             <a:endParaRPr lang="zh-CN" altLang="en-US"/>
           </a:p>
@@ -2911,7 +2912,7 @@
           <a:p>
             <a:fld id="{648AE971-6591-4C67-8226-CECCFE0F746A}" type="datetimeFigureOut">
               <a:rPr lang="zh-CN" altLang="en-US" smtClean="0"/>
-              <a:t>2018/12/8</a:t>
+              <a:t>2018/12/12</a:t>
             </a:fld>
             <a:endParaRPr lang="zh-CN" altLang="en-US"/>
           </a:p>
@@ -8538,6 +8539,2942 @@
 </p:sld>
 </file>
 
+<file path=ppt/slides/slide4.xml><?xml version="1.0" encoding="utf-8"?>
+<p:sld xmlns:a="http://schemas.openxmlformats.org/drawingml/2006/main" xmlns:r="http://schemas.openxmlformats.org/officeDocument/2006/relationships" xmlns:p="http://schemas.openxmlformats.org/presentationml/2006/main">
+  <p:cSld>
+    <p:spTree>
+      <p:nvGrpSpPr>
+        <p:cNvPr id="1" name=""/>
+        <p:cNvGrpSpPr/>
+        <p:nvPr/>
+      </p:nvGrpSpPr>
+      <p:grpSpPr>
+        <a:xfrm>
+          <a:off x="0" y="0"/>
+          <a:ext cx="0" cy="0"/>
+          <a:chOff x="0" y="0"/>
+          <a:chExt cx="0" cy="0"/>
+        </a:xfrm>
+      </p:grpSpPr>
+      <p:grpSp>
+        <p:nvGrpSpPr>
+          <p:cNvPr id="140" name="组合 139">
+            <a:extLst>
+              <a:ext uri="{FF2B5EF4-FFF2-40B4-BE49-F238E27FC236}">
+                <a16:creationId xmlns:a16="http://schemas.microsoft.com/office/drawing/2014/main" id="{1A3513EC-C97A-4A83-B2CA-8FB80193ED23}"/>
+              </a:ext>
+            </a:extLst>
+          </p:cNvPr>
+          <p:cNvGrpSpPr/>
+          <p:nvPr/>
+        </p:nvGrpSpPr>
+        <p:grpSpPr>
+          <a:xfrm>
+            <a:off x="790575" y="98879"/>
+            <a:ext cx="8565283" cy="14429972"/>
+            <a:chOff x="790575" y="98879"/>
+            <a:chExt cx="8565283" cy="14429972"/>
+          </a:xfrm>
+        </p:grpSpPr>
+        <p:cxnSp>
+          <p:nvCxnSpPr>
+            <p:cNvPr id="18" name="连接符: 肘形 17">
+              <a:extLst>
+                <a:ext uri="{FF2B5EF4-FFF2-40B4-BE49-F238E27FC236}">
+                  <a16:creationId xmlns:a16="http://schemas.microsoft.com/office/drawing/2014/main" id="{55356F8C-4524-42AA-B164-13566C1C03F4}"/>
+                </a:ext>
+              </a:extLst>
+            </p:cNvPr>
+            <p:cNvCxnSpPr>
+              <a:cxnSpLocks/>
+              <a:stCxn id="45" idx="3"/>
+              <a:endCxn id="33" idx="3"/>
+            </p:cNvCxnSpPr>
+            <p:nvPr/>
+          </p:nvCxnSpPr>
+          <p:spPr>
+            <a:xfrm flipH="1" flipV="1">
+              <a:off x="6390929" y="3644650"/>
+              <a:ext cx="151585" cy="9767801"/>
+            </a:xfrm>
+            <a:prstGeom prst="bentConnector3">
+              <a:avLst>
+                <a:gd name="adj1" fmla="val -2105006"/>
+              </a:avLst>
+            </a:prstGeom>
+            <a:ln w="19050">
+              <a:tailEnd type="triangle"/>
+            </a:ln>
+          </p:spPr>
+          <p:style>
+            <a:lnRef idx="1">
+              <a:schemeClr val="dk1"/>
+            </a:lnRef>
+            <a:fillRef idx="0">
+              <a:schemeClr val="dk1"/>
+            </a:fillRef>
+            <a:effectRef idx="0">
+              <a:schemeClr val="dk1"/>
+            </a:effectRef>
+            <a:fontRef idx="minor">
+              <a:schemeClr val="tx1"/>
+            </a:fontRef>
+          </p:style>
+        </p:cxnSp>
+        <p:grpSp>
+          <p:nvGrpSpPr>
+            <p:cNvPr id="139" name="组合 138">
+              <a:extLst>
+                <a:ext uri="{FF2B5EF4-FFF2-40B4-BE49-F238E27FC236}">
+                  <a16:creationId xmlns:a16="http://schemas.microsoft.com/office/drawing/2014/main" id="{C7453D90-F670-4B14-A77F-13EC7FF837AC}"/>
+                </a:ext>
+              </a:extLst>
+            </p:cNvPr>
+            <p:cNvGrpSpPr/>
+            <p:nvPr/>
+          </p:nvGrpSpPr>
+          <p:grpSpPr>
+            <a:xfrm>
+              <a:off x="790575" y="98879"/>
+              <a:ext cx="8565283" cy="14429972"/>
+              <a:chOff x="790575" y="98879"/>
+              <a:chExt cx="8565283" cy="14429972"/>
+            </a:xfrm>
+          </p:grpSpPr>
+          <p:sp>
+            <p:nvSpPr>
+              <p:cNvPr id="5" name="矩形: 圆角 4">
+                <a:extLst>
+                  <a:ext uri="{FF2B5EF4-FFF2-40B4-BE49-F238E27FC236}">
+                    <a16:creationId xmlns:a16="http://schemas.microsoft.com/office/drawing/2014/main" id="{76B7BF8C-FFF9-4E10-B929-FC5328D444B8}"/>
+                  </a:ext>
+                </a:extLst>
+              </p:cNvPr>
+              <p:cNvSpPr/>
+              <p:nvPr/>
+            </p:nvSpPr>
+            <p:spPr>
+              <a:xfrm>
+                <a:off x="4772516" y="98879"/>
+                <a:ext cx="1159497" cy="527901"/>
+              </a:xfrm>
+              <a:prstGeom prst="roundRect">
+                <a:avLst/>
+              </a:prstGeom>
+              <a:noFill/>
+              <a:ln w="28575">
+                <a:solidFill>
+                  <a:schemeClr val="tx1"/>
+                </a:solidFill>
+              </a:ln>
+            </p:spPr>
+            <p:style>
+              <a:lnRef idx="2">
+                <a:schemeClr val="accent1">
+                  <a:shade val="50000"/>
+                </a:schemeClr>
+              </a:lnRef>
+              <a:fillRef idx="1">
+                <a:schemeClr val="accent1"/>
+              </a:fillRef>
+              <a:effectRef idx="0">
+                <a:schemeClr val="accent1"/>
+              </a:effectRef>
+              <a:fontRef idx="minor">
+                <a:schemeClr val="lt1"/>
+              </a:fontRef>
+            </p:style>
+            <p:txBody>
+              <a:bodyPr rtlCol="0" anchor="ctr"/>
+              <a:lstStyle/>
+              <a:p>
+                <a:pPr algn="ctr"/>
+                <a:r>
+                  <a:rPr lang="zh-CN" altLang="en-US" dirty="0">
+                    <a:ln w="3175">
+                      <a:solidFill>
+                        <a:schemeClr val="tx1"/>
+                      </a:solidFill>
+                    </a:ln>
+                    <a:solidFill>
+                      <a:schemeClr val="tx1"/>
+                    </a:solidFill>
+                    <a:latin typeface="宋体" panose="02010600030101010101" pitchFamily="2" charset="-122"/>
+                    <a:ea typeface="宋体" panose="02010600030101010101" pitchFamily="2" charset="-122"/>
+                  </a:rPr>
+                  <a:t>开始</a:t>
+                </a:r>
+              </a:p>
+            </p:txBody>
+          </p:sp>
+          <p:sp>
+            <p:nvSpPr>
+              <p:cNvPr id="6" name="矩形 5">
+                <a:extLst>
+                  <a:ext uri="{FF2B5EF4-FFF2-40B4-BE49-F238E27FC236}">
+                    <a16:creationId xmlns:a16="http://schemas.microsoft.com/office/drawing/2014/main" id="{1173214F-1DBF-4DD4-85DB-BCD22FE010B0}"/>
+                  </a:ext>
+                </a:extLst>
+              </p:cNvPr>
+              <p:cNvSpPr/>
+              <p:nvPr/>
+            </p:nvSpPr>
+            <p:spPr>
+              <a:xfrm>
+                <a:off x="4725384" y="919011"/>
+                <a:ext cx="1263194" cy="527901"/>
+              </a:xfrm>
+              <a:prstGeom prst="rect">
+                <a:avLst/>
+              </a:prstGeom>
+              <a:noFill/>
+              <a:ln w="28575">
+                <a:solidFill>
+                  <a:schemeClr val="tx1"/>
+                </a:solidFill>
+              </a:ln>
+            </p:spPr>
+            <p:style>
+              <a:lnRef idx="2">
+                <a:schemeClr val="accent1">
+                  <a:shade val="50000"/>
+                </a:schemeClr>
+              </a:lnRef>
+              <a:fillRef idx="1">
+                <a:schemeClr val="accent1"/>
+              </a:fillRef>
+              <a:effectRef idx="0">
+                <a:schemeClr val="accent1"/>
+              </a:effectRef>
+              <a:fontRef idx="minor">
+                <a:schemeClr val="lt1"/>
+              </a:fontRef>
+            </p:style>
+            <p:txBody>
+              <a:bodyPr rtlCol="0" anchor="ctr"/>
+              <a:lstStyle/>
+              <a:p>
+                <a:pPr algn="ctr"/>
+                <a:r>
+                  <a:rPr lang="zh-CN" altLang="en-US" dirty="0">
+                    <a:ln w="3175">
+                      <a:solidFill>
+                        <a:schemeClr val="tx1"/>
+                      </a:solidFill>
+                    </a:ln>
+                    <a:solidFill>
+                      <a:schemeClr val="tx1"/>
+                    </a:solidFill>
+                    <a:latin typeface="宋体" panose="02010600030101010101" pitchFamily="2" charset="-122"/>
+                    <a:ea typeface="宋体" panose="02010600030101010101" pitchFamily="2" charset="-122"/>
+                  </a:rPr>
+                  <a:t>读入图片</a:t>
+                </a:r>
+              </a:p>
+            </p:txBody>
+          </p:sp>
+          <p:sp>
+            <p:nvSpPr>
+              <p:cNvPr id="8" name="矩形: 圆角 7">
+                <a:extLst>
+                  <a:ext uri="{FF2B5EF4-FFF2-40B4-BE49-F238E27FC236}">
+                    <a16:creationId xmlns:a16="http://schemas.microsoft.com/office/drawing/2014/main" id="{60859275-DC61-4CD4-BC4A-41EC660AB578}"/>
+                  </a:ext>
+                </a:extLst>
+              </p:cNvPr>
+              <p:cNvSpPr/>
+              <p:nvPr/>
+            </p:nvSpPr>
+            <p:spPr>
+              <a:xfrm>
+                <a:off x="4782041" y="14038657"/>
+                <a:ext cx="1159497" cy="490194"/>
+              </a:xfrm>
+              <a:prstGeom prst="roundRect">
+                <a:avLst/>
+              </a:prstGeom>
+              <a:noFill/>
+              <a:ln w="28575">
+                <a:solidFill>
+                  <a:schemeClr val="tx1"/>
+                </a:solidFill>
+              </a:ln>
+            </p:spPr>
+            <p:style>
+              <a:lnRef idx="2">
+                <a:schemeClr val="accent1">
+                  <a:shade val="50000"/>
+                </a:schemeClr>
+              </a:lnRef>
+              <a:fillRef idx="1">
+                <a:schemeClr val="accent1"/>
+              </a:fillRef>
+              <a:effectRef idx="0">
+                <a:schemeClr val="accent1"/>
+              </a:effectRef>
+              <a:fontRef idx="minor">
+                <a:schemeClr val="lt1"/>
+              </a:fontRef>
+            </p:style>
+            <p:txBody>
+              <a:bodyPr rtlCol="0" anchor="ctr"/>
+              <a:lstStyle/>
+              <a:p>
+                <a:pPr algn="ctr"/>
+                <a:r>
+                  <a:rPr lang="zh-CN" altLang="en-US" dirty="0">
+                    <a:ln w="3175">
+                      <a:solidFill>
+                        <a:schemeClr val="tx1"/>
+                      </a:solidFill>
+                    </a:ln>
+                    <a:solidFill>
+                      <a:schemeClr val="tx1"/>
+                    </a:solidFill>
+                    <a:latin typeface="宋体" panose="02010600030101010101" pitchFamily="2" charset="-122"/>
+                    <a:ea typeface="宋体" panose="02010600030101010101" pitchFamily="2" charset="-122"/>
+                  </a:rPr>
+                  <a:t>结束</a:t>
+                </a:r>
+              </a:p>
+            </p:txBody>
+          </p:sp>
+          <p:cxnSp>
+            <p:nvCxnSpPr>
+              <p:cNvPr id="9" name="直接箭头连接符 8">
+                <a:extLst>
+                  <a:ext uri="{FF2B5EF4-FFF2-40B4-BE49-F238E27FC236}">
+                    <a16:creationId xmlns:a16="http://schemas.microsoft.com/office/drawing/2014/main" id="{29812824-B67A-412B-A28B-F97033AA83AA}"/>
+                  </a:ext>
+                </a:extLst>
+              </p:cNvPr>
+              <p:cNvCxnSpPr>
+                <a:cxnSpLocks/>
+                <a:stCxn id="5" idx="2"/>
+                <a:endCxn id="6" idx="0"/>
+              </p:cNvCxnSpPr>
+              <p:nvPr/>
+            </p:nvCxnSpPr>
+            <p:spPr>
+              <a:xfrm>
+                <a:off x="5352265" y="626780"/>
+                <a:ext cx="4716" cy="292231"/>
+              </a:xfrm>
+              <a:prstGeom prst="straightConnector1">
+                <a:avLst/>
+              </a:prstGeom>
+              <a:ln w="19050">
+                <a:tailEnd type="triangle"/>
+              </a:ln>
+            </p:spPr>
+            <p:style>
+              <a:lnRef idx="1">
+                <a:schemeClr val="dk1"/>
+              </a:lnRef>
+              <a:fillRef idx="0">
+                <a:schemeClr val="dk1"/>
+              </a:fillRef>
+              <a:effectRef idx="0">
+                <a:schemeClr val="dk1"/>
+              </a:effectRef>
+              <a:fontRef idx="minor">
+                <a:schemeClr val="tx1"/>
+              </a:fontRef>
+            </p:style>
+          </p:cxnSp>
+          <p:sp>
+            <p:nvSpPr>
+              <p:cNvPr id="11" name="菱形 10">
+                <a:extLst>
+                  <a:ext uri="{FF2B5EF4-FFF2-40B4-BE49-F238E27FC236}">
+                    <a16:creationId xmlns:a16="http://schemas.microsoft.com/office/drawing/2014/main" id="{C0DDD274-89B5-4F42-B6EF-62E4AED1EAEE}"/>
+                  </a:ext>
+                </a:extLst>
+              </p:cNvPr>
+              <p:cNvSpPr/>
+              <p:nvPr/>
+            </p:nvSpPr>
+            <p:spPr>
+              <a:xfrm>
+                <a:off x="3650003" y="4198307"/>
+                <a:ext cx="3405683" cy="1159497"/>
+              </a:xfrm>
+              <a:prstGeom prst="diamond">
+                <a:avLst/>
+              </a:prstGeom>
+              <a:noFill/>
+              <a:ln w="28575">
+                <a:solidFill>
+                  <a:schemeClr val="tx1"/>
+                </a:solidFill>
+              </a:ln>
+            </p:spPr>
+            <p:style>
+              <a:lnRef idx="2">
+                <a:schemeClr val="accent1">
+                  <a:shade val="50000"/>
+                </a:schemeClr>
+              </a:lnRef>
+              <a:fillRef idx="1">
+                <a:schemeClr val="accent1"/>
+              </a:fillRef>
+              <a:effectRef idx="0">
+                <a:schemeClr val="accent1"/>
+              </a:effectRef>
+              <a:fontRef idx="minor">
+                <a:schemeClr val="lt1"/>
+              </a:fontRef>
+            </p:style>
+            <p:txBody>
+              <a:bodyPr rtlCol="0" anchor="ctr"/>
+              <a:lstStyle/>
+              <a:p>
+                <a:pPr algn="ctr"/>
+                <a:r>
+                  <a:rPr lang="zh-CN" altLang="en-US" dirty="0">
+                    <a:ln w="3175">
+                      <a:solidFill>
+                        <a:schemeClr val="tx1"/>
+                      </a:solidFill>
+                    </a:ln>
+                    <a:solidFill>
+                      <a:schemeClr val="tx1"/>
+                    </a:solidFill>
+                  </a:rPr>
+                  <a:t>窗口大小是否超出图片大小</a:t>
+                </a:r>
+              </a:p>
+            </p:txBody>
+          </p:sp>
+          <p:sp>
+            <p:nvSpPr>
+              <p:cNvPr id="12" name="文本框 11">
+                <a:extLst>
+                  <a:ext uri="{FF2B5EF4-FFF2-40B4-BE49-F238E27FC236}">
+                    <a16:creationId xmlns:a16="http://schemas.microsoft.com/office/drawing/2014/main" id="{206216D3-16DA-416E-BC8A-BFF2A5201D3C}"/>
+                  </a:ext>
+                </a:extLst>
+              </p:cNvPr>
+              <p:cNvSpPr txBox="1"/>
+              <p:nvPr/>
+            </p:nvSpPr>
+            <p:spPr>
+              <a:xfrm>
+                <a:off x="6542514" y="13071452"/>
+                <a:ext cx="415498" cy="369332"/>
+              </a:xfrm>
+              <a:prstGeom prst="rect">
+                <a:avLst/>
+              </a:prstGeom>
+              <a:noFill/>
+            </p:spPr>
+            <p:txBody>
+              <a:bodyPr wrap="square" rtlCol="0">
+                <a:spAutoFit/>
+              </a:bodyPr>
+              <a:lstStyle/>
+              <a:p>
+                <a:pPr algn="ctr"/>
+                <a:r>
+                  <a:rPr lang="zh-CN" altLang="en-US" dirty="0">
+                    <a:ln w="3175">
+                      <a:solidFill>
+                        <a:schemeClr val="tx1"/>
+                      </a:solidFill>
+                    </a:ln>
+                    <a:latin typeface="宋体" panose="02010600030101010101" pitchFamily="2" charset="-122"/>
+                    <a:ea typeface="宋体" panose="02010600030101010101" pitchFamily="2" charset="-122"/>
+                  </a:rPr>
+                  <a:t>否</a:t>
+                </a:r>
+              </a:p>
+            </p:txBody>
+          </p:sp>
+          <p:sp>
+            <p:nvSpPr>
+              <p:cNvPr id="13" name="文本框 12">
+                <a:extLst>
+                  <a:ext uri="{FF2B5EF4-FFF2-40B4-BE49-F238E27FC236}">
+                    <a16:creationId xmlns:a16="http://schemas.microsoft.com/office/drawing/2014/main" id="{DCE331A1-86F8-4C9E-A755-88D762367919}"/>
+                  </a:ext>
+                </a:extLst>
+              </p:cNvPr>
+              <p:cNvSpPr txBox="1"/>
+              <p:nvPr/>
+            </p:nvSpPr>
+            <p:spPr>
+              <a:xfrm>
+                <a:off x="1963731" y="5254728"/>
+                <a:ext cx="329906" cy="369332"/>
+              </a:xfrm>
+              <a:prstGeom prst="rect">
+                <a:avLst/>
+              </a:prstGeom>
+              <a:noFill/>
+            </p:spPr>
+            <p:txBody>
+              <a:bodyPr wrap="square" rtlCol="0">
+                <a:spAutoFit/>
+              </a:bodyPr>
+              <a:lstStyle/>
+              <a:p>
+                <a:pPr algn="ctr"/>
+                <a:r>
+                  <a:rPr lang="zh-CN" altLang="en-US" dirty="0">
+                    <a:ln w="3175">
+                      <a:solidFill>
+                        <a:schemeClr val="tx1"/>
+                      </a:solidFill>
+                    </a:ln>
+                    <a:latin typeface="宋体" panose="02010600030101010101" pitchFamily="2" charset="-122"/>
+                    <a:ea typeface="宋体" panose="02010600030101010101" pitchFamily="2" charset="-122"/>
+                  </a:rPr>
+                  <a:t>是</a:t>
+                </a:r>
+              </a:p>
+            </p:txBody>
+          </p:sp>
+          <p:cxnSp>
+            <p:nvCxnSpPr>
+              <p:cNvPr id="17" name="直接箭头连接符 16">
+                <a:extLst>
+                  <a:ext uri="{FF2B5EF4-FFF2-40B4-BE49-F238E27FC236}">
+                    <a16:creationId xmlns:a16="http://schemas.microsoft.com/office/drawing/2014/main" id="{97E8ECA9-C425-47F8-BDD6-F0E441FF6CAE}"/>
+                  </a:ext>
+                </a:extLst>
+              </p:cNvPr>
+              <p:cNvCxnSpPr>
+                <a:cxnSpLocks/>
+                <a:stCxn id="6" idx="2"/>
+                <a:endCxn id="26" idx="0"/>
+              </p:cNvCxnSpPr>
+              <p:nvPr/>
+            </p:nvCxnSpPr>
+            <p:spPr>
+              <a:xfrm>
+                <a:off x="5356981" y="1446912"/>
+                <a:ext cx="0" cy="291923"/>
+              </a:xfrm>
+              <a:prstGeom prst="straightConnector1">
+                <a:avLst/>
+              </a:prstGeom>
+              <a:ln w="19050">
+                <a:tailEnd type="triangle"/>
+              </a:ln>
+            </p:spPr>
+            <p:style>
+              <a:lnRef idx="1">
+                <a:schemeClr val="dk1"/>
+              </a:lnRef>
+              <a:fillRef idx="0">
+                <a:schemeClr val="dk1"/>
+              </a:fillRef>
+              <a:effectRef idx="0">
+                <a:schemeClr val="dk1"/>
+              </a:effectRef>
+              <a:fontRef idx="minor">
+                <a:schemeClr val="tx1"/>
+              </a:fontRef>
+            </p:style>
+          </p:cxnSp>
+          <p:cxnSp>
+            <p:nvCxnSpPr>
+              <p:cNvPr id="19" name="直接箭头连接符 18">
+                <a:extLst>
+                  <a:ext uri="{FF2B5EF4-FFF2-40B4-BE49-F238E27FC236}">
+                    <a16:creationId xmlns:a16="http://schemas.microsoft.com/office/drawing/2014/main" id="{252763AC-AE7D-4B1E-8E68-9BE8A6BAADB9}"/>
+                  </a:ext>
+                </a:extLst>
+              </p:cNvPr>
+              <p:cNvCxnSpPr>
+                <a:cxnSpLocks/>
+                <a:stCxn id="38" idx="2"/>
+                <a:endCxn id="39" idx="0"/>
+              </p:cNvCxnSpPr>
+              <p:nvPr/>
+            </p:nvCxnSpPr>
+            <p:spPr>
+              <a:xfrm>
+                <a:off x="5352564" y="8650718"/>
+                <a:ext cx="2566" cy="254879"/>
+              </a:xfrm>
+              <a:prstGeom prst="straightConnector1">
+                <a:avLst/>
+              </a:prstGeom>
+              <a:ln w="19050">
+                <a:tailEnd type="triangle"/>
+              </a:ln>
+            </p:spPr>
+            <p:style>
+              <a:lnRef idx="1">
+                <a:schemeClr val="dk1"/>
+              </a:lnRef>
+              <a:fillRef idx="0">
+                <a:schemeClr val="dk1"/>
+              </a:fillRef>
+              <a:effectRef idx="0">
+                <a:schemeClr val="dk1"/>
+              </a:effectRef>
+              <a:fontRef idx="minor">
+                <a:schemeClr val="tx1"/>
+              </a:fontRef>
+            </p:style>
+          </p:cxnSp>
+          <p:sp>
+            <p:nvSpPr>
+              <p:cNvPr id="26" name="矩形 25">
+                <a:extLst>
+                  <a:ext uri="{FF2B5EF4-FFF2-40B4-BE49-F238E27FC236}">
+                    <a16:creationId xmlns:a16="http://schemas.microsoft.com/office/drawing/2014/main" id="{8871319C-A8F8-44B7-BAAD-C98C305039DE}"/>
+                  </a:ext>
+                </a:extLst>
+              </p:cNvPr>
+              <p:cNvSpPr/>
+              <p:nvPr/>
+            </p:nvSpPr>
+            <p:spPr>
+              <a:xfrm>
+                <a:off x="4725384" y="1738835"/>
+                <a:ext cx="1263194" cy="527901"/>
+              </a:xfrm>
+              <a:prstGeom prst="rect">
+                <a:avLst/>
+              </a:prstGeom>
+              <a:noFill/>
+              <a:ln w="28575">
+                <a:solidFill>
+                  <a:schemeClr val="tx1"/>
+                </a:solidFill>
+              </a:ln>
+            </p:spPr>
+            <p:style>
+              <a:lnRef idx="2">
+                <a:schemeClr val="accent1">
+                  <a:shade val="50000"/>
+                </a:schemeClr>
+              </a:lnRef>
+              <a:fillRef idx="1">
+                <a:schemeClr val="accent1"/>
+              </a:fillRef>
+              <a:effectRef idx="0">
+                <a:schemeClr val="accent1"/>
+              </a:effectRef>
+              <a:fontRef idx="minor">
+                <a:schemeClr val="lt1"/>
+              </a:fontRef>
+            </p:style>
+            <p:txBody>
+              <a:bodyPr rtlCol="0" anchor="ctr"/>
+              <a:lstStyle/>
+              <a:p>
+                <a:pPr algn="ctr"/>
+                <a:r>
+                  <a:rPr lang="zh-CN" altLang="en-US" dirty="0">
+                    <a:ln w="3175">
+                      <a:solidFill>
+                        <a:schemeClr val="tx1"/>
+                      </a:solidFill>
+                    </a:ln>
+                    <a:solidFill>
+                      <a:schemeClr val="tx1"/>
+                    </a:solidFill>
+                    <a:latin typeface="宋体" panose="02010600030101010101" pitchFamily="2" charset="-122"/>
+                    <a:ea typeface="宋体" panose="02010600030101010101" pitchFamily="2" charset="-122"/>
+                  </a:rPr>
+                  <a:t>添加噪声</a:t>
+                </a:r>
+              </a:p>
+            </p:txBody>
+          </p:sp>
+          <p:cxnSp>
+            <p:nvCxnSpPr>
+              <p:cNvPr id="27" name="直接箭头连接符 26">
+                <a:extLst>
+                  <a:ext uri="{FF2B5EF4-FFF2-40B4-BE49-F238E27FC236}">
+                    <a16:creationId xmlns:a16="http://schemas.microsoft.com/office/drawing/2014/main" id="{8A06AA3B-2B3B-471E-894F-99593319E436}"/>
+                  </a:ext>
+                </a:extLst>
+              </p:cNvPr>
+              <p:cNvCxnSpPr>
+                <a:cxnSpLocks/>
+                <a:stCxn id="26" idx="2"/>
+                <a:endCxn id="28" idx="0"/>
+              </p:cNvCxnSpPr>
+              <p:nvPr/>
+            </p:nvCxnSpPr>
+            <p:spPr>
+              <a:xfrm flipH="1">
+                <a:off x="5355946" y="2266736"/>
+                <a:ext cx="1035" cy="291923"/>
+              </a:xfrm>
+              <a:prstGeom prst="straightConnector1">
+                <a:avLst/>
+              </a:prstGeom>
+              <a:ln w="19050">
+                <a:tailEnd type="triangle"/>
+              </a:ln>
+            </p:spPr>
+            <p:style>
+              <a:lnRef idx="1">
+                <a:schemeClr val="dk1"/>
+              </a:lnRef>
+              <a:fillRef idx="0">
+                <a:schemeClr val="dk1"/>
+              </a:fillRef>
+              <a:effectRef idx="0">
+                <a:schemeClr val="dk1"/>
+              </a:effectRef>
+              <a:fontRef idx="minor">
+                <a:schemeClr val="tx1"/>
+              </a:fontRef>
+            </p:style>
+          </p:cxnSp>
+          <p:sp>
+            <p:nvSpPr>
+              <p:cNvPr id="28" name="矩形 27">
+                <a:extLst>
+                  <a:ext uri="{FF2B5EF4-FFF2-40B4-BE49-F238E27FC236}">
+                    <a16:creationId xmlns:a16="http://schemas.microsoft.com/office/drawing/2014/main" id="{77719848-D0BB-470B-A404-C1F6765ED150}"/>
+                  </a:ext>
+                </a:extLst>
+              </p:cNvPr>
+              <p:cNvSpPr/>
+              <p:nvPr/>
+            </p:nvSpPr>
+            <p:spPr>
+              <a:xfrm>
+                <a:off x="4177742" y="2558659"/>
+                <a:ext cx="2356407" cy="527901"/>
+              </a:xfrm>
+              <a:prstGeom prst="rect">
+                <a:avLst/>
+              </a:prstGeom>
+              <a:noFill/>
+              <a:ln w="28575">
+                <a:solidFill>
+                  <a:schemeClr val="tx1"/>
+                </a:solidFill>
+              </a:ln>
+            </p:spPr>
+            <p:style>
+              <a:lnRef idx="2">
+                <a:schemeClr val="accent1">
+                  <a:shade val="50000"/>
+                </a:schemeClr>
+              </a:lnRef>
+              <a:fillRef idx="1">
+                <a:schemeClr val="accent1"/>
+              </a:fillRef>
+              <a:effectRef idx="0">
+                <a:schemeClr val="accent1"/>
+              </a:effectRef>
+              <a:fontRef idx="minor">
+                <a:schemeClr val="lt1"/>
+              </a:fontRef>
+            </p:style>
+            <p:txBody>
+              <a:bodyPr rtlCol="0" anchor="ctr"/>
+              <a:lstStyle/>
+              <a:p>
+                <a:pPr algn="ctr"/>
+                <a:r>
+                  <a:rPr lang="zh-CN" altLang="en-US" dirty="0">
+                    <a:ln w="3175">
+                      <a:solidFill>
+                        <a:schemeClr val="tx1"/>
+                      </a:solidFill>
+                    </a:ln>
+                    <a:solidFill>
+                      <a:schemeClr val="tx1"/>
+                    </a:solidFill>
+                    <a:latin typeface="宋体" panose="02010600030101010101" pitchFamily="2" charset="-122"/>
+                    <a:ea typeface="宋体" panose="02010600030101010101" pitchFamily="2" charset="-122"/>
+                  </a:rPr>
+                  <a:t>输入最大窗口尺寸</a:t>
+                </a:r>
+              </a:p>
+            </p:txBody>
+          </p:sp>
+          <p:cxnSp>
+            <p:nvCxnSpPr>
+              <p:cNvPr id="29" name="直接箭头连接符 28">
+                <a:extLst>
+                  <a:ext uri="{FF2B5EF4-FFF2-40B4-BE49-F238E27FC236}">
+                    <a16:creationId xmlns:a16="http://schemas.microsoft.com/office/drawing/2014/main" id="{7BF8C093-C7D3-442C-A4D9-828BBF9B2CAA}"/>
+                  </a:ext>
+                </a:extLst>
+              </p:cNvPr>
+              <p:cNvCxnSpPr>
+                <a:cxnSpLocks/>
+                <a:stCxn id="28" idx="2"/>
+                <a:endCxn id="33" idx="0"/>
+              </p:cNvCxnSpPr>
+              <p:nvPr/>
+            </p:nvCxnSpPr>
+            <p:spPr>
+              <a:xfrm flipH="1">
+                <a:off x="5352264" y="3086560"/>
+                <a:ext cx="3682" cy="294139"/>
+              </a:xfrm>
+              <a:prstGeom prst="straightConnector1">
+                <a:avLst/>
+              </a:prstGeom>
+              <a:ln w="19050">
+                <a:tailEnd type="triangle"/>
+              </a:ln>
+            </p:spPr>
+            <p:style>
+              <a:lnRef idx="1">
+                <a:schemeClr val="dk1"/>
+              </a:lnRef>
+              <a:fillRef idx="0">
+                <a:schemeClr val="dk1"/>
+              </a:fillRef>
+              <a:effectRef idx="0">
+                <a:schemeClr val="dk1"/>
+              </a:effectRef>
+              <a:fontRef idx="minor">
+                <a:schemeClr val="tx1"/>
+              </a:fontRef>
+            </p:style>
+          </p:cxnSp>
+          <p:sp>
+            <p:nvSpPr>
+              <p:cNvPr id="33" name="矩形 32">
+                <a:extLst>
+                  <a:ext uri="{FF2B5EF4-FFF2-40B4-BE49-F238E27FC236}">
+                    <a16:creationId xmlns:a16="http://schemas.microsoft.com/office/drawing/2014/main" id="{B4550AA5-60A4-46D1-8BB9-020C2888762D}"/>
+                  </a:ext>
+                </a:extLst>
+              </p:cNvPr>
+              <p:cNvSpPr/>
+              <p:nvPr/>
+            </p:nvSpPr>
+            <p:spPr>
+              <a:xfrm>
+                <a:off x="4313598" y="3380699"/>
+                <a:ext cx="2077331" cy="527901"/>
+              </a:xfrm>
+              <a:prstGeom prst="rect">
+                <a:avLst/>
+              </a:prstGeom>
+              <a:noFill/>
+              <a:ln w="28575">
+                <a:solidFill>
+                  <a:schemeClr val="tx1"/>
+                </a:solidFill>
+              </a:ln>
+            </p:spPr>
+            <p:style>
+              <a:lnRef idx="2">
+                <a:schemeClr val="accent1">
+                  <a:shade val="50000"/>
+                </a:schemeClr>
+              </a:lnRef>
+              <a:fillRef idx="1">
+                <a:schemeClr val="accent1"/>
+              </a:fillRef>
+              <a:effectRef idx="0">
+                <a:schemeClr val="accent1"/>
+              </a:effectRef>
+              <a:fontRef idx="minor">
+                <a:schemeClr val="lt1"/>
+              </a:fontRef>
+            </p:style>
+            <p:txBody>
+              <a:bodyPr rtlCol="0" anchor="ctr"/>
+              <a:lstStyle/>
+              <a:p>
+                <a:pPr algn="ctr"/>
+                <a:r>
+                  <a:rPr lang="en-US" altLang="zh-CN" dirty="0" err="1">
+                    <a:ln w="3175">
+                      <a:solidFill>
+                        <a:schemeClr val="tx1"/>
+                      </a:solidFill>
+                    </a:ln>
+                    <a:solidFill>
+                      <a:schemeClr val="tx1"/>
+                    </a:solidFill>
+                    <a:latin typeface="宋体" panose="02010600030101010101" pitchFamily="2" charset="-122"/>
+                    <a:ea typeface="宋体" panose="02010600030101010101" pitchFamily="2" charset="-122"/>
+                  </a:rPr>
+                  <a:t>i</a:t>
+                </a:r>
+                <a:r>
+                  <a:rPr lang="zh-CN" altLang="en-US" dirty="0">
+                    <a:ln w="3175">
+                      <a:solidFill>
+                        <a:schemeClr val="tx1"/>
+                      </a:solidFill>
+                    </a:ln>
+                    <a:solidFill>
+                      <a:schemeClr val="tx1"/>
+                    </a:solidFill>
+                    <a:latin typeface="宋体" panose="02010600030101010101" pitchFamily="2" charset="-122"/>
+                    <a:ea typeface="宋体" panose="02010600030101010101" pitchFamily="2" charset="-122"/>
+                  </a:rPr>
+                  <a:t>行</a:t>
+                </a:r>
+                <a:r>
+                  <a:rPr lang="en-US" altLang="zh-CN" dirty="0">
+                    <a:ln w="3175">
+                      <a:solidFill>
+                        <a:schemeClr val="tx1"/>
+                      </a:solidFill>
+                    </a:ln>
+                    <a:solidFill>
+                      <a:schemeClr val="tx1"/>
+                    </a:solidFill>
+                    <a:latin typeface="宋体" panose="02010600030101010101" pitchFamily="2" charset="-122"/>
+                    <a:ea typeface="宋体" panose="02010600030101010101" pitchFamily="2" charset="-122"/>
+                  </a:rPr>
+                  <a:t>j</a:t>
+                </a:r>
+                <a:r>
+                  <a:rPr lang="zh-CN" altLang="en-US" dirty="0">
+                    <a:ln w="3175">
+                      <a:solidFill>
+                        <a:schemeClr val="tx1"/>
+                      </a:solidFill>
+                    </a:ln>
+                    <a:solidFill>
+                      <a:schemeClr val="tx1"/>
+                    </a:solidFill>
+                    <a:latin typeface="宋体" panose="02010600030101010101" pitchFamily="2" charset="-122"/>
+                    <a:ea typeface="宋体" panose="02010600030101010101" pitchFamily="2" charset="-122"/>
+                  </a:rPr>
+                  <a:t>列的像素</a:t>
+                </a:r>
+              </a:p>
+            </p:txBody>
+          </p:sp>
+          <p:sp>
+            <p:nvSpPr>
+              <p:cNvPr id="35" name="矩形 34">
+                <a:extLst>
+                  <a:ext uri="{FF2B5EF4-FFF2-40B4-BE49-F238E27FC236}">
+                    <a16:creationId xmlns:a16="http://schemas.microsoft.com/office/drawing/2014/main" id="{0B5109AB-AF64-496E-A8FD-D62BF219AAAC}"/>
+                  </a:ext>
+                </a:extLst>
+              </p:cNvPr>
+              <p:cNvSpPr/>
+              <p:nvPr/>
+            </p:nvSpPr>
+            <p:spPr>
+              <a:xfrm>
+                <a:off x="3799319" y="5624060"/>
+                <a:ext cx="3100990" cy="735291"/>
+              </a:xfrm>
+              <a:prstGeom prst="rect">
+                <a:avLst/>
+              </a:prstGeom>
+              <a:noFill/>
+              <a:ln w="28575">
+                <a:solidFill>
+                  <a:schemeClr val="tx1"/>
+                </a:solidFill>
+              </a:ln>
+            </p:spPr>
+            <p:style>
+              <a:lnRef idx="2">
+                <a:schemeClr val="accent1">
+                  <a:shade val="50000"/>
+                </a:schemeClr>
+              </a:lnRef>
+              <a:fillRef idx="1">
+                <a:schemeClr val="accent1"/>
+              </a:fillRef>
+              <a:effectRef idx="0">
+                <a:schemeClr val="accent1"/>
+              </a:effectRef>
+              <a:fontRef idx="minor">
+                <a:schemeClr val="lt1"/>
+              </a:fontRef>
+            </p:style>
+            <p:txBody>
+              <a:bodyPr rtlCol="0" anchor="ctr"/>
+              <a:lstStyle/>
+              <a:p>
+                <a:pPr algn="ctr"/>
+                <a:r>
+                  <a:rPr lang="zh-CN" altLang="en-US" dirty="0">
+                    <a:ln w="3175">
+                      <a:solidFill>
+                        <a:schemeClr val="tx1"/>
+                      </a:solidFill>
+                    </a:ln>
+                    <a:solidFill>
+                      <a:schemeClr val="tx1"/>
+                    </a:solidFill>
+                    <a:latin typeface="宋体" panose="02010600030101010101" pitchFamily="2" charset="-122"/>
+                    <a:ea typeface="宋体" panose="02010600030101010101" pitchFamily="2" charset="-122"/>
+                  </a:rPr>
+                  <a:t>窗口内像素排序，得到最大值</a:t>
+                </a:r>
+                <a:r>
+                  <a:rPr lang="en-US" altLang="zh-CN" dirty="0">
+                    <a:ln w="3175">
+                      <a:solidFill>
+                        <a:schemeClr val="tx1"/>
+                      </a:solidFill>
+                    </a:ln>
+                    <a:solidFill>
+                      <a:schemeClr val="tx1"/>
+                    </a:solidFill>
+                    <a:latin typeface="宋体" panose="02010600030101010101" pitchFamily="2" charset="-122"/>
+                    <a:ea typeface="宋体" panose="02010600030101010101" pitchFamily="2" charset="-122"/>
+                  </a:rPr>
+                  <a:t>max</a:t>
+                </a:r>
+                <a:r>
+                  <a:rPr lang="zh-CN" altLang="en-US" dirty="0">
+                    <a:ln w="3175">
+                      <a:solidFill>
+                        <a:schemeClr val="tx1"/>
+                      </a:solidFill>
+                    </a:ln>
+                    <a:solidFill>
+                      <a:schemeClr val="tx1"/>
+                    </a:solidFill>
+                    <a:latin typeface="宋体" panose="02010600030101010101" pitchFamily="2" charset="-122"/>
+                    <a:ea typeface="宋体" panose="02010600030101010101" pitchFamily="2" charset="-122"/>
+                  </a:rPr>
+                  <a:t>，最小值</a:t>
+                </a:r>
+                <a:r>
+                  <a:rPr lang="en-US" altLang="zh-CN" dirty="0">
+                    <a:ln w="3175">
+                      <a:solidFill>
+                        <a:schemeClr val="tx1"/>
+                      </a:solidFill>
+                    </a:ln>
+                    <a:solidFill>
+                      <a:schemeClr val="tx1"/>
+                    </a:solidFill>
+                    <a:latin typeface="宋体" panose="02010600030101010101" pitchFamily="2" charset="-122"/>
+                    <a:ea typeface="宋体" panose="02010600030101010101" pitchFamily="2" charset="-122"/>
+                  </a:rPr>
+                  <a:t>min</a:t>
+                </a:r>
+                <a:r>
+                  <a:rPr lang="zh-CN" altLang="en-US" dirty="0">
+                    <a:ln w="3175">
+                      <a:solidFill>
+                        <a:schemeClr val="tx1"/>
+                      </a:solidFill>
+                    </a:ln>
+                    <a:solidFill>
+                      <a:schemeClr val="tx1"/>
+                    </a:solidFill>
+                    <a:latin typeface="宋体" panose="02010600030101010101" pitchFamily="2" charset="-122"/>
+                    <a:ea typeface="宋体" panose="02010600030101010101" pitchFamily="2" charset="-122"/>
+                  </a:rPr>
+                  <a:t>和中值</a:t>
+                </a:r>
+                <a:r>
+                  <a:rPr lang="en-US" altLang="zh-CN" dirty="0">
+                    <a:ln w="3175">
+                      <a:solidFill>
+                        <a:schemeClr val="tx1"/>
+                      </a:solidFill>
+                    </a:ln>
+                    <a:solidFill>
+                      <a:schemeClr val="tx1"/>
+                    </a:solidFill>
+                    <a:latin typeface="宋体" panose="02010600030101010101" pitchFamily="2" charset="-122"/>
+                    <a:ea typeface="宋体" panose="02010600030101010101" pitchFamily="2" charset="-122"/>
+                  </a:rPr>
+                  <a:t>med</a:t>
+                </a:r>
+                <a:endParaRPr lang="zh-CN" altLang="en-US" dirty="0">
+                  <a:ln w="3175">
+                    <a:solidFill>
+                      <a:schemeClr val="tx1"/>
+                    </a:solidFill>
+                  </a:ln>
+                  <a:solidFill>
+                    <a:schemeClr val="tx1"/>
+                  </a:solidFill>
+                  <a:latin typeface="宋体" panose="02010600030101010101" pitchFamily="2" charset="-122"/>
+                  <a:ea typeface="宋体" panose="02010600030101010101" pitchFamily="2" charset="-122"/>
+                </a:endParaRPr>
+              </a:p>
+            </p:txBody>
+          </p:sp>
+          <p:sp>
+            <p:nvSpPr>
+              <p:cNvPr id="36" name="矩形 35">
+                <a:extLst>
+                  <a:ext uri="{FF2B5EF4-FFF2-40B4-BE49-F238E27FC236}">
+                    <a16:creationId xmlns:a16="http://schemas.microsoft.com/office/drawing/2014/main" id="{324B8C16-B820-4700-A85E-25EA67DB7261}"/>
+                  </a:ext>
+                </a:extLst>
+              </p:cNvPr>
+              <p:cNvSpPr/>
+              <p:nvPr/>
+            </p:nvSpPr>
+            <p:spPr>
+              <a:xfrm>
+                <a:off x="3896933" y="6642383"/>
+                <a:ext cx="2905762" cy="735291"/>
+              </a:xfrm>
+              <a:prstGeom prst="rect">
+                <a:avLst/>
+              </a:prstGeom>
+              <a:noFill/>
+              <a:ln w="28575">
+                <a:solidFill>
+                  <a:schemeClr val="tx1"/>
+                </a:solidFill>
+              </a:ln>
+            </p:spPr>
+            <p:style>
+              <a:lnRef idx="2">
+                <a:schemeClr val="accent1">
+                  <a:shade val="50000"/>
+                </a:schemeClr>
+              </a:lnRef>
+              <a:fillRef idx="1">
+                <a:schemeClr val="accent1"/>
+              </a:fillRef>
+              <a:effectRef idx="0">
+                <a:schemeClr val="accent1"/>
+              </a:effectRef>
+              <a:fontRef idx="minor">
+                <a:schemeClr val="lt1"/>
+              </a:fontRef>
+            </p:style>
+            <p:txBody>
+              <a:bodyPr rtlCol="0" anchor="ctr"/>
+              <a:lstStyle/>
+              <a:p>
+                <a:pPr algn="ctr"/>
+                <a:r>
+                  <a:rPr lang="zh-CN" altLang="en-US" dirty="0">
+                    <a:ln w="3175">
+                      <a:solidFill>
+                        <a:schemeClr val="tx1"/>
+                      </a:solidFill>
+                    </a:ln>
+                    <a:solidFill>
+                      <a:schemeClr val="tx1"/>
+                    </a:solidFill>
+                    <a:latin typeface="宋体" panose="02010600030101010101" pitchFamily="2" charset="-122"/>
+                    <a:ea typeface="宋体" panose="02010600030101010101" pitchFamily="2" charset="-122"/>
+                  </a:rPr>
+                  <a:t>计算</a:t>
+                </a:r>
+                <a:r>
+                  <a:rPr lang="en-US" altLang="zh-CN" dirty="0">
+                    <a:ln w="3175">
+                      <a:solidFill>
+                        <a:schemeClr val="tx1"/>
+                      </a:solidFill>
+                    </a:ln>
+                    <a:solidFill>
+                      <a:schemeClr val="tx1"/>
+                    </a:solidFill>
+                    <a:latin typeface="宋体" panose="02010600030101010101" pitchFamily="2" charset="-122"/>
+                    <a:ea typeface="宋体" panose="02010600030101010101" pitchFamily="2" charset="-122"/>
+                  </a:rPr>
+                  <a:t>A1 = med – min</a:t>
+                </a:r>
+              </a:p>
+              <a:p>
+                <a:pPr algn="ctr"/>
+                <a:r>
+                  <a:rPr lang="en-US" altLang="zh-CN" dirty="0">
+                    <a:ln w="3175">
+                      <a:solidFill>
+                        <a:schemeClr val="tx1"/>
+                      </a:solidFill>
+                    </a:ln>
+                    <a:solidFill>
+                      <a:schemeClr val="tx1"/>
+                    </a:solidFill>
+                    <a:latin typeface="宋体" panose="02010600030101010101" pitchFamily="2" charset="-122"/>
+                    <a:ea typeface="宋体" panose="02010600030101010101" pitchFamily="2" charset="-122"/>
+                  </a:rPr>
+                  <a:t>A2 = med - max</a:t>
+                </a:r>
+                <a:endParaRPr lang="zh-CN" altLang="en-US" dirty="0">
+                  <a:ln w="3175">
+                    <a:solidFill>
+                      <a:schemeClr val="tx1"/>
+                    </a:solidFill>
+                  </a:ln>
+                  <a:solidFill>
+                    <a:schemeClr val="tx1"/>
+                  </a:solidFill>
+                  <a:latin typeface="宋体" panose="02010600030101010101" pitchFamily="2" charset="-122"/>
+                  <a:ea typeface="宋体" panose="02010600030101010101" pitchFamily="2" charset="-122"/>
+                </a:endParaRPr>
+              </a:p>
+            </p:txBody>
+          </p:sp>
+          <p:sp>
+            <p:nvSpPr>
+              <p:cNvPr id="37" name="矩形 36">
+                <a:extLst>
+                  <a:ext uri="{FF2B5EF4-FFF2-40B4-BE49-F238E27FC236}">
+                    <a16:creationId xmlns:a16="http://schemas.microsoft.com/office/drawing/2014/main" id="{B82BA9DD-A04C-4E0E-8B1E-3EA0CEE94D6B}"/>
+                  </a:ext>
+                </a:extLst>
+              </p:cNvPr>
+              <p:cNvSpPr/>
+              <p:nvPr/>
+            </p:nvSpPr>
+            <p:spPr>
+              <a:xfrm>
+                <a:off x="790575" y="5738711"/>
+                <a:ext cx="2190230" cy="510075"/>
+              </a:xfrm>
+              <a:prstGeom prst="rect">
+                <a:avLst/>
+              </a:prstGeom>
+              <a:noFill/>
+              <a:ln w="28575">
+                <a:solidFill>
+                  <a:schemeClr val="tx1"/>
+                </a:solidFill>
+              </a:ln>
+            </p:spPr>
+            <p:style>
+              <a:lnRef idx="2">
+                <a:schemeClr val="accent1">
+                  <a:shade val="50000"/>
+                </a:schemeClr>
+              </a:lnRef>
+              <a:fillRef idx="1">
+                <a:schemeClr val="accent1"/>
+              </a:fillRef>
+              <a:effectRef idx="0">
+                <a:schemeClr val="accent1"/>
+              </a:effectRef>
+              <a:fontRef idx="minor">
+                <a:schemeClr val="lt1"/>
+              </a:fontRef>
+            </p:style>
+            <p:txBody>
+              <a:bodyPr rtlCol="0" anchor="ctr"/>
+              <a:lstStyle/>
+              <a:p>
+                <a:pPr algn="ctr"/>
+                <a:r>
+                  <a:rPr lang="zh-CN" altLang="en-US" dirty="0">
+                    <a:ln w="3175">
+                      <a:solidFill>
+                        <a:schemeClr val="tx1"/>
+                      </a:solidFill>
+                    </a:ln>
+                    <a:solidFill>
+                      <a:schemeClr val="tx1"/>
+                    </a:solidFill>
+                    <a:latin typeface="宋体" panose="02010600030101010101" pitchFamily="2" charset="-122"/>
+                    <a:ea typeface="宋体" panose="02010600030101010101" pitchFamily="2" charset="-122"/>
+                  </a:rPr>
+                  <a:t>超出窗口部分填充</a:t>
+                </a:r>
+                <a:r>
+                  <a:rPr lang="en-US" altLang="zh-CN" dirty="0">
+                    <a:ln w="3175">
+                      <a:solidFill>
+                        <a:schemeClr val="tx1"/>
+                      </a:solidFill>
+                    </a:ln>
+                    <a:solidFill>
+                      <a:schemeClr val="tx1"/>
+                    </a:solidFill>
+                    <a:latin typeface="宋体" panose="02010600030101010101" pitchFamily="2" charset="-122"/>
+                    <a:ea typeface="宋体" panose="02010600030101010101" pitchFamily="2" charset="-122"/>
+                  </a:rPr>
+                  <a:t>0</a:t>
+                </a:r>
+                <a:endParaRPr lang="zh-CN" altLang="en-US" dirty="0">
+                  <a:ln w="3175">
+                    <a:solidFill>
+                      <a:schemeClr val="tx1"/>
+                    </a:solidFill>
+                  </a:ln>
+                  <a:solidFill>
+                    <a:schemeClr val="tx1"/>
+                  </a:solidFill>
+                  <a:latin typeface="宋体" panose="02010600030101010101" pitchFamily="2" charset="-122"/>
+                  <a:ea typeface="宋体" panose="02010600030101010101" pitchFamily="2" charset="-122"/>
+                </a:endParaRPr>
+              </a:p>
+            </p:txBody>
+          </p:sp>
+          <p:sp>
+            <p:nvSpPr>
+              <p:cNvPr id="38" name="菱形 37">
+                <a:extLst>
+                  <a:ext uri="{FF2B5EF4-FFF2-40B4-BE49-F238E27FC236}">
+                    <a16:creationId xmlns:a16="http://schemas.microsoft.com/office/drawing/2014/main" id="{B064BDCD-67E8-467C-AA25-C3EFA9827908}"/>
+                  </a:ext>
+                </a:extLst>
+              </p:cNvPr>
+              <p:cNvSpPr/>
+              <p:nvPr/>
+            </p:nvSpPr>
+            <p:spPr>
+              <a:xfrm>
+                <a:off x="4046071" y="7669340"/>
+                <a:ext cx="2612985" cy="981378"/>
+              </a:xfrm>
+              <a:prstGeom prst="diamond">
+                <a:avLst/>
+              </a:prstGeom>
+              <a:noFill/>
+              <a:ln w="28575">
+                <a:solidFill>
+                  <a:schemeClr val="tx1"/>
+                </a:solidFill>
+              </a:ln>
+            </p:spPr>
+            <p:style>
+              <a:lnRef idx="2">
+                <a:schemeClr val="accent1">
+                  <a:shade val="50000"/>
+                </a:schemeClr>
+              </a:lnRef>
+              <a:fillRef idx="1">
+                <a:schemeClr val="accent1"/>
+              </a:fillRef>
+              <a:effectRef idx="0">
+                <a:schemeClr val="accent1"/>
+              </a:effectRef>
+              <a:fontRef idx="minor">
+                <a:schemeClr val="lt1"/>
+              </a:fontRef>
+            </p:style>
+            <p:txBody>
+              <a:bodyPr rtlCol="0" anchor="ctr"/>
+              <a:lstStyle/>
+              <a:p>
+                <a:pPr algn="ctr"/>
+                <a:r>
+                  <a:rPr lang="en-US" altLang="zh-CN" dirty="0">
+                    <a:ln w="3175">
+                      <a:solidFill>
+                        <a:schemeClr val="tx1"/>
+                      </a:solidFill>
+                    </a:ln>
+                    <a:solidFill>
+                      <a:schemeClr val="tx1"/>
+                    </a:solidFill>
+                  </a:rPr>
+                  <a:t>A1 &gt; 0 &amp;&amp; A2 &lt; 0 ?</a:t>
+                </a:r>
+                <a:endParaRPr lang="zh-CN" altLang="en-US" dirty="0">
+                  <a:ln w="3175">
+                    <a:solidFill>
+                      <a:schemeClr val="tx1"/>
+                    </a:solidFill>
+                  </a:ln>
+                  <a:solidFill>
+                    <a:schemeClr val="tx1"/>
+                  </a:solidFill>
+                </a:endParaRPr>
+              </a:p>
+            </p:txBody>
+          </p:sp>
+          <p:sp>
+            <p:nvSpPr>
+              <p:cNvPr id="39" name="矩形 38">
+                <a:extLst>
+                  <a:ext uri="{FF2B5EF4-FFF2-40B4-BE49-F238E27FC236}">
+                    <a16:creationId xmlns:a16="http://schemas.microsoft.com/office/drawing/2014/main" id="{CF23F168-F4B0-4660-A1DC-FC27A28A4295}"/>
+                  </a:ext>
+                </a:extLst>
+              </p:cNvPr>
+              <p:cNvSpPr/>
+              <p:nvPr/>
+            </p:nvSpPr>
+            <p:spPr>
+              <a:xfrm>
+                <a:off x="3902249" y="8905597"/>
+                <a:ext cx="2905762" cy="735291"/>
+              </a:xfrm>
+              <a:prstGeom prst="rect">
+                <a:avLst/>
+              </a:prstGeom>
+              <a:noFill/>
+              <a:ln w="28575">
+                <a:solidFill>
+                  <a:schemeClr val="tx1"/>
+                </a:solidFill>
+              </a:ln>
+            </p:spPr>
+            <p:style>
+              <a:lnRef idx="2">
+                <a:schemeClr val="accent1">
+                  <a:shade val="50000"/>
+                </a:schemeClr>
+              </a:lnRef>
+              <a:fillRef idx="1">
+                <a:schemeClr val="accent1"/>
+              </a:fillRef>
+              <a:effectRef idx="0">
+                <a:schemeClr val="accent1"/>
+              </a:effectRef>
+              <a:fontRef idx="minor">
+                <a:schemeClr val="lt1"/>
+              </a:fontRef>
+            </p:style>
+            <p:txBody>
+              <a:bodyPr rtlCol="0" anchor="ctr"/>
+              <a:lstStyle/>
+              <a:p>
+                <a:pPr algn="ctr"/>
+                <a:r>
+                  <a:rPr lang="zh-CN" altLang="en-US" dirty="0">
+                    <a:ln w="3175">
+                      <a:solidFill>
+                        <a:schemeClr val="tx1"/>
+                      </a:solidFill>
+                    </a:ln>
+                    <a:solidFill>
+                      <a:schemeClr val="tx1"/>
+                    </a:solidFill>
+                    <a:latin typeface="宋体" panose="02010600030101010101" pitchFamily="2" charset="-122"/>
+                    <a:ea typeface="宋体" panose="02010600030101010101" pitchFamily="2" charset="-122"/>
+                  </a:rPr>
+                  <a:t>计算</a:t>
+                </a:r>
+                <a:r>
+                  <a:rPr lang="en-US" altLang="zh-CN" dirty="0">
+                    <a:ln w="3175">
+                      <a:solidFill>
+                        <a:schemeClr val="tx1"/>
+                      </a:solidFill>
+                    </a:ln>
+                    <a:solidFill>
+                      <a:schemeClr val="tx1"/>
+                    </a:solidFill>
+                    <a:latin typeface="宋体" panose="02010600030101010101" pitchFamily="2" charset="-122"/>
+                    <a:ea typeface="宋体" panose="02010600030101010101" pitchFamily="2" charset="-122"/>
+                  </a:rPr>
+                  <a:t>B1 = </a:t>
+                </a:r>
+                <a:r>
+                  <a:rPr lang="en-US" altLang="zh-CN" dirty="0" err="1">
+                    <a:ln w="3175">
+                      <a:solidFill>
+                        <a:schemeClr val="tx1"/>
+                      </a:solidFill>
+                    </a:ln>
+                    <a:solidFill>
+                      <a:schemeClr val="tx1"/>
+                    </a:solidFill>
+                    <a:latin typeface="宋体" panose="02010600030101010101" pitchFamily="2" charset="-122"/>
+                    <a:ea typeface="宋体" panose="02010600030101010101" pitchFamily="2" charset="-122"/>
+                  </a:rPr>
+                  <a:t>Zxy</a:t>
+                </a:r>
+                <a:r>
+                  <a:rPr lang="en-US" altLang="zh-CN" dirty="0">
+                    <a:ln w="3175">
+                      <a:solidFill>
+                        <a:schemeClr val="tx1"/>
+                      </a:solidFill>
+                    </a:ln>
+                    <a:solidFill>
+                      <a:schemeClr val="tx1"/>
+                    </a:solidFill>
+                    <a:latin typeface="宋体" panose="02010600030101010101" pitchFamily="2" charset="-122"/>
+                    <a:ea typeface="宋体" panose="02010600030101010101" pitchFamily="2" charset="-122"/>
+                  </a:rPr>
+                  <a:t> – min</a:t>
+                </a:r>
+              </a:p>
+              <a:p>
+                <a:pPr algn="ctr"/>
+                <a:r>
+                  <a:rPr lang="en-US" altLang="zh-CN" dirty="0">
+                    <a:ln w="3175">
+                      <a:solidFill>
+                        <a:schemeClr val="tx1"/>
+                      </a:solidFill>
+                    </a:ln>
+                    <a:solidFill>
+                      <a:schemeClr val="tx1"/>
+                    </a:solidFill>
+                    <a:latin typeface="宋体" panose="02010600030101010101" pitchFamily="2" charset="-122"/>
+                    <a:ea typeface="宋体" panose="02010600030101010101" pitchFamily="2" charset="-122"/>
+                  </a:rPr>
+                  <a:t>B2 = </a:t>
+                </a:r>
+                <a:r>
+                  <a:rPr lang="en-US" altLang="zh-CN" dirty="0" err="1">
+                    <a:ln w="3175">
+                      <a:solidFill>
+                        <a:schemeClr val="tx1"/>
+                      </a:solidFill>
+                    </a:ln>
+                    <a:solidFill>
+                      <a:schemeClr val="tx1"/>
+                    </a:solidFill>
+                    <a:latin typeface="宋体" panose="02010600030101010101" pitchFamily="2" charset="-122"/>
+                    <a:ea typeface="宋体" panose="02010600030101010101" pitchFamily="2" charset="-122"/>
+                  </a:rPr>
+                  <a:t>Zxy</a:t>
+                </a:r>
+                <a:r>
+                  <a:rPr lang="en-US" altLang="zh-CN" dirty="0">
+                    <a:ln w="3175">
+                      <a:solidFill>
+                        <a:schemeClr val="tx1"/>
+                      </a:solidFill>
+                    </a:ln>
+                    <a:solidFill>
+                      <a:schemeClr val="tx1"/>
+                    </a:solidFill>
+                    <a:latin typeface="宋体" panose="02010600030101010101" pitchFamily="2" charset="-122"/>
+                    <a:ea typeface="宋体" panose="02010600030101010101" pitchFamily="2" charset="-122"/>
+                  </a:rPr>
+                  <a:t> - max</a:t>
+                </a:r>
+                <a:endParaRPr lang="zh-CN" altLang="en-US" dirty="0">
+                  <a:ln w="3175">
+                    <a:solidFill>
+                      <a:schemeClr val="tx1"/>
+                    </a:solidFill>
+                  </a:ln>
+                  <a:solidFill>
+                    <a:schemeClr val="tx1"/>
+                  </a:solidFill>
+                  <a:latin typeface="宋体" panose="02010600030101010101" pitchFamily="2" charset="-122"/>
+                  <a:ea typeface="宋体" panose="02010600030101010101" pitchFamily="2" charset="-122"/>
+                </a:endParaRPr>
+              </a:p>
+            </p:txBody>
+          </p:sp>
+          <p:sp>
+            <p:nvSpPr>
+              <p:cNvPr id="40" name="矩形 39">
+                <a:extLst>
+                  <a:ext uri="{FF2B5EF4-FFF2-40B4-BE49-F238E27FC236}">
+                    <a16:creationId xmlns:a16="http://schemas.microsoft.com/office/drawing/2014/main" id="{1EA3173F-EB9A-4457-B72C-D8C55C8187E1}"/>
+                  </a:ext>
+                </a:extLst>
+              </p:cNvPr>
+              <p:cNvSpPr/>
+              <p:nvPr/>
+            </p:nvSpPr>
+            <p:spPr>
+              <a:xfrm>
+                <a:off x="7556402" y="9028144"/>
+                <a:ext cx="1594144" cy="490195"/>
+              </a:xfrm>
+              <a:prstGeom prst="rect">
+                <a:avLst/>
+              </a:prstGeom>
+              <a:noFill/>
+              <a:ln w="28575">
+                <a:solidFill>
+                  <a:schemeClr val="tx1"/>
+                </a:solidFill>
+              </a:ln>
+            </p:spPr>
+            <p:style>
+              <a:lnRef idx="2">
+                <a:schemeClr val="accent1">
+                  <a:shade val="50000"/>
+                </a:schemeClr>
+              </a:lnRef>
+              <a:fillRef idx="1">
+                <a:schemeClr val="accent1"/>
+              </a:fillRef>
+              <a:effectRef idx="0">
+                <a:schemeClr val="accent1"/>
+              </a:effectRef>
+              <a:fontRef idx="minor">
+                <a:schemeClr val="lt1"/>
+              </a:fontRef>
+            </p:style>
+            <p:txBody>
+              <a:bodyPr rtlCol="0" anchor="ctr"/>
+              <a:lstStyle/>
+              <a:p>
+                <a:pPr algn="ctr"/>
+                <a:r>
+                  <a:rPr lang="zh-CN" altLang="en-US" dirty="0">
+                    <a:ln w="3175">
+                      <a:solidFill>
+                        <a:schemeClr val="tx1"/>
+                      </a:solidFill>
+                    </a:ln>
+                    <a:solidFill>
+                      <a:schemeClr val="tx1"/>
+                    </a:solidFill>
+                    <a:latin typeface="宋体" panose="02010600030101010101" pitchFamily="2" charset="-122"/>
+                    <a:ea typeface="宋体" panose="02010600030101010101" pitchFamily="2" charset="-122"/>
+                  </a:rPr>
+                  <a:t>增加窗口尺寸</a:t>
+                </a:r>
+              </a:p>
+            </p:txBody>
+          </p:sp>
+          <p:sp>
+            <p:nvSpPr>
+              <p:cNvPr id="41" name="菱形 40">
+                <a:extLst>
+                  <a:ext uri="{FF2B5EF4-FFF2-40B4-BE49-F238E27FC236}">
+                    <a16:creationId xmlns:a16="http://schemas.microsoft.com/office/drawing/2014/main" id="{CACEC143-0064-4453-86CE-47E8FDEF9DE8}"/>
+                  </a:ext>
+                </a:extLst>
+              </p:cNvPr>
+              <p:cNvSpPr/>
+              <p:nvPr/>
+            </p:nvSpPr>
+            <p:spPr>
+              <a:xfrm>
+                <a:off x="4044615" y="9928873"/>
+                <a:ext cx="2612985" cy="981378"/>
+              </a:xfrm>
+              <a:prstGeom prst="diamond">
+                <a:avLst/>
+              </a:prstGeom>
+              <a:noFill/>
+              <a:ln w="28575">
+                <a:solidFill>
+                  <a:schemeClr val="tx1"/>
+                </a:solidFill>
+              </a:ln>
+            </p:spPr>
+            <p:style>
+              <a:lnRef idx="2">
+                <a:schemeClr val="accent1">
+                  <a:shade val="50000"/>
+                </a:schemeClr>
+              </a:lnRef>
+              <a:fillRef idx="1">
+                <a:schemeClr val="accent1"/>
+              </a:fillRef>
+              <a:effectRef idx="0">
+                <a:schemeClr val="accent1"/>
+              </a:effectRef>
+              <a:fontRef idx="minor">
+                <a:schemeClr val="lt1"/>
+              </a:fontRef>
+            </p:style>
+            <p:txBody>
+              <a:bodyPr rtlCol="0" anchor="ctr"/>
+              <a:lstStyle/>
+              <a:p>
+                <a:pPr algn="ctr"/>
+                <a:r>
+                  <a:rPr lang="en-US" altLang="zh-CN" dirty="0">
+                    <a:ln w="3175">
+                      <a:solidFill>
+                        <a:schemeClr val="tx1"/>
+                      </a:solidFill>
+                    </a:ln>
+                    <a:solidFill>
+                      <a:schemeClr val="tx1"/>
+                    </a:solidFill>
+                  </a:rPr>
+                  <a:t>B1 &gt; 0 &amp;&amp; B2 &lt; 0 ?</a:t>
+                </a:r>
+                <a:endParaRPr lang="zh-CN" altLang="en-US" dirty="0">
+                  <a:ln w="3175">
+                    <a:solidFill>
+                      <a:schemeClr val="tx1"/>
+                    </a:solidFill>
+                  </a:ln>
+                  <a:solidFill>
+                    <a:schemeClr val="tx1"/>
+                  </a:solidFill>
+                </a:endParaRPr>
+              </a:p>
+            </p:txBody>
+          </p:sp>
+          <p:sp>
+            <p:nvSpPr>
+              <p:cNvPr id="42" name="矩形 41">
+                <a:extLst>
+                  <a:ext uri="{FF2B5EF4-FFF2-40B4-BE49-F238E27FC236}">
+                    <a16:creationId xmlns:a16="http://schemas.microsoft.com/office/drawing/2014/main" id="{0DD6438B-5C34-4BB1-AC3C-E8C8E6A11C5C}"/>
+                  </a:ext>
+                </a:extLst>
+              </p:cNvPr>
+              <p:cNvSpPr/>
+              <p:nvPr/>
+            </p:nvSpPr>
+            <p:spPr>
+              <a:xfrm>
+                <a:off x="4351434" y="11168811"/>
+                <a:ext cx="2004769" cy="735291"/>
+              </a:xfrm>
+              <a:prstGeom prst="rect">
+                <a:avLst/>
+              </a:prstGeom>
+              <a:noFill/>
+              <a:ln w="28575">
+                <a:solidFill>
+                  <a:schemeClr val="tx1"/>
+                </a:solidFill>
+              </a:ln>
+            </p:spPr>
+            <p:style>
+              <a:lnRef idx="2">
+                <a:schemeClr val="accent1">
+                  <a:shade val="50000"/>
+                </a:schemeClr>
+              </a:lnRef>
+              <a:fillRef idx="1">
+                <a:schemeClr val="accent1"/>
+              </a:fillRef>
+              <a:effectRef idx="0">
+                <a:schemeClr val="accent1"/>
+              </a:effectRef>
+              <a:fontRef idx="minor">
+                <a:schemeClr val="lt1"/>
+              </a:fontRef>
+            </p:style>
+            <p:txBody>
+              <a:bodyPr rtlCol="0" anchor="ctr"/>
+              <a:lstStyle/>
+              <a:p>
+                <a:pPr algn="ctr"/>
+                <a:r>
+                  <a:rPr lang="zh-CN" altLang="en-US" dirty="0">
+                    <a:ln w="3175">
+                      <a:solidFill>
+                        <a:schemeClr val="tx1"/>
+                      </a:solidFill>
+                    </a:ln>
+                    <a:solidFill>
+                      <a:schemeClr val="tx1"/>
+                    </a:solidFill>
+                    <a:latin typeface="宋体" panose="02010600030101010101" pitchFamily="2" charset="-122"/>
+                    <a:ea typeface="宋体" panose="02010600030101010101" pitchFamily="2" charset="-122"/>
+                  </a:rPr>
+                  <a:t>该点像素值不变</a:t>
+                </a:r>
+              </a:p>
+            </p:txBody>
+          </p:sp>
+          <p:sp>
+            <p:nvSpPr>
+              <p:cNvPr id="43" name="矩形 42">
+                <a:extLst>
+                  <a:ext uri="{FF2B5EF4-FFF2-40B4-BE49-F238E27FC236}">
+                    <a16:creationId xmlns:a16="http://schemas.microsoft.com/office/drawing/2014/main" id="{5E287C5E-65F2-4A8C-8C5E-C6AE2FC3FB91}"/>
+                  </a:ext>
+                </a:extLst>
+              </p:cNvPr>
+              <p:cNvSpPr/>
+              <p:nvPr/>
+            </p:nvSpPr>
+            <p:spPr>
+              <a:xfrm>
+                <a:off x="7351089" y="11168810"/>
+                <a:ext cx="2004769" cy="735291"/>
+              </a:xfrm>
+              <a:prstGeom prst="rect">
+                <a:avLst/>
+              </a:prstGeom>
+              <a:noFill/>
+              <a:ln w="28575">
+                <a:solidFill>
+                  <a:schemeClr val="tx1"/>
+                </a:solidFill>
+              </a:ln>
+            </p:spPr>
+            <p:style>
+              <a:lnRef idx="2">
+                <a:schemeClr val="accent1">
+                  <a:shade val="50000"/>
+                </a:schemeClr>
+              </a:lnRef>
+              <a:fillRef idx="1">
+                <a:schemeClr val="accent1"/>
+              </a:fillRef>
+              <a:effectRef idx="0">
+                <a:schemeClr val="accent1"/>
+              </a:effectRef>
+              <a:fontRef idx="minor">
+                <a:schemeClr val="lt1"/>
+              </a:fontRef>
+            </p:style>
+            <p:txBody>
+              <a:bodyPr rtlCol="0" anchor="ctr"/>
+              <a:lstStyle/>
+              <a:p>
+                <a:pPr algn="ctr"/>
+                <a:r>
+                  <a:rPr lang="zh-CN" altLang="en-US" dirty="0">
+                    <a:ln w="3175">
+                      <a:solidFill>
+                        <a:schemeClr val="tx1"/>
+                      </a:solidFill>
+                    </a:ln>
+                    <a:solidFill>
+                      <a:schemeClr val="tx1"/>
+                    </a:solidFill>
+                    <a:latin typeface="宋体" panose="02010600030101010101" pitchFamily="2" charset="-122"/>
+                    <a:ea typeface="宋体" panose="02010600030101010101" pitchFamily="2" charset="-122"/>
+                  </a:rPr>
+                  <a:t>该点像素值为中值</a:t>
+                </a:r>
+                <a:r>
+                  <a:rPr lang="en-US" altLang="zh-CN" dirty="0">
+                    <a:ln w="3175">
+                      <a:solidFill>
+                        <a:schemeClr val="tx1"/>
+                      </a:solidFill>
+                    </a:ln>
+                    <a:solidFill>
+                      <a:schemeClr val="tx1"/>
+                    </a:solidFill>
+                    <a:latin typeface="宋体" panose="02010600030101010101" pitchFamily="2" charset="-122"/>
+                    <a:ea typeface="宋体" panose="02010600030101010101" pitchFamily="2" charset="-122"/>
+                  </a:rPr>
+                  <a:t>med</a:t>
+                </a:r>
+                <a:endParaRPr lang="zh-CN" altLang="en-US" dirty="0">
+                  <a:ln w="3175">
+                    <a:solidFill>
+                      <a:schemeClr val="tx1"/>
+                    </a:solidFill>
+                  </a:ln>
+                  <a:solidFill>
+                    <a:schemeClr val="tx1"/>
+                  </a:solidFill>
+                  <a:latin typeface="宋体" panose="02010600030101010101" pitchFamily="2" charset="-122"/>
+                  <a:ea typeface="宋体" panose="02010600030101010101" pitchFamily="2" charset="-122"/>
+                </a:endParaRPr>
+              </a:p>
+            </p:txBody>
+          </p:sp>
+          <p:sp>
+            <p:nvSpPr>
+              <p:cNvPr id="44" name="矩形 43">
+                <a:extLst>
+                  <a:ext uri="{FF2B5EF4-FFF2-40B4-BE49-F238E27FC236}">
+                    <a16:creationId xmlns:a16="http://schemas.microsoft.com/office/drawing/2014/main" id="{6BF03FF9-1DD4-47BB-B0C2-3CDDEDE1120E}"/>
+                  </a:ext>
+                </a:extLst>
+              </p:cNvPr>
+              <p:cNvSpPr/>
+              <p:nvPr/>
+            </p:nvSpPr>
+            <p:spPr>
+              <a:xfrm>
+                <a:off x="4351698" y="12204118"/>
+                <a:ext cx="2004769" cy="540672"/>
+              </a:xfrm>
+              <a:prstGeom prst="rect">
+                <a:avLst/>
+              </a:prstGeom>
+              <a:noFill/>
+              <a:ln w="28575">
+                <a:solidFill>
+                  <a:schemeClr val="tx1"/>
+                </a:solidFill>
+              </a:ln>
+            </p:spPr>
+            <p:style>
+              <a:lnRef idx="2">
+                <a:schemeClr val="accent1">
+                  <a:shade val="50000"/>
+                </a:schemeClr>
+              </a:lnRef>
+              <a:fillRef idx="1">
+                <a:schemeClr val="accent1"/>
+              </a:fillRef>
+              <a:effectRef idx="0">
+                <a:schemeClr val="accent1"/>
+              </a:effectRef>
+              <a:fontRef idx="minor">
+                <a:schemeClr val="lt1"/>
+              </a:fontRef>
+            </p:style>
+            <p:txBody>
+              <a:bodyPr rtlCol="0" anchor="ctr"/>
+              <a:lstStyle/>
+              <a:p>
+                <a:pPr algn="ctr"/>
+                <a:r>
+                  <a:rPr lang="en-US" altLang="zh-CN" dirty="0" err="1">
+                    <a:ln w="3175">
+                      <a:solidFill>
+                        <a:schemeClr val="tx1"/>
+                      </a:solidFill>
+                    </a:ln>
+                    <a:solidFill>
+                      <a:schemeClr val="tx1"/>
+                    </a:solidFill>
+                    <a:latin typeface="宋体" panose="02010600030101010101" pitchFamily="2" charset="-122"/>
+                    <a:ea typeface="宋体" panose="02010600030101010101" pitchFamily="2" charset="-122"/>
+                  </a:rPr>
+                  <a:t>i</a:t>
+                </a:r>
+                <a:r>
+                  <a:rPr lang="en-US" altLang="zh-CN" dirty="0">
+                    <a:ln w="3175">
+                      <a:solidFill>
+                        <a:schemeClr val="tx1"/>
+                      </a:solidFill>
+                    </a:ln>
+                    <a:solidFill>
+                      <a:schemeClr val="tx1"/>
+                    </a:solidFill>
+                    <a:latin typeface="宋体" panose="02010600030101010101" pitchFamily="2" charset="-122"/>
+                    <a:ea typeface="宋体" panose="02010600030101010101" pitchFamily="2" charset="-122"/>
+                  </a:rPr>
+                  <a:t>++ || </a:t>
+                </a:r>
+                <a:r>
+                  <a:rPr lang="en-US" altLang="zh-CN" dirty="0" err="1">
+                    <a:ln w="3175">
+                      <a:solidFill>
+                        <a:schemeClr val="tx1"/>
+                      </a:solidFill>
+                    </a:ln>
+                    <a:solidFill>
+                      <a:schemeClr val="tx1"/>
+                    </a:solidFill>
+                    <a:latin typeface="宋体" panose="02010600030101010101" pitchFamily="2" charset="-122"/>
+                    <a:ea typeface="宋体" panose="02010600030101010101" pitchFamily="2" charset="-122"/>
+                  </a:rPr>
+                  <a:t>j++</a:t>
+                </a:r>
+                <a:endParaRPr lang="zh-CN" altLang="en-US" dirty="0">
+                  <a:ln w="3175">
+                    <a:solidFill>
+                      <a:schemeClr val="tx1"/>
+                    </a:solidFill>
+                  </a:ln>
+                  <a:solidFill>
+                    <a:schemeClr val="tx1"/>
+                  </a:solidFill>
+                  <a:latin typeface="宋体" panose="02010600030101010101" pitchFamily="2" charset="-122"/>
+                  <a:ea typeface="宋体" panose="02010600030101010101" pitchFamily="2" charset="-122"/>
+                </a:endParaRPr>
+              </a:p>
+            </p:txBody>
+          </p:sp>
+          <p:sp>
+            <p:nvSpPr>
+              <p:cNvPr id="45" name="菱形 44">
+                <a:extLst>
+                  <a:ext uri="{FF2B5EF4-FFF2-40B4-BE49-F238E27FC236}">
+                    <a16:creationId xmlns:a16="http://schemas.microsoft.com/office/drawing/2014/main" id="{4B802B72-20EA-4FC8-9936-2F987ADB0FEF}"/>
+                  </a:ext>
+                </a:extLst>
+              </p:cNvPr>
+              <p:cNvSpPr/>
+              <p:nvPr/>
+            </p:nvSpPr>
+            <p:spPr>
+              <a:xfrm>
+                <a:off x="4177742" y="13044806"/>
+                <a:ext cx="2364772" cy="735290"/>
+              </a:xfrm>
+              <a:prstGeom prst="diamond">
+                <a:avLst/>
+              </a:prstGeom>
+              <a:noFill/>
+              <a:ln w="28575">
+                <a:solidFill>
+                  <a:schemeClr val="tx1"/>
+                </a:solidFill>
+              </a:ln>
+            </p:spPr>
+            <p:style>
+              <a:lnRef idx="2">
+                <a:schemeClr val="accent1">
+                  <a:shade val="50000"/>
+                </a:schemeClr>
+              </a:lnRef>
+              <a:fillRef idx="1">
+                <a:schemeClr val="accent1"/>
+              </a:fillRef>
+              <a:effectRef idx="0">
+                <a:schemeClr val="accent1"/>
+              </a:effectRef>
+              <a:fontRef idx="minor">
+                <a:schemeClr val="lt1"/>
+              </a:fontRef>
+            </p:style>
+            <p:txBody>
+              <a:bodyPr rtlCol="0" anchor="ctr"/>
+              <a:lstStyle/>
+              <a:p>
+                <a:pPr algn="ctr"/>
+                <a:r>
+                  <a:rPr lang="en-US" altLang="zh-CN" dirty="0" err="1">
+                    <a:ln w="3175">
+                      <a:solidFill>
+                        <a:schemeClr val="tx1"/>
+                      </a:solidFill>
+                    </a:ln>
+                    <a:solidFill>
+                      <a:schemeClr val="tx1"/>
+                    </a:solidFill>
+                    <a:latin typeface="宋体" panose="02010600030101010101" pitchFamily="2" charset="-122"/>
+                    <a:ea typeface="宋体" panose="02010600030101010101" pitchFamily="2" charset="-122"/>
+                  </a:rPr>
+                  <a:t>i</a:t>
+                </a:r>
+                <a:r>
+                  <a:rPr lang="en-US" altLang="zh-CN" dirty="0">
+                    <a:ln w="3175">
+                      <a:solidFill>
+                        <a:schemeClr val="tx1"/>
+                      </a:solidFill>
+                    </a:ln>
+                    <a:solidFill>
+                      <a:schemeClr val="tx1"/>
+                    </a:solidFill>
+                    <a:latin typeface="宋体" panose="02010600030101010101" pitchFamily="2" charset="-122"/>
+                    <a:ea typeface="宋体" panose="02010600030101010101" pitchFamily="2" charset="-122"/>
+                  </a:rPr>
+                  <a:t> &lt; h &amp;&amp; j &lt; w ?</a:t>
+                </a:r>
+                <a:endParaRPr lang="zh-CN" altLang="en-US" dirty="0">
+                  <a:ln w="3175">
+                    <a:solidFill>
+                      <a:schemeClr val="tx1"/>
+                    </a:solidFill>
+                  </a:ln>
+                  <a:solidFill>
+                    <a:schemeClr val="tx1"/>
+                  </a:solidFill>
+                  <a:latin typeface="宋体" panose="02010600030101010101" pitchFamily="2" charset="-122"/>
+                  <a:ea typeface="宋体" panose="02010600030101010101" pitchFamily="2" charset="-122"/>
+                </a:endParaRPr>
+              </a:p>
+            </p:txBody>
+          </p:sp>
+          <p:cxnSp>
+            <p:nvCxnSpPr>
+              <p:cNvPr id="61" name="直接箭头连接符 60">
+                <a:extLst>
+                  <a:ext uri="{FF2B5EF4-FFF2-40B4-BE49-F238E27FC236}">
+                    <a16:creationId xmlns:a16="http://schemas.microsoft.com/office/drawing/2014/main" id="{B94E50BA-51AE-4B7C-8642-39CACC27B8E0}"/>
+                  </a:ext>
+                </a:extLst>
+              </p:cNvPr>
+              <p:cNvCxnSpPr>
+                <a:cxnSpLocks/>
+                <a:stCxn id="33" idx="2"/>
+                <a:endCxn id="11" idx="0"/>
+              </p:cNvCxnSpPr>
+              <p:nvPr/>
+            </p:nvCxnSpPr>
+            <p:spPr>
+              <a:xfrm>
+                <a:off x="5352264" y="3908600"/>
+                <a:ext cx="581" cy="289707"/>
+              </a:xfrm>
+              <a:prstGeom prst="straightConnector1">
+                <a:avLst/>
+              </a:prstGeom>
+              <a:ln w="19050">
+                <a:tailEnd type="triangle"/>
+              </a:ln>
+            </p:spPr>
+            <p:style>
+              <a:lnRef idx="1">
+                <a:schemeClr val="dk1"/>
+              </a:lnRef>
+              <a:fillRef idx="0">
+                <a:schemeClr val="dk1"/>
+              </a:fillRef>
+              <a:effectRef idx="0">
+                <a:schemeClr val="dk1"/>
+              </a:effectRef>
+              <a:fontRef idx="minor">
+                <a:schemeClr val="tx1"/>
+              </a:fontRef>
+            </p:style>
+          </p:cxnSp>
+          <p:cxnSp>
+            <p:nvCxnSpPr>
+              <p:cNvPr id="65" name="直接箭头连接符 64">
+                <a:extLst>
+                  <a:ext uri="{FF2B5EF4-FFF2-40B4-BE49-F238E27FC236}">
+                    <a16:creationId xmlns:a16="http://schemas.microsoft.com/office/drawing/2014/main" id="{FE2E7C6A-FA28-4CAB-94B4-0E061089A694}"/>
+                  </a:ext>
+                </a:extLst>
+              </p:cNvPr>
+              <p:cNvCxnSpPr>
+                <a:cxnSpLocks/>
+                <a:stCxn id="11" idx="2"/>
+                <a:endCxn id="35" idx="0"/>
+              </p:cNvCxnSpPr>
+              <p:nvPr/>
+            </p:nvCxnSpPr>
+            <p:spPr>
+              <a:xfrm flipH="1">
+                <a:off x="5349814" y="5357804"/>
+                <a:ext cx="3031" cy="266256"/>
+              </a:xfrm>
+              <a:prstGeom prst="straightConnector1">
+                <a:avLst/>
+              </a:prstGeom>
+              <a:ln w="19050">
+                <a:tailEnd type="triangle"/>
+              </a:ln>
+            </p:spPr>
+            <p:style>
+              <a:lnRef idx="1">
+                <a:schemeClr val="dk1"/>
+              </a:lnRef>
+              <a:fillRef idx="0">
+                <a:schemeClr val="dk1"/>
+              </a:fillRef>
+              <a:effectRef idx="0">
+                <a:schemeClr val="dk1"/>
+              </a:effectRef>
+              <a:fontRef idx="minor">
+                <a:schemeClr val="tx1"/>
+              </a:fontRef>
+            </p:style>
+          </p:cxnSp>
+          <p:cxnSp>
+            <p:nvCxnSpPr>
+              <p:cNvPr id="68" name="直接箭头连接符 67">
+                <a:extLst>
+                  <a:ext uri="{FF2B5EF4-FFF2-40B4-BE49-F238E27FC236}">
+                    <a16:creationId xmlns:a16="http://schemas.microsoft.com/office/drawing/2014/main" id="{C9B03E5D-948E-4E83-9193-BEB2189AA9C8}"/>
+                  </a:ext>
+                </a:extLst>
+              </p:cNvPr>
+              <p:cNvCxnSpPr>
+                <a:cxnSpLocks/>
+                <a:stCxn id="37" idx="3"/>
+                <a:endCxn id="35" idx="1"/>
+              </p:cNvCxnSpPr>
+              <p:nvPr/>
+            </p:nvCxnSpPr>
+            <p:spPr>
+              <a:xfrm flipV="1">
+                <a:off x="2980805" y="5991706"/>
+                <a:ext cx="818514" cy="2043"/>
+              </a:xfrm>
+              <a:prstGeom prst="straightConnector1">
+                <a:avLst/>
+              </a:prstGeom>
+              <a:ln w="19050">
+                <a:tailEnd type="triangle"/>
+              </a:ln>
+            </p:spPr>
+            <p:style>
+              <a:lnRef idx="1">
+                <a:schemeClr val="dk1"/>
+              </a:lnRef>
+              <a:fillRef idx="0">
+                <a:schemeClr val="dk1"/>
+              </a:fillRef>
+              <a:effectRef idx="0">
+                <a:schemeClr val="dk1"/>
+              </a:effectRef>
+              <a:fontRef idx="minor">
+                <a:schemeClr val="tx1"/>
+              </a:fontRef>
+            </p:style>
+          </p:cxnSp>
+          <p:cxnSp>
+            <p:nvCxnSpPr>
+              <p:cNvPr id="75" name="直接箭头连接符 74">
+                <a:extLst>
+                  <a:ext uri="{FF2B5EF4-FFF2-40B4-BE49-F238E27FC236}">
+                    <a16:creationId xmlns:a16="http://schemas.microsoft.com/office/drawing/2014/main" id="{31E45A36-1968-461C-AFB0-2B1191CA6A38}"/>
+                  </a:ext>
+                </a:extLst>
+              </p:cNvPr>
+              <p:cNvCxnSpPr>
+                <a:cxnSpLocks/>
+                <a:stCxn id="35" idx="2"/>
+                <a:endCxn id="36" idx="0"/>
+              </p:cNvCxnSpPr>
+              <p:nvPr/>
+            </p:nvCxnSpPr>
+            <p:spPr>
+              <a:xfrm>
+                <a:off x="5349814" y="6359351"/>
+                <a:ext cx="0" cy="283032"/>
+              </a:xfrm>
+              <a:prstGeom prst="straightConnector1">
+                <a:avLst/>
+              </a:prstGeom>
+              <a:ln w="19050">
+                <a:tailEnd type="triangle"/>
+              </a:ln>
+            </p:spPr>
+            <p:style>
+              <a:lnRef idx="1">
+                <a:schemeClr val="dk1"/>
+              </a:lnRef>
+              <a:fillRef idx="0">
+                <a:schemeClr val="dk1"/>
+              </a:fillRef>
+              <a:effectRef idx="0">
+                <a:schemeClr val="dk1"/>
+              </a:effectRef>
+              <a:fontRef idx="minor">
+                <a:schemeClr val="tx1"/>
+              </a:fontRef>
+            </p:style>
+          </p:cxnSp>
+          <p:cxnSp>
+            <p:nvCxnSpPr>
+              <p:cNvPr id="79" name="直接箭头连接符 78">
+                <a:extLst>
+                  <a:ext uri="{FF2B5EF4-FFF2-40B4-BE49-F238E27FC236}">
+                    <a16:creationId xmlns:a16="http://schemas.microsoft.com/office/drawing/2014/main" id="{A4FDCB14-B5F6-46D4-BD5E-F2A80CAF1E9D}"/>
+                  </a:ext>
+                </a:extLst>
+              </p:cNvPr>
+              <p:cNvCxnSpPr>
+                <a:cxnSpLocks/>
+                <a:stCxn id="36" idx="2"/>
+                <a:endCxn id="38" idx="0"/>
+              </p:cNvCxnSpPr>
+              <p:nvPr/>
+            </p:nvCxnSpPr>
+            <p:spPr>
+              <a:xfrm>
+                <a:off x="5349814" y="7377674"/>
+                <a:ext cx="2750" cy="291666"/>
+              </a:xfrm>
+              <a:prstGeom prst="straightConnector1">
+                <a:avLst/>
+              </a:prstGeom>
+              <a:ln w="19050">
+                <a:tailEnd type="triangle"/>
+              </a:ln>
+            </p:spPr>
+            <p:style>
+              <a:lnRef idx="1">
+                <a:schemeClr val="dk1"/>
+              </a:lnRef>
+              <a:fillRef idx="0">
+                <a:schemeClr val="dk1"/>
+              </a:fillRef>
+              <a:effectRef idx="0">
+                <a:schemeClr val="dk1"/>
+              </a:effectRef>
+              <a:fontRef idx="minor">
+                <a:schemeClr val="tx1"/>
+              </a:fontRef>
+            </p:style>
+          </p:cxnSp>
+          <p:cxnSp>
+            <p:nvCxnSpPr>
+              <p:cNvPr id="84" name="直接箭头连接符 83">
+                <a:extLst>
+                  <a:ext uri="{FF2B5EF4-FFF2-40B4-BE49-F238E27FC236}">
+                    <a16:creationId xmlns:a16="http://schemas.microsoft.com/office/drawing/2014/main" id="{AD27AD22-4A2B-43F2-92AD-E85FC9A6F254}"/>
+                  </a:ext>
+                </a:extLst>
+              </p:cNvPr>
+              <p:cNvCxnSpPr>
+                <a:cxnSpLocks/>
+                <a:stCxn id="45" idx="2"/>
+                <a:endCxn id="8" idx="0"/>
+              </p:cNvCxnSpPr>
+              <p:nvPr/>
+            </p:nvCxnSpPr>
+            <p:spPr>
+              <a:xfrm>
+                <a:off x="5360128" y="13780096"/>
+                <a:ext cx="1662" cy="258561"/>
+              </a:xfrm>
+              <a:prstGeom prst="straightConnector1">
+                <a:avLst/>
+              </a:prstGeom>
+              <a:ln w="19050">
+                <a:tailEnd type="triangle"/>
+              </a:ln>
+            </p:spPr>
+            <p:style>
+              <a:lnRef idx="1">
+                <a:schemeClr val="dk1"/>
+              </a:lnRef>
+              <a:fillRef idx="0">
+                <a:schemeClr val="dk1"/>
+              </a:fillRef>
+              <a:effectRef idx="0">
+                <a:schemeClr val="dk1"/>
+              </a:effectRef>
+              <a:fontRef idx="minor">
+                <a:schemeClr val="tx1"/>
+              </a:fontRef>
+            </p:style>
+          </p:cxnSp>
+          <p:cxnSp>
+            <p:nvCxnSpPr>
+              <p:cNvPr id="85" name="直接箭头连接符 84">
+                <a:extLst>
+                  <a:ext uri="{FF2B5EF4-FFF2-40B4-BE49-F238E27FC236}">
+                    <a16:creationId xmlns:a16="http://schemas.microsoft.com/office/drawing/2014/main" id="{3C289F9B-34D7-4098-B5A6-B1070E1599BF}"/>
+                  </a:ext>
+                </a:extLst>
+              </p:cNvPr>
+              <p:cNvCxnSpPr>
+                <a:cxnSpLocks/>
+                <a:stCxn id="43" idx="1"/>
+                <a:endCxn id="42" idx="3"/>
+              </p:cNvCxnSpPr>
+              <p:nvPr/>
+            </p:nvCxnSpPr>
+            <p:spPr>
+              <a:xfrm flipH="1">
+                <a:off x="6356203" y="11536456"/>
+                <a:ext cx="994886" cy="1"/>
+              </a:xfrm>
+              <a:prstGeom prst="straightConnector1">
+                <a:avLst/>
+              </a:prstGeom>
+              <a:ln w="19050">
+                <a:tailEnd type="triangle"/>
+              </a:ln>
+            </p:spPr>
+            <p:style>
+              <a:lnRef idx="1">
+                <a:schemeClr val="dk1"/>
+              </a:lnRef>
+              <a:fillRef idx="0">
+                <a:schemeClr val="dk1"/>
+              </a:fillRef>
+              <a:effectRef idx="0">
+                <a:schemeClr val="dk1"/>
+              </a:effectRef>
+              <a:fontRef idx="minor">
+                <a:schemeClr val="tx1"/>
+              </a:fontRef>
+            </p:style>
+          </p:cxnSp>
+          <p:cxnSp>
+            <p:nvCxnSpPr>
+              <p:cNvPr id="86" name="直接箭头连接符 85">
+                <a:extLst>
+                  <a:ext uri="{FF2B5EF4-FFF2-40B4-BE49-F238E27FC236}">
+                    <a16:creationId xmlns:a16="http://schemas.microsoft.com/office/drawing/2014/main" id="{D4B74877-464D-4929-8589-7FDB11F98004}"/>
+                  </a:ext>
+                </a:extLst>
+              </p:cNvPr>
+              <p:cNvCxnSpPr>
+                <a:cxnSpLocks/>
+                <a:stCxn id="41" idx="2"/>
+                <a:endCxn id="42" idx="0"/>
+              </p:cNvCxnSpPr>
+              <p:nvPr/>
+            </p:nvCxnSpPr>
+            <p:spPr>
+              <a:xfrm>
+                <a:off x="5351108" y="10910251"/>
+                <a:ext cx="2711" cy="258560"/>
+              </a:xfrm>
+              <a:prstGeom prst="straightConnector1">
+                <a:avLst/>
+              </a:prstGeom>
+              <a:ln w="19050">
+                <a:tailEnd type="triangle"/>
+              </a:ln>
+            </p:spPr>
+            <p:style>
+              <a:lnRef idx="1">
+                <a:schemeClr val="dk1"/>
+              </a:lnRef>
+              <a:fillRef idx="0">
+                <a:schemeClr val="dk1"/>
+              </a:fillRef>
+              <a:effectRef idx="0">
+                <a:schemeClr val="dk1"/>
+              </a:effectRef>
+              <a:fontRef idx="minor">
+                <a:schemeClr val="tx1"/>
+              </a:fontRef>
+            </p:style>
+          </p:cxnSp>
+          <p:cxnSp>
+            <p:nvCxnSpPr>
+              <p:cNvPr id="88" name="直接箭头连接符 87">
+                <a:extLst>
+                  <a:ext uri="{FF2B5EF4-FFF2-40B4-BE49-F238E27FC236}">
+                    <a16:creationId xmlns:a16="http://schemas.microsoft.com/office/drawing/2014/main" id="{D6736384-9810-4A1C-AF0D-3901BBABE7C0}"/>
+                  </a:ext>
+                </a:extLst>
+              </p:cNvPr>
+              <p:cNvCxnSpPr>
+                <a:cxnSpLocks/>
+                <a:stCxn id="39" idx="2"/>
+                <a:endCxn id="41" idx="0"/>
+              </p:cNvCxnSpPr>
+              <p:nvPr/>
+            </p:nvCxnSpPr>
+            <p:spPr>
+              <a:xfrm flipH="1">
+                <a:off x="5351108" y="9640888"/>
+                <a:ext cx="4022" cy="287985"/>
+              </a:xfrm>
+              <a:prstGeom prst="straightConnector1">
+                <a:avLst/>
+              </a:prstGeom>
+              <a:ln w="19050">
+                <a:tailEnd type="triangle"/>
+              </a:ln>
+            </p:spPr>
+            <p:style>
+              <a:lnRef idx="1">
+                <a:schemeClr val="dk1"/>
+              </a:lnRef>
+              <a:fillRef idx="0">
+                <a:schemeClr val="dk1"/>
+              </a:fillRef>
+              <a:effectRef idx="0">
+                <a:schemeClr val="dk1"/>
+              </a:effectRef>
+              <a:fontRef idx="minor">
+                <a:schemeClr val="tx1"/>
+              </a:fontRef>
+            </p:style>
+          </p:cxnSp>
+          <p:cxnSp>
+            <p:nvCxnSpPr>
+              <p:cNvPr id="96" name="直接箭头连接符 95">
+                <a:extLst>
+                  <a:ext uri="{FF2B5EF4-FFF2-40B4-BE49-F238E27FC236}">
+                    <a16:creationId xmlns:a16="http://schemas.microsoft.com/office/drawing/2014/main" id="{4AF072EF-ED6A-455B-805E-E73BCB2AECAC}"/>
+                  </a:ext>
+                </a:extLst>
+              </p:cNvPr>
+              <p:cNvCxnSpPr>
+                <a:cxnSpLocks/>
+                <a:stCxn id="39" idx="3"/>
+                <a:endCxn id="40" idx="1"/>
+              </p:cNvCxnSpPr>
+              <p:nvPr/>
+            </p:nvCxnSpPr>
+            <p:spPr>
+              <a:xfrm flipV="1">
+                <a:off x="6808011" y="9273242"/>
+                <a:ext cx="748391" cy="1"/>
+              </a:xfrm>
+              <a:prstGeom prst="straightConnector1">
+                <a:avLst/>
+              </a:prstGeom>
+              <a:ln w="19050">
+                <a:tailEnd type="triangle"/>
+              </a:ln>
+            </p:spPr>
+            <p:style>
+              <a:lnRef idx="1">
+                <a:schemeClr val="dk1"/>
+              </a:lnRef>
+              <a:fillRef idx="0">
+                <a:schemeClr val="dk1"/>
+              </a:fillRef>
+              <a:effectRef idx="0">
+                <a:schemeClr val="dk1"/>
+              </a:effectRef>
+              <a:fontRef idx="minor">
+                <a:schemeClr val="tx1"/>
+              </a:fontRef>
+            </p:style>
+          </p:cxnSp>
+          <p:cxnSp>
+            <p:nvCxnSpPr>
+              <p:cNvPr id="97" name="直接箭头连接符 96">
+                <a:extLst>
+                  <a:ext uri="{FF2B5EF4-FFF2-40B4-BE49-F238E27FC236}">
+                    <a16:creationId xmlns:a16="http://schemas.microsoft.com/office/drawing/2014/main" id="{A9672F20-C618-4F04-96CB-2F6E77038455}"/>
+                  </a:ext>
+                </a:extLst>
+              </p:cNvPr>
+              <p:cNvCxnSpPr>
+                <a:cxnSpLocks/>
+                <a:stCxn id="42" idx="2"/>
+                <a:endCxn id="44" idx="0"/>
+              </p:cNvCxnSpPr>
+              <p:nvPr/>
+            </p:nvCxnSpPr>
+            <p:spPr>
+              <a:xfrm>
+                <a:off x="5353819" y="11904102"/>
+                <a:ext cx="264" cy="300016"/>
+              </a:xfrm>
+              <a:prstGeom prst="straightConnector1">
+                <a:avLst/>
+              </a:prstGeom>
+              <a:ln w="19050">
+                <a:tailEnd type="triangle"/>
+              </a:ln>
+            </p:spPr>
+            <p:style>
+              <a:lnRef idx="1">
+                <a:schemeClr val="dk1"/>
+              </a:lnRef>
+              <a:fillRef idx="0">
+                <a:schemeClr val="dk1"/>
+              </a:fillRef>
+              <a:effectRef idx="0">
+                <a:schemeClr val="dk1"/>
+              </a:effectRef>
+              <a:fontRef idx="minor">
+                <a:schemeClr val="tx1"/>
+              </a:fontRef>
+            </p:style>
+          </p:cxnSp>
+          <p:cxnSp>
+            <p:nvCxnSpPr>
+              <p:cNvPr id="98" name="直接箭头连接符 97">
+                <a:extLst>
+                  <a:ext uri="{FF2B5EF4-FFF2-40B4-BE49-F238E27FC236}">
+                    <a16:creationId xmlns:a16="http://schemas.microsoft.com/office/drawing/2014/main" id="{D1DC9517-A227-402C-86DA-72C9B57B5CE8}"/>
+                  </a:ext>
+                </a:extLst>
+              </p:cNvPr>
+              <p:cNvCxnSpPr>
+                <a:cxnSpLocks/>
+                <a:stCxn id="44" idx="2"/>
+                <a:endCxn id="45" idx="0"/>
+              </p:cNvCxnSpPr>
+              <p:nvPr/>
+            </p:nvCxnSpPr>
+            <p:spPr>
+              <a:xfrm>
+                <a:off x="5354083" y="12744790"/>
+                <a:ext cx="6045" cy="300016"/>
+              </a:xfrm>
+              <a:prstGeom prst="straightConnector1">
+                <a:avLst/>
+              </a:prstGeom>
+              <a:ln w="19050">
+                <a:tailEnd type="triangle"/>
+              </a:ln>
+            </p:spPr>
+            <p:style>
+              <a:lnRef idx="1">
+                <a:schemeClr val="dk1"/>
+              </a:lnRef>
+              <a:fillRef idx="0">
+                <a:schemeClr val="dk1"/>
+              </a:fillRef>
+              <a:effectRef idx="0">
+                <a:schemeClr val="dk1"/>
+              </a:effectRef>
+              <a:fontRef idx="minor">
+                <a:schemeClr val="tx1"/>
+              </a:fontRef>
+            </p:style>
+          </p:cxnSp>
+          <p:sp>
+            <p:nvSpPr>
+              <p:cNvPr id="111" name="文本框 110">
+                <a:extLst>
+                  <a:ext uri="{FF2B5EF4-FFF2-40B4-BE49-F238E27FC236}">
+                    <a16:creationId xmlns:a16="http://schemas.microsoft.com/office/drawing/2014/main" id="{418A36A6-F960-4501-AADC-093539EE50E0}"/>
+                  </a:ext>
+                </a:extLst>
+              </p:cNvPr>
+              <p:cNvSpPr txBox="1"/>
+              <p:nvPr/>
+            </p:nvSpPr>
+            <p:spPr>
+              <a:xfrm>
+                <a:off x="8358318" y="8643769"/>
+                <a:ext cx="415498" cy="369332"/>
+              </a:xfrm>
+              <a:prstGeom prst="rect">
+                <a:avLst/>
+              </a:prstGeom>
+              <a:noFill/>
+            </p:spPr>
+            <p:txBody>
+              <a:bodyPr wrap="square" rtlCol="0">
+                <a:spAutoFit/>
+              </a:bodyPr>
+              <a:lstStyle/>
+              <a:p>
+                <a:pPr algn="ctr"/>
+                <a:r>
+                  <a:rPr lang="zh-CN" altLang="en-US" dirty="0">
+                    <a:ln w="3175">
+                      <a:solidFill>
+                        <a:schemeClr val="tx1"/>
+                      </a:solidFill>
+                    </a:ln>
+                    <a:latin typeface="宋体" panose="02010600030101010101" pitchFamily="2" charset="-122"/>
+                    <a:ea typeface="宋体" panose="02010600030101010101" pitchFamily="2" charset="-122"/>
+                  </a:rPr>
+                  <a:t>否</a:t>
+                </a:r>
+              </a:p>
+            </p:txBody>
+          </p:sp>
+          <p:sp>
+            <p:nvSpPr>
+              <p:cNvPr id="112" name="文本框 111">
+                <a:extLst>
+                  <a:ext uri="{FF2B5EF4-FFF2-40B4-BE49-F238E27FC236}">
+                    <a16:creationId xmlns:a16="http://schemas.microsoft.com/office/drawing/2014/main" id="{439282B4-B434-4A3E-9ABC-8AA308FBE713}"/>
+                  </a:ext>
+                </a:extLst>
+              </p:cNvPr>
+              <p:cNvSpPr txBox="1"/>
+              <p:nvPr/>
+            </p:nvSpPr>
+            <p:spPr>
+              <a:xfrm>
+                <a:off x="5466469" y="13724711"/>
+                <a:ext cx="329906" cy="369332"/>
+              </a:xfrm>
+              <a:prstGeom prst="rect">
+                <a:avLst/>
+              </a:prstGeom>
+              <a:noFill/>
+            </p:spPr>
+            <p:txBody>
+              <a:bodyPr wrap="square" rtlCol="0">
+                <a:spAutoFit/>
+              </a:bodyPr>
+              <a:lstStyle/>
+              <a:p>
+                <a:pPr algn="ctr"/>
+                <a:r>
+                  <a:rPr lang="zh-CN" altLang="en-US" dirty="0">
+                    <a:ln w="3175">
+                      <a:solidFill>
+                        <a:schemeClr val="tx1"/>
+                      </a:solidFill>
+                    </a:ln>
+                    <a:latin typeface="宋体" panose="02010600030101010101" pitchFamily="2" charset="-122"/>
+                    <a:ea typeface="宋体" panose="02010600030101010101" pitchFamily="2" charset="-122"/>
+                  </a:rPr>
+                  <a:t>是</a:t>
+                </a:r>
+              </a:p>
+            </p:txBody>
+          </p:sp>
+          <p:cxnSp>
+            <p:nvCxnSpPr>
+              <p:cNvPr id="113" name="连接符: 肘形 112">
+                <a:extLst>
+                  <a:ext uri="{FF2B5EF4-FFF2-40B4-BE49-F238E27FC236}">
+                    <a16:creationId xmlns:a16="http://schemas.microsoft.com/office/drawing/2014/main" id="{BFF2462B-A1AE-4F0F-87EB-E06B6DEF604A}"/>
+                  </a:ext>
+                </a:extLst>
+              </p:cNvPr>
+              <p:cNvCxnSpPr>
+                <a:cxnSpLocks/>
+                <a:stCxn id="41" idx="3"/>
+                <a:endCxn id="43" idx="0"/>
+              </p:cNvCxnSpPr>
+              <p:nvPr/>
+            </p:nvCxnSpPr>
+            <p:spPr>
+              <a:xfrm>
+                <a:off x="6657600" y="10419562"/>
+                <a:ext cx="1695874" cy="749248"/>
+              </a:xfrm>
+              <a:prstGeom prst="bentConnector2">
+                <a:avLst/>
+              </a:prstGeom>
+              <a:ln w="19050">
+                <a:tailEnd type="triangle"/>
+              </a:ln>
+            </p:spPr>
+            <p:style>
+              <a:lnRef idx="1">
+                <a:schemeClr val="dk1"/>
+              </a:lnRef>
+              <a:fillRef idx="0">
+                <a:schemeClr val="dk1"/>
+              </a:fillRef>
+              <a:effectRef idx="0">
+                <a:schemeClr val="dk1"/>
+              </a:effectRef>
+              <a:fontRef idx="minor">
+                <a:schemeClr val="tx1"/>
+              </a:fontRef>
+            </p:style>
+          </p:cxnSp>
+          <p:sp>
+            <p:nvSpPr>
+              <p:cNvPr id="114" name="文本框 113">
+                <a:extLst>
+                  <a:ext uri="{FF2B5EF4-FFF2-40B4-BE49-F238E27FC236}">
+                    <a16:creationId xmlns:a16="http://schemas.microsoft.com/office/drawing/2014/main" id="{298E95EF-07C4-44BE-9A4F-635913AECA8B}"/>
+                  </a:ext>
+                </a:extLst>
+              </p:cNvPr>
+              <p:cNvSpPr txBox="1"/>
+              <p:nvPr/>
+            </p:nvSpPr>
+            <p:spPr>
+              <a:xfrm>
+                <a:off x="8366651" y="10798635"/>
+                <a:ext cx="415498" cy="369332"/>
+              </a:xfrm>
+              <a:prstGeom prst="rect">
+                <a:avLst/>
+              </a:prstGeom>
+              <a:noFill/>
+            </p:spPr>
+            <p:txBody>
+              <a:bodyPr wrap="square" rtlCol="0">
+                <a:spAutoFit/>
+              </a:bodyPr>
+              <a:lstStyle/>
+              <a:p>
+                <a:pPr algn="ctr"/>
+                <a:r>
+                  <a:rPr lang="zh-CN" altLang="en-US" dirty="0">
+                    <a:ln w="3175">
+                      <a:solidFill>
+                        <a:schemeClr val="tx1"/>
+                      </a:solidFill>
+                    </a:ln>
+                    <a:latin typeface="宋体" panose="02010600030101010101" pitchFamily="2" charset="-122"/>
+                    <a:ea typeface="宋体" panose="02010600030101010101" pitchFamily="2" charset="-122"/>
+                  </a:rPr>
+                  <a:t>否</a:t>
+                </a:r>
+              </a:p>
+            </p:txBody>
+          </p:sp>
+          <p:sp>
+            <p:nvSpPr>
+              <p:cNvPr id="115" name="文本框 114">
+                <a:extLst>
+                  <a:ext uri="{FF2B5EF4-FFF2-40B4-BE49-F238E27FC236}">
+                    <a16:creationId xmlns:a16="http://schemas.microsoft.com/office/drawing/2014/main" id="{F7DAC860-3E37-4F2F-B1F4-6CE6A8976E2F}"/>
+                  </a:ext>
+                </a:extLst>
+              </p:cNvPr>
+              <p:cNvSpPr txBox="1"/>
+              <p:nvPr/>
+            </p:nvSpPr>
+            <p:spPr>
+              <a:xfrm>
+                <a:off x="5423760" y="10782121"/>
+                <a:ext cx="329906" cy="369332"/>
+              </a:xfrm>
+              <a:prstGeom prst="rect">
+                <a:avLst/>
+              </a:prstGeom>
+              <a:noFill/>
+            </p:spPr>
+            <p:txBody>
+              <a:bodyPr wrap="square" rtlCol="0">
+                <a:spAutoFit/>
+              </a:bodyPr>
+              <a:lstStyle/>
+              <a:p>
+                <a:pPr algn="ctr"/>
+                <a:r>
+                  <a:rPr lang="zh-CN" altLang="en-US" dirty="0">
+                    <a:ln w="3175">
+                      <a:solidFill>
+                        <a:schemeClr val="tx1"/>
+                      </a:solidFill>
+                    </a:ln>
+                    <a:latin typeface="宋体" panose="02010600030101010101" pitchFamily="2" charset="-122"/>
+                    <a:ea typeface="宋体" panose="02010600030101010101" pitchFamily="2" charset="-122"/>
+                  </a:rPr>
+                  <a:t>是</a:t>
+                </a:r>
+              </a:p>
+            </p:txBody>
+          </p:sp>
+          <p:cxnSp>
+            <p:nvCxnSpPr>
+              <p:cNvPr id="116" name="连接符: 肘形 115">
+                <a:extLst>
+                  <a:ext uri="{FF2B5EF4-FFF2-40B4-BE49-F238E27FC236}">
+                    <a16:creationId xmlns:a16="http://schemas.microsoft.com/office/drawing/2014/main" id="{784D4581-0700-4795-AEA3-7B63B5EB835C}"/>
+                  </a:ext>
+                </a:extLst>
+              </p:cNvPr>
+              <p:cNvCxnSpPr>
+                <a:cxnSpLocks/>
+                <a:stCxn id="38" idx="3"/>
+                <a:endCxn id="40" idx="0"/>
+              </p:cNvCxnSpPr>
+              <p:nvPr/>
+            </p:nvCxnSpPr>
+            <p:spPr>
+              <a:xfrm>
+                <a:off x="6659056" y="8160029"/>
+                <a:ext cx="1694418" cy="868115"/>
+              </a:xfrm>
+              <a:prstGeom prst="bentConnector2">
+                <a:avLst/>
+              </a:prstGeom>
+              <a:ln w="19050">
+                <a:tailEnd type="triangle"/>
+              </a:ln>
+            </p:spPr>
+            <p:style>
+              <a:lnRef idx="1">
+                <a:schemeClr val="dk1"/>
+              </a:lnRef>
+              <a:fillRef idx="0">
+                <a:schemeClr val="dk1"/>
+              </a:fillRef>
+              <a:effectRef idx="0">
+                <a:schemeClr val="dk1"/>
+              </a:effectRef>
+              <a:fontRef idx="minor">
+                <a:schemeClr val="tx1"/>
+              </a:fontRef>
+            </p:style>
+          </p:cxnSp>
+          <p:sp>
+            <p:nvSpPr>
+              <p:cNvPr id="117" name="文本框 116">
+                <a:extLst>
+                  <a:ext uri="{FF2B5EF4-FFF2-40B4-BE49-F238E27FC236}">
+                    <a16:creationId xmlns:a16="http://schemas.microsoft.com/office/drawing/2014/main" id="{81511AB6-B017-418C-8E6E-F90FBC599333}"/>
+                  </a:ext>
+                </a:extLst>
+              </p:cNvPr>
+              <p:cNvSpPr txBox="1"/>
+              <p:nvPr/>
+            </p:nvSpPr>
+            <p:spPr>
+              <a:xfrm>
+                <a:off x="4821511" y="5258382"/>
+                <a:ext cx="415498" cy="369332"/>
+              </a:xfrm>
+              <a:prstGeom prst="rect">
+                <a:avLst/>
+              </a:prstGeom>
+              <a:noFill/>
+            </p:spPr>
+            <p:txBody>
+              <a:bodyPr wrap="square" rtlCol="0">
+                <a:spAutoFit/>
+              </a:bodyPr>
+              <a:lstStyle/>
+              <a:p>
+                <a:pPr algn="ctr"/>
+                <a:r>
+                  <a:rPr lang="zh-CN" altLang="en-US" dirty="0">
+                    <a:ln w="3175">
+                      <a:solidFill>
+                        <a:schemeClr val="tx1"/>
+                      </a:solidFill>
+                    </a:ln>
+                    <a:latin typeface="宋体" panose="02010600030101010101" pitchFamily="2" charset="-122"/>
+                    <a:ea typeface="宋体" panose="02010600030101010101" pitchFamily="2" charset="-122"/>
+                  </a:rPr>
+                  <a:t>否</a:t>
+                </a:r>
+              </a:p>
+            </p:txBody>
+          </p:sp>
+          <p:sp>
+            <p:nvSpPr>
+              <p:cNvPr id="118" name="文本框 117">
+                <a:extLst>
+                  <a:ext uri="{FF2B5EF4-FFF2-40B4-BE49-F238E27FC236}">
+                    <a16:creationId xmlns:a16="http://schemas.microsoft.com/office/drawing/2014/main" id="{81D74E64-C83E-48C9-BB53-439AB5015628}"/>
+                  </a:ext>
+                </a:extLst>
+              </p:cNvPr>
+              <p:cNvSpPr txBox="1"/>
+              <p:nvPr/>
+            </p:nvSpPr>
+            <p:spPr>
+              <a:xfrm>
+                <a:off x="5423760" y="8569371"/>
+                <a:ext cx="329906" cy="369332"/>
+              </a:xfrm>
+              <a:prstGeom prst="rect">
+                <a:avLst/>
+              </a:prstGeom>
+              <a:noFill/>
+            </p:spPr>
+            <p:txBody>
+              <a:bodyPr wrap="square" rtlCol="0">
+                <a:spAutoFit/>
+              </a:bodyPr>
+              <a:lstStyle/>
+              <a:p>
+                <a:pPr algn="ctr"/>
+                <a:r>
+                  <a:rPr lang="zh-CN" altLang="en-US" dirty="0">
+                    <a:ln w="3175">
+                      <a:solidFill>
+                        <a:schemeClr val="tx1"/>
+                      </a:solidFill>
+                    </a:ln>
+                    <a:latin typeface="宋体" panose="02010600030101010101" pitchFamily="2" charset="-122"/>
+                    <a:ea typeface="宋体" panose="02010600030101010101" pitchFamily="2" charset="-122"/>
+                  </a:rPr>
+                  <a:t>是</a:t>
+                </a:r>
+              </a:p>
+            </p:txBody>
+          </p:sp>
+          <p:cxnSp>
+            <p:nvCxnSpPr>
+              <p:cNvPr id="119" name="连接符: 肘形 118">
+                <a:extLst>
+                  <a:ext uri="{FF2B5EF4-FFF2-40B4-BE49-F238E27FC236}">
+                    <a16:creationId xmlns:a16="http://schemas.microsoft.com/office/drawing/2014/main" id="{2F8C2E4E-9776-4B46-8A70-A49ABE3DE8E2}"/>
+                  </a:ext>
+                </a:extLst>
+              </p:cNvPr>
+              <p:cNvCxnSpPr>
+                <a:cxnSpLocks/>
+                <a:stCxn id="11" idx="1"/>
+                <a:endCxn id="37" idx="0"/>
+              </p:cNvCxnSpPr>
+              <p:nvPr/>
+            </p:nvCxnSpPr>
+            <p:spPr>
+              <a:xfrm rot="10800000" flipV="1">
+                <a:off x="1885691" y="4778055"/>
+                <a:ext cx="1764313" cy="960655"/>
+              </a:xfrm>
+              <a:prstGeom prst="bentConnector2">
+                <a:avLst/>
+              </a:prstGeom>
+              <a:ln w="19050">
+                <a:tailEnd type="triangle"/>
+              </a:ln>
+            </p:spPr>
+            <p:style>
+              <a:lnRef idx="1">
+                <a:schemeClr val="dk1"/>
+              </a:lnRef>
+              <a:fillRef idx="0">
+                <a:schemeClr val="dk1"/>
+              </a:fillRef>
+              <a:effectRef idx="0">
+                <a:schemeClr val="dk1"/>
+              </a:effectRef>
+              <a:fontRef idx="minor">
+                <a:schemeClr val="tx1"/>
+              </a:fontRef>
+            </p:style>
+          </p:cxnSp>
+        </p:grpSp>
+      </p:grpSp>
+    </p:spTree>
+    <p:extLst>
+      <p:ext uri="{BB962C8B-B14F-4D97-AF65-F5344CB8AC3E}">
+        <p14:creationId xmlns:p14="http://schemas.microsoft.com/office/powerpoint/2010/main" val="50518586"/>
+      </p:ext>
+    </p:extLst>
+  </p:cSld>
+  <p:clrMapOvr>
+    <a:masterClrMapping/>
+  </p:clrMapOvr>
+</p:sld>
+</file>
+
 <file path=ppt/theme/theme1.xml><?xml version="1.0" encoding="utf-8"?>
 <a:theme xmlns:a="http://schemas.openxmlformats.org/drawingml/2006/main" name="Office 主题​​">
   <a:themeElements>

--- a/图像处理流程图.pptx
+++ b/图像处理流程图.pptx
@@ -9,6 +9,7 @@
     <p:sldId id="257" r:id="rId3"/>
     <p:sldId id="258" r:id="rId4"/>
     <p:sldId id="259" r:id="rId5"/>
+    <p:sldId id="260" r:id="rId6"/>
   </p:sldIdLst>
   <p:sldSz cx="12192000" cy="6858000"/>
   <p:notesSz cx="6858000" cy="9144000"/>
@@ -262,7 +263,7 @@
           <a:p>
             <a:fld id="{648AE971-6591-4C67-8226-CECCFE0F746A}" type="datetimeFigureOut">
               <a:rPr lang="zh-CN" altLang="en-US" smtClean="0"/>
-              <a:t>2018/12/12</a:t>
+              <a:t>2018/12/19</a:t>
             </a:fld>
             <a:endParaRPr lang="zh-CN" altLang="en-US"/>
           </a:p>
@@ -460,7 +461,7 @@
           <a:p>
             <a:fld id="{648AE971-6591-4C67-8226-CECCFE0F746A}" type="datetimeFigureOut">
               <a:rPr lang="zh-CN" altLang="en-US" smtClean="0"/>
-              <a:t>2018/12/12</a:t>
+              <a:t>2018/12/19</a:t>
             </a:fld>
             <a:endParaRPr lang="zh-CN" altLang="en-US"/>
           </a:p>
@@ -668,7 +669,7 @@
           <a:p>
             <a:fld id="{648AE971-6591-4C67-8226-CECCFE0F746A}" type="datetimeFigureOut">
               <a:rPr lang="zh-CN" altLang="en-US" smtClean="0"/>
-              <a:t>2018/12/12</a:t>
+              <a:t>2018/12/19</a:t>
             </a:fld>
             <a:endParaRPr lang="zh-CN" altLang="en-US"/>
           </a:p>
@@ -866,7 +867,7 @@
           <a:p>
             <a:fld id="{648AE971-6591-4C67-8226-CECCFE0F746A}" type="datetimeFigureOut">
               <a:rPr lang="zh-CN" altLang="en-US" smtClean="0"/>
-              <a:t>2018/12/12</a:t>
+              <a:t>2018/12/19</a:t>
             </a:fld>
             <a:endParaRPr lang="zh-CN" altLang="en-US"/>
           </a:p>
@@ -1141,7 +1142,7 @@
           <a:p>
             <a:fld id="{648AE971-6591-4C67-8226-CECCFE0F746A}" type="datetimeFigureOut">
               <a:rPr lang="zh-CN" altLang="en-US" smtClean="0"/>
-              <a:t>2018/12/12</a:t>
+              <a:t>2018/12/19</a:t>
             </a:fld>
             <a:endParaRPr lang="zh-CN" altLang="en-US"/>
           </a:p>
@@ -1406,7 +1407,7 @@
           <a:p>
             <a:fld id="{648AE971-6591-4C67-8226-CECCFE0F746A}" type="datetimeFigureOut">
               <a:rPr lang="zh-CN" altLang="en-US" smtClean="0"/>
-              <a:t>2018/12/12</a:t>
+              <a:t>2018/12/19</a:t>
             </a:fld>
             <a:endParaRPr lang="zh-CN" altLang="en-US"/>
           </a:p>
@@ -1818,7 +1819,7 @@
           <a:p>
             <a:fld id="{648AE971-6591-4C67-8226-CECCFE0F746A}" type="datetimeFigureOut">
               <a:rPr lang="zh-CN" altLang="en-US" smtClean="0"/>
-              <a:t>2018/12/12</a:t>
+              <a:t>2018/12/19</a:t>
             </a:fld>
             <a:endParaRPr lang="zh-CN" altLang="en-US"/>
           </a:p>
@@ -1959,7 +1960,7 @@
           <a:p>
             <a:fld id="{648AE971-6591-4C67-8226-CECCFE0F746A}" type="datetimeFigureOut">
               <a:rPr lang="zh-CN" altLang="en-US" smtClean="0"/>
-              <a:t>2018/12/12</a:t>
+              <a:t>2018/12/19</a:t>
             </a:fld>
             <a:endParaRPr lang="zh-CN" altLang="en-US"/>
           </a:p>
@@ -2072,7 +2073,7 @@
           <a:p>
             <a:fld id="{648AE971-6591-4C67-8226-CECCFE0F746A}" type="datetimeFigureOut">
               <a:rPr lang="zh-CN" altLang="en-US" smtClean="0"/>
-              <a:t>2018/12/12</a:t>
+              <a:t>2018/12/19</a:t>
             </a:fld>
             <a:endParaRPr lang="zh-CN" altLang="en-US"/>
           </a:p>
@@ -2383,7 +2384,7 @@
           <a:p>
             <a:fld id="{648AE971-6591-4C67-8226-CECCFE0F746A}" type="datetimeFigureOut">
               <a:rPr lang="zh-CN" altLang="en-US" smtClean="0"/>
-              <a:t>2018/12/12</a:t>
+              <a:t>2018/12/19</a:t>
             </a:fld>
             <a:endParaRPr lang="zh-CN" altLang="en-US"/>
           </a:p>
@@ -2671,7 +2672,7 @@
           <a:p>
             <a:fld id="{648AE971-6591-4C67-8226-CECCFE0F746A}" type="datetimeFigureOut">
               <a:rPr lang="zh-CN" altLang="en-US" smtClean="0"/>
-              <a:t>2018/12/12</a:t>
+              <a:t>2018/12/19</a:t>
             </a:fld>
             <a:endParaRPr lang="zh-CN" altLang="en-US"/>
           </a:p>
@@ -2912,7 +2913,7 @@
           <a:p>
             <a:fld id="{648AE971-6591-4C67-8226-CECCFE0F746A}" type="datetimeFigureOut">
               <a:rPr lang="zh-CN" altLang="en-US" smtClean="0"/>
-              <a:t>2018/12/12</a:t>
+              <a:t>2018/12/19</a:t>
             </a:fld>
             <a:endParaRPr lang="zh-CN" altLang="en-US"/>
           </a:p>
@@ -11475,6 +11476,1125 @@
 </p:sld>
 </file>
 
+<file path=ppt/slides/slide5.xml><?xml version="1.0" encoding="utf-8"?>
+<p:sld xmlns:a="http://schemas.openxmlformats.org/drawingml/2006/main" xmlns:r="http://schemas.openxmlformats.org/officeDocument/2006/relationships" xmlns:p="http://schemas.openxmlformats.org/presentationml/2006/main">
+  <p:cSld>
+    <p:spTree>
+      <p:nvGrpSpPr>
+        <p:cNvPr id="1" name=""/>
+        <p:cNvGrpSpPr/>
+        <p:nvPr/>
+      </p:nvGrpSpPr>
+      <p:grpSpPr>
+        <a:xfrm>
+          <a:off x="0" y="0"/>
+          <a:ext cx="0" cy="0"/>
+          <a:chOff x="0" y="0"/>
+          <a:chExt cx="0" cy="0"/>
+        </a:xfrm>
+      </p:grpSpPr>
+      <p:grpSp>
+        <p:nvGrpSpPr>
+          <p:cNvPr id="69" name="组合 68">
+            <a:extLst>
+              <a:ext uri="{FF2B5EF4-FFF2-40B4-BE49-F238E27FC236}">
+                <a16:creationId xmlns:a16="http://schemas.microsoft.com/office/drawing/2014/main" id="{2A636528-F51E-4BC2-A2D2-87174459AAEF}"/>
+              </a:ext>
+            </a:extLst>
+          </p:cNvPr>
+          <p:cNvGrpSpPr/>
+          <p:nvPr/>
+        </p:nvGrpSpPr>
+        <p:grpSpPr>
+          <a:xfrm>
+            <a:off x="778660" y="108404"/>
+            <a:ext cx="4917290" cy="7127734"/>
+            <a:chOff x="778660" y="108404"/>
+            <a:chExt cx="4917290" cy="7127734"/>
+          </a:xfrm>
+        </p:grpSpPr>
+        <p:sp>
+          <p:nvSpPr>
+            <p:cNvPr id="5" name="矩形: 圆角 4">
+              <a:extLst>
+                <a:ext uri="{FF2B5EF4-FFF2-40B4-BE49-F238E27FC236}">
+                  <a16:creationId xmlns:a16="http://schemas.microsoft.com/office/drawing/2014/main" id="{312279CF-A939-4935-9EC1-66B010B24B74}"/>
+                </a:ext>
+              </a:extLst>
+            </p:cNvPr>
+            <p:cNvSpPr/>
+            <p:nvPr/>
+          </p:nvSpPr>
+          <p:spPr>
+            <a:xfrm>
+              <a:off x="1781666" y="108404"/>
+              <a:ext cx="1159497" cy="527901"/>
+            </a:xfrm>
+            <a:prstGeom prst="roundRect">
+              <a:avLst/>
+            </a:prstGeom>
+            <a:noFill/>
+            <a:ln w="28575">
+              <a:solidFill>
+                <a:schemeClr val="tx1"/>
+              </a:solidFill>
+            </a:ln>
+          </p:spPr>
+          <p:style>
+            <a:lnRef idx="2">
+              <a:schemeClr val="accent1">
+                <a:shade val="50000"/>
+              </a:schemeClr>
+            </a:lnRef>
+            <a:fillRef idx="1">
+              <a:schemeClr val="accent1"/>
+            </a:fillRef>
+            <a:effectRef idx="0">
+              <a:schemeClr val="accent1"/>
+            </a:effectRef>
+            <a:fontRef idx="minor">
+              <a:schemeClr val="lt1"/>
+            </a:fontRef>
+          </p:style>
+          <p:txBody>
+            <a:bodyPr rtlCol="0" anchor="ctr"/>
+            <a:lstStyle/>
+            <a:p>
+              <a:pPr algn="ctr"/>
+              <a:r>
+                <a:rPr lang="zh-CN" altLang="en-US" dirty="0">
+                  <a:ln w="3175">
+                    <a:solidFill>
+                      <a:schemeClr val="tx1"/>
+                    </a:solidFill>
+                  </a:ln>
+                  <a:solidFill>
+                    <a:schemeClr val="tx1"/>
+                  </a:solidFill>
+                  <a:latin typeface="宋体" panose="02010600030101010101" pitchFamily="2" charset="-122"/>
+                  <a:ea typeface="宋体" panose="02010600030101010101" pitchFamily="2" charset="-122"/>
+                </a:rPr>
+                <a:t>开始</a:t>
+              </a:r>
+            </a:p>
+          </p:txBody>
+        </p:sp>
+        <p:sp>
+          <p:nvSpPr>
+            <p:cNvPr id="6" name="矩形 5">
+              <a:extLst>
+                <a:ext uri="{FF2B5EF4-FFF2-40B4-BE49-F238E27FC236}">
+                  <a16:creationId xmlns:a16="http://schemas.microsoft.com/office/drawing/2014/main" id="{4EA7DCEE-9E1D-458E-A103-A3ED631BFE49}"/>
+                </a:ext>
+              </a:extLst>
+            </p:cNvPr>
+            <p:cNvSpPr/>
+            <p:nvPr/>
+          </p:nvSpPr>
+          <p:spPr>
+            <a:xfrm>
+              <a:off x="1734534" y="928536"/>
+              <a:ext cx="1263194" cy="527901"/>
+            </a:xfrm>
+            <a:prstGeom prst="rect">
+              <a:avLst/>
+            </a:prstGeom>
+            <a:noFill/>
+            <a:ln w="28575">
+              <a:solidFill>
+                <a:schemeClr val="tx1"/>
+              </a:solidFill>
+            </a:ln>
+          </p:spPr>
+          <p:style>
+            <a:lnRef idx="2">
+              <a:schemeClr val="accent1">
+                <a:shade val="50000"/>
+              </a:schemeClr>
+            </a:lnRef>
+            <a:fillRef idx="1">
+              <a:schemeClr val="accent1"/>
+            </a:fillRef>
+            <a:effectRef idx="0">
+              <a:schemeClr val="accent1"/>
+            </a:effectRef>
+            <a:fontRef idx="minor">
+              <a:schemeClr val="lt1"/>
+            </a:fontRef>
+          </p:style>
+          <p:txBody>
+            <a:bodyPr rtlCol="0" anchor="ctr"/>
+            <a:lstStyle/>
+            <a:p>
+              <a:pPr algn="ctr"/>
+              <a:r>
+                <a:rPr lang="zh-CN" altLang="en-US" dirty="0">
+                  <a:ln w="3175">
+                    <a:solidFill>
+                      <a:schemeClr val="tx1"/>
+                    </a:solidFill>
+                  </a:ln>
+                  <a:solidFill>
+                    <a:schemeClr val="tx1"/>
+                  </a:solidFill>
+                  <a:latin typeface="宋体" panose="02010600030101010101" pitchFamily="2" charset="-122"/>
+                  <a:ea typeface="宋体" panose="02010600030101010101" pitchFamily="2" charset="-122"/>
+                </a:rPr>
+                <a:t>读入图片</a:t>
+              </a:r>
+            </a:p>
+          </p:txBody>
+        </p:sp>
+        <p:sp>
+          <p:nvSpPr>
+            <p:cNvPr id="8" name="矩形: 圆角 7">
+              <a:extLst>
+                <a:ext uri="{FF2B5EF4-FFF2-40B4-BE49-F238E27FC236}">
+                  <a16:creationId xmlns:a16="http://schemas.microsoft.com/office/drawing/2014/main" id="{34A4BF2A-5DF3-448A-91A8-FE66CD3EB581}"/>
+                </a:ext>
+              </a:extLst>
+            </p:cNvPr>
+            <p:cNvSpPr/>
+            <p:nvPr/>
+          </p:nvSpPr>
+          <p:spPr>
+            <a:xfrm>
+              <a:off x="1781664" y="6745944"/>
+              <a:ext cx="1159497" cy="490194"/>
+            </a:xfrm>
+            <a:prstGeom prst="roundRect">
+              <a:avLst/>
+            </a:prstGeom>
+            <a:noFill/>
+            <a:ln w="28575">
+              <a:solidFill>
+                <a:schemeClr val="tx1"/>
+              </a:solidFill>
+            </a:ln>
+          </p:spPr>
+          <p:style>
+            <a:lnRef idx="2">
+              <a:schemeClr val="accent1">
+                <a:shade val="50000"/>
+              </a:schemeClr>
+            </a:lnRef>
+            <a:fillRef idx="1">
+              <a:schemeClr val="accent1"/>
+            </a:fillRef>
+            <a:effectRef idx="0">
+              <a:schemeClr val="accent1"/>
+            </a:effectRef>
+            <a:fontRef idx="minor">
+              <a:schemeClr val="lt1"/>
+            </a:fontRef>
+          </p:style>
+          <p:txBody>
+            <a:bodyPr rtlCol="0" anchor="ctr"/>
+            <a:lstStyle/>
+            <a:p>
+              <a:pPr algn="ctr"/>
+              <a:r>
+                <a:rPr lang="zh-CN" altLang="en-US" dirty="0">
+                  <a:ln w="3175">
+                    <a:solidFill>
+                      <a:schemeClr val="tx1"/>
+                    </a:solidFill>
+                  </a:ln>
+                  <a:solidFill>
+                    <a:schemeClr val="tx1"/>
+                  </a:solidFill>
+                  <a:latin typeface="宋体" panose="02010600030101010101" pitchFamily="2" charset="-122"/>
+                  <a:ea typeface="宋体" panose="02010600030101010101" pitchFamily="2" charset="-122"/>
+                </a:rPr>
+                <a:t>结束</a:t>
+              </a:r>
+            </a:p>
+          </p:txBody>
+        </p:sp>
+        <p:cxnSp>
+          <p:nvCxnSpPr>
+            <p:cNvPr id="9" name="直接箭头连接符 8">
+              <a:extLst>
+                <a:ext uri="{FF2B5EF4-FFF2-40B4-BE49-F238E27FC236}">
+                  <a16:creationId xmlns:a16="http://schemas.microsoft.com/office/drawing/2014/main" id="{EA047CD1-2110-4C03-AA59-963FBA8FE193}"/>
+                </a:ext>
+              </a:extLst>
+            </p:cNvPr>
+            <p:cNvCxnSpPr>
+              <a:cxnSpLocks/>
+              <a:stCxn id="5" idx="2"/>
+              <a:endCxn id="6" idx="0"/>
+            </p:cNvCxnSpPr>
+            <p:nvPr/>
+          </p:nvCxnSpPr>
+          <p:spPr>
+            <a:xfrm>
+              <a:off x="2361415" y="636305"/>
+              <a:ext cx="4716" cy="292231"/>
+            </a:xfrm>
+            <a:prstGeom prst="straightConnector1">
+              <a:avLst/>
+            </a:prstGeom>
+            <a:ln w="19050">
+              <a:tailEnd type="triangle"/>
+            </a:ln>
+          </p:spPr>
+          <p:style>
+            <a:lnRef idx="1">
+              <a:schemeClr val="dk1"/>
+            </a:lnRef>
+            <a:fillRef idx="0">
+              <a:schemeClr val="dk1"/>
+            </a:fillRef>
+            <a:effectRef idx="0">
+              <a:schemeClr val="dk1"/>
+            </a:effectRef>
+            <a:fontRef idx="minor">
+              <a:schemeClr val="tx1"/>
+            </a:fontRef>
+          </p:style>
+        </p:cxnSp>
+        <p:sp>
+          <p:nvSpPr>
+            <p:cNvPr id="11" name="菱形 10">
+              <a:extLst>
+                <a:ext uri="{FF2B5EF4-FFF2-40B4-BE49-F238E27FC236}">
+                  <a16:creationId xmlns:a16="http://schemas.microsoft.com/office/drawing/2014/main" id="{D31C4B4A-BDAA-4E8E-B0C8-86AA8DE01007}"/>
+                </a:ext>
+              </a:extLst>
+            </p:cNvPr>
+            <p:cNvSpPr/>
+            <p:nvPr/>
+          </p:nvSpPr>
+          <p:spPr>
+            <a:xfrm>
+              <a:off x="778660" y="3831667"/>
+              <a:ext cx="3165507" cy="1430050"/>
+            </a:xfrm>
+            <a:prstGeom prst="diamond">
+              <a:avLst/>
+            </a:prstGeom>
+            <a:noFill/>
+            <a:ln w="28575">
+              <a:solidFill>
+                <a:schemeClr val="tx1"/>
+              </a:solidFill>
+            </a:ln>
+          </p:spPr>
+          <p:style>
+            <a:lnRef idx="2">
+              <a:schemeClr val="accent1">
+                <a:shade val="50000"/>
+              </a:schemeClr>
+            </a:lnRef>
+            <a:fillRef idx="1">
+              <a:schemeClr val="accent1"/>
+            </a:fillRef>
+            <a:effectRef idx="0">
+              <a:schemeClr val="accent1"/>
+            </a:effectRef>
+            <a:fontRef idx="minor">
+              <a:schemeClr val="lt1"/>
+            </a:fontRef>
+          </p:style>
+          <p:txBody>
+            <a:bodyPr rtlCol="0" anchor="ctr"/>
+            <a:lstStyle/>
+            <a:p>
+              <a:pPr algn="ctr"/>
+              <a:r>
+                <a:rPr lang="zh-CN" altLang="en-US" dirty="0">
+                  <a:ln w="3175">
+                    <a:solidFill>
+                      <a:schemeClr val="tx1"/>
+                    </a:solidFill>
+                  </a:ln>
+                  <a:solidFill>
+                    <a:schemeClr val="tx1"/>
+                  </a:solidFill>
+                </a:rPr>
+                <a:t>原图像素中</a:t>
+              </a:r>
+              <a:r>
+                <a:rPr lang="en-US" altLang="zh-CN" dirty="0">
+                  <a:ln w="3175">
+                    <a:solidFill>
+                      <a:schemeClr val="tx1"/>
+                    </a:solidFill>
+                  </a:ln>
+                  <a:solidFill>
+                    <a:schemeClr val="tx1"/>
+                  </a:solidFill>
+                </a:rPr>
+                <a:t>RGB</a:t>
+              </a:r>
+              <a:r>
+                <a:rPr lang="zh-CN" altLang="en-US" dirty="0">
+                  <a:ln w="3175">
+                    <a:solidFill>
+                      <a:schemeClr val="tx1"/>
+                    </a:solidFill>
+                  </a:ln>
+                  <a:solidFill>
+                    <a:schemeClr val="tx1"/>
+                  </a:solidFill>
+                </a:rPr>
+                <a:t>三通道值是否在均值范围内</a:t>
+              </a:r>
+            </a:p>
+          </p:txBody>
+        </p:sp>
+        <p:sp>
+          <p:nvSpPr>
+            <p:cNvPr id="12" name="文本框 11">
+              <a:extLst>
+                <a:ext uri="{FF2B5EF4-FFF2-40B4-BE49-F238E27FC236}">
+                  <a16:creationId xmlns:a16="http://schemas.microsoft.com/office/drawing/2014/main" id="{1D6BF856-863C-4EF8-9730-632689B1AC87}"/>
+                </a:ext>
+              </a:extLst>
+            </p:cNvPr>
+            <p:cNvSpPr txBox="1"/>
+            <p:nvPr/>
+          </p:nvSpPr>
+          <p:spPr>
+            <a:xfrm>
+              <a:off x="3944167" y="4116929"/>
+              <a:ext cx="415498" cy="369332"/>
+            </a:xfrm>
+            <a:prstGeom prst="rect">
+              <a:avLst/>
+            </a:prstGeom>
+            <a:noFill/>
+          </p:spPr>
+          <p:txBody>
+            <a:bodyPr wrap="square" rtlCol="0">
+              <a:spAutoFit/>
+            </a:bodyPr>
+            <a:lstStyle/>
+            <a:p>
+              <a:pPr algn="ctr"/>
+              <a:r>
+                <a:rPr lang="zh-CN" altLang="en-US" dirty="0">
+                  <a:ln w="3175">
+                    <a:solidFill>
+                      <a:schemeClr val="tx1"/>
+                    </a:solidFill>
+                  </a:ln>
+                  <a:latin typeface="宋体" panose="02010600030101010101" pitchFamily="2" charset="-122"/>
+                  <a:ea typeface="宋体" panose="02010600030101010101" pitchFamily="2" charset="-122"/>
+                </a:rPr>
+                <a:t>否</a:t>
+              </a:r>
+            </a:p>
+          </p:txBody>
+        </p:sp>
+        <p:sp>
+          <p:nvSpPr>
+            <p:cNvPr id="13" name="文本框 12">
+              <a:extLst>
+                <a:ext uri="{FF2B5EF4-FFF2-40B4-BE49-F238E27FC236}">
+                  <a16:creationId xmlns:a16="http://schemas.microsoft.com/office/drawing/2014/main" id="{240E332A-597C-48A5-8ECE-36AB18D9B2CA}"/>
+                </a:ext>
+              </a:extLst>
+            </p:cNvPr>
+            <p:cNvSpPr txBox="1"/>
+            <p:nvPr/>
+          </p:nvSpPr>
+          <p:spPr>
+            <a:xfrm>
+              <a:off x="2420610" y="5191659"/>
+              <a:ext cx="415499" cy="369332"/>
+            </a:xfrm>
+            <a:prstGeom prst="rect">
+              <a:avLst/>
+            </a:prstGeom>
+            <a:noFill/>
+          </p:spPr>
+          <p:txBody>
+            <a:bodyPr wrap="none" rtlCol="0">
+              <a:spAutoFit/>
+            </a:bodyPr>
+            <a:lstStyle/>
+            <a:p>
+              <a:pPr algn="ctr"/>
+              <a:r>
+                <a:rPr lang="zh-CN" altLang="en-US" dirty="0">
+                  <a:ln w="3175">
+                    <a:solidFill>
+                      <a:schemeClr val="tx1"/>
+                    </a:solidFill>
+                  </a:ln>
+                  <a:latin typeface="宋体" panose="02010600030101010101" pitchFamily="2" charset="-122"/>
+                  <a:ea typeface="宋体" panose="02010600030101010101" pitchFamily="2" charset="-122"/>
+                </a:rPr>
+                <a:t>是</a:t>
+              </a:r>
+            </a:p>
+          </p:txBody>
+        </p:sp>
+        <p:sp>
+          <p:nvSpPr>
+            <p:cNvPr id="14" name="矩形 13">
+              <a:extLst>
+                <a:ext uri="{FF2B5EF4-FFF2-40B4-BE49-F238E27FC236}">
+                  <a16:creationId xmlns:a16="http://schemas.microsoft.com/office/drawing/2014/main" id="{0BFA135C-188B-46D3-B6F6-54DCE047D82F}"/>
+                </a:ext>
+              </a:extLst>
+            </p:cNvPr>
+            <p:cNvSpPr/>
+            <p:nvPr/>
+          </p:nvSpPr>
+          <p:spPr>
+            <a:xfrm>
+              <a:off x="1412794" y="5548648"/>
+              <a:ext cx="1888535" cy="673047"/>
+            </a:xfrm>
+            <a:prstGeom prst="rect">
+              <a:avLst/>
+            </a:prstGeom>
+            <a:noFill/>
+            <a:ln w="28575">
+              <a:solidFill>
+                <a:schemeClr val="tx1"/>
+              </a:solidFill>
+            </a:ln>
+          </p:spPr>
+          <p:style>
+            <a:lnRef idx="2">
+              <a:schemeClr val="accent1">
+                <a:shade val="50000"/>
+              </a:schemeClr>
+            </a:lnRef>
+            <a:fillRef idx="1">
+              <a:schemeClr val="accent1"/>
+            </a:fillRef>
+            <a:effectRef idx="0">
+              <a:schemeClr val="accent1"/>
+            </a:effectRef>
+            <a:fontRef idx="minor">
+              <a:schemeClr val="lt1"/>
+            </a:fontRef>
+          </p:style>
+          <p:txBody>
+            <a:bodyPr rtlCol="0" anchor="ctr"/>
+            <a:lstStyle/>
+            <a:p>
+              <a:pPr algn="ctr"/>
+              <a:r>
+                <a:rPr lang="zh-CN" altLang="en-US" dirty="0">
+                  <a:ln w="3175">
+                    <a:solidFill>
+                      <a:schemeClr val="tx1"/>
+                    </a:solidFill>
+                  </a:ln>
+                  <a:solidFill>
+                    <a:schemeClr val="tx1"/>
+                  </a:solidFill>
+                  <a:latin typeface="宋体" panose="02010600030101010101" pitchFamily="2" charset="-122"/>
+                  <a:ea typeface="宋体" panose="02010600030101010101" pitchFamily="2" charset="-122"/>
+                </a:rPr>
+                <a:t>将其值置为</a:t>
+              </a:r>
+              <a:r>
+                <a:rPr lang="en-US" altLang="zh-CN" dirty="0">
+                  <a:ln w="3175">
+                    <a:solidFill>
+                      <a:schemeClr val="tx1"/>
+                    </a:solidFill>
+                  </a:ln>
+                  <a:solidFill>
+                    <a:schemeClr val="tx1"/>
+                  </a:solidFill>
+                  <a:latin typeface="宋体" panose="02010600030101010101" pitchFamily="2" charset="-122"/>
+                  <a:ea typeface="宋体" panose="02010600030101010101" pitchFamily="2" charset="-122"/>
+                </a:rPr>
+                <a:t>255</a:t>
+              </a:r>
+              <a:endParaRPr lang="zh-CN" altLang="en-US" dirty="0">
+                <a:ln w="3175">
+                  <a:solidFill>
+                    <a:schemeClr val="tx1"/>
+                  </a:solidFill>
+                </a:ln>
+                <a:solidFill>
+                  <a:schemeClr val="tx1"/>
+                </a:solidFill>
+                <a:latin typeface="宋体" panose="02010600030101010101" pitchFamily="2" charset="-122"/>
+                <a:ea typeface="宋体" panose="02010600030101010101" pitchFamily="2" charset="-122"/>
+              </a:endParaRPr>
+            </a:p>
+          </p:txBody>
+        </p:sp>
+        <p:sp>
+          <p:nvSpPr>
+            <p:cNvPr id="15" name="矩形 14">
+              <a:extLst>
+                <a:ext uri="{FF2B5EF4-FFF2-40B4-BE49-F238E27FC236}">
+                  <a16:creationId xmlns:a16="http://schemas.microsoft.com/office/drawing/2014/main" id="{96174739-4EED-4E21-A90B-74080282DB39}"/>
+                </a:ext>
+              </a:extLst>
+            </p:cNvPr>
+            <p:cNvSpPr/>
+            <p:nvPr/>
+          </p:nvSpPr>
+          <p:spPr>
+            <a:xfrm>
+              <a:off x="4049219" y="5548648"/>
+              <a:ext cx="1646731" cy="673047"/>
+            </a:xfrm>
+            <a:prstGeom prst="rect">
+              <a:avLst/>
+            </a:prstGeom>
+            <a:noFill/>
+            <a:ln w="28575">
+              <a:solidFill>
+                <a:schemeClr val="tx1"/>
+              </a:solidFill>
+            </a:ln>
+          </p:spPr>
+          <p:style>
+            <a:lnRef idx="2">
+              <a:schemeClr val="accent1">
+                <a:shade val="50000"/>
+              </a:schemeClr>
+            </a:lnRef>
+            <a:fillRef idx="1">
+              <a:schemeClr val="accent1"/>
+            </a:fillRef>
+            <a:effectRef idx="0">
+              <a:schemeClr val="accent1"/>
+            </a:effectRef>
+            <a:fontRef idx="minor">
+              <a:schemeClr val="lt1"/>
+            </a:fontRef>
+          </p:style>
+          <p:txBody>
+            <a:bodyPr rtlCol="0" anchor="ctr"/>
+            <a:lstStyle/>
+            <a:p>
+              <a:pPr algn="ctr"/>
+              <a:r>
+                <a:rPr lang="zh-CN" altLang="en-US" dirty="0">
+                  <a:ln w="3175">
+                    <a:solidFill>
+                      <a:schemeClr val="tx1"/>
+                    </a:solidFill>
+                  </a:ln>
+                  <a:solidFill>
+                    <a:schemeClr val="tx1"/>
+                  </a:solidFill>
+                  <a:latin typeface="宋体" panose="02010600030101010101" pitchFamily="2" charset="-122"/>
+                  <a:ea typeface="宋体" panose="02010600030101010101" pitchFamily="2" charset="-122"/>
+                </a:rPr>
+                <a:t>将其值置为</a:t>
+              </a:r>
+              <a:r>
+                <a:rPr lang="en-US" altLang="zh-CN" dirty="0">
+                  <a:ln w="3175">
+                    <a:solidFill>
+                      <a:schemeClr val="tx1"/>
+                    </a:solidFill>
+                  </a:ln>
+                  <a:solidFill>
+                    <a:schemeClr val="tx1"/>
+                  </a:solidFill>
+                  <a:latin typeface="宋体" panose="02010600030101010101" pitchFamily="2" charset="-122"/>
+                  <a:ea typeface="宋体" panose="02010600030101010101" pitchFamily="2" charset="-122"/>
+                </a:rPr>
+                <a:t>0</a:t>
+              </a:r>
+              <a:endParaRPr lang="zh-CN" altLang="en-US" dirty="0">
+                <a:ln w="3175">
+                  <a:solidFill>
+                    <a:schemeClr val="tx1"/>
+                  </a:solidFill>
+                </a:ln>
+                <a:solidFill>
+                  <a:schemeClr val="tx1"/>
+                </a:solidFill>
+                <a:latin typeface="宋体" panose="02010600030101010101" pitchFamily="2" charset="-122"/>
+                <a:ea typeface="宋体" panose="02010600030101010101" pitchFamily="2" charset="-122"/>
+              </a:endParaRPr>
+            </a:p>
+          </p:txBody>
+        </p:sp>
+        <p:cxnSp>
+          <p:nvCxnSpPr>
+            <p:cNvPr id="17" name="直接箭头连接符 16">
+              <a:extLst>
+                <a:ext uri="{FF2B5EF4-FFF2-40B4-BE49-F238E27FC236}">
+                  <a16:creationId xmlns:a16="http://schemas.microsoft.com/office/drawing/2014/main" id="{57BEF34A-5D6D-4204-BC0A-31078C7BBA00}"/>
+                </a:ext>
+              </a:extLst>
+            </p:cNvPr>
+            <p:cNvCxnSpPr>
+              <a:cxnSpLocks/>
+              <a:stCxn id="6" idx="2"/>
+              <a:endCxn id="24" idx="0"/>
+            </p:cNvCxnSpPr>
+            <p:nvPr/>
+          </p:nvCxnSpPr>
+          <p:spPr>
+            <a:xfrm flipH="1">
+              <a:off x="2361414" y="1456437"/>
+              <a:ext cx="4717" cy="297028"/>
+            </a:xfrm>
+            <a:prstGeom prst="straightConnector1">
+              <a:avLst/>
+            </a:prstGeom>
+            <a:ln w="19050">
+              <a:tailEnd type="triangle"/>
+            </a:ln>
+          </p:spPr>
+          <p:style>
+            <a:lnRef idx="1">
+              <a:schemeClr val="dk1"/>
+            </a:lnRef>
+            <a:fillRef idx="0">
+              <a:schemeClr val="dk1"/>
+            </a:fillRef>
+            <a:effectRef idx="0">
+              <a:schemeClr val="dk1"/>
+            </a:effectRef>
+            <a:fontRef idx="minor">
+              <a:schemeClr val="tx1"/>
+            </a:fontRef>
+          </p:style>
+        </p:cxnSp>
+        <p:cxnSp>
+          <p:nvCxnSpPr>
+            <p:cNvPr id="18" name="连接符: 肘形 17">
+              <a:extLst>
+                <a:ext uri="{FF2B5EF4-FFF2-40B4-BE49-F238E27FC236}">
+                  <a16:creationId xmlns:a16="http://schemas.microsoft.com/office/drawing/2014/main" id="{6134F735-4F42-4880-BF6F-FE37B5FF8411}"/>
+                </a:ext>
+              </a:extLst>
+            </p:cNvPr>
+            <p:cNvCxnSpPr>
+              <a:cxnSpLocks/>
+              <a:stCxn id="11" idx="3"/>
+              <a:endCxn id="15" idx="0"/>
+            </p:cNvCxnSpPr>
+            <p:nvPr/>
+          </p:nvCxnSpPr>
+          <p:spPr>
+            <a:xfrm>
+              <a:off x="3944167" y="4546692"/>
+              <a:ext cx="928418" cy="1001956"/>
+            </a:xfrm>
+            <a:prstGeom prst="bentConnector2">
+              <a:avLst/>
+            </a:prstGeom>
+            <a:ln w="19050">
+              <a:tailEnd type="triangle"/>
+            </a:ln>
+          </p:spPr>
+          <p:style>
+            <a:lnRef idx="1">
+              <a:schemeClr val="dk1"/>
+            </a:lnRef>
+            <a:fillRef idx="0">
+              <a:schemeClr val="dk1"/>
+            </a:fillRef>
+            <a:effectRef idx="0">
+              <a:schemeClr val="dk1"/>
+            </a:effectRef>
+            <a:fontRef idx="minor">
+              <a:schemeClr val="tx1"/>
+            </a:fontRef>
+          </p:style>
+        </p:cxnSp>
+        <p:cxnSp>
+          <p:nvCxnSpPr>
+            <p:cNvPr id="19" name="直接箭头连接符 18">
+              <a:extLst>
+                <a:ext uri="{FF2B5EF4-FFF2-40B4-BE49-F238E27FC236}">
+                  <a16:creationId xmlns:a16="http://schemas.microsoft.com/office/drawing/2014/main" id="{78F95AC7-B424-4766-B3A0-C2E0778D0261}"/>
+                </a:ext>
+              </a:extLst>
+            </p:cNvPr>
+            <p:cNvCxnSpPr>
+              <a:cxnSpLocks/>
+              <a:stCxn id="11" idx="2"/>
+              <a:endCxn id="14" idx="0"/>
+            </p:cNvCxnSpPr>
+            <p:nvPr/>
+          </p:nvCxnSpPr>
+          <p:spPr>
+            <a:xfrm flipH="1">
+              <a:off x="2357062" y="5261717"/>
+              <a:ext cx="4352" cy="286931"/>
+            </a:xfrm>
+            <a:prstGeom prst="straightConnector1">
+              <a:avLst/>
+            </a:prstGeom>
+            <a:ln w="19050">
+              <a:tailEnd type="triangle"/>
+            </a:ln>
+          </p:spPr>
+          <p:style>
+            <a:lnRef idx="1">
+              <a:schemeClr val="dk1"/>
+            </a:lnRef>
+            <a:fillRef idx="0">
+              <a:schemeClr val="dk1"/>
+            </a:fillRef>
+            <a:effectRef idx="0">
+              <a:schemeClr val="dk1"/>
+            </a:effectRef>
+            <a:fontRef idx="minor">
+              <a:schemeClr val="tx1"/>
+            </a:fontRef>
+          </p:style>
+        </p:cxnSp>
+        <p:cxnSp>
+          <p:nvCxnSpPr>
+            <p:cNvPr id="20" name="直接箭头连接符 19">
+              <a:extLst>
+                <a:ext uri="{FF2B5EF4-FFF2-40B4-BE49-F238E27FC236}">
+                  <a16:creationId xmlns:a16="http://schemas.microsoft.com/office/drawing/2014/main" id="{B71B76CE-830B-40B8-BA81-AB3B0EB845DE}"/>
+                </a:ext>
+              </a:extLst>
+            </p:cNvPr>
+            <p:cNvCxnSpPr>
+              <a:cxnSpLocks/>
+              <a:stCxn id="14" idx="2"/>
+              <a:endCxn id="8" idx="0"/>
+            </p:cNvCxnSpPr>
+            <p:nvPr/>
+          </p:nvCxnSpPr>
+          <p:spPr>
+            <a:xfrm>
+              <a:off x="2357062" y="6221695"/>
+              <a:ext cx="4351" cy="524249"/>
+            </a:xfrm>
+            <a:prstGeom prst="straightConnector1">
+              <a:avLst/>
+            </a:prstGeom>
+            <a:ln w="19050">
+              <a:tailEnd type="triangle"/>
+            </a:ln>
+          </p:spPr>
+          <p:style>
+            <a:lnRef idx="1">
+              <a:schemeClr val="dk1"/>
+            </a:lnRef>
+            <a:fillRef idx="0">
+              <a:schemeClr val="dk1"/>
+            </a:fillRef>
+            <a:effectRef idx="0">
+              <a:schemeClr val="dk1"/>
+            </a:effectRef>
+            <a:fontRef idx="minor">
+              <a:schemeClr val="tx1"/>
+            </a:fontRef>
+          </p:style>
+        </p:cxnSp>
+        <p:sp>
+          <p:nvSpPr>
+            <p:cNvPr id="24" name="矩形 23">
+              <a:extLst>
+                <a:ext uri="{FF2B5EF4-FFF2-40B4-BE49-F238E27FC236}">
+                  <a16:creationId xmlns:a16="http://schemas.microsoft.com/office/drawing/2014/main" id="{FD58F4E7-2D14-477D-9200-00ED6EC0EA67}"/>
+                </a:ext>
+              </a:extLst>
+            </p:cNvPr>
+            <p:cNvSpPr/>
+            <p:nvPr/>
+          </p:nvSpPr>
+          <p:spPr>
+            <a:xfrm>
+              <a:off x="1189839" y="1753465"/>
+              <a:ext cx="2343150" cy="735291"/>
+            </a:xfrm>
+            <a:prstGeom prst="rect">
+              <a:avLst/>
+            </a:prstGeom>
+            <a:noFill/>
+            <a:ln w="28575">
+              <a:solidFill>
+                <a:schemeClr val="tx1"/>
+              </a:solidFill>
+            </a:ln>
+          </p:spPr>
+          <p:style>
+            <a:lnRef idx="2">
+              <a:schemeClr val="accent1">
+                <a:shade val="50000"/>
+              </a:schemeClr>
+            </a:lnRef>
+            <a:fillRef idx="1">
+              <a:schemeClr val="accent1"/>
+            </a:fillRef>
+            <a:effectRef idx="0">
+              <a:schemeClr val="accent1"/>
+            </a:effectRef>
+            <a:fontRef idx="minor">
+              <a:schemeClr val="lt1"/>
+            </a:fontRef>
+          </p:style>
+          <p:txBody>
+            <a:bodyPr rtlCol="0" anchor="ctr"/>
+            <a:lstStyle/>
+            <a:p>
+              <a:pPr algn="ctr"/>
+              <a:r>
+                <a:rPr lang="zh-CN" altLang="en-US" dirty="0">
+                  <a:ln w="3175">
+                    <a:solidFill>
+                      <a:schemeClr val="tx1"/>
+                    </a:solidFill>
+                  </a:ln>
+                  <a:solidFill>
+                    <a:schemeClr val="tx1"/>
+                  </a:solidFill>
+                  <a:latin typeface="宋体" panose="02010600030101010101" pitchFamily="2" charset="-122"/>
+                  <a:ea typeface="宋体" panose="02010600030101010101" pitchFamily="2" charset="-122"/>
+                </a:rPr>
+                <a:t>标定彩色图像分割的对象区域和</a:t>
+              </a:r>
+            </a:p>
+          </p:txBody>
+        </p:sp>
+        <p:sp>
+          <p:nvSpPr>
+            <p:cNvPr id="27" name="矩形 26">
+              <a:extLst>
+                <a:ext uri="{FF2B5EF4-FFF2-40B4-BE49-F238E27FC236}">
+                  <a16:creationId xmlns:a16="http://schemas.microsoft.com/office/drawing/2014/main" id="{2BC3FEE0-F9D2-4731-9E29-58F45C0CCC5E}"/>
+                </a:ext>
+              </a:extLst>
+            </p:cNvPr>
+            <p:cNvSpPr/>
+            <p:nvPr/>
+          </p:nvSpPr>
+          <p:spPr>
+            <a:xfrm>
+              <a:off x="1189839" y="2785784"/>
+              <a:ext cx="2343150" cy="735291"/>
+            </a:xfrm>
+            <a:prstGeom prst="rect">
+              <a:avLst/>
+            </a:prstGeom>
+            <a:noFill/>
+            <a:ln w="28575">
+              <a:solidFill>
+                <a:schemeClr val="tx1"/>
+              </a:solidFill>
+            </a:ln>
+          </p:spPr>
+          <p:style>
+            <a:lnRef idx="2">
+              <a:schemeClr val="accent1">
+                <a:shade val="50000"/>
+              </a:schemeClr>
+            </a:lnRef>
+            <a:fillRef idx="1">
+              <a:schemeClr val="accent1"/>
+            </a:fillRef>
+            <a:effectRef idx="0">
+              <a:schemeClr val="accent1"/>
+            </a:effectRef>
+            <a:fontRef idx="minor">
+              <a:schemeClr val="lt1"/>
+            </a:fontRef>
+          </p:style>
+          <p:txBody>
+            <a:bodyPr rtlCol="0" anchor="ctr"/>
+            <a:lstStyle/>
+            <a:p>
+              <a:pPr algn="ctr"/>
+              <a:r>
+                <a:rPr lang="zh-CN" altLang="en-US" dirty="0">
+                  <a:ln w="3175">
+                    <a:solidFill>
+                      <a:schemeClr val="tx1"/>
+                    </a:solidFill>
+                  </a:ln>
+                  <a:solidFill>
+                    <a:schemeClr val="tx1"/>
+                  </a:solidFill>
+                  <a:latin typeface="宋体" panose="02010600030101010101" pitchFamily="2" charset="-122"/>
+                  <a:ea typeface="宋体" panose="02010600030101010101" pitchFamily="2" charset="-122"/>
+                </a:rPr>
+                <a:t>计算选定区域</a:t>
+              </a:r>
+              <a:r>
+                <a:rPr lang="en-US" altLang="zh-CN" dirty="0">
+                  <a:ln w="3175">
+                    <a:solidFill>
+                      <a:schemeClr val="tx1"/>
+                    </a:solidFill>
+                  </a:ln>
+                  <a:solidFill>
+                    <a:schemeClr val="tx1"/>
+                  </a:solidFill>
+                  <a:latin typeface="宋体" panose="02010600030101010101" pitchFamily="2" charset="-122"/>
+                  <a:ea typeface="宋体" panose="02010600030101010101" pitchFamily="2" charset="-122"/>
+                </a:rPr>
+                <a:t>RGB</a:t>
+              </a:r>
+              <a:r>
+                <a:rPr lang="zh-CN" altLang="en-US" dirty="0">
+                  <a:ln w="3175">
+                    <a:solidFill>
+                      <a:schemeClr val="tx1"/>
+                    </a:solidFill>
+                  </a:ln>
+                  <a:solidFill>
+                    <a:schemeClr val="tx1"/>
+                  </a:solidFill>
+                  <a:latin typeface="宋体" panose="02010600030101010101" pitchFamily="2" charset="-122"/>
+                  <a:ea typeface="宋体" panose="02010600030101010101" pitchFamily="2" charset="-122"/>
+                </a:rPr>
+                <a:t>三通道上分别的平均值</a:t>
+              </a:r>
+            </a:p>
+          </p:txBody>
+        </p:sp>
+        <p:cxnSp>
+          <p:nvCxnSpPr>
+            <p:cNvPr id="54" name="连接符: 肘形 53">
+              <a:extLst>
+                <a:ext uri="{FF2B5EF4-FFF2-40B4-BE49-F238E27FC236}">
+                  <a16:creationId xmlns:a16="http://schemas.microsoft.com/office/drawing/2014/main" id="{55855660-CB67-46A5-A99C-EA98B05F1740}"/>
+                </a:ext>
+              </a:extLst>
+            </p:cNvPr>
+            <p:cNvCxnSpPr>
+              <a:cxnSpLocks/>
+              <a:stCxn id="15" idx="2"/>
+              <a:endCxn id="8" idx="3"/>
+            </p:cNvCxnSpPr>
+            <p:nvPr/>
+          </p:nvCxnSpPr>
+          <p:spPr>
+            <a:xfrm rot="5400000">
+              <a:off x="3522200" y="5640656"/>
+              <a:ext cx="769346" cy="1931424"/>
+            </a:xfrm>
+            <a:prstGeom prst="bentConnector2">
+              <a:avLst/>
+            </a:prstGeom>
+            <a:ln w="19050">
+              <a:tailEnd type="triangle"/>
+            </a:ln>
+          </p:spPr>
+          <p:style>
+            <a:lnRef idx="1">
+              <a:schemeClr val="dk1"/>
+            </a:lnRef>
+            <a:fillRef idx="0">
+              <a:schemeClr val="dk1"/>
+            </a:fillRef>
+            <a:effectRef idx="0">
+              <a:schemeClr val="dk1"/>
+            </a:effectRef>
+            <a:fontRef idx="minor">
+              <a:schemeClr val="tx1"/>
+            </a:fontRef>
+          </p:style>
+        </p:cxnSp>
+        <p:cxnSp>
+          <p:nvCxnSpPr>
+            <p:cNvPr id="63" name="直接箭头连接符 62">
+              <a:extLst>
+                <a:ext uri="{FF2B5EF4-FFF2-40B4-BE49-F238E27FC236}">
+                  <a16:creationId xmlns:a16="http://schemas.microsoft.com/office/drawing/2014/main" id="{6BDDC9CC-BACE-40A7-B045-6A3D1C310DB4}"/>
+                </a:ext>
+              </a:extLst>
+            </p:cNvPr>
+            <p:cNvCxnSpPr>
+              <a:cxnSpLocks/>
+              <a:stCxn id="27" idx="2"/>
+              <a:endCxn id="11" idx="0"/>
+            </p:cNvCxnSpPr>
+            <p:nvPr/>
+          </p:nvCxnSpPr>
+          <p:spPr>
+            <a:xfrm>
+              <a:off x="2361414" y="3521075"/>
+              <a:ext cx="0" cy="310592"/>
+            </a:xfrm>
+            <a:prstGeom prst="straightConnector1">
+              <a:avLst/>
+            </a:prstGeom>
+            <a:ln w="19050">
+              <a:tailEnd type="triangle"/>
+            </a:ln>
+          </p:spPr>
+          <p:style>
+            <a:lnRef idx="1">
+              <a:schemeClr val="dk1"/>
+            </a:lnRef>
+            <a:fillRef idx="0">
+              <a:schemeClr val="dk1"/>
+            </a:fillRef>
+            <a:effectRef idx="0">
+              <a:schemeClr val="dk1"/>
+            </a:effectRef>
+            <a:fontRef idx="minor">
+              <a:schemeClr val="tx1"/>
+            </a:fontRef>
+          </p:style>
+        </p:cxnSp>
+        <p:cxnSp>
+          <p:nvCxnSpPr>
+            <p:cNvPr id="66" name="直接箭头连接符 65">
+              <a:extLst>
+                <a:ext uri="{FF2B5EF4-FFF2-40B4-BE49-F238E27FC236}">
+                  <a16:creationId xmlns:a16="http://schemas.microsoft.com/office/drawing/2014/main" id="{E11D1B84-AD84-42A4-B95C-93DBE359EE75}"/>
+                </a:ext>
+              </a:extLst>
+            </p:cNvPr>
+            <p:cNvCxnSpPr>
+              <a:cxnSpLocks/>
+              <a:stCxn id="24" idx="2"/>
+              <a:endCxn id="27" idx="0"/>
+            </p:cNvCxnSpPr>
+            <p:nvPr/>
+          </p:nvCxnSpPr>
+          <p:spPr>
+            <a:xfrm>
+              <a:off x="2361414" y="2488756"/>
+              <a:ext cx="0" cy="297028"/>
+            </a:xfrm>
+            <a:prstGeom prst="straightConnector1">
+              <a:avLst/>
+            </a:prstGeom>
+            <a:ln w="19050">
+              <a:tailEnd type="triangle"/>
+            </a:ln>
+          </p:spPr>
+          <p:style>
+            <a:lnRef idx="1">
+              <a:schemeClr val="dk1"/>
+            </a:lnRef>
+            <a:fillRef idx="0">
+              <a:schemeClr val="dk1"/>
+            </a:fillRef>
+            <a:effectRef idx="0">
+              <a:schemeClr val="dk1"/>
+            </a:effectRef>
+            <a:fontRef idx="minor">
+              <a:schemeClr val="tx1"/>
+            </a:fontRef>
+          </p:style>
+        </p:cxnSp>
+      </p:grpSp>
+    </p:spTree>
+    <p:extLst>
+      <p:ext uri="{BB962C8B-B14F-4D97-AF65-F5344CB8AC3E}">
+        <p14:creationId xmlns:p14="http://schemas.microsoft.com/office/powerpoint/2010/main" val="1986465365"/>
+      </p:ext>
+    </p:extLst>
+  </p:cSld>
+  <p:clrMapOvr>
+    <a:masterClrMapping/>
+  </p:clrMapOvr>
+</p:sld>
+</file>
+
 <file path=ppt/theme/theme1.xml><?xml version="1.0" encoding="utf-8"?>
 <a:theme xmlns:a="http://schemas.openxmlformats.org/drawingml/2006/main" name="Office 主题​​">
   <a:themeElements>

--- a/图像处理流程图.pptx
+++ b/图像处理流程图.pptx
@@ -10,6 +10,7 @@
     <p:sldId id="258" r:id="rId4"/>
     <p:sldId id="259" r:id="rId5"/>
     <p:sldId id="260" r:id="rId6"/>
+    <p:sldId id="261" r:id="rId7"/>
   </p:sldIdLst>
   <p:sldSz cx="12192000" cy="6858000"/>
   <p:notesSz cx="6858000" cy="9144000"/>
@@ -263,7 +264,7 @@
           <a:p>
             <a:fld id="{648AE971-6591-4C67-8226-CECCFE0F746A}" type="datetimeFigureOut">
               <a:rPr lang="zh-CN" altLang="en-US" smtClean="0"/>
-              <a:t>2018/12/19</a:t>
+              <a:t>2018/12/23</a:t>
             </a:fld>
             <a:endParaRPr lang="zh-CN" altLang="en-US"/>
           </a:p>
@@ -461,7 +462,7 @@
           <a:p>
             <a:fld id="{648AE971-6591-4C67-8226-CECCFE0F746A}" type="datetimeFigureOut">
               <a:rPr lang="zh-CN" altLang="en-US" smtClean="0"/>
-              <a:t>2018/12/19</a:t>
+              <a:t>2018/12/23</a:t>
             </a:fld>
             <a:endParaRPr lang="zh-CN" altLang="en-US"/>
           </a:p>
@@ -669,7 +670,7 @@
           <a:p>
             <a:fld id="{648AE971-6591-4C67-8226-CECCFE0F746A}" type="datetimeFigureOut">
               <a:rPr lang="zh-CN" altLang="en-US" smtClean="0"/>
-              <a:t>2018/12/19</a:t>
+              <a:t>2018/12/23</a:t>
             </a:fld>
             <a:endParaRPr lang="zh-CN" altLang="en-US"/>
           </a:p>
@@ -867,7 +868,7 @@
           <a:p>
             <a:fld id="{648AE971-6591-4C67-8226-CECCFE0F746A}" type="datetimeFigureOut">
               <a:rPr lang="zh-CN" altLang="en-US" smtClean="0"/>
-              <a:t>2018/12/19</a:t>
+              <a:t>2018/12/23</a:t>
             </a:fld>
             <a:endParaRPr lang="zh-CN" altLang="en-US"/>
           </a:p>
@@ -1142,7 +1143,7 @@
           <a:p>
             <a:fld id="{648AE971-6591-4C67-8226-CECCFE0F746A}" type="datetimeFigureOut">
               <a:rPr lang="zh-CN" altLang="en-US" smtClean="0"/>
-              <a:t>2018/12/19</a:t>
+              <a:t>2018/12/23</a:t>
             </a:fld>
             <a:endParaRPr lang="zh-CN" altLang="en-US"/>
           </a:p>
@@ -1407,7 +1408,7 @@
           <a:p>
             <a:fld id="{648AE971-6591-4C67-8226-CECCFE0F746A}" type="datetimeFigureOut">
               <a:rPr lang="zh-CN" altLang="en-US" smtClean="0"/>
-              <a:t>2018/12/19</a:t>
+              <a:t>2018/12/23</a:t>
             </a:fld>
             <a:endParaRPr lang="zh-CN" altLang="en-US"/>
           </a:p>
@@ -1819,7 +1820,7 @@
           <a:p>
             <a:fld id="{648AE971-6591-4C67-8226-CECCFE0F746A}" type="datetimeFigureOut">
               <a:rPr lang="zh-CN" altLang="en-US" smtClean="0"/>
-              <a:t>2018/12/19</a:t>
+              <a:t>2018/12/23</a:t>
             </a:fld>
             <a:endParaRPr lang="zh-CN" altLang="en-US"/>
           </a:p>
@@ -1960,7 +1961,7 @@
           <a:p>
             <a:fld id="{648AE971-6591-4C67-8226-CECCFE0F746A}" type="datetimeFigureOut">
               <a:rPr lang="zh-CN" altLang="en-US" smtClean="0"/>
-              <a:t>2018/12/19</a:t>
+              <a:t>2018/12/23</a:t>
             </a:fld>
             <a:endParaRPr lang="zh-CN" altLang="en-US"/>
           </a:p>
@@ -2073,7 +2074,7 @@
           <a:p>
             <a:fld id="{648AE971-6591-4C67-8226-CECCFE0F746A}" type="datetimeFigureOut">
               <a:rPr lang="zh-CN" altLang="en-US" smtClean="0"/>
-              <a:t>2018/12/19</a:t>
+              <a:t>2018/12/23</a:t>
             </a:fld>
             <a:endParaRPr lang="zh-CN" altLang="en-US"/>
           </a:p>
@@ -2384,7 +2385,7 @@
           <a:p>
             <a:fld id="{648AE971-6591-4C67-8226-CECCFE0F746A}" type="datetimeFigureOut">
               <a:rPr lang="zh-CN" altLang="en-US" smtClean="0"/>
-              <a:t>2018/12/19</a:t>
+              <a:t>2018/12/23</a:t>
             </a:fld>
             <a:endParaRPr lang="zh-CN" altLang="en-US"/>
           </a:p>
@@ -2672,7 +2673,7 @@
           <a:p>
             <a:fld id="{648AE971-6591-4C67-8226-CECCFE0F746A}" type="datetimeFigureOut">
               <a:rPr lang="zh-CN" altLang="en-US" smtClean="0"/>
-              <a:t>2018/12/19</a:t>
+              <a:t>2018/12/23</a:t>
             </a:fld>
             <a:endParaRPr lang="zh-CN" altLang="en-US"/>
           </a:p>
@@ -2913,7 +2914,7 @@
           <a:p>
             <a:fld id="{648AE971-6591-4C67-8226-CECCFE0F746A}" type="datetimeFigureOut">
               <a:rPr lang="zh-CN" altLang="en-US" smtClean="0"/>
-              <a:t>2018/12/19</a:t>
+              <a:t>2018/12/23</a:t>
             </a:fld>
             <a:endParaRPr lang="zh-CN" altLang="en-US"/>
           </a:p>
@@ -12595,6 +12596,1006 @@
 </p:sld>
 </file>
 
+<file path=ppt/slides/slide6.xml><?xml version="1.0" encoding="utf-8"?>
+<p:sld xmlns:a="http://schemas.openxmlformats.org/drawingml/2006/main" xmlns:r="http://schemas.openxmlformats.org/officeDocument/2006/relationships" xmlns:p="http://schemas.openxmlformats.org/presentationml/2006/main">
+  <p:cSld>
+    <p:spTree>
+      <p:nvGrpSpPr>
+        <p:cNvPr id="1" name=""/>
+        <p:cNvGrpSpPr/>
+        <p:nvPr/>
+      </p:nvGrpSpPr>
+      <p:grpSpPr>
+        <a:xfrm>
+          <a:off x="0" y="0"/>
+          <a:ext cx="0" cy="0"/>
+          <a:chOff x="0" y="0"/>
+          <a:chExt cx="0" cy="0"/>
+        </a:xfrm>
+      </p:grpSpPr>
+      <p:grpSp>
+        <p:nvGrpSpPr>
+          <p:cNvPr id="56" name="组合 55">
+            <a:extLst>
+              <a:ext uri="{FF2B5EF4-FFF2-40B4-BE49-F238E27FC236}">
+                <a16:creationId xmlns:a16="http://schemas.microsoft.com/office/drawing/2014/main" id="{7F0DB408-0D75-4398-8843-F7E5CE1858E0}"/>
+              </a:ext>
+            </a:extLst>
+          </p:cNvPr>
+          <p:cNvGrpSpPr/>
+          <p:nvPr/>
+        </p:nvGrpSpPr>
+        <p:grpSpPr>
+          <a:xfrm>
+            <a:off x="1450941" y="108404"/>
+            <a:ext cx="1838799" cy="7094694"/>
+            <a:chOff x="1450941" y="108404"/>
+            <a:chExt cx="1838799" cy="7094694"/>
+          </a:xfrm>
+        </p:grpSpPr>
+        <p:sp>
+          <p:nvSpPr>
+            <p:cNvPr id="5" name="矩形: 圆角 4">
+              <a:extLst>
+                <a:ext uri="{FF2B5EF4-FFF2-40B4-BE49-F238E27FC236}">
+                  <a16:creationId xmlns:a16="http://schemas.microsoft.com/office/drawing/2014/main" id="{B8E6457B-3CA2-457E-A040-6A6DEC973016}"/>
+                </a:ext>
+              </a:extLst>
+            </p:cNvPr>
+            <p:cNvSpPr/>
+            <p:nvPr/>
+          </p:nvSpPr>
+          <p:spPr>
+            <a:xfrm>
+              <a:off x="1781666" y="108404"/>
+              <a:ext cx="1159497" cy="527901"/>
+            </a:xfrm>
+            <a:prstGeom prst="roundRect">
+              <a:avLst/>
+            </a:prstGeom>
+            <a:noFill/>
+            <a:ln w="28575">
+              <a:solidFill>
+                <a:schemeClr val="tx1"/>
+              </a:solidFill>
+            </a:ln>
+          </p:spPr>
+          <p:style>
+            <a:lnRef idx="2">
+              <a:schemeClr val="accent1">
+                <a:shade val="50000"/>
+              </a:schemeClr>
+            </a:lnRef>
+            <a:fillRef idx="1">
+              <a:schemeClr val="accent1"/>
+            </a:fillRef>
+            <a:effectRef idx="0">
+              <a:schemeClr val="accent1"/>
+            </a:effectRef>
+            <a:fontRef idx="minor">
+              <a:schemeClr val="lt1"/>
+            </a:fontRef>
+          </p:style>
+          <p:txBody>
+            <a:bodyPr rtlCol="0" anchor="ctr"/>
+            <a:lstStyle/>
+            <a:p>
+              <a:pPr algn="ctr"/>
+              <a:r>
+                <a:rPr lang="zh-CN" altLang="en-US" dirty="0">
+                  <a:ln w="3175">
+                    <a:solidFill>
+                      <a:schemeClr val="tx1"/>
+                    </a:solidFill>
+                  </a:ln>
+                  <a:solidFill>
+                    <a:schemeClr val="tx1"/>
+                  </a:solidFill>
+                  <a:latin typeface="宋体" panose="02010600030101010101" pitchFamily="2" charset="-122"/>
+                  <a:ea typeface="宋体" panose="02010600030101010101" pitchFamily="2" charset="-122"/>
+                </a:rPr>
+                <a:t>开始</a:t>
+              </a:r>
+            </a:p>
+          </p:txBody>
+        </p:sp>
+        <p:sp>
+          <p:nvSpPr>
+            <p:cNvPr id="6" name="矩形 5">
+              <a:extLst>
+                <a:ext uri="{FF2B5EF4-FFF2-40B4-BE49-F238E27FC236}">
+                  <a16:creationId xmlns:a16="http://schemas.microsoft.com/office/drawing/2014/main" id="{7D270FFC-93F6-423B-921F-520F20EAD9F3}"/>
+                </a:ext>
+              </a:extLst>
+            </p:cNvPr>
+            <p:cNvSpPr/>
+            <p:nvPr/>
+          </p:nvSpPr>
+          <p:spPr>
+            <a:xfrm>
+              <a:off x="1734534" y="928536"/>
+              <a:ext cx="1263194" cy="527901"/>
+            </a:xfrm>
+            <a:prstGeom prst="rect">
+              <a:avLst/>
+            </a:prstGeom>
+            <a:noFill/>
+            <a:ln w="28575">
+              <a:solidFill>
+                <a:schemeClr val="tx1"/>
+              </a:solidFill>
+            </a:ln>
+          </p:spPr>
+          <p:style>
+            <a:lnRef idx="2">
+              <a:schemeClr val="accent1">
+                <a:shade val="50000"/>
+              </a:schemeClr>
+            </a:lnRef>
+            <a:fillRef idx="1">
+              <a:schemeClr val="accent1"/>
+            </a:fillRef>
+            <a:effectRef idx="0">
+              <a:schemeClr val="accent1"/>
+            </a:effectRef>
+            <a:fontRef idx="minor">
+              <a:schemeClr val="lt1"/>
+            </a:fontRef>
+          </p:style>
+          <p:txBody>
+            <a:bodyPr rtlCol="0" anchor="ctr"/>
+            <a:lstStyle/>
+            <a:p>
+              <a:pPr algn="ctr"/>
+              <a:r>
+                <a:rPr lang="zh-CN" altLang="en-US" dirty="0">
+                  <a:ln w="3175">
+                    <a:solidFill>
+                      <a:schemeClr val="tx1"/>
+                    </a:solidFill>
+                  </a:ln>
+                  <a:solidFill>
+                    <a:schemeClr val="tx1"/>
+                  </a:solidFill>
+                  <a:latin typeface="宋体" panose="02010600030101010101" pitchFamily="2" charset="-122"/>
+                  <a:ea typeface="宋体" panose="02010600030101010101" pitchFamily="2" charset="-122"/>
+                </a:rPr>
+                <a:t>读入图片</a:t>
+              </a:r>
+            </a:p>
+          </p:txBody>
+        </p:sp>
+        <p:sp>
+          <p:nvSpPr>
+            <p:cNvPr id="7" name="矩形: 圆角 6">
+              <a:extLst>
+                <a:ext uri="{FF2B5EF4-FFF2-40B4-BE49-F238E27FC236}">
+                  <a16:creationId xmlns:a16="http://schemas.microsoft.com/office/drawing/2014/main" id="{0780C680-94D8-4873-9CA2-69C30BF0CDD0}"/>
+                </a:ext>
+              </a:extLst>
+            </p:cNvPr>
+            <p:cNvSpPr/>
+            <p:nvPr/>
+          </p:nvSpPr>
+          <p:spPr>
+            <a:xfrm>
+              <a:off x="1793895" y="6712904"/>
+              <a:ext cx="1159497" cy="490194"/>
+            </a:xfrm>
+            <a:prstGeom prst="roundRect">
+              <a:avLst/>
+            </a:prstGeom>
+            <a:noFill/>
+            <a:ln w="28575">
+              <a:solidFill>
+                <a:schemeClr val="tx1"/>
+              </a:solidFill>
+            </a:ln>
+          </p:spPr>
+          <p:style>
+            <a:lnRef idx="2">
+              <a:schemeClr val="accent1">
+                <a:shade val="50000"/>
+              </a:schemeClr>
+            </a:lnRef>
+            <a:fillRef idx="1">
+              <a:schemeClr val="accent1"/>
+            </a:fillRef>
+            <a:effectRef idx="0">
+              <a:schemeClr val="accent1"/>
+            </a:effectRef>
+            <a:fontRef idx="minor">
+              <a:schemeClr val="lt1"/>
+            </a:fontRef>
+          </p:style>
+          <p:txBody>
+            <a:bodyPr rtlCol="0" anchor="ctr"/>
+            <a:lstStyle/>
+            <a:p>
+              <a:pPr algn="ctr"/>
+              <a:r>
+                <a:rPr lang="zh-CN" altLang="en-US" dirty="0">
+                  <a:ln w="3175">
+                    <a:solidFill>
+                      <a:schemeClr val="tx1"/>
+                    </a:solidFill>
+                  </a:ln>
+                  <a:solidFill>
+                    <a:schemeClr val="tx1"/>
+                  </a:solidFill>
+                  <a:latin typeface="宋体" panose="02010600030101010101" pitchFamily="2" charset="-122"/>
+                  <a:ea typeface="宋体" panose="02010600030101010101" pitchFamily="2" charset="-122"/>
+                </a:rPr>
+                <a:t>结束</a:t>
+              </a:r>
+            </a:p>
+          </p:txBody>
+        </p:sp>
+        <p:cxnSp>
+          <p:nvCxnSpPr>
+            <p:cNvPr id="8" name="直接箭头连接符 7">
+              <a:extLst>
+                <a:ext uri="{FF2B5EF4-FFF2-40B4-BE49-F238E27FC236}">
+                  <a16:creationId xmlns:a16="http://schemas.microsoft.com/office/drawing/2014/main" id="{E24BD315-8FBF-4A56-AFB0-96766A35C796}"/>
+                </a:ext>
+              </a:extLst>
+            </p:cNvPr>
+            <p:cNvCxnSpPr>
+              <a:cxnSpLocks/>
+              <a:stCxn id="5" idx="2"/>
+              <a:endCxn id="6" idx="0"/>
+            </p:cNvCxnSpPr>
+            <p:nvPr/>
+          </p:nvCxnSpPr>
+          <p:spPr>
+            <a:xfrm>
+              <a:off x="2361415" y="636305"/>
+              <a:ext cx="4716" cy="292231"/>
+            </a:xfrm>
+            <a:prstGeom prst="straightConnector1">
+              <a:avLst/>
+            </a:prstGeom>
+            <a:ln w="19050">
+              <a:tailEnd type="triangle"/>
+            </a:ln>
+          </p:spPr>
+          <p:style>
+            <a:lnRef idx="1">
+              <a:schemeClr val="dk1"/>
+            </a:lnRef>
+            <a:fillRef idx="0">
+              <a:schemeClr val="dk1"/>
+            </a:fillRef>
+            <a:effectRef idx="0">
+              <a:schemeClr val="dk1"/>
+            </a:effectRef>
+            <a:fontRef idx="minor">
+              <a:schemeClr val="tx1"/>
+            </a:fontRef>
+          </p:style>
+        </p:cxnSp>
+        <p:sp>
+          <p:nvSpPr>
+            <p:cNvPr id="9" name="矩形 8">
+              <a:extLst>
+                <a:ext uri="{FF2B5EF4-FFF2-40B4-BE49-F238E27FC236}">
+                  <a16:creationId xmlns:a16="http://schemas.microsoft.com/office/drawing/2014/main" id="{06699748-F761-4B42-8A63-E4E967B3F8F5}"/>
+                </a:ext>
+              </a:extLst>
+            </p:cNvPr>
+            <p:cNvSpPr/>
+            <p:nvPr/>
+          </p:nvSpPr>
+          <p:spPr>
+            <a:xfrm>
+              <a:off x="1460391" y="3452333"/>
+              <a:ext cx="1820971" cy="493661"/>
+            </a:xfrm>
+            <a:prstGeom prst="rect">
+              <a:avLst/>
+            </a:prstGeom>
+            <a:noFill/>
+            <a:ln w="28575">
+              <a:solidFill>
+                <a:schemeClr val="tx1"/>
+              </a:solidFill>
+            </a:ln>
+          </p:spPr>
+          <p:style>
+            <a:lnRef idx="2">
+              <a:schemeClr val="accent1">
+                <a:shade val="50000"/>
+              </a:schemeClr>
+            </a:lnRef>
+            <a:fillRef idx="1">
+              <a:schemeClr val="accent1"/>
+            </a:fillRef>
+            <a:effectRef idx="0">
+              <a:schemeClr val="accent1"/>
+            </a:effectRef>
+            <a:fontRef idx="minor">
+              <a:schemeClr val="lt1"/>
+            </a:fontRef>
+          </p:style>
+          <p:txBody>
+            <a:bodyPr rtlCol="0" anchor="ctr"/>
+            <a:lstStyle/>
+            <a:p>
+              <a:pPr algn="ctr"/>
+              <a:r>
+                <a:rPr lang="zh-CN" altLang="en-US" dirty="0">
+                  <a:ln w="3175">
+                    <a:solidFill>
+                      <a:schemeClr val="tx1"/>
+                    </a:solidFill>
+                  </a:ln>
+                  <a:solidFill>
+                    <a:schemeClr val="tx1"/>
+                  </a:solidFill>
+                </a:rPr>
+                <a:t>霍夫变换</a:t>
+              </a:r>
+            </a:p>
+          </p:txBody>
+        </p:sp>
+        <p:cxnSp>
+          <p:nvCxnSpPr>
+            <p:cNvPr id="14" name="直接箭头连接符 13">
+              <a:extLst>
+                <a:ext uri="{FF2B5EF4-FFF2-40B4-BE49-F238E27FC236}">
+                  <a16:creationId xmlns:a16="http://schemas.microsoft.com/office/drawing/2014/main" id="{D6D44F18-5913-4DB5-9788-0862AC8EA945}"/>
+                </a:ext>
+              </a:extLst>
+            </p:cNvPr>
+            <p:cNvCxnSpPr>
+              <a:cxnSpLocks/>
+              <a:stCxn id="6" idx="2"/>
+              <a:endCxn id="18" idx="0"/>
+            </p:cNvCxnSpPr>
+            <p:nvPr/>
+          </p:nvCxnSpPr>
+          <p:spPr>
+            <a:xfrm>
+              <a:off x="2366131" y="1456437"/>
+              <a:ext cx="4420" cy="286931"/>
+            </a:xfrm>
+            <a:prstGeom prst="straightConnector1">
+              <a:avLst/>
+            </a:prstGeom>
+            <a:ln w="19050">
+              <a:tailEnd type="triangle"/>
+            </a:ln>
+          </p:spPr>
+          <p:style>
+            <a:lnRef idx="1">
+              <a:schemeClr val="dk1"/>
+            </a:lnRef>
+            <a:fillRef idx="0">
+              <a:schemeClr val="dk1"/>
+            </a:fillRef>
+            <a:effectRef idx="0">
+              <a:schemeClr val="dk1"/>
+            </a:effectRef>
+            <a:fontRef idx="minor">
+              <a:schemeClr val="tx1"/>
+            </a:fontRef>
+          </p:style>
+        </p:cxnSp>
+        <p:sp>
+          <p:nvSpPr>
+            <p:cNvPr id="18" name="矩形 17">
+              <a:extLst>
+                <a:ext uri="{FF2B5EF4-FFF2-40B4-BE49-F238E27FC236}">
+                  <a16:creationId xmlns:a16="http://schemas.microsoft.com/office/drawing/2014/main" id="{2EDDC8F1-F40A-46A2-A5BE-00BBE1C86179}"/>
+                </a:ext>
+              </a:extLst>
+            </p:cNvPr>
+            <p:cNvSpPr/>
+            <p:nvPr/>
+          </p:nvSpPr>
+          <p:spPr>
+            <a:xfrm>
+              <a:off x="1451361" y="1743368"/>
+              <a:ext cx="1838379" cy="552222"/>
+            </a:xfrm>
+            <a:prstGeom prst="rect">
+              <a:avLst/>
+            </a:prstGeom>
+            <a:noFill/>
+            <a:ln w="28575">
+              <a:solidFill>
+                <a:schemeClr val="tx1"/>
+              </a:solidFill>
+            </a:ln>
+          </p:spPr>
+          <p:style>
+            <a:lnRef idx="2">
+              <a:schemeClr val="accent1">
+                <a:shade val="50000"/>
+              </a:schemeClr>
+            </a:lnRef>
+            <a:fillRef idx="1">
+              <a:schemeClr val="accent1"/>
+            </a:fillRef>
+            <a:effectRef idx="0">
+              <a:schemeClr val="accent1"/>
+            </a:effectRef>
+            <a:fontRef idx="minor">
+              <a:schemeClr val="lt1"/>
+            </a:fontRef>
+          </p:style>
+          <p:txBody>
+            <a:bodyPr rtlCol="0" anchor="ctr"/>
+            <a:lstStyle/>
+            <a:p>
+              <a:pPr algn="ctr"/>
+              <a:r>
+                <a:rPr lang="en-US" altLang="zh-CN" dirty="0">
+                  <a:ln w="3175">
+                    <a:solidFill>
+                      <a:schemeClr val="tx1"/>
+                    </a:solidFill>
+                  </a:ln>
+                  <a:solidFill>
+                    <a:schemeClr val="tx1"/>
+                  </a:solidFill>
+                  <a:latin typeface="宋体" panose="02010600030101010101" pitchFamily="2" charset="-122"/>
+                  <a:ea typeface="宋体" panose="02010600030101010101" pitchFamily="2" charset="-122"/>
+                </a:rPr>
+                <a:t>Sobel</a:t>
+              </a:r>
+              <a:r>
+                <a:rPr lang="zh-CN" altLang="en-US" dirty="0">
+                  <a:ln w="3175">
+                    <a:solidFill>
+                      <a:schemeClr val="tx1"/>
+                    </a:solidFill>
+                  </a:ln>
+                  <a:solidFill>
+                    <a:schemeClr val="tx1"/>
+                  </a:solidFill>
+                  <a:latin typeface="宋体" panose="02010600030101010101" pitchFamily="2" charset="-122"/>
+                  <a:ea typeface="宋体" panose="02010600030101010101" pitchFamily="2" charset="-122"/>
+                </a:rPr>
+                <a:t>边缘检测</a:t>
+              </a:r>
+            </a:p>
+          </p:txBody>
+        </p:sp>
+        <p:sp>
+          <p:nvSpPr>
+            <p:cNvPr id="19" name="矩形 18">
+              <a:extLst>
+                <a:ext uri="{FF2B5EF4-FFF2-40B4-BE49-F238E27FC236}">
+                  <a16:creationId xmlns:a16="http://schemas.microsoft.com/office/drawing/2014/main" id="{C215AED9-470F-4E01-98D6-CA15867CBC27}"/>
+                </a:ext>
+              </a:extLst>
+            </p:cNvPr>
+            <p:cNvSpPr/>
+            <p:nvPr/>
+          </p:nvSpPr>
+          <p:spPr>
+            <a:xfrm>
+              <a:off x="1670070" y="2624001"/>
+              <a:ext cx="1400961" cy="493661"/>
+            </a:xfrm>
+            <a:prstGeom prst="rect">
+              <a:avLst/>
+            </a:prstGeom>
+            <a:noFill/>
+            <a:ln w="28575">
+              <a:solidFill>
+                <a:schemeClr val="tx1"/>
+              </a:solidFill>
+            </a:ln>
+          </p:spPr>
+          <p:style>
+            <a:lnRef idx="2">
+              <a:schemeClr val="accent1">
+                <a:shade val="50000"/>
+              </a:schemeClr>
+            </a:lnRef>
+            <a:fillRef idx="1">
+              <a:schemeClr val="accent1"/>
+            </a:fillRef>
+            <a:effectRef idx="0">
+              <a:schemeClr val="accent1"/>
+            </a:effectRef>
+            <a:fontRef idx="minor">
+              <a:schemeClr val="lt1"/>
+            </a:fontRef>
+          </p:style>
+          <p:txBody>
+            <a:bodyPr rtlCol="0" anchor="ctr"/>
+            <a:lstStyle/>
+            <a:p>
+              <a:pPr algn="ctr"/>
+              <a:r>
+                <a:rPr lang="zh-CN" altLang="en-US" dirty="0">
+                  <a:ln w="3175">
+                    <a:solidFill>
+                      <a:schemeClr val="tx1"/>
+                    </a:solidFill>
+                  </a:ln>
+                  <a:solidFill>
+                    <a:schemeClr val="tx1"/>
+                  </a:solidFill>
+                  <a:latin typeface="宋体" panose="02010600030101010101" pitchFamily="2" charset="-122"/>
+                  <a:ea typeface="宋体" panose="02010600030101010101" pitchFamily="2" charset="-122"/>
+                </a:rPr>
+                <a:t>二值化</a:t>
+              </a:r>
+            </a:p>
+          </p:txBody>
+        </p:sp>
+        <p:cxnSp>
+          <p:nvCxnSpPr>
+            <p:cNvPr id="21" name="直接箭头连接符 20">
+              <a:extLst>
+                <a:ext uri="{FF2B5EF4-FFF2-40B4-BE49-F238E27FC236}">
+                  <a16:creationId xmlns:a16="http://schemas.microsoft.com/office/drawing/2014/main" id="{6F2F5E30-8CDF-40F6-9F3F-1187F0CD48BD}"/>
+                </a:ext>
+              </a:extLst>
+            </p:cNvPr>
+            <p:cNvCxnSpPr>
+              <a:cxnSpLocks/>
+              <a:stCxn id="19" idx="2"/>
+              <a:endCxn id="9" idx="0"/>
+            </p:cNvCxnSpPr>
+            <p:nvPr/>
+          </p:nvCxnSpPr>
+          <p:spPr>
+            <a:xfrm>
+              <a:off x="2370551" y="3117662"/>
+              <a:ext cx="326" cy="334671"/>
+            </a:xfrm>
+            <a:prstGeom prst="straightConnector1">
+              <a:avLst/>
+            </a:prstGeom>
+            <a:ln w="19050">
+              <a:tailEnd type="triangle"/>
+            </a:ln>
+          </p:spPr>
+          <p:style>
+            <a:lnRef idx="1">
+              <a:schemeClr val="dk1"/>
+            </a:lnRef>
+            <a:fillRef idx="0">
+              <a:schemeClr val="dk1"/>
+            </a:fillRef>
+            <a:effectRef idx="0">
+              <a:schemeClr val="dk1"/>
+            </a:effectRef>
+            <a:fontRef idx="minor">
+              <a:schemeClr val="tx1"/>
+            </a:fontRef>
+          </p:style>
+        </p:cxnSp>
+        <p:cxnSp>
+          <p:nvCxnSpPr>
+            <p:cNvPr id="22" name="直接箭头连接符 21">
+              <a:extLst>
+                <a:ext uri="{FF2B5EF4-FFF2-40B4-BE49-F238E27FC236}">
+                  <a16:creationId xmlns:a16="http://schemas.microsoft.com/office/drawing/2014/main" id="{E2F283B5-BE5D-4C88-AF21-7D0DF6814C6F}"/>
+                </a:ext>
+              </a:extLst>
+            </p:cNvPr>
+            <p:cNvCxnSpPr>
+              <a:cxnSpLocks/>
+              <a:stCxn id="18" idx="2"/>
+              <a:endCxn id="19" idx="0"/>
+            </p:cNvCxnSpPr>
+            <p:nvPr/>
+          </p:nvCxnSpPr>
+          <p:spPr>
+            <a:xfrm>
+              <a:off x="2370551" y="2295590"/>
+              <a:ext cx="0" cy="328411"/>
+            </a:xfrm>
+            <a:prstGeom prst="straightConnector1">
+              <a:avLst/>
+            </a:prstGeom>
+            <a:ln w="19050">
+              <a:tailEnd type="triangle"/>
+            </a:ln>
+          </p:spPr>
+          <p:style>
+            <a:lnRef idx="1">
+              <a:schemeClr val="dk1"/>
+            </a:lnRef>
+            <a:fillRef idx="0">
+              <a:schemeClr val="dk1"/>
+            </a:fillRef>
+            <a:effectRef idx="0">
+              <a:schemeClr val="dk1"/>
+            </a:effectRef>
+            <a:fontRef idx="minor">
+              <a:schemeClr val="tx1"/>
+            </a:fontRef>
+          </p:style>
+        </p:cxnSp>
+        <p:sp>
+          <p:nvSpPr>
+            <p:cNvPr id="37" name="矩形 36">
+              <a:extLst>
+                <a:ext uri="{FF2B5EF4-FFF2-40B4-BE49-F238E27FC236}">
+                  <a16:creationId xmlns:a16="http://schemas.microsoft.com/office/drawing/2014/main" id="{8B5F95B5-0BB5-46B0-9300-8A54E32AE01D}"/>
+                </a:ext>
+              </a:extLst>
+            </p:cNvPr>
+            <p:cNvSpPr/>
+            <p:nvPr/>
+          </p:nvSpPr>
+          <p:spPr>
+            <a:xfrm>
+              <a:off x="1460886" y="5139243"/>
+              <a:ext cx="1820971" cy="493661"/>
+            </a:xfrm>
+            <a:prstGeom prst="rect">
+              <a:avLst/>
+            </a:prstGeom>
+            <a:noFill/>
+            <a:ln w="28575">
+              <a:solidFill>
+                <a:schemeClr val="tx1"/>
+              </a:solidFill>
+            </a:ln>
+          </p:spPr>
+          <p:style>
+            <a:lnRef idx="2">
+              <a:schemeClr val="accent1">
+                <a:shade val="50000"/>
+              </a:schemeClr>
+            </a:lnRef>
+            <a:fillRef idx="1">
+              <a:schemeClr val="accent1"/>
+            </a:fillRef>
+            <a:effectRef idx="0">
+              <a:schemeClr val="accent1"/>
+            </a:effectRef>
+            <a:fontRef idx="minor">
+              <a:schemeClr val="lt1"/>
+            </a:fontRef>
+          </p:style>
+          <p:txBody>
+            <a:bodyPr rtlCol="0" anchor="ctr"/>
+            <a:lstStyle/>
+            <a:p>
+              <a:pPr algn="ctr"/>
+              <a:r>
+                <a:rPr lang="zh-CN" altLang="en-US" dirty="0">
+                  <a:ln w="3175">
+                    <a:solidFill>
+                      <a:schemeClr val="tx1"/>
+                    </a:solidFill>
+                  </a:ln>
+                  <a:solidFill>
+                    <a:schemeClr val="tx1"/>
+                  </a:solidFill>
+                </a:rPr>
+                <a:t>非极大值抑制</a:t>
+              </a:r>
+            </a:p>
+          </p:txBody>
+        </p:sp>
+        <p:sp>
+          <p:nvSpPr>
+            <p:cNvPr id="38" name="矩形 37">
+              <a:extLst>
+                <a:ext uri="{FF2B5EF4-FFF2-40B4-BE49-F238E27FC236}">
+                  <a16:creationId xmlns:a16="http://schemas.microsoft.com/office/drawing/2014/main" id="{BE2B4D9D-2AAC-4190-805C-58F861F6BE37}"/>
+                </a:ext>
+              </a:extLst>
+            </p:cNvPr>
+            <p:cNvSpPr/>
+            <p:nvPr/>
+          </p:nvSpPr>
+          <p:spPr>
+            <a:xfrm>
+              <a:off x="1673284" y="4274405"/>
+              <a:ext cx="1400961" cy="493661"/>
+            </a:xfrm>
+            <a:prstGeom prst="rect">
+              <a:avLst/>
+            </a:prstGeom>
+            <a:noFill/>
+            <a:ln w="28575">
+              <a:solidFill>
+                <a:schemeClr val="tx1"/>
+              </a:solidFill>
+            </a:ln>
+          </p:spPr>
+          <p:style>
+            <a:lnRef idx="2">
+              <a:schemeClr val="accent1">
+                <a:shade val="50000"/>
+              </a:schemeClr>
+            </a:lnRef>
+            <a:fillRef idx="1">
+              <a:schemeClr val="accent1"/>
+            </a:fillRef>
+            <a:effectRef idx="0">
+              <a:schemeClr val="accent1"/>
+            </a:effectRef>
+            <a:fontRef idx="minor">
+              <a:schemeClr val="lt1"/>
+            </a:fontRef>
+          </p:style>
+          <p:txBody>
+            <a:bodyPr rtlCol="0" anchor="ctr"/>
+            <a:lstStyle/>
+            <a:p>
+              <a:pPr algn="ctr"/>
+              <a:r>
+                <a:rPr lang="zh-CN" altLang="en-US" dirty="0">
+                  <a:ln w="3175">
+                    <a:solidFill>
+                      <a:schemeClr val="tx1"/>
+                    </a:solidFill>
+                  </a:ln>
+                  <a:solidFill>
+                    <a:schemeClr val="tx1"/>
+                  </a:solidFill>
+                  <a:latin typeface="宋体" panose="02010600030101010101" pitchFamily="2" charset="-122"/>
+                  <a:ea typeface="宋体" panose="02010600030101010101" pitchFamily="2" charset="-122"/>
+                </a:rPr>
+                <a:t>统计交点</a:t>
+              </a:r>
+            </a:p>
+          </p:txBody>
+        </p:sp>
+        <p:cxnSp>
+          <p:nvCxnSpPr>
+            <p:cNvPr id="39" name="直接箭头连接符 38">
+              <a:extLst>
+                <a:ext uri="{FF2B5EF4-FFF2-40B4-BE49-F238E27FC236}">
+                  <a16:creationId xmlns:a16="http://schemas.microsoft.com/office/drawing/2014/main" id="{5843D17D-AC5D-422F-9A91-D95A89AFD8B0}"/>
+                </a:ext>
+              </a:extLst>
+            </p:cNvPr>
+            <p:cNvCxnSpPr>
+              <a:cxnSpLocks/>
+              <a:stCxn id="38" idx="2"/>
+              <a:endCxn id="37" idx="0"/>
+            </p:cNvCxnSpPr>
+            <p:nvPr/>
+          </p:nvCxnSpPr>
+          <p:spPr>
+            <a:xfrm flipH="1">
+              <a:off x="2371372" y="4768066"/>
+              <a:ext cx="2393" cy="371177"/>
+            </a:xfrm>
+            <a:prstGeom prst="straightConnector1">
+              <a:avLst/>
+            </a:prstGeom>
+            <a:ln w="19050">
+              <a:tailEnd type="triangle"/>
+            </a:ln>
+          </p:spPr>
+          <p:style>
+            <a:lnRef idx="1">
+              <a:schemeClr val="dk1"/>
+            </a:lnRef>
+            <a:fillRef idx="0">
+              <a:schemeClr val="dk1"/>
+            </a:fillRef>
+            <a:effectRef idx="0">
+              <a:schemeClr val="dk1"/>
+            </a:effectRef>
+            <a:fontRef idx="minor">
+              <a:schemeClr val="tx1"/>
+            </a:fontRef>
+          </p:style>
+        </p:cxnSp>
+        <p:sp>
+          <p:nvSpPr>
+            <p:cNvPr id="41" name="矩形 40">
+              <a:extLst>
+                <a:ext uri="{FF2B5EF4-FFF2-40B4-BE49-F238E27FC236}">
+                  <a16:creationId xmlns:a16="http://schemas.microsoft.com/office/drawing/2014/main" id="{345145AC-E869-4A4B-8C94-A6FDFC451B6F}"/>
+                </a:ext>
+              </a:extLst>
+            </p:cNvPr>
+            <p:cNvSpPr/>
+            <p:nvPr/>
+          </p:nvSpPr>
+          <p:spPr>
+            <a:xfrm>
+              <a:off x="1450941" y="5929464"/>
+              <a:ext cx="1838379" cy="493661"/>
+            </a:xfrm>
+            <a:prstGeom prst="rect">
+              <a:avLst/>
+            </a:prstGeom>
+            <a:noFill/>
+            <a:ln w="28575">
+              <a:solidFill>
+                <a:schemeClr val="tx1"/>
+              </a:solidFill>
+            </a:ln>
+          </p:spPr>
+          <p:style>
+            <a:lnRef idx="2">
+              <a:schemeClr val="accent1">
+                <a:shade val="50000"/>
+              </a:schemeClr>
+            </a:lnRef>
+            <a:fillRef idx="1">
+              <a:schemeClr val="accent1"/>
+            </a:fillRef>
+            <a:effectRef idx="0">
+              <a:schemeClr val="accent1"/>
+            </a:effectRef>
+            <a:fontRef idx="minor">
+              <a:schemeClr val="lt1"/>
+            </a:fontRef>
+          </p:style>
+          <p:txBody>
+            <a:bodyPr rtlCol="0" anchor="ctr"/>
+            <a:lstStyle/>
+            <a:p>
+              <a:pPr algn="ctr"/>
+              <a:r>
+                <a:rPr lang="zh-CN" altLang="en-US" dirty="0">
+                  <a:ln w="3175">
+                    <a:solidFill>
+                      <a:schemeClr val="tx1"/>
+                    </a:solidFill>
+                  </a:ln>
+                  <a:solidFill>
+                    <a:schemeClr val="tx1"/>
+                  </a:solidFill>
+                  <a:latin typeface="宋体" panose="02010600030101010101" pitchFamily="2" charset="-122"/>
+                  <a:ea typeface="宋体" panose="02010600030101010101" pitchFamily="2" charset="-122"/>
+                </a:rPr>
+                <a:t>画线标记结果</a:t>
+              </a:r>
+            </a:p>
+          </p:txBody>
+        </p:sp>
+        <p:cxnSp>
+          <p:nvCxnSpPr>
+            <p:cNvPr id="42" name="直接箭头连接符 41">
+              <a:extLst>
+                <a:ext uri="{FF2B5EF4-FFF2-40B4-BE49-F238E27FC236}">
+                  <a16:creationId xmlns:a16="http://schemas.microsoft.com/office/drawing/2014/main" id="{459C8C9D-3E23-460E-AD93-0E6C90769987}"/>
+                </a:ext>
+              </a:extLst>
+            </p:cNvPr>
+            <p:cNvCxnSpPr>
+              <a:cxnSpLocks/>
+              <a:stCxn id="41" idx="2"/>
+              <a:endCxn id="7" idx="0"/>
+            </p:cNvCxnSpPr>
+            <p:nvPr/>
+          </p:nvCxnSpPr>
+          <p:spPr>
+            <a:xfrm>
+              <a:off x="2370131" y="6423125"/>
+              <a:ext cx="3513" cy="289779"/>
+            </a:xfrm>
+            <a:prstGeom prst="straightConnector1">
+              <a:avLst/>
+            </a:prstGeom>
+            <a:ln w="19050">
+              <a:tailEnd type="triangle"/>
+            </a:ln>
+          </p:spPr>
+          <p:style>
+            <a:lnRef idx="1">
+              <a:schemeClr val="dk1"/>
+            </a:lnRef>
+            <a:fillRef idx="0">
+              <a:schemeClr val="dk1"/>
+            </a:fillRef>
+            <a:effectRef idx="0">
+              <a:schemeClr val="dk1"/>
+            </a:effectRef>
+            <a:fontRef idx="minor">
+              <a:schemeClr val="tx1"/>
+            </a:fontRef>
+          </p:style>
+        </p:cxnSp>
+        <p:cxnSp>
+          <p:nvCxnSpPr>
+            <p:cNvPr id="48" name="直接箭头连接符 47">
+              <a:extLst>
+                <a:ext uri="{FF2B5EF4-FFF2-40B4-BE49-F238E27FC236}">
+                  <a16:creationId xmlns:a16="http://schemas.microsoft.com/office/drawing/2014/main" id="{160C1884-3E65-4150-B3F6-161E3DBCDA17}"/>
+                </a:ext>
+              </a:extLst>
+            </p:cNvPr>
+            <p:cNvCxnSpPr>
+              <a:cxnSpLocks/>
+              <a:stCxn id="9" idx="2"/>
+              <a:endCxn id="38" idx="0"/>
+            </p:cNvCxnSpPr>
+            <p:nvPr/>
+          </p:nvCxnSpPr>
+          <p:spPr>
+            <a:xfrm>
+              <a:off x="2370877" y="3945994"/>
+              <a:ext cx="2888" cy="328411"/>
+            </a:xfrm>
+            <a:prstGeom prst="straightConnector1">
+              <a:avLst/>
+            </a:prstGeom>
+            <a:ln w="19050">
+              <a:tailEnd type="triangle"/>
+            </a:ln>
+          </p:spPr>
+          <p:style>
+            <a:lnRef idx="1">
+              <a:schemeClr val="dk1"/>
+            </a:lnRef>
+            <a:fillRef idx="0">
+              <a:schemeClr val="dk1"/>
+            </a:fillRef>
+            <a:effectRef idx="0">
+              <a:schemeClr val="dk1"/>
+            </a:effectRef>
+            <a:fontRef idx="minor">
+              <a:schemeClr val="tx1"/>
+            </a:fontRef>
+          </p:style>
+        </p:cxnSp>
+        <p:cxnSp>
+          <p:nvCxnSpPr>
+            <p:cNvPr id="52" name="直接箭头连接符 51">
+              <a:extLst>
+                <a:ext uri="{FF2B5EF4-FFF2-40B4-BE49-F238E27FC236}">
+                  <a16:creationId xmlns:a16="http://schemas.microsoft.com/office/drawing/2014/main" id="{F4B3AD2A-B443-4DEC-A282-33BC0267D517}"/>
+                </a:ext>
+              </a:extLst>
+            </p:cNvPr>
+            <p:cNvCxnSpPr>
+              <a:cxnSpLocks/>
+              <a:stCxn id="37" idx="2"/>
+              <a:endCxn id="41" idx="0"/>
+            </p:cNvCxnSpPr>
+            <p:nvPr/>
+          </p:nvCxnSpPr>
+          <p:spPr>
+            <a:xfrm flipH="1">
+              <a:off x="2370131" y="5632904"/>
+              <a:ext cx="1241" cy="296560"/>
+            </a:xfrm>
+            <a:prstGeom prst="straightConnector1">
+              <a:avLst/>
+            </a:prstGeom>
+            <a:ln w="19050">
+              <a:tailEnd type="triangle"/>
+            </a:ln>
+          </p:spPr>
+          <p:style>
+            <a:lnRef idx="1">
+              <a:schemeClr val="dk1"/>
+            </a:lnRef>
+            <a:fillRef idx="0">
+              <a:schemeClr val="dk1"/>
+            </a:fillRef>
+            <a:effectRef idx="0">
+              <a:schemeClr val="dk1"/>
+            </a:effectRef>
+            <a:fontRef idx="minor">
+              <a:schemeClr val="tx1"/>
+            </a:fontRef>
+          </p:style>
+        </p:cxnSp>
+      </p:grpSp>
+    </p:spTree>
+    <p:extLst>
+      <p:ext uri="{BB962C8B-B14F-4D97-AF65-F5344CB8AC3E}">
+        <p14:creationId xmlns:p14="http://schemas.microsoft.com/office/powerpoint/2010/main" val="3664587289"/>
+      </p:ext>
+    </p:extLst>
+  </p:cSld>
+  <p:clrMapOvr>
+    <a:masterClrMapping/>
+  </p:clrMapOvr>
+</p:sld>
+</file>
+
 <file path=ppt/theme/theme1.xml><?xml version="1.0" encoding="utf-8"?>
 <a:theme xmlns:a="http://schemas.openxmlformats.org/drawingml/2006/main" name="Office 主题​​">
   <a:themeElements>

--- a/图像处理流程图.pptx
+++ b/图像处理流程图.pptx
@@ -11,6 +11,7 @@
     <p:sldId id="259" r:id="rId5"/>
     <p:sldId id="260" r:id="rId6"/>
     <p:sldId id="261" r:id="rId7"/>
+    <p:sldId id="262" r:id="rId8"/>
   </p:sldIdLst>
   <p:sldSz cx="12192000" cy="6858000"/>
   <p:notesSz cx="6858000" cy="9144000"/>
@@ -264,7 +265,7 @@
           <a:p>
             <a:fld id="{648AE971-6591-4C67-8226-CECCFE0F746A}" type="datetimeFigureOut">
               <a:rPr lang="zh-CN" altLang="en-US" smtClean="0"/>
-              <a:t>2018/12/23</a:t>
+              <a:t>2019/1/11</a:t>
             </a:fld>
             <a:endParaRPr lang="zh-CN" altLang="en-US"/>
           </a:p>
@@ -462,7 +463,7 @@
           <a:p>
             <a:fld id="{648AE971-6591-4C67-8226-CECCFE0F746A}" type="datetimeFigureOut">
               <a:rPr lang="zh-CN" altLang="en-US" smtClean="0"/>
-              <a:t>2018/12/23</a:t>
+              <a:t>2019/1/11</a:t>
             </a:fld>
             <a:endParaRPr lang="zh-CN" altLang="en-US"/>
           </a:p>
@@ -670,7 +671,7 @@
           <a:p>
             <a:fld id="{648AE971-6591-4C67-8226-CECCFE0F746A}" type="datetimeFigureOut">
               <a:rPr lang="zh-CN" altLang="en-US" smtClean="0"/>
-              <a:t>2018/12/23</a:t>
+              <a:t>2019/1/11</a:t>
             </a:fld>
             <a:endParaRPr lang="zh-CN" altLang="en-US"/>
           </a:p>
@@ -868,7 +869,7 @@
           <a:p>
             <a:fld id="{648AE971-6591-4C67-8226-CECCFE0F746A}" type="datetimeFigureOut">
               <a:rPr lang="zh-CN" altLang="en-US" smtClean="0"/>
-              <a:t>2018/12/23</a:t>
+              <a:t>2019/1/11</a:t>
             </a:fld>
             <a:endParaRPr lang="zh-CN" altLang="en-US"/>
           </a:p>
@@ -1143,7 +1144,7 @@
           <a:p>
             <a:fld id="{648AE971-6591-4C67-8226-CECCFE0F746A}" type="datetimeFigureOut">
               <a:rPr lang="zh-CN" altLang="en-US" smtClean="0"/>
-              <a:t>2018/12/23</a:t>
+              <a:t>2019/1/11</a:t>
             </a:fld>
             <a:endParaRPr lang="zh-CN" altLang="en-US"/>
           </a:p>
@@ -1408,7 +1409,7 @@
           <a:p>
             <a:fld id="{648AE971-6591-4C67-8226-CECCFE0F746A}" type="datetimeFigureOut">
               <a:rPr lang="zh-CN" altLang="en-US" smtClean="0"/>
-              <a:t>2018/12/23</a:t>
+              <a:t>2019/1/11</a:t>
             </a:fld>
             <a:endParaRPr lang="zh-CN" altLang="en-US"/>
           </a:p>
@@ -1820,7 +1821,7 @@
           <a:p>
             <a:fld id="{648AE971-6591-4C67-8226-CECCFE0F746A}" type="datetimeFigureOut">
               <a:rPr lang="zh-CN" altLang="en-US" smtClean="0"/>
-              <a:t>2018/12/23</a:t>
+              <a:t>2019/1/11</a:t>
             </a:fld>
             <a:endParaRPr lang="zh-CN" altLang="en-US"/>
           </a:p>
@@ -1961,7 +1962,7 @@
           <a:p>
             <a:fld id="{648AE971-6591-4C67-8226-CECCFE0F746A}" type="datetimeFigureOut">
               <a:rPr lang="zh-CN" altLang="en-US" smtClean="0"/>
-              <a:t>2018/12/23</a:t>
+              <a:t>2019/1/11</a:t>
             </a:fld>
             <a:endParaRPr lang="zh-CN" altLang="en-US"/>
           </a:p>
@@ -2074,7 +2075,7 @@
           <a:p>
             <a:fld id="{648AE971-6591-4C67-8226-CECCFE0F746A}" type="datetimeFigureOut">
               <a:rPr lang="zh-CN" altLang="en-US" smtClean="0"/>
-              <a:t>2018/12/23</a:t>
+              <a:t>2019/1/11</a:t>
             </a:fld>
             <a:endParaRPr lang="zh-CN" altLang="en-US"/>
           </a:p>
@@ -2385,7 +2386,7 @@
           <a:p>
             <a:fld id="{648AE971-6591-4C67-8226-CECCFE0F746A}" type="datetimeFigureOut">
               <a:rPr lang="zh-CN" altLang="en-US" smtClean="0"/>
-              <a:t>2018/12/23</a:t>
+              <a:t>2019/1/11</a:t>
             </a:fld>
             <a:endParaRPr lang="zh-CN" altLang="en-US"/>
           </a:p>
@@ -2673,7 +2674,7 @@
           <a:p>
             <a:fld id="{648AE971-6591-4C67-8226-CECCFE0F746A}" type="datetimeFigureOut">
               <a:rPr lang="zh-CN" altLang="en-US" smtClean="0"/>
-              <a:t>2018/12/23</a:t>
+              <a:t>2019/1/11</a:t>
             </a:fld>
             <a:endParaRPr lang="zh-CN" altLang="en-US"/>
           </a:p>
@@ -2914,7 +2915,7 @@
           <a:p>
             <a:fld id="{648AE971-6591-4C67-8226-CECCFE0F746A}" type="datetimeFigureOut">
               <a:rPr lang="zh-CN" altLang="en-US" smtClean="0"/>
-              <a:t>2018/12/23</a:t>
+              <a:t>2019/1/11</a:t>
             </a:fld>
             <a:endParaRPr lang="zh-CN" altLang="en-US"/>
           </a:p>
@@ -13596,6 +13597,2528 @@
 </p:sld>
 </file>
 
+<file path=ppt/slides/slide7.xml><?xml version="1.0" encoding="utf-8"?>
+<p:sld xmlns:a="http://schemas.openxmlformats.org/drawingml/2006/main" xmlns:r="http://schemas.openxmlformats.org/officeDocument/2006/relationships" xmlns:p="http://schemas.openxmlformats.org/presentationml/2006/main">
+  <p:cSld>
+    <p:spTree>
+      <p:nvGrpSpPr>
+        <p:cNvPr id="1" name=""/>
+        <p:cNvGrpSpPr/>
+        <p:nvPr/>
+      </p:nvGrpSpPr>
+      <p:grpSpPr>
+        <a:xfrm>
+          <a:off x="0" y="0"/>
+          <a:ext cx="0" cy="0"/>
+          <a:chOff x="0" y="0"/>
+          <a:chExt cx="0" cy="0"/>
+        </a:xfrm>
+      </p:grpSpPr>
+      <p:cxnSp>
+        <p:nvCxnSpPr>
+          <p:cNvPr id="5" name="连接符: 肘形 4">
+            <a:extLst>
+              <a:ext uri="{FF2B5EF4-FFF2-40B4-BE49-F238E27FC236}">
+                <a16:creationId xmlns:a16="http://schemas.microsoft.com/office/drawing/2014/main" id="{3586B5C1-38AD-4BEF-8E15-B307D1A40179}"/>
+              </a:ext>
+            </a:extLst>
+          </p:cNvPr>
+          <p:cNvCxnSpPr>
+            <a:cxnSpLocks/>
+            <a:stCxn id="26" idx="0"/>
+            <a:endCxn id="16" idx="3"/>
+          </p:cNvCxnSpPr>
+          <p:nvPr/>
+        </p:nvCxnSpPr>
+        <p:spPr>
+          <a:xfrm rot="16200000" flipV="1">
+            <a:off x="3875484" y="5044430"/>
+            <a:ext cx="7565130" cy="1653292"/>
+          </a:xfrm>
+          <a:prstGeom prst="bentConnector2">
+            <a:avLst/>
+          </a:prstGeom>
+          <a:ln w="19050">
+            <a:tailEnd type="triangle"/>
+          </a:ln>
+        </p:spPr>
+        <p:style>
+          <a:lnRef idx="1">
+            <a:schemeClr val="dk1"/>
+          </a:lnRef>
+          <a:fillRef idx="0">
+            <a:schemeClr val="dk1"/>
+          </a:fillRef>
+          <a:effectRef idx="0">
+            <a:schemeClr val="dk1"/>
+          </a:effectRef>
+          <a:fontRef idx="minor">
+            <a:schemeClr val="tx1"/>
+          </a:fontRef>
+        </p:style>
+      </p:cxnSp>
+      <p:grpSp>
+        <p:nvGrpSpPr>
+          <p:cNvPr id="168" name="组合 167">
+            <a:extLst>
+              <a:ext uri="{FF2B5EF4-FFF2-40B4-BE49-F238E27FC236}">
+                <a16:creationId xmlns:a16="http://schemas.microsoft.com/office/drawing/2014/main" id="{A9D3120A-3E5A-4442-B537-A68819DA4FAC}"/>
+              </a:ext>
+            </a:extLst>
+          </p:cNvPr>
+          <p:cNvGrpSpPr/>
+          <p:nvPr/>
+        </p:nvGrpSpPr>
+        <p:grpSpPr>
+          <a:xfrm>
+            <a:off x="400071" y="98879"/>
+            <a:ext cx="8881696" cy="11093811"/>
+            <a:chOff x="400071" y="98879"/>
+            <a:chExt cx="8881696" cy="11093811"/>
+          </a:xfrm>
+        </p:grpSpPr>
+        <p:sp>
+          <p:nvSpPr>
+            <p:cNvPr id="7" name="矩形: 圆角 6">
+              <a:extLst>
+                <a:ext uri="{FF2B5EF4-FFF2-40B4-BE49-F238E27FC236}">
+                  <a16:creationId xmlns:a16="http://schemas.microsoft.com/office/drawing/2014/main" id="{A8290B1A-5D4F-4177-8760-7CFCD52A6B83}"/>
+                </a:ext>
+              </a:extLst>
+            </p:cNvPr>
+            <p:cNvSpPr/>
+            <p:nvPr/>
+          </p:nvSpPr>
+          <p:spPr>
+            <a:xfrm>
+              <a:off x="4810616" y="98879"/>
+              <a:ext cx="1159497" cy="527901"/>
+            </a:xfrm>
+            <a:prstGeom prst="roundRect">
+              <a:avLst/>
+            </a:prstGeom>
+            <a:noFill/>
+            <a:ln w="28575">
+              <a:solidFill>
+                <a:schemeClr val="tx1"/>
+              </a:solidFill>
+            </a:ln>
+          </p:spPr>
+          <p:style>
+            <a:lnRef idx="2">
+              <a:schemeClr val="accent1">
+                <a:shade val="50000"/>
+              </a:schemeClr>
+            </a:lnRef>
+            <a:fillRef idx="1">
+              <a:schemeClr val="accent1"/>
+            </a:fillRef>
+            <a:effectRef idx="0">
+              <a:schemeClr val="accent1"/>
+            </a:effectRef>
+            <a:fontRef idx="minor">
+              <a:schemeClr val="lt1"/>
+            </a:fontRef>
+          </p:style>
+          <p:txBody>
+            <a:bodyPr rtlCol="0" anchor="ctr"/>
+            <a:lstStyle/>
+            <a:p>
+              <a:pPr algn="ctr"/>
+              <a:r>
+                <a:rPr lang="zh-CN" altLang="en-US" dirty="0">
+                  <a:ln w="3175">
+                    <a:solidFill>
+                      <a:schemeClr val="tx1"/>
+                    </a:solidFill>
+                  </a:ln>
+                  <a:solidFill>
+                    <a:schemeClr val="tx1"/>
+                  </a:solidFill>
+                  <a:latin typeface="宋体" panose="02010600030101010101" pitchFamily="2" charset="-122"/>
+                  <a:ea typeface="宋体" panose="02010600030101010101" pitchFamily="2" charset="-122"/>
+                </a:rPr>
+                <a:t>开始</a:t>
+              </a:r>
+            </a:p>
+          </p:txBody>
+        </p:sp>
+        <p:sp>
+          <p:nvSpPr>
+            <p:cNvPr id="8" name="矩形 7">
+              <a:extLst>
+                <a:ext uri="{FF2B5EF4-FFF2-40B4-BE49-F238E27FC236}">
+                  <a16:creationId xmlns:a16="http://schemas.microsoft.com/office/drawing/2014/main" id="{6917B97B-4030-4E01-860E-9A09FE45E037}"/>
+                </a:ext>
+              </a:extLst>
+            </p:cNvPr>
+            <p:cNvSpPr/>
+            <p:nvPr/>
+          </p:nvSpPr>
+          <p:spPr>
+            <a:xfrm>
+              <a:off x="3954083" y="919011"/>
+              <a:ext cx="2877320" cy="639626"/>
+            </a:xfrm>
+            <a:prstGeom prst="rect">
+              <a:avLst/>
+            </a:prstGeom>
+            <a:noFill/>
+            <a:ln w="28575">
+              <a:solidFill>
+                <a:schemeClr val="tx1"/>
+              </a:solidFill>
+            </a:ln>
+          </p:spPr>
+          <p:style>
+            <a:lnRef idx="2">
+              <a:schemeClr val="accent1">
+                <a:shade val="50000"/>
+              </a:schemeClr>
+            </a:lnRef>
+            <a:fillRef idx="1">
+              <a:schemeClr val="accent1"/>
+            </a:fillRef>
+            <a:effectRef idx="0">
+              <a:schemeClr val="accent1"/>
+            </a:effectRef>
+            <a:fontRef idx="minor">
+              <a:schemeClr val="lt1"/>
+            </a:fontRef>
+          </p:style>
+          <p:txBody>
+            <a:bodyPr rtlCol="0" anchor="ctr"/>
+            <a:lstStyle/>
+            <a:p>
+              <a:pPr algn="ctr"/>
+              <a:r>
+                <a:rPr lang="zh-CN" altLang="en-US" dirty="0">
+                  <a:ln w="3175">
+                    <a:solidFill>
+                      <a:schemeClr val="tx1"/>
+                    </a:solidFill>
+                  </a:ln>
+                  <a:solidFill>
+                    <a:schemeClr val="tx1"/>
+                  </a:solidFill>
+                  <a:latin typeface="宋体" panose="02010600030101010101" pitchFamily="2" charset="-122"/>
+                  <a:ea typeface="宋体" panose="02010600030101010101" pitchFamily="2" charset="-122"/>
+                </a:rPr>
+                <a:t>初始化</a:t>
+              </a:r>
+              <a:r>
+                <a:rPr lang="en-US" altLang="zh-CN" dirty="0" err="1">
+                  <a:ln w="3175">
+                    <a:solidFill>
+                      <a:schemeClr val="tx1"/>
+                    </a:solidFill>
+                  </a:ln>
+                  <a:solidFill>
+                    <a:schemeClr val="tx1"/>
+                  </a:solidFill>
+                  <a:latin typeface="宋体" panose="02010600030101010101" pitchFamily="2" charset="-122"/>
+                  <a:ea typeface="宋体" panose="02010600030101010101" pitchFamily="2" charset="-122"/>
+                </a:rPr>
+                <a:t>v,w</a:t>
+              </a:r>
+              <a:endParaRPr lang="en-US" altLang="zh-CN" dirty="0">
+                <a:ln w="3175">
+                  <a:solidFill>
+                    <a:schemeClr val="tx1"/>
+                  </a:solidFill>
+                </a:ln>
+                <a:solidFill>
+                  <a:schemeClr val="tx1"/>
+                </a:solidFill>
+                <a:latin typeface="宋体" panose="02010600030101010101" pitchFamily="2" charset="-122"/>
+                <a:ea typeface="宋体" panose="02010600030101010101" pitchFamily="2" charset="-122"/>
+              </a:endParaRPr>
+            </a:p>
+            <a:p>
+              <a:pPr algn="ctr"/>
+              <a:r>
+                <a:rPr lang="zh-CN" altLang="en-US" dirty="0">
+                  <a:ln w="3175">
+                    <a:solidFill>
+                      <a:schemeClr val="tx1"/>
+                    </a:solidFill>
+                  </a:ln>
+                  <a:solidFill>
+                    <a:schemeClr val="tx1"/>
+                  </a:solidFill>
+                  <a:latin typeface="宋体" panose="02010600030101010101" pitchFamily="2" charset="-122"/>
+                  <a:ea typeface="宋体" panose="02010600030101010101" pitchFamily="2" charset="-122"/>
+                </a:rPr>
+                <a:t>计数器</a:t>
+              </a:r>
+              <a:r>
+                <a:rPr lang="en-US" altLang="zh-CN" dirty="0">
+                  <a:ln w="3175">
+                    <a:solidFill>
+                      <a:schemeClr val="tx1"/>
+                    </a:solidFill>
+                  </a:ln>
+                  <a:solidFill>
+                    <a:schemeClr val="tx1"/>
+                  </a:solidFill>
+                  <a:latin typeface="宋体" panose="02010600030101010101" pitchFamily="2" charset="-122"/>
+                  <a:ea typeface="宋体" panose="02010600030101010101" pitchFamily="2" charset="-122"/>
+                </a:rPr>
+                <a:t>q = 1, p = 1</a:t>
+              </a:r>
+              <a:endParaRPr lang="zh-CN" altLang="en-US" dirty="0">
+                <a:ln w="3175">
+                  <a:solidFill>
+                    <a:schemeClr val="tx1"/>
+                  </a:solidFill>
+                </a:ln>
+                <a:solidFill>
+                  <a:schemeClr val="tx1"/>
+                </a:solidFill>
+                <a:latin typeface="宋体" panose="02010600030101010101" pitchFamily="2" charset="-122"/>
+                <a:ea typeface="宋体" panose="02010600030101010101" pitchFamily="2" charset="-122"/>
+              </a:endParaRPr>
+            </a:p>
+          </p:txBody>
+        </p:sp>
+        <p:sp>
+          <p:nvSpPr>
+            <p:cNvPr id="9" name="矩形: 圆角 8">
+              <a:extLst>
+                <a:ext uri="{FF2B5EF4-FFF2-40B4-BE49-F238E27FC236}">
+                  <a16:creationId xmlns:a16="http://schemas.microsoft.com/office/drawing/2014/main" id="{78A43CC9-EDCB-40A0-B16F-68C2A07970C9}"/>
+                </a:ext>
+              </a:extLst>
+            </p:cNvPr>
+            <p:cNvSpPr/>
+            <p:nvPr/>
+          </p:nvSpPr>
+          <p:spPr>
+            <a:xfrm>
+              <a:off x="4808648" y="10702496"/>
+              <a:ext cx="1159497" cy="490194"/>
+            </a:xfrm>
+            <a:prstGeom prst="roundRect">
+              <a:avLst/>
+            </a:prstGeom>
+            <a:noFill/>
+            <a:ln w="28575">
+              <a:solidFill>
+                <a:schemeClr val="tx1"/>
+              </a:solidFill>
+            </a:ln>
+          </p:spPr>
+          <p:style>
+            <a:lnRef idx="2">
+              <a:schemeClr val="accent1">
+                <a:shade val="50000"/>
+              </a:schemeClr>
+            </a:lnRef>
+            <a:fillRef idx="1">
+              <a:schemeClr val="accent1"/>
+            </a:fillRef>
+            <a:effectRef idx="0">
+              <a:schemeClr val="accent1"/>
+            </a:effectRef>
+            <a:fontRef idx="minor">
+              <a:schemeClr val="lt1"/>
+            </a:fontRef>
+          </p:style>
+          <p:txBody>
+            <a:bodyPr rtlCol="0" anchor="ctr"/>
+            <a:lstStyle/>
+            <a:p>
+              <a:pPr algn="ctr"/>
+              <a:r>
+                <a:rPr lang="zh-CN" altLang="en-US" dirty="0">
+                  <a:ln w="3175">
+                    <a:solidFill>
+                      <a:schemeClr val="tx1"/>
+                    </a:solidFill>
+                  </a:ln>
+                  <a:solidFill>
+                    <a:schemeClr val="tx1"/>
+                  </a:solidFill>
+                  <a:latin typeface="宋体" panose="02010600030101010101" pitchFamily="2" charset="-122"/>
+                  <a:ea typeface="宋体" panose="02010600030101010101" pitchFamily="2" charset="-122"/>
+                </a:rPr>
+                <a:t>结束</a:t>
+              </a:r>
+            </a:p>
+          </p:txBody>
+        </p:sp>
+        <p:cxnSp>
+          <p:nvCxnSpPr>
+            <p:cNvPr id="10" name="直接箭头连接符 9">
+              <a:extLst>
+                <a:ext uri="{FF2B5EF4-FFF2-40B4-BE49-F238E27FC236}">
+                  <a16:creationId xmlns:a16="http://schemas.microsoft.com/office/drawing/2014/main" id="{DFE9E15F-ECCD-4888-930A-DF847B288E74}"/>
+                </a:ext>
+              </a:extLst>
+            </p:cNvPr>
+            <p:cNvCxnSpPr>
+              <a:cxnSpLocks/>
+              <a:stCxn id="7" idx="2"/>
+              <a:endCxn id="8" idx="0"/>
+            </p:cNvCxnSpPr>
+            <p:nvPr/>
+          </p:nvCxnSpPr>
+          <p:spPr>
+            <a:xfrm>
+              <a:off x="5390365" y="626780"/>
+              <a:ext cx="2378" cy="292231"/>
+            </a:xfrm>
+            <a:prstGeom prst="straightConnector1">
+              <a:avLst/>
+            </a:prstGeom>
+            <a:ln w="19050">
+              <a:tailEnd type="triangle"/>
+            </a:ln>
+          </p:spPr>
+          <p:style>
+            <a:lnRef idx="1">
+              <a:schemeClr val="dk1"/>
+            </a:lnRef>
+            <a:fillRef idx="0">
+              <a:schemeClr val="dk1"/>
+            </a:fillRef>
+            <a:effectRef idx="0">
+              <a:schemeClr val="dk1"/>
+            </a:effectRef>
+            <a:fontRef idx="minor">
+              <a:schemeClr val="tx1"/>
+            </a:fontRef>
+          </p:style>
+        </p:cxnSp>
+        <p:sp>
+          <p:nvSpPr>
+            <p:cNvPr id="11" name="菱形 10">
+              <a:extLst>
+                <a:ext uri="{FF2B5EF4-FFF2-40B4-BE49-F238E27FC236}">
+                  <a16:creationId xmlns:a16="http://schemas.microsoft.com/office/drawing/2014/main" id="{E9CDD267-C6F3-4705-AC7D-D1F0F7F8B690}"/>
+                </a:ext>
+              </a:extLst>
+            </p:cNvPr>
+            <p:cNvSpPr/>
+            <p:nvPr/>
+          </p:nvSpPr>
+          <p:spPr>
+            <a:xfrm>
+              <a:off x="3690178" y="5349167"/>
+              <a:ext cx="3405683" cy="1159497"/>
+            </a:xfrm>
+            <a:prstGeom prst="diamond">
+              <a:avLst/>
+            </a:prstGeom>
+            <a:noFill/>
+            <a:ln w="28575">
+              <a:solidFill>
+                <a:schemeClr val="tx1"/>
+              </a:solidFill>
+            </a:ln>
+          </p:spPr>
+          <p:style>
+            <a:lnRef idx="2">
+              <a:schemeClr val="accent1">
+                <a:shade val="50000"/>
+              </a:schemeClr>
+            </a:lnRef>
+            <a:fillRef idx="1">
+              <a:schemeClr val="accent1"/>
+            </a:fillRef>
+            <a:effectRef idx="0">
+              <a:schemeClr val="accent1"/>
+            </a:effectRef>
+            <a:fontRef idx="minor">
+              <a:schemeClr val="lt1"/>
+            </a:fontRef>
+          </p:style>
+          <p:txBody>
+            <a:bodyPr rtlCol="0" anchor="ctr"/>
+            <a:lstStyle/>
+            <a:p>
+              <a:pPr algn="ctr"/>
+              <a:r>
+                <a:rPr lang="en-US" altLang="zh-CN" i="1" dirty="0">
+                  <a:ln w="3175">
+                    <a:solidFill>
+                      <a:schemeClr val="tx1"/>
+                    </a:solidFill>
+                  </a:ln>
+                  <a:solidFill>
+                    <a:schemeClr val="tx1"/>
+                  </a:solidFill>
+                  <a:latin typeface="Cambria Math" panose="02040503050406030204" pitchFamily="18" charset="0"/>
+                  <a:ea typeface="Cambria Math" panose="02040503050406030204" pitchFamily="18" charset="0"/>
+                  <a:cs typeface="Calibri" panose="020F0502020204030204" pitchFamily="34" charset="0"/>
+                </a:rPr>
+                <a:t>P &lt; p ?</a:t>
+              </a:r>
+              <a:endParaRPr lang="zh-CN" altLang="en-US" i="1" dirty="0">
+                <a:ln w="3175">
+                  <a:solidFill>
+                    <a:schemeClr val="tx1"/>
+                  </a:solidFill>
+                </a:ln>
+                <a:solidFill>
+                  <a:schemeClr val="tx1"/>
+                </a:solidFill>
+                <a:latin typeface="Cambria Math" panose="02040503050406030204" pitchFamily="18" charset="0"/>
+                <a:cs typeface="Calibri" panose="020F0502020204030204" pitchFamily="34" charset="0"/>
+              </a:endParaRPr>
+            </a:p>
+          </p:txBody>
+        </p:sp>
+        <p:sp>
+          <p:nvSpPr>
+            <p:cNvPr id="13" name="文本框 12">
+              <a:extLst>
+                <a:ext uri="{FF2B5EF4-FFF2-40B4-BE49-F238E27FC236}">
+                  <a16:creationId xmlns:a16="http://schemas.microsoft.com/office/drawing/2014/main" id="{5F3C217F-E68E-441F-85BF-66A780816CB8}"/>
+                </a:ext>
+              </a:extLst>
+            </p:cNvPr>
+            <p:cNvSpPr txBox="1"/>
+            <p:nvPr/>
+          </p:nvSpPr>
+          <p:spPr>
+            <a:xfrm>
+              <a:off x="3005700" y="5515842"/>
+              <a:ext cx="329906" cy="369332"/>
+            </a:xfrm>
+            <a:prstGeom prst="rect">
+              <a:avLst/>
+            </a:prstGeom>
+            <a:noFill/>
+          </p:spPr>
+          <p:txBody>
+            <a:bodyPr wrap="square" rtlCol="0">
+              <a:spAutoFit/>
+            </a:bodyPr>
+            <a:lstStyle/>
+            <a:p>
+              <a:pPr algn="ctr"/>
+              <a:r>
+                <a:rPr lang="zh-CN" altLang="en-US" dirty="0">
+                  <a:ln w="3175">
+                    <a:solidFill>
+                      <a:schemeClr val="tx1"/>
+                    </a:solidFill>
+                  </a:ln>
+                  <a:latin typeface="宋体" panose="02010600030101010101" pitchFamily="2" charset="-122"/>
+                  <a:ea typeface="宋体" panose="02010600030101010101" pitchFamily="2" charset="-122"/>
+                </a:rPr>
+                <a:t>是</a:t>
+              </a:r>
+            </a:p>
+          </p:txBody>
+        </p:sp>
+        <p:cxnSp>
+          <p:nvCxnSpPr>
+            <p:cNvPr id="14" name="直接箭头连接符 13">
+              <a:extLst>
+                <a:ext uri="{FF2B5EF4-FFF2-40B4-BE49-F238E27FC236}">
+                  <a16:creationId xmlns:a16="http://schemas.microsoft.com/office/drawing/2014/main" id="{AEACB92C-7E7D-45C5-9975-3F83F3E64D5B}"/>
+                </a:ext>
+              </a:extLst>
+            </p:cNvPr>
+            <p:cNvCxnSpPr>
+              <a:cxnSpLocks/>
+              <a:stCxn id="8" idx="2"/>
+              <a:endCxn id="16" idx="0"/>
+            </p:cNvCxnSpPr>
+            <p:nvPr/>
+          </p:nvCxnSpPr>
+          <p:spPr>
+            <a:xfrm>
+              <a:off x="5392743" y="1558637"/>
+              <a:ext cx="0" cy="265923"/>
+            </a:xfrm>
+            <a:prstGeom prst="straightConnector1">
+              <a:avLst/>
+            </a:prstGeom>
+            <a:ln w="19050">
+              <a:tailEnd type="triangle"/>
+            </a:ln>
+          </p:spPr>
+          <p:style>
+            <a:lnRef idx="1">
+              <a:schemeClr val="dk1"/>
+            </a:lnRef>
+            <a:fillRef idx="0">
+              <a:schemeClr val="dk1"/>
+            </a:fillRef>
+            <a:effectRef idx="0">
+              <a:schemeClr val="dk1"/>
+            </a:effectRef>
+            <a:fontRef idx="minor">
+              <a:schemeClr val="tx1"/>
+            </a:fontRef>
+          </p:style>
+        </p:cxnSp>
+        <p:cxnSp>
+          <p:nvCxnSpPr>
+            <p:cNvPr id="15" name="直接箭头连接符 14">
+              <a:extLst>
+                <a:ext uri="{FF2B5EF4-FFF2-40B4-BE49-F238E27FC236}">
+                  <a16:creationId xmlns:a16="http://schemas.microsoft.com/office/drawing/2014/main" id="{40A2FC54-06BD-48E9-A045-6783CCFB030E}"/>
+                </a:ext>
+              </a:extLst>
+            </p:cNvPr>
+            <p:cNvCxnSpPr>
+              <a:cxnSpLocks/>
+              <a:stCxn id="24" idx="2"/>
+              <a:endCxn id="25" idx="0"/>
+            </p:cNvCxnSpPr>
+            <p:nvPr/>
+          </p:nvCxnSpPr>
+          <p:spPr>
+            <a:xfrm flipH="1">
+              <a:off x="5390365" y="9133474"/>
+              <a:ext cx="2185" cy="295071"/>
+            </a:xfrm>
+            <a:prstGeom prst="straightConnector1">
+              <a:avLst/>
+            </a:prstGeom>
+            <a:ln w="19050">
+              <a:tailEnd type="triangle"/>
+            </a:ln>
+          </p:spPr>
+          <p:style>
+            <a:lnRef idx="1">
+              <a:schemeClr val="dk1"/>
+            </a:lnRef>
+            <a:fillRef idx="0">
+              <a:schemeClr val="dk1"/>
+            </a:fillRef>
+            <a:effectRef idx="0">
+              <a:schemeClr val="dk1"/>
+            </a:effectRef>
+            <a:fontRef idx="minor">
+              <a:schemeClr val="tx1"/>
+            </a:fontRef>
+          </p:style>
+        </p:cxnSp>
+        <p:sp>
+          <p:nvSpPr>
+            <p:cNvPr id="16" name="矩形 15">
+              <a:extLst>
+                <a:ext uri="{FF2B5EF4-FFF2-40B4-BE49-F238E27FC236}">
+                  <a16:creationId xmlns:a16="http://schemas.microsoft.com/office/drawing/2014/main" id="{4330070E-074E-46D3-BFD6-CE573E10CC10}"/>
+                </a:ext>
+              </a:extLst>
+            </p:cNvPr>
+            <p:cNvSpPr/>
+            <p:nvPr/>
+          </p:nvSpPr>
+          <p:spPr>
+            <a:xfrm>
+              <a:off x="3954083" y="1824560"/>
+              <a:ext cx="2877320" cy="527901"/>
+            </a:xfrm>
+            <a:prstGeom prst="rect">
+              <a:avLst/>
+            </a:prstGeom>
+            <a:noFill/>
+            <a:ln w="28575">
+              <a:solidFill>
+                <a:schemeClr val="tx1"/>
+              </a:solidFill>
+            </a:ln>
+          </p:spPr>
+          <p:style>
+            <a:lnRef idx="2">
+              <a:schemeClr val="accent1">
+                <a:shade val="50000"/>
+              </a:schemeClr>
+            </a:lnRef>
+            <a:fillRef idx="1">
+              <a:schemeClr val="accent1"/>
+            </a:fillRef>
+            <a:effectRef idx="0">
+              <a:schemeClr val="accent1"/>
+            </a:effectRef>
+            <a:fontRef idx="minor">
+              <a:schemeClr val="lt1"/>
+            </a:fontRef>
+          </p:style>
+          <p:txBody>
+            <a:bodyPr rtlCol="0" anchor="ctr"/>
+            <a:lstStyle/>
+            <a:p>
+              <a:pPr algn="ctr"/>
+              <a:r>
+                <a:rPr lang="zh-CN" altLang="en-US" dirty="0">
+                  <a:ln w="3175">
+                    <a:solidFill>
+                      <a:schemeClr val="tx1"/>
+                    </a:solidFill>
+                  </a:ln>
+                  <a:solidFill>
+                    <a:schemeClr val="tx1"/>
+                  </a:solidFill>
+                  <a:latin typeface="宋体" panose="02010600030101010101" pitchFamily="2" charset="-122"/>
+                  <a:ea typeface="宋体" panose="02010600030101010101" pitchFamily="2" charset="-122"/>
+                </a:rPr>
+                <a:t>输入第一对样本</a:t>
+              </a:r>
+            </a:p>
+          </p:txBody>
+        </p:sp>
+        <p:cxnSp>
+          <p:nvCxnSpPr>
+            <p:cNvPr id="17" name="直接箭头连接符 16">
+              <a:extLst>
+                <a:ext uri="{FF2B5EF4-FFF2-40B4-BE49-F238E27FC236}">
+                  <a16:creationId xmlns:a16="http://schemas.microsoft.com/office/drawing/2014/main" id="{6434FA34-4C26-43E2-A773-7DB99DE16101}"/>
+                </a:ext>
+              </a:extLst>
+            </p:cNvPr>
+            <p:cNvCxnSpPr>
+              <a:cxnSpLocks/>
+              <a:stCxn id="16" idx="2"/>
+              <a:endCxn id="18" idx="0"/>
+            </p:cNvCxnSpPr>
+            <p:nvPr/>
+          </p:nvCxnSpPr>
+          <p:spPr>
+            <a:xfrm>
+              <a:off x="5392743" y="2352461"/>
+              <a:ext cx="0" cy="291923"/>
+            </a:xfrm>
+            <a:prstGeom prst="straightConnector1">
+              <a:avLst/>
+            </a:prstGeom>
+            <a:ln w="19050">
+              <a:tailEnd type="triangle"/>
+            </a:ln>
+          </p:spPr>
+          <p:style>
+            <a:lnRef idx="1">
+              <a:schemeClr val="dk1"/>
+            </a:lnRef>
+            <a:fillRef idx="0">
+              <a:schemeClr val="dk1"/>
+            </a:fillRef>
+            <a:effectRef idx="0">
+              <a:schemeClr val="dk1"/>
+            </a:effectRef>
+            <a:fontRef idx="minor">
+              <a:schemeClr val="tx1"/>
+            </a:fontRef>
+          </p:style>
+        </p:cxnSp>
+        <p:sp>
+          <p:nvSpPr>
+            <p:cNvPr id="18" name="矩形 17">
+              <a:extLst>
+                <a:ext uri="{FF2B5EF4-FFF2-40B4-BE49-F238E27FC236}">
+                  <a16:creationId xmlns:a16="http://schemas.microsoft.com/office/drawing/2014/main" id="{BE2812C3-06F0-4C5A-A03C-577F1A3C4B26}"/>
+                </a:ext>
+              </a:extLst>
+            </p:cNvPr>
+            <p:cNvSpPr/>
+            <p:nvPr/>
+          </p:nvSpPr>
+          <p:spPr>
+            <a:xfrm>
+              <a:off x="3954083" y="2644384"/>
+              <a:ext cx="2877320" cy="527901"/>
+            </a:xfrm>
+            <a:prstGeom prst="rect">
+              <a:avLst/>
+            </a:prstGeom>
+            <a:noFill/>
+            <a:ln w="28575">
+              <a:solidFill>
+                <a:schemeClr val="tx1"/>
+              </a:solidFill>
+            </a:ln>
+          </p:spPr>
+          <p:style>
+            <a:lnRef idx="2">
+              <a:schemeClr val="accent1">
+                <a:shade val="50000"/>
+              </a:schemeClr>
+            </a:lnRef>
+            <a:fillRef idx="1">
+              <a:schemeClr val="accent1"/>
+            </a:fillRef>
+            <a:effectRef idx="0">
+              <a:schemeClr val="accent1"/>
+            </a:effectRef>
+            <a:fontRef idx="minor">
+              <a:schemeClr val="lt1"/>
+            </a:fontRef>
+          </p:style>
+          <p:txBody>
+            <a:bodyPr rtlCol="0" anchor="ctr"/>
+            <a:lstStyle/>
+            <a:p>
+              <a:pPr algn="ctr"/>
+              <a:r>
+                <a:rPr lang="zh-CN" altLang="en-US" dirty="0">
+                  <a:ln w="3175">
+                    <a:solidFill>
+                      <a:schemeClr val="tx1"/>
+                    </a:solidFill>
+                  </a:ln>
+                  <a:solidFill>
+                    <a:schemeClr val="tx1"/>
+                  </a:solidFill>
+                  <a:latin typeface="宋体" panose="02010600030101010101" pitchFamily="2" charset="-122"/>
+                  <a:ea typeface="宋体" panose="02010600030101010101" pitchFamily="2" charset="-122"/>
+                </a:rPr>
+                <a:t>计算各层的输出</a:t>
+              </a:r>
+            </a:p>
+          </p:txBody>
+        </p:sp>
+        <p:cxnSp>
+          <p:nvCxnSpPr>
+            <p:cNvPr id="19" name="直接箭头连接符 18">
+              <a:extLst>
+                <a:ext uri="{FF2B5EF4-FFF2-40B4-BE49-F238E27FC236}">
+                  <a16:creationId xmlns:a16="http://schemas.microsoft.com/office/drawing/2014/main" id="{64E2C334-1FCB-4718-92BB-5FA355AAF5C6}"/>
+                </a:ext>
+              </a:extLst>
+            </p:cNvPr>
+            <p:cNvCxnSpPr>
+              <a:cxnSpLocks/>
+              <a:stCxn id="18" idx="2"/>
+              <a:endCxn id="20" idx="0"/>
+            </p:cNvCxnSpPr>
+            <p:nvPr/>
+          </p:nvCxnSpPr>
+          <p:spPr>
+            <a:xfrm flipH="1">
+              <a:off x="5392550" y="3172285"/>
+              <a:ext cx="193" cy="339726"/>
+            </a:xfrm>
+            <a:prstGeom prst="straightConnector1">
+              <a:avLst/>
+            </a:prstGeom>
+            <a:ln w="19050">
+              <a:tailEnd type="triangle"/>
+            </a:ln>
+          </p:spPr>
+          <p:style>
+            <a:lnRef idx="1">
+              <a:schemeClr val="dk1"/>
+            </a:lnRef>
+            <a:fillRef idx="0">
+              <a:schemeClr val="dk1"/>
+            </a:fillRef>
+            <a:effectRef idx="0">
+              <a:schemeClr val="dk1"/>
+            </a:effectRef>
+            <a:fontRef idx="minor">
+              <a:schemeClr val="tx1"/>
+            </a:fontRef>
+          </p:style>
+        </p:cxnSp>
+        <mc:AlternateContent xmlns:mc="http://schemas.openxmlformats.org/markup-compatibility/2006">
+          <mc:Choice xmlns:a14="http://schemas.microsoft.com/office/drawing/2010/main" Requires="a14">
+            <p:sp>
+              <p:nvSpPr>
+                <p:cNvPr id="20" name="矩形 19">
+                  <a:extLst>
+                    <a:ext uri="{FF2B5EF4-FFF2-40B4-BE49-F238E27FC236}">
+                      <a16:creationId xmlns:a16="http://schemas.microsoft.com/office/drawing/2014/main" id="{B48D73B6-0E9C-4732-9B44-94A862A1913D}"/>
+                    </a:ext>
+                  </a:extLst>
+                </p:cNvPr>
+                <p:cNvSpPr/>
+                <p:nvPr/>
+              </p:nvSpPr>
+              <p:spPr>
+                <a:xfrm>
+                  <a:off x="3963222" y="3512011"/>
+                  <a:ext cx="2858656" cy="1566941"/>
+                </a:xfrm>
+                <a:prstGeom prst="rect">
+                  <a:avLst/>
+                </a:prstGeom>
+                <a:noFill/>
+                <a:ln w="28575">
+                  <a:solidFill>
+                    <a:schemeClr val="tx1"/>
+                  </a:solidFill>
+                </a:ln>
+              </p:spPr>
+              <p:style>
+                <a:lnRef idx="2">
+                  <a:schemeClr val="accent1">
+                    <a:shade val="50000"/>
+                  </a:schemeClr>
+                </a:lnRef>
+                <a:fillRef idx="1">
+                  <a:schemeClr val="accent1"/>
+                </a:fillRef>
+                <a:effectRef idx="0">
+                  <a:schemeClr val="accent1"/>
+                </a:effectRef>
+                <a:fontRef idx="minor">
+                  <a:schemeClr val="lt1"/>
+                </a:fontRef>
+              </p:style>
+              <p:txBody>
+                <a:bodyPr rtlCol="0" anchor="ctr"/>
+                <a:lstStyle/>
+                <a:p>
+                  <a:pPr algn="ctr"/>
+                  <a:r>
+                    <a:rPr lang="zh-CN" altLang="en-US" dirty="0">
+                      <a:ln w="3175">
+                        <a:solidFill>
+                          <a:schemeClr val="tx1"/>
+                        </a:solidFill>
+                      </a:ln>
+                      <a:solidFill>
+                        <a:schemeClr val="tx1"/>
+                      </a:solidFill>
+                      <a:latin typeface="宋体" panose="02010600030101010101" pitchFamily="2" charset="-122"/>
+                      <a:ea typeface="宋体" panose="02010600030101010101" pitchFamily="2" charset="-122"/>
+                    </a:rPr>
+                    <a:t>计算误差</a:t>
+                  </a:r>
+                  <a:endParaRPr lang="en-US" altLang="zh-CN" dirty="0">
+                    <a:ln w="3175">
+                      <a:solidFill>
+                        <a:schemeClr val="tx1"/>
+                      </a:solidFill>
+                    </a:ln>
+                    <a:solidFill>
+                      <a:schemeClr val="tx1"/>
+                    </a:solidFill>
+                    <a:latin typeface="宋体" panose="02010600030101010101" pitchFamily="2" charset="-122"/>
+                    <a:ea typeface="宋体" panose="02010600030101010101" pitchFamily="2" charset="-122"/>
+                  </a:endParaRPr>
+                </a:p>
+                <a:p>
+                  <a:pPr algn="ctr"/>
+                  <a14:m>
+                    <m:oMathPara xmlns:m="http://schemas.openxmlformats.org/officeDocument/2006/math">
+                      <m:oMathParaPr>
+                        <m:jc m:val="centerGroup"/>
+                      </m:oMathParaPr>
+                      <m:oMath xmlns:m="http://schemas.openxmlformats.org/officeDocument/2006/math">
+                        <m:r>
+                          <a:rPr lang="en-US" altLang="zh-CN" i="1" dirty="0">
+                            <a:ln w="3175">
+                              <a:solidFill>
+                                <a:schemeClr val="tx1"/>
+                              </a:solidFill>
+                            </a:ln>
+                            <a:solidFill>
+                              <a:schemeClr val="tx1"/>
+                            </a:solidFill>
+                            <a:latin typeface="Cambria Math" panose="02040503050406030204" pitchFamily="18" charset="0"/>
+                            <a:ea typeface="宋体" panose="02010600030101010101" pitchFamily="2" charset="-122"/>
+                          </a:rPr>
+                          <m:t>𝐸</m:t>
+                        </m:r>
+                        <m:r>
+                          <a:rPr lang="en-US" altLang="zh-CN" i="1" dirty="0" smtClean="0">
+                            <a:ln w="3175">
+                              <a:solidFill>
+                                <a:schemeClr val="tx1"/>
+                              </a:solidFill>
+                            </a:ln>
+                            <a:solidFill>
+                              <a:schemeClr val="tx1"/>
+                            </a:solidFill>
+                            <a:latin typeface="Cambria Math" panose="02040503050406030204" pitchFamily="18" charset="0"/>
+                            <a:ea typeface="宋体" panose="02010600030101010101" pitchFamily="2" charset="-122"/>
+                          </a:rPr>
+                          <m:t>=</m:t>
+                        </m:r>
+                        <m:rad>
+                          <m:radPr>
+                            <m:degHide m:val="on"/>
+                            <m:ctrlPr>
+                              <a:rPr lang="en-US" altLang="zh-CN" i="1" dirty="0" smtClean="0">
+                                <a:ln w="3175">
+                                  <a:solidFill>
+                                    <a:schemeClr val="tx1"/>
+                                  </a:solidFill>
+                                </a:ln>
+                                <a:solidFill>
+                                  <a:schemeClr val="tx1"/>
+                                </a:solidFill>
+                                <a:latin typeface="Cambria Math" panose="02040503050406030204" pitchFamily="18" charset="0"/>
+                                <a:ea typeface="宋体" panose="02010600030101010101" pitchFamily="2" charset="-122"/>
+                              </a:rPr>
+                            </m:ctrlPr>
+                          </m:radPr>
+                          <m:deg/>
+                          <m:e>
+                            <m:f>
+                              <m:fPr>
+                                <m:ctrlPr>
+                                  <a:rPr lang="en-US" altLang="zh-CN" i="1" dirty="0" smtClean="0">
+                                    <a:ln w="3175">
+                                      <a:solidFill>
+                                        <a:schemeClr val="tx1"/>
+                                      </a:solidFill>
+                                    </a:ln>
+                                    <a:solidFill>
+                                      <a:schemeClr val="tx1"/>
+                                    </a:solidFill>
+                                    <a:latin typeface="Cambria Math" panose="02040503050406030204" pitchFamily="18" charset="0"/>
+                                    <a:ea typeface="宋体" panose="02010600030101010101" pitchFamily="2" charset="-122"/>
+                                  </a:rPr>
+                                </m:ctrlPr>
+                              </m:fPr>
+                              <m:num>
+                                <m:r>
+                                  <a:rPr lang="en-US" altLang="zh-CN" b="0" i="1" dirty="0" smtClean="0">
+                                    <a:ln w="3175">
+                                      <a:solidFill>
+                                        <a:schemeClr val="tx1"/>
+                                      </a:solidFill>
+                                    </a:ln>
+                                    <a:solidFill>
+                                      <a:schemeClr val="tx1"/>
+                                    </a:solidFill>
+                                    <a:latin typeface="Cambria Math" panose="02040503050406030204" pitchFamily="18" charset="0"/>
+                                    <a:ea typeface="宋体" panose="02010600030101010101" pitchFamily="2" charset="-122"/>
+                                  </a:rPr>
+                                  <m:t>1</m:t>
+                                </m:r>
+                              </m:num>
+                              <m:den>
+                                <m:r>
+                                  <a:rPr lang="en-US" altLang="zh-CN" b="0" i="1" dirty="0" smtClean="0">
+                                    <a:ln w="3175">
+                                      <a:solidFill>
+                                        <a:schemeClr val="tx1"/>
+                                      </a:solidFill>
+                                    </a:ln>
+                                    <a:solidFill>
+                                      <a:schemeClr val="tx1"/>
+                                    </a:solidFill>
+                                    <a:latin typeface="Cambria Math" panose="02040503050406030204" pitchFamily="18" charset="0"/>
+                                    <a:ea typeface="宋体" panose="02010600030101010101" pitchFamily="2" charset="-122"/>
+                                  </a:rPr>
+                                  <m:t>2</m:t>
+                                </m:r>
+                              </m:den>
+                            </m:f>
+                            <m:nary>
+                              <m:naryPr>
+                                <m:chr m:val="∑"/>
+                                <m:ctrlPr>
+                                  <a:rPr lang="en-US" altLang="zh-CN" i="1" dirty="0" smtClean="0">
+                                    <a:ln w="3175">
+                                      <a:solidFill>
+                                        <a:schemeClr val="tx1"/>
+                                      </a:solidFill>
+                                    </a:ln>
+                                    <a:solidFill>
+                                      <a:schemeClr val="tx1"/>
+                                    </a:solidFill>
+                                    <a:latin typeface="Cambria Math" panose="02040503050406030204" pitchFamily="18" charset="0"/>
+                                    <a:ea typeface="宋体" panose="02010600030101010101" pitchFamily="2" charset="-122"/>
+                                  </a:rPr>
+                                </m:ctrlPr>
+                              </m:naryPr>
+                              <m:sub>
+                                <m:r>
+                                  <m:rPr>
+                                    <m:brk m:alnAt="23"/>
+                                  </m:rPr>
+                                  <a:rPr lang="en-US" altLang="zh-CN" b="0" i="1" dirty="0" smtClean="0">
+                                    <a:ln w="3175">
+                                      <a:solidFill>
+                                        <a:schemeClr val="tx1"/>
+                                      </a:solidFill>
+                                    </a:ln>
+                                    <a:solidFill>
+                                      <a:schemeClr val="tx1"/>
+                                    </a:solidFill>
+                                    <a:latin typeface="Cambria Math" panose="02040503050406030204" pitchFamily="18" charset="0"/>
+                                    <a:ea typeface="宋体" panose="02010600030101010101" pitchFamily="2" charset="-122"/>
+                                  </a:rPr>
+                                  <m:t>𝑝</m:t>
+                                </m:r>
+                                <m:r>
+                                  <a:rPr lang="en-US" altLang="zh-CN" b="0" i="1" dirty="0" smtClean="0">
+                                    <a:ln w="3175">
+                                      <a:solidFill>
+                                        <a:schemeClr val="tx1"/>
+                                      </a:solidFill>
+                                    </a:ln>
+                                    <a:solidFill>
+                                      <a:schemeClr val="tx1"/>
+                                    </a:solidFill>
+                                    <a:latin typeface="Cambria Math" panose="02040503050406030204" pitchFamily="18" charset="0"/>
+                                    <a:ea typeface="宋体" panose="02010600030101010101" pitchFamily="2" charset="-122"/>
+                                  </a:rPr>
+                                  <m:t>=1</m:t>
+                                </m:r>
+                              </m:sub>
+                              <m:sup>
+                                <m:r>
+                                  <m:rPr>
+                                    <m:sty m:val="p"/>
+                                  </m:rPr>
+                                  <a:rPr lang="en-US" altLang="zh-CN" i="1" dirty="0">
+                                    <a:ln w="3175">
+                                      <a:solidFill>
+                                        <a:schemeClr val="tx1"/>
+                                      </a:solidFill>
+                                    </a:ln>
+                                    <a:solidFill>
+                                      <a:schemeClr val="tx1"/>
+                                    </a:solidFill>
+                                    <a:latin typeface="Cambria Math" panose="02040503050406030204" pitchFamily="18" charset="0"/>
+                                    <a:ea typeface="宋体" panose="02010600030101010101" pitchFamily="2" charset="-122"/>
+                                  </a:rPr>
+                                  <m:t>p</m:t>
+                                </m:r>
+                              </m:sup>
+                              <m:e>
+                                <m:nary>
+                                  <m:naryPr>
+                                    <m:chr m:val="∑"/>
+                                    <m:ctrlPr>
+                                      <a:rPr lang="en-US" altLang="zh-CN" i="1" dirty="0" smtClean="0">
+                                        <a:ln w="3175">
+                                          <a:solidFill>
+                                            <a:schemeClr val="tx1"/>
+                                          </a:solidFill>
+                                        </a:ln>
+                                        <a:solidFill>
+                                          <a:schemeClr val="tx1"/>
+                                        </a:solidFill>
+                                        <a:latin typeface="Cambria Math" panose="02040503050406030204" pitchFamily="18" charset="0"/>
+                                        <a:ea typeface="宋体" panose="02010600030101010101" pitchFamily="2" charset="-122"/>
+                                      </a:rPr>
+                                    </m:ctrlPr>
+                                  </m:naryPr>
+                                  <m:sub>
+                                    <m:r>
+                                      <m:rPr>
+                                        <m:brk m:alnAt="23"/>
+                                      </m:rPr>
+                                      <a:rPr lang="en-US" altLang="zh-CN" b="0" i="1" dirty="0" smtClean="0">
+                                        <a:ln w="3175">
+                                          <a:solidFill>
+                                            <a:schemeClr val="tx1"/>
+                                          </a:solidFill>
+                                        </a:ln>
+                                        <a:solidFill>
+                                          <a:schemeClr val="tx1"/>
+                                        </a:solidFill>
+                                        <a:latin typeface="Cambria Math" panose="02040503050406030204" pitchFamily="18" charset="0"/>
+                                        <a:ea typeface="宋体" panose="02010600030101010101" pitchFamily="2" charset="-122"/>
+                                      </a:rPr>
+                                      <m:t>𝑘</m:t>
+                                    </m:r>
+                                    <m:r>
+                                      <a:rPr lang="en-US" altLang="zh-CN" b="0" i="1" dirty="0" smtClean="0">
+                                        <a:ln w="3175">
+                                          <a:solidFill>
+                                            <a:schemeClr val="tx1"/>
+                                          </a:solidFill>
+                                        </a:ln>
+                                        <a:solidFill>
+                                          <a:schemeClr val="tx1"/>
+                                        </a:solidFill>
+                                        <a:latin typeface="Cambria Math" panose="02040503050406030204" pitchFamily="18" charset="0"/>
+                                        <a:ea typeface="宋体" panose="02010600030101010101" pitchFamily="2" charset="-122"/>
+                                      </a:rPr>
+                                      <m:t>=1</m:t>
+                                    </m:r>
+                                  </m:sub>
+                                  <m:sup>
+                                    <m:r>
+                                      <a:rPr lang="en-US" altLang="zh-CN" b="0" i="1" dirty="0" smtClean="0">
+                                        <a:ln w="3175">
+                                          <a:solidFill>
+                                            <a:schemeClr val="tx1"/>
+                                          </a:solidFill>
+                                        </a:ln>
+                                        <a:solidFill>
+                                          <a:schemeClr val="tx1"/>
+                                        </a:solidFill>
+                                        <a:latin typeface="Cambria Math" panose="02040503050406030204" pitchFamily="18" charset="0"/>
+                                        <a:ea typeface="宋体" panose="02010600030101010101" pitchFamily="2" charset="-122"/>
+                                      </a:rPr>
+                                      <m:t>𝑙</m:t>
+                                    </m:r>
+                                  </m:sup>
+                                  <m:e>
+                                    <m:r>
+                                      <a:rPr lang="en-US" altLang="zh-CN" b="0" i="1" dirty="0" smtClean="0">
+                                        <a:ln w="3175">
+                                          <a:solidFill>
+                                            <a:schemeClr val="tx1"/>
+                                          </a:solidFill>
+                                        </a:ln>
+                                        <a:solidFill>
+                                          <a:schemeClr val="tx1"/>
+                                        </a:solidFill>
+                                        <a:latin typeface="Cambria Math" panose="02040503050406030204" pitchFamily="18" charset="0"/>
+                                        <a:ea typeface="宋体" panose="02010600030101010101" pitchFamily="2" charset="-122"/>
+                                      </a:rPr>
+                                      <m:t>(</m:t>
+                                    </m:r>
+                                    <m:sSub>
+                                      <m:sSubPr>
+                                        <m:ctrlPr>
+                                          <a:rPr lang="en-US" altLang="zh-CN" b="0" i="1" dirty="0" smtClean="0">
+                                            <a:ln w="3175">
+                                              <a:solidFill>
+                                                <a:schemeClr val="tx1"/>
+                                              </a:solidFill>
+                                            </a:ln>
+                                            <a:solidFill>
+                                              <a:schemeClr val="tx1"/>
+                                            </a:solidFill>
+                                            <a:latin typeface="Cambria Math" panose="02040503050406030204" pitchFamily="18" charset="0"/>
+                                            <a:ea typeface="宋体" panose="02010600030101010101" pitchFamily="2" charset="-122"/>
+                                          </a:rPr>
+                                        </m:ctrlPr>
+                                      </m:sSubPr>
+                                      <m:e>
+                                        <m:r>
+                                          <a:rPr lang="en-US" altLang="zh-CN" b="0" i="1" dirty="0" smtClean="0">
+                                            <a:ln w="3175">
+                                              <a:solidFill>
+                                                <a:schemeClr val="tx1"/>
+                                              </a:solidFill>
+                                            </a:ln>
+                                            <a:solidFill>
+                                              <a:schemeClr val="tx1"/>
+                                            </a:solidFill>
+                                            <a:latin typeface="Cambria Math" panose="02040503050406030204" pitchFamily="18" charset="0"/>
+                                            <a:ea typeface="宋体" panose="02010600030101010101" pitchFamily="2" charset="-122"/>
+                                          </a:rPr>
+                                          <m:t>𝑑</m:t>
+                                        </m:r>
+                                      </m:e>
+                                      <m:sub>
+                                        <m:r>
+                                          <a:rPr lang="en-US" altLang="zh-CN" b="0" i="1" dirty="0" smtClean="0">
+                                            <a:ln w="3175">
+                                              <a:solidFill>
+                                                <a:schemeClr val="tx1"/>
+                                              </a:solidFill>
+                                            </a:ln>
+                                            <a:solidFill>
+                                              <a:schemeClr val="tx1"/>
+                                            </a:solidFill>
+                                            <a:latin typeface="Cambria Math" panose="02040503050406030204" pitchFamily="18" charset="0"/>
+                                            <a:ea typeface="宋体" panose="02010600030101010101" pitchFamily="2" charset="-122"/>
+                                          </a:rPr>
+                                          <m:t>𝑘</m:t>
+                                        </m:r>
+                                      </m:sub>
+                                    </m:sSub>
+                                    <m:r>
+                                      <a:rPr lang="en-US" altLang="zh-CN" b="0" i="1" dirty="0" smtClean="0">
+                                        <a:ln w="3175">
+                                          <a:solidFill>
+                                            <a:schemeClr val="tx1"/>
+                                          </a:solidFill>
+                                        </a:ln>
+                                        <a:solidFill>
+                                          <a:schemeClr val="tx1"/>
+                                        </a:solidFill>
+                                        <a:latin typeface="Cambria Math" panose="02040503050406030204" pitchFamily="18" charset="0"/>
+                                        <a:ea typeface="宋体" panose="02010600030101010101" pitchFamily="2" charset="-122"/>
+                                      </a:rPr>
+                                      <m:t>−</m:t>
+                                    </m:r>
+                                    <m:sSub>
+                                      <m:sSubPr>
+                                        <m:ctrlPr>
+                                          <a:rPr lang="en-US" altLang="zh-CN" b="0" i="1" dirty="0" smtClean="0">
+                                            <a:ln w="3175">
+                                              <a:solidFill>
+                                                <a:schemeClr val="tx1"/>
+                                              </a:solidFill>
+                                            </a:ln>
+                                            <a:solidFill>
+                                              <a:schemeClr val="tx1"/>
+                                            </a:solidFill>
+                                            <a:latin typeface="Cambria Math" panose="02040503050406030204" pitchFamily="18" charset="0"/>
+                                            <a:ea typeface="宋体" panose="02010600030101010101" pitchFamily="2" charset="-122"/>
+                                          </a:rPr>
+                                        </m:ctrlPr>
+                                      </m:sSubPr>
+                                      <m:e>
+                                        <m:r>
+                                          <a:rPr lang="en-US" altLang="zh-CN" b="0" i="1" dirty="0" smtClean="0">
+                                            <a:ln w="3175">
+                                              <a:solidFill>
+                                                <a:schemeClr val="tx1"/>
+                                              </a:solidFill>
+                                            </a:ln>
+                                            <a:solidFill>
+                                              <a:schemeClr val="tx1"/>
+                                            </a:solidFill>
+                                            <a:latin typeface="Cambria Math" panose="02040503050406030204" pitchFamily="18" charset="0"/>
+                                            <a:ea typeface="宋体" panose="02010600030101010101" pitchFamily="2" charset="-122"/>
+                                          </a:rPr>
+                                          <m:t>𝑂</m:t>
+                                        </m:r>
+                                      </m:e>
+                                      <m:sub>
+                                        <m:r>
+                                          <a:rPr lang="en-US" altLang="zh-CN" b="0" i="1" dirty="0" smtClean="0">
+                                            <a:ln w="3175">
+                                              <a:solidFill>
+                                                <a:schemeClr val="tx1"/>
+                                              </a:solidFill>
+                                            </a:ln>
+                                            <a:solidFill>
+                                              <a:schemeClr val="tx1"/>
+                                            </a:solidFill>
+                                            <a:latin typeface="Cambria Math" panose="02040503050406030204" pitchFamily="18" charset="0"/>
+                                            <a:ea typeface="宋体" panose="02010600030101010101" pitchFamily="2" charset="-122"/>
+                                          </a:rPr>
+                                          <m:t>𝑘</m:t>
+                                        </m:r>
+                                      </m:sub>
+                                    </m:sSub>
+                                    <m:r>
+                                      <a:rPr lang="en-US" altLang="zh-CN" b="0" i="1" dirty="0" smtClean="0">
+                                        <a:ln w="3175">
+                                          <a:solidFill>
+                                            <a:schemeClr val="tx1"/>
+                                          </a:solidFill>
+                                        </a:ln>
+                                        <a:solidFill>
+                                          <a:schemeClr val="tx1"/>
+                                        </a:solidFill>
+                                        <a:latin typeface="Cambria Math" panose="02040503050406030204" pitchFamily="18" charset="0"/>
+                                        <a:ea typeface="宋体" panose="02010600030101010101" pitchFamily="2" charset="-122"/>
+                                      </a:rPr>
+                                      <m:t>)</m:t>
+                                    </m:r>
+                                  </m:e>
+                                </m:nary>
+                              </m:e>
+                            </m:nary>
+                          </m:e>
+                        </m:rad>
+                      </m:oMath>
+                    </m:oMathPara>
+                  </a14:m>
+                  <a:endParaRPr lang="zh-CN" altLang="en-US" i="1" dirty="0">
+                    <a:ln w="3175">
+                      <a:solidFill>
+                        <a:schemeClr val="tx1"/>
+                      </a:solidFill>
+                    </a:ln>
+                    <a:solidFill>
+                      <a:schemeClr val="tx1"/>
+                    </a:solidFill>
+                    <a:latin typeface="宋体" panose="02010600030101010101" pitchFamily="2" charset="-122"/>
+                    <a:ea typeface="宋体" panose="02010600030101010101" pitchFamily="2" charset="-122"/>
+                  </a:endParaRPr>
+                </a:p>
+              </p:txBody>
+            </p:sp>
+          </mc:Choice>
+          <mc:Fallback>
+            <p:sp>
+              <p:nvSpPr>
+                <p:cNvPr id="20" name="矩形 19">
+                  <a:extLst>
+                    <a:ext uri="{FF2B5EF4-FFF2-40B4-BE49-F238E27FC236}">
+                      <a16:creationId xmlns:a16="http://schemas.microsoft.com/office/drawing/2014/main" id="{B48D73B6-0E9C-4732-9B44-94A862A1913D}"/>
+                    </a:ext>
+                  </a:extLst>
+                </p:cNvPr>
+                <p:cNvSpPr>
+                  <a:spLocks noRot="1" noChangeAspect="1" noMove="1" noResize="1" noEditPoints="1" noAdjustHandles="1" noChangeArrowheads="1" noChangeShapeType="1" noTextEdit="1"/>
+                </p:cNvSpPr>
+                <p:nvPr/>
+              </p:nvSpPr>
+              <p:spPr>
+                <a:xfrm>
+                  <a:off x="3963222" y="3512011"/>
+                  <a:ext cx="2858656" cy="1566941"/>
+                </a:xfrm>
+                <a:prstGeom prst="rect">
+                  <a:avLst/>
+                </a:prstGeom>
+                <a:blipFill>
+                  <a:blip r:embed="rId2"/>
+                  <a:stretch>
+                    <a:fillRect/>
+                  </a:stretch>
+                </a:blipFill>
+                <a:ln w="28575">
+                  <a:solidFill>
+                    <a:schemeClr val="tx1"/>
+                  </a:solidFill>
+                </a:ln>
+              </p:spPr>
+              <p:txBody>
+                <a:bodyPr/>
+                <a:lstStyle/>
+                <a:p>
+                  <a:r>
+                    <a:rPr lang="zh-CN" altLang="en-US">
+                      <a:noFill/>
+                    </a:rPr>
+                    <a:t> </a:t>
+                  </a:r>
+                </a:p>
+              </p:txBody>
+            </p:sp>
+          </mc:Fallback>
+        </mc:AlternateContent>
+        <p:sp>
+          <p:nvSpPr>
+            <p:cNvPr id="21" name="矩形 20">
+              <a:extLst>
+                <a:ext uri="{FF2B5EF4-FFF2-40B4-BE49-F238E27FC236}">
+                  <a16:creationId xmlns:a16="http://schemas.microsoft.com/office/drawing/2014/main" id="{A61AC28F-2F5E-4FE1-B385-71D04B8391A0}"/>
+                </a:ext>
+              </a:extLst>
+            </p:cNvPr>
+            <p:cNvSpPr/>
+            <p:nvPr/>
+          </p:nvSpPr>
+          <p:spPr>
+            <a:xfrm>
+              <a:off x="3954083" y="6858000"/>
+              <a:ext cx="2877320" cy="511000"/>
+            </a:xfrm>
+            <a:prstGeom prst="rect">
+              <a:avLst/>
+            </a:prstGeom>
+            <a:noFill/>
+            <a:ln w="28575">
+              <a:solidFill>
+                <a:schemeClr val="tx1"/>
+              </a:solidFill>
+            </a:ln>
+          </p:spPr>
+          <p:style>
+            <a:lnRef idx="2">
+              <a:schemeClr val="accent1">
+                <a:shade val="50000"/>
+              </a:schemeClr>
+            </a:lnRef>
+            <a:fillRef idx="1">
+              <a:schemeClr val="accent1"/>
+            </a:fillRef>
+            <a:effectRef idx="0">
+              <a:schemeClr val="accent1"/>
+            </a:effectRef>
+            <a:fontRef idx="minor">
+              <a:schemeClr val="lt1"/>
+            </a:fontRef>
+          </p:style>
+          <p:txBody>
+            <a:bodyPr rtlCol="0" anchor="ctr"/>
+            <a:lstStyle/>
+            <a:p>
+              <a:pPr algn="ctr"/>
+              <a:r>
+                <a:rPr lang="zh-CN" altLang="en-US" dirty="0">
+                  <a:ln w="3175">
+                    <a:solidFill>
+                      <a:schemeClr val="tx1"/>
+                    </a:solidFill>
+                  </a:ln>
+                  <a:solidFill>
+                    <a:schemeClr val="tx1"/>
+                  </a:solidFill>
+                  <a:latin typeface="宋体" panose="02010600030101010101" pitchFamily="2" charset="-122"/>
+                  <a:ea typeface="宋体" panose="02010600030101010101" pitchFamily="2" charset="-122"/>
+                </a:rPr>
+                <a:t>用</a:t>
+              </a:r>
+              <a:r>
+                <a:rPr lang="en-US" altLang="zh-CN" dirty="0">
+                  <a:ln w="3175">
+                    <a:solidFill>
+                      <a:schemeClr val="tx1"/>
+                    </a:solidFill>
+                  </a:ln>
+                  <a:solidFill>
+                    <a:schemeClr val="tx1"/>
+                  </a:solidFill>
+                  <a:latin typeface="宋体" panose="02010600030101010101" pitchFamily="2" charset="-122"/>
+                  <a:ea typeface="宋体" panose="02010600030101010101" pitchFamily="2" charset="-122"/>
+                </a:rPr>
+                <a:t>E</a:t>
+              </a:r>
+              <a:r>
+                <a:rPr lang="zh-CN" altLang="en-US" dirty="0">
+                  <a:ln w="3175">
+                    <a:solidFill>
+                      <a:schemeClr val="tx1"/>
+                    </a:solidFill>
+                  </a:ln>
+                  <a:solidFill>
+                    <a:schemeClr val="tx1"/>
+                  </a:solidFill>
+                  <a:latin typeface="宋体" panose="02010600030101010101" pitchFamily="2" charset="-122"/>
+                  <a:ea typeface="宋体" panose="02010600030101010101" pitchFamily="2" charset="-122"/>
+                </a:rPr>
+                <a:t>计算各层的误差</a:t>
+              </a:r>
+            </a:p>
+          </p:txBody>
+        </p:sp>
+        <p:sp>
+          <p:nvSpPr>
+            <p:cNvPr id="22" name="矩形 21">
+              <a:extLst>
+                <a:ext uri="{FF2B5EF4-FFF2-40B4-BE49-F238E27FC236}">
+                  <a16:creationId xmlns:a16="http://schemas.microsoft.com/office/drawing/2014/main" id="{4AE75A68-6078-47AB-B375-64A1180E143E}"/>
+                </a:ext>
+              </a:extLst>
+            </p:cNvPr>
+            <p:cNvSpPr/>
+            <p:nvPr/>
+          </p:nvSpPr>
+          <p:spPr>
+            <a:xfrm>
+              <a:off x="3963222" y="7747283"/>
+              <a:ext cx="2858656" cy="487221"/>
+            </a:xfrm>
+            <a:prstGeom prst="rect">
+              <a:avLst/>
+            </a:prstGeom>
+            <a:noFill/>
+            <a:ln w="28575">
+              <a:solidFill>
+                <a:schemeClr val="tx1"/>
+              </a:solidFill>
+            </a:ln>
+          </p:spPr>
+          <p:style>
+            <a:lnRef idx="2">
+              <a:schemeClr val="accent1">
+                <a:shade val="50000"/>
+              </a:schemeClr>
+            </a:lnRef>
+            <a:fillRef idx="1">
+              <a:schemeClr val="accent1"/>
+            </a:fillRef>
+            <a:effectRef idx="0">
+              <a:schemeClr val="accent1"/>
+            </a:effectRef>
+            <a:fontRef idx="minor">
+              <a:schemeClr val="lt1"/>
+            </a:fontRef>
+          </p:style>
+          <p:txBody>
+            <a:bodyPr rtlCol="0" anchor="ctr"/>
+            <a:lstStyle/>
+            <a:p>
+              <a:pPr algn="ctr"/>
+              <a:r>
+                <a:rPr lang="zh-CN" altLang="en-US" dirty="0">
+                  <a:ln w="3175">
+                    <a:solidFill>
+                      <a:schemeClr val="tx1"/>
+                    </a:solidFill>
+                  </a:ln>
+                  <a:solidFill>
+                    <a:schemeClr val="tx1"/>
+                  </a:solidFill>
+                  <a:latin typeface="宋体" panose="02010600030101010101" pitchFamily="2" charset="-122"/>
+                  <a:ea typeface="宋体" panose="02010600030101010101" pitchFamily="2" charset="-122"/>
+                </a:rPr>
+                <a:t>调整各层权值</a:t>
+              </a:r>
+            </a:p>
+          </p:txBody>
+        </p:sp>
+        <p:sp>
+          <p:nvSpPr>
+            <p:cNvPr id="23" name="矩形 22">
+              <a:extLst>
+                <a:ext uri="{FF2B5EF4-FFF2-40B4-BE49-F238E27FC236}">
+                  <a16:creationId xmlns:a16="http://schemas.microsoft.com/office/drawing/2014/main" id="{5E338687-406C-4B26-B336-4C4238B6C674}"/>
+                </a:ext>
+              </a:extLst>
+            </p:cNvPr>
+            <p:cNvSpPr/>
+            <p:nvPr/>
+          </p:nvSpPr>
+          <p:spPr>
+            <a:xfrm>
+              <a:off x="400071" y="5661411"/>
+              <a:ext cx="2190230" cy="510075"/>
+            </a:xfrm>
+            <a:prstGeom prst="rect">
+              <a:avLst/>
+            </a:prstGeom>
+            <a:noFill/>
+            <a:ln w="28575">
+              <a:solidFill>
+                <a:schemeClr val="tx1"/>
+              </a:solidFill>
+            </a:ln>
+          </p:spPr>
+          <p:style>
+            <a:lnRef idx="2">
+              <a:schemeClr val="accent1">
+                <a:shade val="50000"/>
+              </a:schemeClr>
+            </a:lnRef>
+            <a:fillRef idx="1">
+              <a:schemeClr val="accent1"/>
+            </a:fillRef>
+            <a:effectRef idx="0">
+              <a:schemeClr val="accent1"/>
+            </a:effectRef>
+            <a:fontRef idx="minor">
+              <a:schemeClr val="lt1"/>
+            </a:fontRef>
+          </p:style>
+          <p:txBody>
+            <a:bodyPr rtlCol="0" anchor="ctr"/>
+            <a:lstStyle/>
+            <a:p>
+              <a:pPr algn="ctr"/>
+              <a:r>
+                <a:rPr lang="en-US" altLang="zh-CN" dirty="0">
+                  <a:ln w="3175">
+                    <a:solidFill>
+                      <a:schemeClr val="tx1"/>
+                    </a:solidFill>
+                  </a:ln>
+                  <a:solidFill>
+                    <a:schemeClr val="tx1"/>
+                  </a:solidFill>
+                  <a:latin typeface="Cambria Math" panose="02040503050406030204" pitchFamily="18" charset="0"/>
+                  <a:ea typeface="Cambria Math" panose="02040503050406030204" pitchFamily="18" charset="0"/>
+                </a:rPr>
+                <a:t>p + 1</a:t>
+              </a:r>
+              <a:endParaRPr lang="zh-CN" altLang="en-US" dirty="0">
+                <a:ln w="3175">
+                  <a:solidFill>
+                    <a:schemeClr val="tx1"/>
+                  </a:solidFill>
+                </a:ln>
+                <a:solidFill>
+                  <a:schemeClr val="tx1"/>
+                </a:solidFill>
+                <a:latin typeface="宋体" panose="02010600030101010101" pitchFamily="2" charset="-122"/>
+                <a:ea typeface="宋体" panose="02010600030101010101" pitchFamily="2" charset="-122"/>
+              </a:endParaRPr>
+            </a:p>
+          </p:txBody>
+        </p:sp>
+        <p:sp>
+          <p:nvSpPr>
+            <p:cNvPr id="24" name="矩形 23">
+              <a:extLst>
+                <a:ext uri="{FF2B5EF4-FFF2-40B4-BE49-F238E27FC236}">
+                  <a16:creationId xmlns:a16="http://schemas.microsoft.com/office/drawing/2014/main" id="{6B33B0F3-28FA-4F8C-9ECA-FAB03672CBBE}"/>
+                </a:ext>
+              </a:extLst>
+            </p:cNvPr>
+            <p:cNvSpPr/>
+            <p:nvPr/>
+          </p:nvSpPr>
+          <p:spPr>
+            <a:xfrm>
+              <a:off x="3963222" y="8642290"/>
+              <a:ext cx="2858656" cy="491184"/>
+            </a:xfrm>
+            <a:prstGeom prst="rect">
+              <a:avLst/>
+            </a:prstGeom>
+            <a:noFill/>
+            <a:ln w="28575">
+              <a:solidFill>
+                <a:schemeClr val="tx1"/>
+              </a:solidFill>
+            </a:ln>
+          </p:spPr>
+          <p:style>
+            <a:lnRef idx="2">
+              <a:schemeClr val="accent1">
+                <a:shade val="50000"/>
+              </a:schemeClr>
+            </a:lnRef>
+            <a:fillRef idx="1">
+              <a:schemeClr val="accent1"/>
+            </a:fillRef>
+            <a:effectRef idx="0">
+              <a:schemeClr val="accent1"/>
+            </a:effectRef>
+            <a:fontRef idx="minor">
+              <a:schemeClr val="lt1"/>
+            </a:fontRef>
+          </p:style>
+          <p:txBody>
+            <a:bodyPr rtlCol="0" anchor="ctr"/>
+            <a:lstStyle/>
+            <a:p>
+              <a:pPr algn="ctr"/>
+              <a:r>
+                <a:rPr lang="en-US" altLang="zh-CN" dirty="0">
+                  <a:ln w="3175">
+                    <a:solidFill>
+                      <a:schemeClr val="tx1"/>
+                    </a:solidFill>
+                  </a:ln>
+                  <a:solidFill>
+                    <a:schemeClr val="tx1"/>
+                  </a:solidFill>
+                  <a:latin typeface="Cambria Math" panose="02040503050406030204" pitchFamily="18" charset="0"/>
+                  <a:ea typeface="Cambria Math" panose="02040503050406030204" pitchFamily="18" charset="0"/>
+                </a:rPr>
+                <a:t>q + 1</a:t>
+              </a:r>
+              <a:endParaRPr lang="zh-CN" altLang="en-US" dirty="0">
+                <a:ln w="3175">
+                  <a:solidFill>
+                    <a:schemeClr val="tx1"/>
+                  </a:solidFill>
+                </a:ln>
+                <a:solidFill>
+                  <a:schemeClr val="tx1"/>
+                </a:solidFill>
+                <a:latin typeface="Cambria Math" panose="02040503050406030204" pitchFamily="18" charset="0"/>
+              </a:endParaRPr>
+            </a:p>
+          </p:txBody>
+        </p:sp>
+        <mc:AlternateContent xmlns:mc="http://schemas.openxmlformats.org/markup-compatibility/2006">
+          <mc:Choice xmlns:a14="http://schemas.microsoft.com/office/drawing/2010/main" Requires="a14">
+            <p:sp>
+              <p:nvSpPr>
+                <p:cNvPr id="25" name="菱形 24">
+                  <a:extLst>
+                    <a:ext uri="{FF2B5EF4-FFF2-40B4-BE49-F238E27FC236}">
+                      <a16:creationId xmlns:a16="http://schemas.microsoft.com/office/drawing/2014/main" id="{0D794516-9018-4FE4-8704-7DBDF3530413}"/>
+                    </a:ext>
+                  </a:extLst>
+                </p:cNvPr>
+                <p:cNvSpPr/>
+                <p:nvPr/>
+              </p:nvSpPr>
+              <p:spPr>
+                <a:xfrm>
+                  <a:off x="3653017" y="9428545"/>
+                  <a:ext cx="3474696" cy="933137"/>
+                </a:xfrm>
+                <a:prstGeom prst="diamond">
+                  <a:avLst/>
+                </a:prstGeom>
+                <a:noFill/>
+                <a:ln w="28575">
+                  <a:solidFill>
+                    <a:schemeClr val="tx1"/>
+                  </a:solidFill>
+                </a:ln>
+              </p:spPr>
+              <p:style>
+                <a:lnRef idx="2">
+                  <a:schemeClr val="accent1">
+                    <a:shade val="50000"/>
+                  </a:schemeClr>
+                </a:lnRef>
+                <a:fillRef idx="1">
+                  <a:schemeClr val="accent1"/>
+                </a:fillRef>
+                <a:effectRef idx="0">
+                  <a:schemeClr val="accent1"/>
+                </a:effectRef>
+                <a:fontRef idx="minor">
+                  <a:schemeClr val="lt1"/>
+                </a:fontRef>
+              </p:style>
+              <p:txBody>
+                <a:bodyPr rtlCol="0" anchor="ctr"/>
+                <a:lstStyle/>
+                <a:p>
+                  <a:pPr algn="ctr"/>
+                  <a14:m>
+                    <m:oMathPara xmlns:m="http://schemas.openxmlformats.org/officeDocument/2006/math">
+                      <m:oMathParaPr>
+                        <m:jc m:val="centerGroup"/>
+                      </m:oMathParaPr>
+                      <m:oMath xmlns:m="http://schemas.openxmlformats.org/officeDocument/2006/math">
+                        <m:sSub>
+                          <m:sSubPr>
+                            <m:ctrlPr>
+                              <a:rPr lang="en-US" altLang="zh-CN" i="1" smtClean="0">
+                                <a:ln w="3175">
+                                  <a:solidFill>
+                                    <a:schemeClr val="tx1"/>
+                                  </a:solidFill>
+                                </a:ln>
+                                <a:solidFill>
+                                  <a:schemeClr val="tx1"/>
+                                </a:solidFill>
+                                <a:latin typeface="Cambria Math" panose="02040503050406030204" pitchFamily="18" charset="0"/>
+                                <a:ea typeface="宋体" panose="02010600030101010101" pitchFamily="2" charset="-122"/>
+                              </a:rPr>
+                            </m:ctrlPr>
+                          </m:sSubPr>
+                          <m:e>
+                            <m:r>
+                              <a:rPr lang="en-US" altLang="zh-CN" b="0" i="1" smtClean="0">
+                                <a:ln w="3175">
+                                  <a:solidFill>
+                                    <a:schemeClr val="tx1"/>
+                                  </a:solidFill>
+                                </a:ln>
+                                <a:solidFill>
+                                  <a:schemeClr val="tx1"/>
+                                </a:solidFill>
+                                <a:latin typeface="Cambria Math" panose="02040503050406030204" pitchFamily="18" charset="0"/>
+                                <a:ea typeface="宋体" panose="02010600030101010101" pitchFamily="2" charset="-122"/>
+                              </a:rPr>
+                              <m:t>𝐸</m:t>
+                            </m:r>
+                          </m:e>
+                          <m:sub>
+                            <m:r>
+                              <a:rPr lang="en-US" altLang="zh-CN" b="0" i="1" smtClean="0">
+                                <a:ln w="3175">
+                                  <a:solidFill>
+                                    <a:schemeClr val="tx1"/>
+                                  </a:solidFill>
+                                </a:ln>
+                                <a:solidFill>
+                                  <a:schemeClr val="tx1"/>
+                                </a:solidFill>
+                                <a:latin typeface="Cambria Math" panose="02040503050406030204" pitchFamily="18" charset="0"/>
+                                <a:ea typeface="宋体" panose="02010600030101010101" pitchFamily="2" charset="-122"/>
+                              </a:rPr>
+                              <m:t>𝑅𝑀𝐸</m:t>
+                            </m:r>
+                          </m:sub>
+                        </m:sSub>
+                        <m:r>
+                          <a:rPr lang="en-US" altLang="zh-CN" b="0" i="1" smtClean="0">
+                            <a:ln w="3175">
+                              <a:solidFill>
+                                <a:schemeClr val="tx1"/>
+                              </a:solidFill>
+                            </a:ln>
+                            <a:solidFill>
+                              <a:schemeClr val="tx1"/>
+                            </a:solidFill>
+                            <a:latin typeface="Cambria Math" panose="02040503050406030204" pitchFamily="18" charset="0"/>
+                            <a:ea typeface="宋体" panose="02010600030101010101" pitchFamily="2" charset="-122"/>
+                          </a:rPr>
+                          <m:t>&lt; </m:t>
+                        </m:r>
+                        <m:sSub>
+                          <m:sSubPr>
+                            <m:ctrlPr>
+                              <a:rPr lang="en-US" altLang="zh-CN" b="0" i="1" smtClean="0">
+                                <a:ln w="3175">
+                                  <a:solidFill>
+                                    <a:schemeClr val="tx1"/>
+                                  </a:solidFill>
+                                </a:ln>
+                                <a:solidFill>
+                                  <a:schemeClr val="tx1"/>
+                                </a:solidFill>
+                                <a:latin typeface="Cambria Math" panose="02040503050406030204" pitchFamily="18" charset="0"/>
+                                <a:ea typeface="宋体" panose="02010600030101010101" pitchFamily="2" charset="-122"/>
+                              </a:rPr>
+                            </m:ctrlPr>
+                          </m:sSubPr>
+                          <m:e>
+                            <m:r>
+                              <a:rPr lang="en-US" altLang="zh-CN" b="0" i="1" smtClean="0">
+                                <a:ln w="3175">
+                                  <a:solidFill>
+                                    <a:schemeClr val="tx1"/>
+                                  </a:solidFill>
+                                </a:ln>
+                                <a:solidFill>
+                                  <a:schemeClr val="tx1"/>
+                                </a:solidFill>
+                                <a:latin typeface="Cambria Math" panose="02040503050406030204" pitchFamily="18" charset="0"/>
+                                <a:ea typeface="宋体" panose="02010600030101010101" pitchFamily="2" charset="-122"/>
+                              </a:rPr>
+                              <m:t>𝐸</m:t>
+                            </m:r>
+                          </m:e>
+                          <m:sub>
+                            <m:r>
+                              <a:rPr lang="en-US" altLang="zh-CN" b="0" i="1" smtClean="0">
+                                <a:ln w="3175">
+                                  <a:solidFill>
+                                    <a:schemeClr val="tx1"/>
+                                  </a:solidFill>
+                                </a:ln>
+                                <a:solidFill>
+                                  <a:schemeClr val="tx1"/>
+                                </a:solidFill>
+                                <a:latin typeface="Cambria Math" panose="02040503050406030204" pitchFamily="18" charset="0"/>
+                                <a:ea typeface="宋体" panose="02010600030101010101" pitchFamily="2" charset="-122"/>
+                              </a:rPr>
+                              <m:t>𝑚𝑖𝑛</m:t>
+                            </m:r>
+                          </m:sub>
+                        </m:sSub>
+                        <m:r>
+                          <a:rPr lang="en-US" altLang="zh-CN" b="0" i="0" smtClean="0">
+                            <a:ln w="3175">
+                              <a:solidFill>
+                                <a:schemeClr val="tx1"/>
+                              </a:solidFill>
+                            </a:ln>
+                            <a:solidFill>
+                              <a:schemeClr val="tx1"/>
+                            </a:solidFill>
+                            <a:latin typeface="Cambria Math" panose="02040503050406030204" pitchFamily="18" charset="0"/>
+                            <a:ea typeface="宋体" panose="02010600030101010101" pitchFamily="2" charset="-122"/>
+                          </a:rPr>
+                          <m:t> ?</m:t>
+                        </m:r>
+                      </m:oMath>
+                    </m:oMathPara>
+                  </a14:m>
+                  <a:endParaRPr lang="zh-CN" altLang="en-US" dirty="0">
+                    <a:ln w="3175">
+                      <a:solidFill>
+                        <a:schemeClr val="tx1"/>
+                      </a:solidFill>
+                    </a:ln>
+                    <a:solidFill>
+                      <a:schemeClr val="tx1"/>
+                    </a:solidFill>
+                    <a:latin typeface="宋体" panose="02010600030101010101" pitchFamily="2" charset="-122"/>
+                    <a:ea typeface="宋体" panose="02010600030101010101" pitchFamily="2" charset="-122"/>
+                  </a:endParaRPr>
+                </a:p>
+              </p:txBody>
+            </p:sp>
+          </mc:Choice>
+          <mc:Fallback>
+            <p:sp>
+              <p:nvSpPr>
+                <p:cNvPr id="25" name="菱形 24">
+                  <a:extLst>
+                    <a:ext uri="{FF2B5EF4-FFF2-40B4-BE49-F238E27FC236}">
+                      <a16:creationId xmlns:a16="http://schemas.microsoft.com/office/drawing/2014/main" id="{0D794516-9018-4FE4-8704-7DBDF3530413}"/>
+                    </a:ext>
+                  </a:extLst>
+                </p:cNvPr>
+                <p:cNvSpPr>
+                  <a:spLocks noRot="1" noChangeAspect="1" noMove="1" noResize="1" noEditPoints="1" noAdjustHandles="1" noChangeArrowheads="1" noChangeShapeType="1" noTextEdit="1"/>
+                </p:cNvSpPr>
+                <p:nvPr/>
+              </p:nvSpPr>
+              <p:spPr>
+                <a:xfrm>
+                  <a:off x="3653017" y="9428545"/>
+                  <a:ext cx="3474696" cy="933137"/>
+                </a:xfrm>
+                <a:prstGeom prst="diamond">
+                  <a:avLst/>
+                </a:prstGeom>
+                <a:blipFill>
+                  <a:blip r:embed="rId3"/>
+                  <a:stretch>
+                    <a:fillRect/>
+                  </a:stretch>
+                </a:blipFill>
+                <a:ln w="28575">
+                  <a:solidFill>
+                    <a:schemeClr val="tx1"/>
+                  </a:solidFill>
+                </a:ln>
+              </p:spPr>
+              <p:txBody>
+                <a:bodyPr/>
+                <a:lstStyle/>
+                <a:p>
+                  <a:r>
+                    <a:rPr lang="zh-CN" altLang="en-US">
+                      <a:noFill/>
+                    </a:rPr>
+                    <a:t> </a:t>
+                  </a:r>
+                </a:p>
+              </p:txBody>
+            </p:sp>
+          </mc:Fallback>
+        </mc:AlternateContent>
+        <p:sp>
+          <p:nvSpPr>
+            <p:cNvPr id="26" name="矩形 25">
+              <a:extLst>
+                <a:ext uri="{FF2B5EF4-FFF2-40B4-BE49-F238E27FC236}">
+                  <a16:creationId xmlns:a16="http://schemas.microsoft.com/office/drawing/2014/main" id="{C8AD79CB-EC54-4489-9845-35690EE5980F}"/>
+                </a:ext>
+              </a:extLst>
+            </p:cNvPr>
+            <p:cNvSpPr/>
+            <p:nvPr/>
+          </p:nvSpPr>
+          <p:spPr>
+            <a:xfrm>
+              <a:off x="7687623" y="9653641"/>
+              <a:ext cx="1594144" cy="490195"/>
+            </a:xfrm>
+            <a:prstGeom prst="rect">
+              <a:avLst/>
+            </a:prstGeom>
+            <a:noFill/>
+            <a:ln w="28575">
+              <a:solidFill>
+                <a:schemeClr val="tx1"/>
+              </a:solidFill>
+            </a:ln>
+          </p:spPr>
+          <p:style>
+            <a:lnRef idx="2">
+              <a:schemeClr val="accent1">
+                <a:shade val="50000"/>
+              </a:schemeClr>
+            </a:lnRef>
+            <a:fillRef idx="1">
+              <a:schemeClr val="accent1"/>
+            </a:fillRef>
+            <a:effectRef idx="0">
+              <a:schemeClr val="accent1"/>
+            </a:effectRef>
+            <a:fontRef idx="minor">
+              <a:schemeClr val="lt1"/>
+            </a:fontRef>
+          </p:style>
+          <p:txBody>
+            <a:bodyPr rtlCol="0" anchor="ctr"/>
+            <a:lstStyle/>
+            <a:p>
+              <a:pPr algn="ctr"/>
+              <a:r>
+                <a:rPr lang="en-US" altLang="zh-CN" dirty="0">
+                  <a:ln w="3175">
+                    <a:solidFill>
+                      <a:schemeClr val="tx1"/>
+                    </a:solidFill>
+                  </a:ln>
+                  <a:solidFill>
+                    <a:schemeClr val="tx1"/>
+                  </a:solidFill>
+                  <a:latin typeface="Cambria Math" panose="02040503050406030204" pitchFamily="18" charset="0"/>
+                  <a:ea typeface="Cambria Math" panose="02040503050406030204" pitchFamily="18" charset="0"/>
+                </a:rPr>
+                <a:t>E = 0, p = 1</a:t>
+              </a:r>
+              <a:endParaRPr lang="zh-CN" altLang="en-US" dirty="0">
+                <a:ln w="3175">
+                  <a:solidFill>
+                    <a:schemeClr val="tx1"/>
+                  </a:solidFill>
+                </a:ln>
+                <a:solidFill>
+                  <a:schemeClr val="tx1"/>
+                </a:solidFill>
+                <a:latin typeface="Cambria Math" panose="02040503050406030204" pitchFamily="18" charset="0"/>
+                <a:ea typeface="宋体" panose="02010600030101010101" pitchFamily="2" charset="-122"/>
+              </a:endParaRPr>
+            </a:p>
+          </p:txBody>
+        </p:sp>
+        <p:cxnSp>
+          <p:nvCxnSpPr>
+            <p:cNvPr id="32" name="直接箭头连接符 31">
+              <a:extLst>
+                <a:ext uri="{FF2B5EF4-FFF2-40B4-BE49-F238E27FC236}">
+                  <a16:creationId xmlns:a16="http://schemas.microsoft.com/office/drawing/2014/main" id="{24878F6C-EDA0-4943-8A15-F8477F2DB927}"/>
+                </a:ext>
+              </a:extLst>
+            </p:cNvPr>
+            <p:cNvCxnSpPr>
+              <a:cxnSpLocks/>
+              <a:stCxn id="20" idx="2"/>
+              <a:endCxn id="11" idx="0"/>
+            </p:cNvCxnSpPr>
+            <p:nvPr/>
+          </p:nvCxnSpPr>
+          <p:spPr>
+            <a:xfrm>
+              <a:off x="5392550" y="5078952"/>
+              <a:ext cx="470" cy="270215"/>
+            </a:xfrm>
+            <a:prstGeom prst="straightConnector1">
+              <a:avLst/>
+            </a:prstGeom>
+            <a:ln w="19050">
+              <a:tailEnd type="triangle"/>
+            </a:ln>
+          </p:spPr>
+          <p:style>
+            <a:lnRef idx="1">
+              <a:schemeClr val="dk1"/>
+            </a:lnRef>
+            <a:fillRef idx="0">
+              <a:schemeClr val="dk1"/>
+            </a:fillRef>
+            <a:effectRef idx="0">
+              <a:schemeClr val="dk1"/>
+            </a:effectRef>
+            <a:fontRef idx="minor">
+              <a:schemeClr val="tx1"/>
+            </a:fontRef>
+          </p:style>
+        </p:cxnSp>
+        <p:cxnSp>
+          <p:nvCxnSpPr>
+            <p:cNvPr id="33" name="直接箭头连接符 32">
+              <a:extLst>
+                <a:ext uri="{FF2B5EF4-FFF2-40B4-BE49-F238E27FC236}">
+                  <a16:creationId xmlns:a16="http://schemas.microsoft.com/office/drawing/2014/main" id="{E11CB5F6-385F-4EA9-ABB6-A60C72BD9C53}"/>
+                </a:ext>
+              </a:extLst>
+            </p:cNvPr>
+            <p:cNvCxnSpPr>
+              <a:cxnSpLocks/>
+              <a:stCxn id="11" idx="2"/>
+              <a:endCxn id="21" idx="0"/>
+            </p:cNvCxnSpPr>
+            <p:nvPr/>
+          </p:nvCxnSpPr>
+          <p:spPr>
+            <a:xfrm flipH="1">
+              <a:off x="5392743" y="6508664"/>
+              <a:ext cx="277" cy="349336"/>
+            </a:xfrm>
+            <a:prstGeom prst="straightConnector1">
+              <a:avLst/>
+            </a:prstGeom>
+            <a:ln w="19050">
+              <a:tailEnd type="triangle"/>
+            </a:ln>
+          </p:spPr>
+          <p:style>
+            <a:lnRef idx="1">
+              <a:schemeClr val="dk1"/>
+            </a:lnRef>
+            <a:fillRef idx="0">
+              <a:schemeClr val="dk1"/>
+            </a:fillRef>
+            <a:effectRef idx="0">
+              <a:schemeClr val="dk1"/>
+            </a:effectRef>
+            <a:fontRef idx="minor">
+              <a:schemeClr val="tx1"/>
+            </a:fontRef>
+          </p:style>
+        </p:cxnSp>
+        <p:cxnSp>
+          <p:nvCxnSpPr>
+            <p:cNvPr id="34" name="直接箭头连接符 33">
+              <a:extLst>
+                <a:ext uri="{FF2B5EF4-FFF2-40B4-BE49-F238E27FC236}">
+                  <a16:creationId xmlns:a16="http://schemas.microsoft.com/office/drawing/2014/main" id="{2FB216F1-07E7-4F20-B46D-A989D0273A42}"/>
+                </a:ext>
+              </a:extLst>
+            </p:cNvPr>
+            <p:cNvCxnSpPr>
+              <a:cxnSpLocks/>
+              <a:stCxn id="11" idx="1"/>
+              <a:endCxn id="23" idx="3"/>
+            </p:cNvCxnSpPr>
+            <p:nvPr/>
+          </p:nvCxnSpPr>
+          <p:spPr>
+            <a:xfrm flipH="1" flipV="1">
+              <a:off x="2590301" y="5916449"/>
+              <a:ext cx="1099877" cy="12467"/>
+            </a:xfrm>
+            <a:prstGeom prst="straightConnector1">
+              <a:avLst/>
+            </a:prstGeom>
+            <a:ln w="19050">
+              <a:tailEnd type="triangle"/>
+            </a:ln>
+          </p:spPr>
+          <p:style>
+            <a:lnRef idx="1">
+              <a:schemeClr val="dk1"/>
+            </a:lnRef>
+            <a:fillRef idx="0">
+              <a:schemeClr val="dk1"/>
+            </a:fillRef>
+            <a:effectRef idx="0">
+              <a:schemeClr val="dk1"/>
+            </a:effectRef>
+            <a:fontRef idx="minor">
+              <a:schemeClr val="tx1"/>
+            </a:fontRef>
+          </p:style>
+        </p:cxnSp>
+        <p:cxnSp>
+          <p:nvCxnSpPr>
+            <p:cNvPr id="35" name="直接箭头连接符 34">
+              <a:extLst>
+                <a:ext uri="{FF2B5EF4-FFF2-40B4-BE49-F238E27FC236}">
+                  <a16:creationId xmlns:a16="http://schemas.microsoft.com/office/drawing/2014/main" id="{6FF93141-C8B3-4AC7-AD23-353702FF2BB9}"/>
+                </a:ext>
+              </a:extLst>
+            </p:cNvPr>
+            <p:cNvCxnSpPr>
+              <a:cxnSpLocks/>
+              <a:stCxn id="21" idx="2"/>
+              <a:endCxn id="22" idx="0"/>
+            </p:cNvCxnSpPr>
+            <p:nvPr/>
+          </p:nvCxnSpPr>
+          <p:spPr>
+            <a:xfrm flipH="1">
+              <a:off x="5392550" y="7369000"/>
+              <a:ext cx="193" cy="378283"/>
+            </a:xfrm>
+            <a:prstGeom prst="straightConnector1">
+              <a:avLst/>
+            </a:prstGeom>
+            <a:ln w="19050">
+              <a:tailEnd type="triangle"/>
+            </a:ln>
+          </p:spPr>
+          <p:style>
+            <a:lnRef idx="1">
+              <a:schemeClr val="dk1"/>
+            </a:lnRef>
+            <a:fillRef idx="0">
+              <a:schemeClr val="dk1"/>
+            </a:fillRef>
+            <a:effectRef idx="0">
+              <a:schemeClr val="dk1"/>
+            </a:effectRef>
+            <a:fontRef idx="minor">
+              <a:schemeClr val="tx1"/>
+            </a:fontRef>
+          </p:style>
+        </p:cxnSp>
+        <p:cxnSp>
+          <p:nvCxnSpPr>
+            <p:cNvPr id="36" name="直接箭头连接符 35">
+              <a:extLst>
+                <a:ext uri="{FF2B5EF4-FFF2-40B4-BE49-F238E27FC236}">
+                  <a16:creationId xmlns:a16="http://schemas.microsoft.com/office/drawing/2014/main" id="{60B1EA5B-0AB8-452E-A799-3C0873B7BE42}"/>
+                </a:ext>
+              </a:extLst>
+            </p:cNvPr>
+            <p:cNvCxnSpPr>
+              <a:cxnSpLocks/>
+              <a:stCxn id="22" idx="2"/>
+              <a:endCxn id="24" idx="0"/>
+            </p:cNvCxnSpPr>
+            <p:nvPr/>
+          </p:nvCxnSpPr>
+          <p:spPr>
+            <a:xfrm>
+              <a:off x="5392550" y="8234504"/>
+              <a:ext cx="0" cy="407786"/>
+            </a:xfrm>
+            <a:prstGeom prst="straightConnector1">
+              <a:avLst/>
+            </a:prstGeom>
+            <a:ln w="19050">
+              <a:tailEnd type="triangle"/>
+            </a:ln>
+          </p:spPr>
+          <p:style>
+            <a:lnRef idx="1">
+              <a:schemeClr val="dk1"/>
+            </a:lnRef>
+            <a:fillRef idx="0">
+              <a:schemeClr val="dk1"/>
+            </a:fillRef>
+            <a:effectRef idx="0">
+              <a:schemeClr val="dk1"/>
+            </a:effectRef>
+            <a:fontRef idx="minor">
+              <a:schemeClr val="tx1"/>
+            </a:fontRef>
+          </p:style>
+        </p:cxnSp>
+        <p:cxnSp>
+          <p:nvCxnSpPr>
+            <p:cNvPr id="37" name="直接箭头连接符 36">
+              <a:extLst>
+                <a:ext uri="{FF2B5EF4-FFF2-40B4-BE49-F238E27FC236}">
+                  <a16:creationId xmlns:a16="http://schemas.microsoft.com/office/drawing/2014/main" id="{E727C611-39B3-45FC-9A1C-0621514005BB}"/>
+                </a:ext>
+              </a:extLst>
+            </p:cNvPr>
+            <p:cNvCxnSpPr>
+              <a:cxnSpLocks/>
+              <a:stCxn id="25" idx="2"/>
+              <a:endCxn id="9" idx="0"/>
+            </p:cNvCxnSpPr>
+            <p:nvPr/>
+          </p:nvCxnSpPr>
+          <p:spPr>
+            <a:xfrm flipH="1">
+              <a:off x="5388397" y="10361682"/>
+              <a:ext cx="1968" cy="340814"/>
+            </a:xfrm>
+            <a:prstGeom prst="straightConnector1">
+              <a:avLst/>
+            </a:prstGeom>
+            <a:ln w="19050">
+              <a:tailEnd type="triangle"/>
+            </a:ln>
+          </p:spPr>
+          <p:style>
+            <a:lnRef idx="1">
+              <a:schemeClr val="dk1"/>
+            </a:lnRef>
+            <a:fillRef idx="0">
+              <a:schemeClr val="dk1"/>
+            </a:fillRef>
+            <a:effectRef idx="0">
+              <a:schemeClr val="dk1"/>
+            </a:effectRef>
+            <a:fontRef idx="minor">
+              <a:schemeClr val="tx1"/>
+            </a:fontRef>
+          </p:style>
+        </p:cxnSp>
+        <p:cxnSp>
+          <p:nvCxnSpPr>
+            <p:cNvPr id="41" name="直接箭头连接符 40">
+              <a:extLst>
+                <a:ext uri="{FF2B5EF4-FFF2-40B4-BE49-F238E27FC236}">
+                  <a16:creationId xmlns:a16="http://schemas.microsoft.com/office/drawing/2014/main" id="{2664BF11-9566-4102-861E-E81E90AADEE5}"/>
+                </a:ext>
+              </a:extLst>
+            </p:cNvPr>
+            <p:cNvCxnSpPr>
+              <a:cxnSpLocks/>
+              <a:stCxn id="25" idx="3"/>
+              <a:endCxn id="26" idx="1"/>
+            </p:cNvCxnSpPr>
+            <p:nvPr/>
+          </p:nvCxnSpPr>
+          <p:spPr>
+            <a:xfrm>
+              <a:off x="7127713" y="9895114"/>
+              <a:ext cx="559910" cy="3625"/>
+            </a:xfrm>
+            <a:prstGeom prst="straightConnector1">
+              <a:avLst/>
+            </a:prstGeom>
+            <a:ln w="19050">
+              <a:tailEnd type="triangle"/>
+            </a:ln>
+          </p:spPr>
+          <p:style>
+            <a:lnRef idx="1">
+              <a:schemeClr val="dk1"/>
+            </a:lnRef>
+            <a:fillRef idx="0">
+              <a:schemeClr val="dk1"/>
+            </a:fillRef>
+            <a:effectRef idx="0">
+              <a:schemeClr val="dk1"/>
+            </a:effectRef>
+            <a:fontRef idx="minor">
+              <a:schemeClr val="tx1"/>
+            </a:fontRef>
+          </p:style>
+        </p:cxnSp>
+        <p:sp>
+          <p:nvSpPr>
+            <p:cNvPr id="44" name="文本框 43">
+              <a:extLst>
+                <a:ext uri="{FF2B5EF4-FFF2-40B4-BE49-F238E27FC236}">
+                  <a16:creationId xmlns:a16="http://schemas.microsoft.com/office/drawing/2014/main" id="{BC7955F0-D8CC-4615-A17C-14BFAC785382}"/>
+                </a:ext>
+              </a:extLst>
+            </p:cNvPr>
+            <p:cNvSpPr txBox="1"/>
+            <p:nvPr/>
+          </p:nvSpPr>
+          <p:spPr>
+            <a:xfrm>
+              <a:off x="7167200" y="9512343"/>
+              <a:ext cx="415498" cy="369332"/>
+            </a:xfrm>
+            <a:prstGeom prst="rect">
+              <a:avLst/>
+            </a:prstGeom>
+            <a:noFill/>
+          </p:spPr>
+          <p:txBody>
+            <a:bodyPr wrap="square" rtlCol="0">
+              <a:spAutoFit/>
+            </a:bodyPr>
+            <a:lstStyle/>
+            <a:p>
+              <a:pPr algn="ctr"/>
+              <a:r>
+                <a:rPr lang="zh-CN" altLang="en-US" dirty="0">
+                  <a:ln w="3175">
+                    <a:solidFill>
+                      <a:schemeClr val="tx1"/>
+                    </a:solidFill>
+                  </a:ln>
+                  <a:latin typeface="宋体" panose="02010600030101010101" pitchFamily="2" charset="-122"/>
+                  <a:ea typeface="宋体" panose="02010600030101010101" pitchFamily="2" charset="-122"/>
+                </a:rPr>
+                <a:t>否</a:t>
+              </a:r>
+            </a:p>
+          </p:txBody>
+        </p:sp>
+        <p:sp>
+          <p:nvSpPr>
+            <p:cNvPr id="50" name="文本框 49">
+              <a:extLst>
+                <a:ext uri="{FF2B5EF4-FFF2-40B4-BE49-F238E27FC236}">
+                  <a16:creationId xmlns:a16="http://schemas.microsoft.com/office/drawing/2014/main" id="{0704E5C2-8691-4DFE-B596-1E6CFDB3D2AB}"/>
+                </a:ext>
+              </a:extLst>
+            </p:cNvPr>
+            <p:cNvSpPr txBox="1"/>
+            <p:nvPr/>
+          </p:nvSpPr>
+          <p:spPr>
+            <a:xfrm>
+              <a:off x="4913036" y="6487248"/>
+              <a:ext cx="415498" cy="369332"/>
+            </a:xfrm>
+            <a:prstGeom prst="rect">
+              <a:avLst/>
+            </a:prstGeom>
+            <a:noFill/>
+          </p:spPr>
+          <p:txBody>
+            <a:bodyPr wrap="square" rtlCol="0">
+              <a:spAutoFit/>
+            </a:bodyPr>
+            <a:lstStyle/>
+            <a:p>
+              <a:pPr algn="ctr"/>
+              <a:r>
+                <a:rPr lang="zh-CN" altLang="en-US" dirty="0">
+                  <a:ln w="3175">
+                    <a:solidFill>
+                      <a:schemeClr val="tx1"/>
+                    </a:solidFill>
+                  </a:ln>
+                  <a:latin typeface="宋体" panose="02010600030101010101" pitchFamily="2" charset="-122"/>
+                  <a:ea typeface="宋体" panose="02010600030101010101" pitchFamily="2" charset="-122"/>
+                </a:rPr>
+                <a:t>否</a:t>
+              </a:r>
+            </a:p>
+          </p:txBody>
+        </p:sp>
+        <p:sp>
+          <p:nvSpPr>
+            <p:cNvPr id="51" name="文本框 50">
+              <a:extLst>
+                <a:ext uri="{FF2B5EF4-FFF2-40B4-BE49-F238E27FC236}">
+                  <a16:creationId xmlns:a16="http://schemas.microsoft.com/office/drawing/2014/main" id="{176A307C-A858-4544-8AC4-2044A93677D2}"/>
+                </a:ext>
+              </a:extLst>
+            </p:cNvPr>
+            <p:cNvSpPr txBox="1"/>
+            <p:nvPr/>
+          </p:nvSpPr>
+          <p:spPr>
+            <a:xfrm>
+              <a:off x="4998628" y="10333164"/>
+              <a:ext cx="329906" cy="369332"/>
+            </a:xfrm>
+            <a:prstGeom prst="rect">
+              <a:avLst/>
+            </a:prstGeom>
+            <a:noFill/>
+          </p:spPr>
+          <p:txBody>
+            <a:bodyPr wrap="square" rtlCol="0">
+              <a:spAutoFit/>
+            </a:bodyPr>
+            <a:lstStyle/>
+            <a:p>
+              <a:pPr algn="ctr"/>
+              <a:r>
+                <a:rPr lang="zh-CN" altLang="en-US" dirty="0">
+                  <a:ln w="3175">
+                    <a:solidFill>
+                      <a:schemeClr val="tx1"/>
+                    </a:solidFill>
+                  </a:ln>
+                  <a:latin typeface="宋体" panose="02010600030101010101" pitchFamily="2" charset="-122"/>
+                  <a:ea typeface="宋体" panose="02010600030101010101" pitchFamily="2" charset="-122"/>
+                </a:rPr>
+                <a:t>是</a:t>
+              </a:r>
+            </a:p>
+          </p:txBody>
+        </p:sp>
+        <p:cxnSp>
+          <p:nvCxnSpPr>
+            <p:cNvPr id="52" name="连接符: 肘形 51">
+              <a:extLst>
+                <a:ext uri="{FF2B5EF4-FFF2-40B4-BE49-F238E27FC236}">
+                  <a16:creationId xmlns:a16="http://schemas.microsoft.com/office/drawing/2014/main" id="{9A36EECE-50AB-474B-AF90-4B8FC64F8F2F}"/>
+                </a:ext>
+              </a:extLst>
+            </p:cNvPr>
+            <p:cNvCxnSpPr>
+              <a:cxnSpLocks/>
+              <a:stCxn id="23" idx="0"/>
+            </p:cNvCxnSpPr>
+            <p:nvPr/>
+          </p:nvCxnSpPr>
+          <p:spPr>
+            <a:xfrm rot="5400000" flipH="1" flipV="1">
+              <a:off x="1453406" y="1733379"/>
+              <a:ext cx="3969813" cy="3886252"/>
+            </a:xfrm>
+            <a:prstGeom prst="bentConnector3">
+              <a:avLst>
+                <a:gd name="adj1" fmla="val 100147"/>
+              </a:avLst>
+            </a:prstGeom>
+            <a:ln w="19050">
+              <a:tailEnd type="triangle"/>
+            </a:ln>
+          </p:spPr>
+          <p:style>
+            <a:lnRef idx="1">
+              <a:schemeClr val="dk1"/>
+            </a:lnRef>
+            <a:fillRef idx="0">
+              <a:schemeClr val="dk1"/>
+            </a:fillRef>
+            <a:effectRef idx="0">
+              <a:schemeClr val="dk1"/>
+            </a:effectRef>
+            <a:fontRef idx="minor">
+              <a:schemeClr val="tx1"/>
+            </a:fontRef>
+          </p:style>
+        </p:cxnSp>
+      </p:grpSp>
+    </p:spTree>
+    <p:extLst>
+      <p:ext uri="{BB962C8B-B14F-4D97-AF65-F5344CB8AC3E}">
+        <p14:creationId xmlns:p14="http://schemas.microsoft.com/office/powerpoint/2010/main" val="82001385"/>
+      </p:ext>
+    </p:extLst>
+  </p:cSld>
+  <p:clrMapOvr>
+    <a:masterClrMapping/>
+  </p:clrMapOvr>
+</p:sld>
+</file>
+
 <file path=ppt/theme/theme1.xml><?xml version="1.0" encoding="utf-8"?>
 <a:theme xmlns:a="http://schemas.openxmlformats.org/drawingml/2006/main" name="Office 主题​​">
   <a:themeElements>
